--- a/instructions/Instructions.pptx
+++ b/instructions/Instructions.pptx
@@ -1,15 +1,16 @@
 
 <file path=ppt/presentation.xml><?xml version="1.0" encoding="utf-8"?>
-<p:presentation xmlns:a="http://schemas.openxmlformats.org/drawingml/2006/main" xmlns:r="http://schemas.openxmlformats.org/officeDocument/2006/relationships" xmlns:p="http://schemas.openxmlformats.org/presentationml/2006/main" saveSubsetFonts="1" autoCompressPictures="0">
+<p:presentation xmlns:a="http://schemas.openxmlformats.org/drawingml/2006/main" xmlns:r="http://schemas.openxmlformats.org/officeDocument/2006/relationships" xmlns:p="http://schemas.openxmlformats.org/presentationml/2006/main" saveSubsetFonts="1">
   <p:sldMasterIdLst>
     <p:sldMasterId id="2147483648" r:id="rId1"/>
   </p:sldMasterIdLst>
   <p:sldIdLst>
     <p:sldId id="256" r:id="rId2"/>
     <p:sldId id="257" r:id="rId3"/>
-    <p:sldId id="258" r:id="rId4"/>
+    <p:sldId id="259" r:id="rId4"/>
+    <p:sldId id="258" r:id="rId5"/>
   </p:sldIdLst>
-  <p:sldSz cx="9144000" cy="6858000" type="screen4x3"/>
+  <p:sldSz cx="12192000" cy="6858000"/>
   <p:notesSz cx="6858000" cy="9144000"/>
   <p:defaultTextStyle>
     <a:defPPr>
@@ -109,12 +110,12 @@
   <p:extLst>
     <p:ext uri="{EFAFB233-063F-42B5-8137-9DF3F51BA10A}">
       <p15:sldGuideLst xmlns:p15="http://schemas.microsoft.com/office/powerpoint/2012/main">
-        <p15:guide id="1" orient="horz" pos="2160">
+        <p15:guide id="1" orient="horz" pos="2160" userDrawn="1">
           <p15:clr>
             <a:srgbClr val="A4A3A4"/>
           </p15:clr>
         </p15:guide>
-        <p15:guide id="2" pos="2880">
+        <p15:guide id="2" pos="3840" userDrawn="1">
           <p15:clr>
             <a:srgbClr val="A4A3A4"/>
           </p15:clr>
@@ -154,8 +155,8 @@
         </p:nvSpPr>
         <p:spPr>
           <a:xfrm>
-            <a:off x="685800" y="2130425"/>
-            <a:ext cx="7772400" cy="1470025"/>
+            <a:off x="914400" y="2130426"/>
+            <a:ext cx="10363200" cy="1470025"/>
           </a:xfrm>
         </p:spPr>
         <p:txBody>
@@ -181,8 +182,8 @@
         </p:nvSpPr>
         <p:spPr>
           <a:xfrm>
-            <a:off x="1371600" y="3886200"/>
-            <a:ext cx="6400800" cy="1752600"/>
+            <a:off x="1828800" y="3886200"/>
+            <a:ext cx="8534400" cy="1752600"/>
           </a:xfrm>
         </p:spPr>
         <p:txBody>
@@ -304,7 +305,7 @@
           <a:p>
             <a:fld id="{9D7C6ACB-8DF6-1449-BE97-CA8D947F79D3}" type="datetimeFigureOut">
               <a:rPr lang="en-US" smtClean="0"/>
-              <a:t>8/12/2020</a:t>
+              <a:t>3/8/2023</a:t>
             </a:fld>
             <a:endParaRPr lang="en-US"/>
           </a:p>
@@ -346,7 +347,7 @@
           <a:p>
             <a:fld id="{FBCB11EB-C4CA-1E48-B477-AFB461D80BEB}" type="slidenum">
               <a:rPr lang="en-US" smtClean="0"/>
-              <a:t>‹#›</a:t>
+              <a:t>‹Nr.›</a:t>
             </a:fld>
             <a:endParaRPr lang="en-US"/>
           </a:p>
@@ -472,7 +473,7 @@
           <a:p>
             <a:fld id="{9D7C6ACB-8DF6-1449-BE97-CA8D947F79D3}" type="datetimeFigureOut">
               <a:rPr lang="en-US" smtClean="0"/>
-              <a:t>8/12/2020</a:t>
+              <a:t>3/8/2023</a:t>
             </a:fld>
             <a:endParaRPr lang="en-US"/>
           </a:p>
@@ -514,7 +515,7 @@
           <a:p>
             <a:fld id="{FBCB11EB-C4CA-1E48-B477-AFB461D80BEB}" type="slidenum">
               <a:rPr lang="en-US" smtClean="0"/>
-              <a:t>‹#›</a:t>
+              <a:t>‹Nr.›</a:t>
             </a:fld>
             <a:endParaRPr lang="en-US"/>
           </a:p>
@@ -562,8 +563,8 @@
         </p:nvSpPr>
         <p:spPr>
           <a:xfrm>
-            <a:off x="6629400" y="274638"/>
-            <a:ext cx="2057400" cy="5851525"/>
+            <a:off x="8839200" y="274639"/>
+            <a:ext cx="2743200" cy="5851525"/>
           </a:xfrm>
         </p:spPr>
         <p:txBody>
@@ -589,8 +590,8 @@
         </p:nvSpPr>
         <p:spPr>
           <a:xfrm>
-            <a:off x="457200" y="274638"/>
-            <a:ext cx="6019800" cy="5851525"/>
+            <a:off x="609600" y="274639"/>
+            <a:ext cx="8026400" cy="5851525"/>
           </a:xfrm>
         </p:spPr>
         <p:txBody>
@@ -650,7 +651,7 @@
           <a:p>
             <a:fld id="{9D7C6ACB-8DF6-1449-BE97-CA8D947F79D3}" type="datetimeFigureOut">
               <a:rPr lang="en-US" smtClean="0"/>
-              <a:t>8/12/2020</a:t>
+              <a:t>3/8/2023</a:t>
             </a:fld>
             <a:endParaRPr lang="en-US"/>
           </a:p>
@@ -692,7 +693,7 @@
           <a:p>
             <a:fld id="{FBCB11EB-C4CA-1E48-B477-AFB461D80BEB}" type="slidenum">
               <a:rPr lang="en-US" smtClean="0"/>
-              <a:t>‹#›</a:t>
+              <a:t>‹Nr.›</a:t>
             </a:fld>
             <a:endParaRPr lang="en-US"/>
           </a:p>
@@ -818,7 +819,7 @@
           <a:p>
             <a:fld id="{9D7C6ACB-8DF6-1449-BE97-CA8D947F79D3}" type="datetimeFigureOut">
               <a:rPr lang="en-US" smtClean="0"/>
-              <a:t>8/12/2020</a:t>
+              <a:t>3/8/2023</a:t>
             </a:fld>
             <a:endParaRPr lang="en-US"/>
           </a:p>
@@ -860,7 +861,7 @@
           <a:p>
             <a:fld id="{FBCB11EB-C4CA-1E48-B477-AFB461D80BEB}" type="slidenum">
               <a:rPr lang="en-US" smtClean="0"/>
-              <a:t>‹#›</a:t>
+              <a:t>‹Nr.›</a:t>
             </a:fld>
             <a:endParaRPr lang="en-US"/>
           </a:p>
@@ -908,8 +909,8 @@
         </p:nvSpPr>
         <p:spPr>
           <a:xfrm>
-            <a:off x="722313" y="4406900"/>
-            <a:ext cx="7772400" cy="1362075"/>
+            <a:off x="963084" y="4406901"/>
+            <a:ext cx="10363200" cy="1362075"/>
           </a:xfrm>
         </p:spPr>
         <p:txBody>
@@ -939,8 +940,8 @@
         </p:nvSpPr>
         <p:spPr>
           <a:xfrm>
-            <a:off x="722313" y="2906713"/>
-            <a:ext cx="7772400" cy="1500187"/>
+            <a:off x="963084" y="2906713"/>
+            <a:ext cx="10363200" cy="1500187"/>
           </a:xfrm>
         </p:spPr>
         <p:txBody>
@@ -1063,7 +1064,7 @@
           <a:p>
             <a:fld id="{9D7C6ACB-8DF6-1449-BE97-CA8D947F79D3}" type="datetimeFigureOut">
               <a:rPr lang="en-US" smtClean="0"/>
-              <a:t>8/12/2020</a:t>
+              <a:t>3/8/2023</a:t>
             </a:fld>
             <a:endParaRPr lang="en-US"/>
           </a:p>
@@ -1105,7 +1106,7 @@
           <a:p>
             <a:fld id="{FBCB11EB-C4CA-1E48-B477-AFB461D80BEB}" type="slidenum">
               <a:rPr lang="en-US" smtClean="0"/>
-              <a:t>‹#›</a:t>
+              <a:t>‹Nr.›</a:t>
             </a:fld>
             <a:endParaRPr lang="en-US"/>
           </a:p>
@@ -1175,8 +1176,8 @@
         </p:nvSpPr>
         <p:spPr>
           <a:xfrm>
-            <a:off x="457200" y="1600200"/>
-            <a:ext cx="4038600" cy="4525963"/>
+            <a:off x="609600" y="1600201"/>
+            <a:ext cx="5384800" cy="4525963"/>
           </a:xfrm>
         </p:spPr>
         <p:txBody>
@@ -1259,8 +1260,8 @@
         </p:nvSpPr>
         <p:spPr>
           <a:xfrm>
-            <a:off x="4648200" y="1600200"/>
-            <a:ext cx="4038600" cy="4525963"/>
+            <a:off x="6197600" y="1600201"/>
+            <a:ext cx="5384800" cy="4525963"/>
           </a:xfrm>
         </p:spPr>
         <p:txBody>
@@ -1348,7 +1349,7 @@
           <a:p>
             <a:fld id="{9D7C6ACB-8DF6-1449-BE97-CA8D947F79D3}" type="datetimeFigureOut">
               <a:rPr lang="en-US" smtClean="0"/>
-              <a:t>8/12/2020</a:t>
+              <a:t>3/8/2023</a:t>
             </a:fld>
             <a:endParaRPr lang="en-US"/>
           </a:p>
@@ -1390,7 +1391,7 @@
           <a:p>
             <a:fld id="{FBCB11EB-C4CA-1E48-B477-AFB461D80BEB}" type="slidenum">
               <a:rPr lang="en-US" smtClean="0"/>
-              <a:t>‹#›</a:t>
+              <a:t>‹Nr.›</a:t>
             </a:fld>
             <a:endParaRPr lang="en-US"/>
           </a:p>
@@ -1464,8 +1465,8 @@
         </p:nvSpPr>
         <p:spPr>
           <a:xfrm>
-            <a:off x="457200" y="1535113"/>
-            <a:ext cx="4040188" cy="639762"/>
+            <a:off x="609600" y="1535113"/>
+            <a:ext cx="5386917" cy="639762"/>
           </a:xfrm>
         </p:spPr>
         <p:txBody>
@@ -1529,8 +1530,8 @@
         </p:nvSpPr>
         <p:spPr>
           <a:xfrm>
-            <a:off x="457200" y="2174875"/>
-            <a:ext cx="4040188" cy="3951288"/>
+            <a:off x="609600" y="2174875"/>
+            <a:ext cx="5386917" cy="3951288"/>
           </a:xfrm>
         </p:spPr>
         <p:txBody>
@@ -1613,8 +1614,8 @@
         </p:nvSpPr>
         <p:spPr>
           <a:xfrm>
-            <a:off x="4645025" y="1535113"/>
-            <a:ext cx="4041775" cy="639762"/>
+            <a:off x="6193368" y="1535113"/>
+            <a:ext cx="5389033" cy="639762"/>
           </a:xfrm>
         </p:spPr>
         <p:txBody>
@@ -1678,8 +1679,8 @@
         </p:nvSpPr>
         <p:spPr>
           <a:xfrm>
-            <a:off x="4645025" y="2174875"/>
-            <a:ext cx="4041775" cy="3951288"/>
+            <a:off x="6193368" y="2174875"/>
+            <a:ext cx="5389033" cy="3951288"/>
           </a:xfrm>
         </p:spPr>
         <p:txBody>
@@ -1767,7 +1768,7 @@
           <a:p>
             <a:fld id="{9D7C6ACB-8DF6-1449-BE97-CA8D947F79D3}" type="datetimeFigureOut">
               <a:rPr lang="en-US" smtClean="0"/>
-              <a:t>8/12/2020</a:t>
+              <a:t>3/8/2023</a:t>
             </a:fld>
             <a:endParaRPr lang="en-US"/>
           </a:p>
@@ -1809,7 +1810,7 @@
           <a:p>
             <a:fld id="{FBCB11EB-C4CA-1E48-B477-AFB461D80BEB}" type="slidenum">
               <a:rPr lang="en-US" smtClean="0"/>
-              <a:t>‹#›</a:t>
+              <a:t>‹Nr.›</a:t>
             </a:fld>
             <a:endParaRPr lang="en-US"/>
           </a:p>
@@ -1884,7 +1885,7 @@
           <a:p>
             <a:fld id="{9D7C6ACB-8DF6-1449-BE97-CA8D947F79D3}" type="datetimeFigureOut">
               <a:rPr lang="en-US" smtClean="0"/>
-              <a:t>8/12/2020</a:t>
+              <a:t>3/8/2023</a:t>
             </a:fld>
             <a:endParaRPr lang="en-US"/>
           </a:p>
@@ -1926,7 +1927,7 @@
           <a:p>
             <a:fld id="{FBCB11EB-C4CA-1E48-B477-AFB461D80BEB}" type="slidenum">
               <a:rPr lang="en-US" smtClean="0"/>
-              <a:t>‹#›</a:t>
+              <a:t>‹Nr.›</a:t>
             </a:fld>
             <a:endParaRPr lang="en-US"/>
           </a:p>
@@ -1979,7 +1980,7 @@
           <a:p>
             <a:fld id="{9D7C6ACB-8DF6-1449-BE97-CA8D947F79D3}" type="datetimeFigureOut">
               <a:rPr lang="en-US" smtClean="0"/>
-              <a:t>8/12/2020</a:t>
+              <a:t>3/8/2023</a:t>
             </a:fld>
             <a:endParaRPr lang="en-US"/>
           </a:p>
@@ -2021,7 +2022,7 @@
           <a:p>
             <a:fld id="{FBCB11EB-C4CA-1E48-B477-AFB461D80BEB}" type="slidenum">
               <a:rPr lang="en-US" smtClean="0"/>
-              <a:t>‹#›</a:t>
+              <a:t>‹Nr.›</a:t>
             </a:fld>
             <a:endParaRPr lang="en-US"/>
           </a:p>
@@ -2069,8 +2070,8 @@
         </p:nvSpPr>
         <p:spPr>
           <a:xfrm>
-            <a:off x="457200" y="273050"/>
-            <a:ext cx="3008313" cy="1162050"/>
+            <a:off x="609601" y="273050"/>
+            <a:ext cx="4011084" cy="1162050"/>
           </a:xfrm>
         </p:spPr>
         <p:txBody>
@@ -2100,8 +2101,8 @@
         </p:nvSpPr>
         <p:spPr>
           <a:xfrm>
-            <a:off x="3575050" y="273050"/>
-            <a:ext cx="5111750" cy="5853113"/>
+            <a:off x="4766733" y="273051"/>
+            <a:ext cx="6815667" cy="5853113"/>
           </a:xfrm>
         </p:spPr>
         <p:txBody>
@@ -2184,8 +2185,8 @@
         </p:nvSpPr>
         <p:spPr>
           <a:xfrm>
-            <a:off x="457200" y="1435100"/>
-            <a:ext cx="3008313" cy="4691063"/>
+            <a:off x="609601" y="1435101"/>
+            <a:ext cx="4011084" cy="4691063"/>
           </a:xfrm>
         </p:spPr>
         <p:txBody>
@@ -2254,7 +2255,7 @@
           <a:p>
             <a:fld id="{9D7C6ACB-8DF6-1449-BE97-CA8D947F79D3}" type="datetimeFigureOut">
               <a:rPr lang="en-US" smtClean="0"/>
-              <a:t>8/12/2020</a:t>
+              <a:t>3/8/2023</a:t>
             </a:fld>
             <a:endParaRPr lang="en-US"/>
           </a:p>
@@ -2296,7 +2297,7 @@
           <a:p>
             <a:fld id="{FBCB11EB-C4CA-1E48-B477-AFB461D80BEB}" type="slidenum">
               <a:rPr lang="en-US" smtClean="0"/>
-              <a:t>‹#›</a:t>
+              <a:t>‹Nr.›</a:t>
             </a:fld>
             <a:endParaRPr lang="en-US"/>
           </a:p>
@@ -2344,8 +2345,8 @@
         </p:nvSpPr>
         <p:spPr>
           <a:xfrm>
-            <a:off x="1792288" y="4800600"/>
-            <a:ext cx="5486400" cy="566738"/>
+            <a:off x="2389717" y="4800600"/>
+            <a:ext cx="7315200" cy="566738"/>
           </a:xfrm>
         </p:spPr>
         <p:txBody>
@@ -2375,8 +2376,8 @@
         </p:nvSpPr>
         <p:spPr>
           <a:xfrm>
-            <a:off x="1792288" y="612775"/>
-            <a:ext cx="5486400" cy="4114800"/>
+            <a:off x="2389717" y="612775"/>
+            <a:ext cx="7315200" cy="4114800"/>
           </a:xfrm>
         </p:spPr>
         <p:txBody>
@@ -2436,8 +2437,8 @@
         </p:nvSpPr>
         <p:spPr>
           <a:xfrm>
-            <a:off x="1792288" y="5367338"/>
-            <a:ext cx="5486400" cy="804862"/>
+            <a:off x="2389717" y="5367338"/>
+            <a:ext cx="7315200" cy="804862"/>
           </a:xfrm>
         </p:spPr>
         <p:txBody>
@@ -2506,7 +2507,7 @@
           <a:p>
             <a:fld id="{9D7C6ACB-8DF6-1449-BE97-CA8D947F79D3}" type="datetimeFigureOut">
               <a:rPr lang="en-US" smtClean="0"/>
-              <a:t>8/12/2020</a:t>
+              <a:t>3/8/2023</a:t>
             </a:fld>
             <a:endParaRPr lang="en-US"/>
           </a:p>
@@ -2548,7 +2549,7 @@
           <a:p>
             <a:fld id="{FBCB11EB-C4CA-1E48-B477-AFB461D80BEB}" type="slidenum">
               <a:rPr lang="en-US" smtClean="0"/>
-              <a:t>‹#›</a:t>
+              <a:t>‹Nr.›</a:t>
             </a:fld>
             <a:endParaRPr lang="en-US"/>
           </a:p>
@@ -2604,8 +2605,8 @@
         </p:nvSpPr>
         <p:spPr>
           <a:xfrm>
-            <a:off x="457200" y="274638"/>
-            <a:ext cx="8229600" cy="1143000"/>
+            <a:off x="609600" y="274638"/>
+            <a:ext cx="10972800" cy="1143000"/>
           </a:xfrm>
           <a:prstGeom prst="rect">
             <a:avLst/>
@@ -2636,8 +2637,8 @@
         </p:nvSpPr>
         <p:spPr>
           <a:xfrm>
-            <a:off x="457200" y="1600200"/>
-            <a:ext cx="8229600" cy="4525963"/>
+            <a:off x="609600" y="1600201"/>
+            <a:ext cx="10972800" cy="4525963"/>
           </a:xfrm>
           <a:prstGeom prst="rect">
             <a:avLst/>
@@ -2697,8 +2698,8 @@
         </p:nvSpPr>
         <p:spPr>
           <a:xfrm>
-            <a:off x="457200" y="6356350"/>
-            <a:ext cx="2133600" cy="365125"/>
+            <a:off x="609600" y="6356351"/>
+            <a:ext cx="2844800" cy="365125"/>
           </a:xfrm>
           <a:prstGeom prst="rect">
             <a:avLst/>
@@ -2720,7 +2721,7 @@
           <a:p>
             <a:fld id="{9D7C6ACB-8DF6-1449-BE97-CA8D947F79D3}" type="datetimeFigureOut">
               <a:rPr lang="en-US" smtClean="0"/>
-              <a:t>8/12/2020</a:t>
+              <a:t>3/8/2023</a:t>
             </a:fld>
             <a:endParaRPr lang="en-US"/>
           </a:p>
@@ -2738,8 +2739,8 @@
         </p:nvSpPr>
         <p:spPr>
           <a:xfrm>
-            <a:off x="3124200" y="6356350"/>
-            <a:ext cx="2895600" cy="365125"/>
+            <a:off x="4165600" y="6356351"/>
+            <a:ext cx="3860800" cy="365125"/>
           </a:xfrm>
           <a:prstGeom prst="rect">
             <a:avLst/>
@@ -2775,8 +2776,8 @@
         </p:nvSpPr>
         <p:spPr>
           <a:xfrm>
-            <a:off x="6553200" y="6356350"/>
-            <a:ext cx="2133600" cy="365125"/>
+            <a:off x="8737600" y="6356351"/>
+            <a:ext cx="2844800" cy="365125"/>
           </a:xfrm>
           <a:prstGeom prst="rect">
             <a:avLst/>
@@ -2798,7 +2799,7 @@
           <a:p>
             <a:fld id="{FBCB11EB-C4CA-1E48-B477-AFB461D80BEB}" type="slidenum">
               <a:rPr lang="en-US" smtClean="0"/>
-              <a:t>‹#›</a:t>
+              <a:t>‹Nr.›</a:t>
             </a:fld>
             <a:endParaRPr lang="en-US"/>
           </a:p>
@@ -3103,7 +3104,7 @@
         </p:nvSpPr>
         <p:spPr>
           <a:xfrm>
-            <a:off x="654287" y="575341"/>
+            <a:off x="2178287" y="575342"/>
             <a:ext cx="7774486" cy="6740307"/>
           </a:xfrm>
           <a:prstGeom prst="rect">
@@ -3200,7 +3201,7 @@
         </p:blipFill>
         <p:spPr>
           <a:xfrm>
-            <a:off x="4272470" y="2864965"/>
+            <a:off x="5796470" y="2864965"/>
             <a:ext cx="1380916" cy="1380916"/>
           </a:xfrm>
           <a:prstGeom prst="rect">
@@ -3223,7 +3224,7 @@
         </p:blipFill>
         <p:spPr>
           <a:xfrm>
-            <a:off x="5940053" y="2976133"/>
+            <a:off x="7464054" y="2976134"/>
             <a:ext cx="1158579" cy="1158579"/>
           </a:xfrm>
           <a:prstGeom prst="rect">
@@ -3246,7 +3247,7 @@
         </p:blipFill>
         <p:spPr>
           <a:xfrm>
-            <a:off x="1600120" y="2864964"/>
+            <a:off x="3124121" y="2864965"/>
             <a:ext cx="1368263" cy="1368263"/>
           </a:xfrm>
           <a:prstGeom prst="rect">
@@ -3269,7 +3270,7 @@
         </p:blipFill>
         <p:spPr>
           <a:xfrm>
-            <a:off x="2911635" y="2864965"/>
+            <a:off x="4435636" y="2864966"/>
             <a:ext cx="1368263" cy="1368263"/>
           </a:xfrm>
           <a:prstGeom prst="rect">
@@ -3315,7 +3316,7 @@
         </p:nvSpPr>
         <p:spPr>
           <a:xfrm>
-            <a:off x="654287" y="315671"/>
+            <a:off x="2178287" y="315671"/>
             <a:ext cx="7774486" cy="7478970"/>
           </a:xfrm>
           <a:prstGeom prst="rect">
@@ -3361,29 +3362,34 @@
               <a:rPr lang="en-US" sz="2400" dirty="0"/>
               <a:t>.</a:t>
             </a:r>
-          </a:p>
-          <a:p>
             <a:endParaRPr lang="en-US" sz="2400" dirty="0"/>
           </a:p>
           <a:p>
             <a:endParaRPr lang="en-US" sz="2400" dirty="0"/>
           </a:p>
           <a:p>
+            <a:r>
+              <a:rPr lang="en-US" sz="2400" dirty="0"/>
+              <a:t>Please </a:t>
+            </a:r>
+            <a:r>
+              <a:rPr lang="en-US" sz="2400" dirty="0"/>
+              <a:t>press the </a:t>
+            </a:r>
+            <a:r>
+              <a:rPr lang="en-US" sz="2400" b="1" dirty="0"/>
+              <a:t>space bar,</a:t>
+            </a:r>
+            <a:r>
+              <a:rPr lang="en-US" sz="2400" dirty="0"/>
+              <a:t> as quickly and as accurately as possible, whenever you see a target image in any view (front or side) for any amount of time (short or long duration).</a:t>
+            </a:r>
+          </a:p>
+          <a:p>
             <a:endParaRPr lang="en-US" sz="2400" dirty="0"/>
           </a:p>
           <a:p>
-            <a:r>
-              <a:rPr lang="en-US" sz="2400" dirty="0"/>
-              <a:t>Please press the </a:t>
-            </a:r>
-            <a:r>
-              <a:rPr lang="en-US" sz="2400" b="1" dirty="0"/>
-              <a:t>up arrow key,</a:t>
-            </a:r>
-            <a:r>
-              <a:rPr lang="en-US" sz="2400" dirty="0"/>
-              <a:t> as quickly and as accurately as possible, whenever you see a target image in any view (front or side) for any amount of time (short or long duration).</a:t>
-            </a:r>
+            <a:endParaRPr lang="en-US" sz="2400" dirty="0"/>
           </a:p>
           <a:p>
             <a:endParaRPr lang="en-US" sz="2400" dirty="0"/>
@@ -3432,101 +3438,6 @@
           </a:p>
           <a:p>
             <a:endParaRPr lang="en-US" sz="2400" dirty="0"/>
-          </a:p>
-        </p:txBody>
-      </p:sp>
-      <p:pic>
-        <p:nvPicPr>
-          <p:cNvPr id="2" name="Picture 1"/>
-          <p:cNvPicPr>
-            <a:picLocks noChangeAspect="1"/>
-          </p:cNvPicPr>
-          <p:nvPr/>
-        </p:nvPicPr>
-        <p:blipFill rotWithShape="1">
-          <a:blip r:embed="rId2">
-            <a:extLst>
-              <a:ext uri="{BEBA8EAE-BF5A-486C-A8C5-ECC9F3942E4B}">
-                <a14:imgProps xmlns:a14="http://schemas.microsoft.com/office/drawing/2010/main">
-                  <a14:imgLayer r:embed="rId3">
-                    <a14:imgEffect>
-                      <a14:backgroundRemoval t="65743" b="96096" l="82020" r="97826">
-                        <a14:foregroundMark x1="84828" y1="81234" x2="84828" y2="81234"/>
-                        <a14:foregroundMark x1="84692" y1="86650" x2="84692" y2="86650"/>
-                        <a14:foregroundMark x1="87047" y1="88539" x2="87047" y2="88539"/>
-                        <a14:foregroundMark x1="86911" y1="83123" x2="86911" y2="83123"/>
-                        <a14:foregroundMark x1="89447" y1="81612" x2="89447" y2="81612"/>
-                        <a14:foregroundMark x1="93071" y1="81612" x2="93071" y2="81612"/>
-                        <a14:foregroundMark x1="92935" y1="88539" x2="92935" y2="88539"/>
-                        <a14:foregroundMark x1="91440" y1="67632" x2="91440" y2="67632"/>
-                        <a14:foregroundMark x1="92029" y1="69270" x2="92029" y2="69270"/>
-                        <a14:foregroundMark x1="92074" y1="72292" x2="92074" y2="72292"/>
-                        <a14:foregroundMark x1="91984" y1="84887" x2="91984" y2="84887"/>
-                        <a14:foregroundMark x1="97237" y1="86650" x2="97237" y2="86650"/>
-                        <a14:foregroundMark x1="84828" y1="82494" x2="84828" y2="82494"/>
-                        <a14:foregroundMark x1="83333" y1="82494" x2="83333" y2="82494"/>
-                        <a14:foregroundMark x1="89040" y1="68262" x2="89040" y2="68262"/>
-                      </a14:backgroundRemoval>
-                    </a14:imgEffect>
-                  </a14:imgLayer>
-                </a14:imgProps>
-              </a:ext>
-            </a:extLst>
-          </a:blip>
-          <a:srcRect l="81566" t="62186" r="1685"/>
-          <a:stretch/>
-        </p:blipFill>
-        <p:spPr>
-          <a:xfrm>
-            <a:off x="3859936" y="3137967"/>
-            <a:ext cx="1531524" cy="1243398"/>
-          </a:xfrm>
-          <a:prstGeom prst="rect">
-            <a:avLst/>
-          </a:prstGeom>
-        </p:spPr>
-      </p:pic>
-      <p:sp>
-        <p:nvSpPr>
-          <p:cNvPr id="3" name="Rectangle 2"/>
-          <p:cNvSpPr/>
-          <p:nvPr/>
-        </p:nvSpPr>
-        <p:spPr>
-          <a:xfrm>
-            <a:off x="4345540" y="3636562"/>
-            <a:ext cx="498057" cy="485632"/>
-          </a:xfrm>
-          <a:prstGeom prst="rect">
-            <a:avLst/>
-          </a:prstGeom>
-          <a:noFill/>
-          <a:ln w="38100" cmpd="sng">
-            <a:solidFill>
-              <a:srgbClr val="FF0000"/>
-            </a:solidFill>
-          </a:ln>
-        </p:spPr>
-        <p:style>
-          <a:lnRef idx="1">
-            <a:schemeClr val="accent1"/>
-          </a:lnRef>
-          <a:fillRef idx="3">
-            <a:schemeClr val="accent1"/>
-          </a:fillRef>
-          <a:effectRef idx="2">
-            <a:schemeClr val="accent1"/>
-          </a:effectRef>
-          <a:fontRef idx="minor">
-            <a:schemeClr val="lt1"/>
-          </a:fontRef>
-        </p:style>
-        <p:txBody>
-          <a:bodyPr rtlCol="0" anchor="ctr"/>
-          <a:lstStyle/>
-          <a:p>
-            <a:pPr algn="ctr"/>
-            <a:endParaRPr lang="en-US"/>
           </a:p>
         </p:txBody>
       </p:sp>
@@ -3568,7 +3479,314 @@
         </p:nvSpPr>
         <p:spPr>
           <a:xfrm>
-            <a:off x="654287" y="294604"/>
+            <a:off x="2178287" y="315672"/>
+            <a:ext cx="7774486" cy="6740307"/>
+          </a:xfrm>
+          <a:prstGeom prst="rect">
+            <a:avLst/>
+          </a:prstGeom>
+          <a:noFill/>
+        </p:spPr>
+        <p:txBody>
+          <a:bodyPr wrap="square" rtlCol="0">
+            <a:spAutoFit/>
+          </a:bodyPr>
+          <a:lstStyle/>
+          <a:p>
+            <a:endParaRPr lang="en-US" sz="2400" dirty="0"/>
+          </a:p>
+          <a:p>
+            <a:r>
+              <a:rPr lang="en-US" sz="2400" dirty="0"/>
+              <a:t>In addition to the visual task, there will be an auditory task as well. Therefore, </a:t>
+            </a:r>
+            <a:r>
+              <a:rPr lang="en-US" sz="2400" b="1" dirty="0"/>
+              <a:t>a tone</a:t>
+            </a:r>
+            <a:r>
+              <a:rPr lang="en-US" sz="2400" dirty="0"/>
+              <a:t> will occur during or shortly after the visual image.</a:t>
+            </a:r>
+          </a:p>
+          <a:p>
+            <a:endParaRPr lang="en-US" sz="2400" dirty="0"/>
+          </a:p>
+          <a:p>
+            <a:r>
+              <a:rPr lang="en-US" sz="2400" dirty="0"/>
+              <a:t>Your task will be to discriminate </a:t>
+            </a:r>
+            <a:r>
+              <a:rPr lang="en-US" sz="2400" b="1" dirty="0"/>
+              <a:t>“high” and “low” pitches </a:t>
+            </a:r>
+            <a:r>
+              <a:rPr lang="en-US" sz="2400" dirty="0"/>
+              <a:t>of the tone. Use the </a:t>
+            </a:r>
+            <a:r>
+              <a:rPr lang="en-US" sz="2400" b="1" dirty="0"/>
+              <a:t>up arrow key (blue) </a:t>
+            </a:r>
+            <a:r>
+              <a:rPr lang="en-US" sz="2400" dirty="0"/>
+              <a:t>to respond to </a:t>
+            </a:r>
+            <a:r>
+              <a:rPr lang="en-US" sz="2400" b="1" dirty="0"/>
+              <a:t>“high” tone </a:t>
+            </a:r>
+            <a:r>
+              <a:rPr lang="en-US" sz="2400" dirty="0"/>
+              <a:t>and the </a:t>
+            </a:r>
+            <a:r>
+              <a:rPr lang="en-US" sz="2400" b="1" dirty="0"/>
+              <a:t>down arrow key for “low” tones (red)</a:t>
+            </a:r>
+            <a:r>
+              <a:rPr lang="en-US" sz="2400" dirty="0"/>
+              <a:t>. </a:t>
+            </a:r>
+            <a:r>
+              <a:rPr lang="en-US" sz="2400" dirty="0"/>
+              <a:t>Please </a:t>
+            </a:r>
+            <a:r>
+              <a:rPr lang="en-US" sz="2400" dirty="0"/>
+              <a:t>respond</a:t>
+            </a:r>
+            <a:r>
+              <a:rPr lang="en-US" sz="2400" dirty="0"/>
+              <a:t> as quickly and as accurately as </a:t>
+            </a:r>
+            <a:r>
+              <a:rPr lang="en-US" sz="2400" dirty="0"/>
+              <a:t>possible. Always respond </a:t>
+            </a:r>
+            <a:r>
+              <a:rPr lang="en-US" sz="2400" b="1" dirty="0"/>
+              <a:t>first to the visual</a:t>
+            </a:r>
+            <a:r>
+              <a:rPr lang="en-US" sz="2400" dirty="0"/>
+              <a:t> and then to the auditory task.</a:t>
+            </a:r>
+          </a:p>
+          <a:p>
+            <a:endParaRPr lang="en-US" sz="2400" dirty="0"/>
+          </a:p>
+          <a:p>
+            <a:r>
+              <a:rPr lang="en-US" sz="2400" dirty="0"/>
+              <a:t>  </a:t>
+            </a:r>
+            <a:endParaRPr lang="en-US" sz="2400" b="1" dirty="0"/>
+          </a:p>
+          <a:p>
+            <a:pPr algn="ctr"/>
+            <a:endParaRPr lang="en-US" sz="2400" dirty="0"/>
+          </a:p>
+          <a:p>
+            <a:pPr algn="ctr"/>
+            <a:endParaRPr lang="en-US" sz="2400" dirty="0"/>
+          </a:p>
+          <a:p>
+            <a:endParaRPr lang="en-US" sz="2400" dirty="0"/>
+          </a:p>
+          <a:p>
+            <a:pPr algn="ctr"/>
+            <a:r>
+              <a:rPr lang="en-US" sz="2400" dirty="0"/>
+              <a:t>Press the </a:t>
+            </a:r>
+            <a:r>
+              <a:rPr lang="en-US" sz="2400" b="1" dirty="0"/>
+              <a:t>right arrow key </a:t>
+            </a:r>
+            <a:r>
+              <a:rPr lang="en-US" sz="2400" dirty="0"/>
+              <a:t>to </a:t>
+            </a:r>
+            <a:r>
+              <a:rPr lang="en-US" sz="2400" b="1" dirty="0"/>
+              <a:t>proceed</a:t>
+            </a:r>
+            <a:r>
+              <a:rPr lang="en-US" sz="2400" dirty="0"/>
+              <a:t> or the </a:t>
+            </a:r>
+            <a:r>
+              <a:rPr lang="en-US" sz="2400" b="1" dirty="0"/>
+              <a:t>left arrow key</a:t>
+            </a:r>
+            <a:r>
+              <a:rPr lang="en-US" sz="2400" dirty="0"/>
+              <a:t> to return to the </a:t>
+            </a:r>
+            <a:r>
+              <a:rPr lang="en-US" sz="2400" b="1" dirty="0"/>
+              <a:t>previous slide</a:t>
+            </a:r>
+          </a:p>
+          <a:p>
+            <a:endParaRPr lang="en-US" sz="2400" dirty="0"/>
+          </a:p>
+        </p:txBody>
+      </p:sp>
+      <p:pic>
+        <p:nvPicPr>
+          <p:cNvPr id="3" name="Picture 1"/>
+          <p:cNvPicPr>
+            <a:picLocks noChangeAspect="1"/>
+          </p:cNvPicPr>
+          <p:nvPr/>
+        </p:nvPicPr>
+        <p:blipFill rotWithShape="1">
+          <a:blip r:embed="rId2">
+            <a:extLst/>
+          </a:blip>
+          <a:srcRect l="81566" t="62186" r="1685"/>
+          <a:stretch/>
+        </p:blipFill>
+        <p:spPr>
+          <a:xfrm>
+            <a:off x="5290626" y="4267133"/>
+            <a:ext cx="1531524" cy="1243398"/>
+          </a:xfrm>
+          <a:prstGeom prst="rect">
+            <a:avLst/>
+          </a:prstGeom>
+        </p:spPr>
+      </p:pic>
+      <p:sp>
+        <p:nvSpPr>
+          <p:cNvPr id="5" name="Rectangle 2"/>
+          <p:cNvSpPr/>
+          <p:nvPr/>
+        </p:nvSpPr>
+        <p:spPr>
+          <a:xfrm>
+            <a:off x="5776231" y="4915019"/>
+            <a:ext cx="498057" cy="485632"/>
+          </a:xfrm>
+          <a:prstGeom prst="rect">
+            <a:avLst/>
+          </a:prstGeom>
+          <a:noFill/>
+          <a:ln w="38100" cmpd="sng">
+            <a:solidFill>
+              <a:srgbClr val="FF0000"/>
+            </a:solidFill>
+          </a:ln>
+        </p:spPr>
+        <p:style>
+          <a:lnRef idx="1">
+            <a:schemeClr val="accent1"/>
+          </a:lnRef>
+          <a:fillRef idx="3">
+            <a:schemeClr val="accent1"/>
+          </a:fillRef>
+          <a:effectRef idx="2">
+            <a:schemeClr val="accent1"/>
+          </a:effectRef>
+          <a:fontRef idx="minor">
+            <a:schemeClr val="lt1"/>
+          </a:fontRef>
+        </p:style>
+        <p:txBody>
+          <a:bodyPr rtlCol="0" anchor="ctr"/>
+          <a:lstStyle/>
+          <a:p>
+            <a:pPr algn="ctr"/>
+            <a:endParaRPr lang="en-US"/>
+          </a:p>
+        </p:txBody>
+      </p:sp>
+      <p:sp>
+        <p:nvSpPr>
+          <p:cNvPr id="6" name="Rectangle 2"/>
+          <p:cNvSpPr/>
+          <p:nvPr/>
+        </p:nvSpPr>
+        <p:spPr>
+          <a:xfrm>
+            <a:off x="5776231" y="4403200"/>
+            <a:ext cx="498057" cy="485632"/>
+          </a:xfrm>
+          <a:prstGeom prst="rect">
+            <a:avLst/>
+          </a:prstGeom>
+          <a:noFill/>
+          <a:ln w="38100" cmpd="sng">
+            <a:solidFill>
+              <a:srgbClr val="0070C0"/>
+            </a:solidFill>
+          </a:ln>
+        </p:spPr>
+        <p:style>
+          <a:lnRef idx="1">
+            <a:schemeClr val="accent1"/>
+          </a:lnRef>
+          <a:fillRef idx="3">
+            <a:schemeClr val="accent1"/>
+          </a:fillRef>
+          <a:effectRef idx="2">
+            <a:schemeClr val="accent1"/>
+          </a:effectRef>
+          <a:fontRef idx="minor">
+            <a:schemeClr val="lt1"/>
+          </a:fontRef>
+        </p:style>
+        <p:txBody>
+          <a:bodyPr rtlCol="0" anchor="ctr"/>
+          <a:lstStyle/>
+          <a:p>
+            <a:pPr algn="ctr"/>
+            <a:endParaRPr lang="en-US"/>
+          </a:p>
+        </p:txBody>
+      </p:sp>
+    </p:spTree>
+    <p:extLst>
+      <p:ext uri="{BB962C8B-B14F-4D97-AF65-F5344CB8AC3E}">
+        <p14:creationId xmlns:p14="http://schemas.microsoft.com/office/powerpoint/2010/main" val="3993068824"/>
+      </p:ext>
+    </p:extLst>
+  </p:cSld>
+  <p:clrMapOvr>
+    <a:masterClrMapping/>
+  </p:clrMapOvr>
+</p:sld>
+</file>
+
+<file path=ppt/slides/slide4.xml><?xml version="1.0" encoding="utf-8"?>
+<p:sld xmlns:a="http://schemas.openxmlformats.org/drawingml/2006/main" xmlns:r="http://schemas.openxmlformats.org/officeDocument/2006/relationships" xmlns:p="http://schemas.openxmlformats.org/presentationml/2006/main">
+  <p:cSld>
+    <p:spTree>
+      <p:nvGrpSpPr>
+        <p:cNvPr id="1" name=""/>
+        <p:cNvGrpSpPr/>
+        <p:nvPr/>
+      </p:nvGrpSpPr>
+      <p:grpSpPr>
+        <a:xfrm>
+          <a:off x="0" y="0"/>
+          <a:ext cx="0" cy="0"/>
+          <a:chOff x="0" y="0"/>
+          <a:chExt cx="0" cy="0"/>
+        </a:xfrm>
+      </p:grpSpPr>
+      <p:sp>
+        <p:nvSpPr>
+          <p:cNvPr id="4" name="TextBox 3"/>
+          <p:cNvSpPr txBox="1"/>
+          <p:nvPr/>
+        </p:nvSpPr>
+        <p:spPr>
+          <a:xfrm>
+            <a:off x="2178287" y="294605"/>
             <a:ext cx="7774486" cy="7109639"/>
           </a:xfrm>
           <a:prstGeom prst="rect">
@@ -3587,7 +3805,15 @@
           <a:p>
             <a:r>
               <a:rPr lang="en-US" sz="2400" dirty="0"/>
-              <a:t>Each sequence will last about 1min 15sec. You will be able to rest between sequences. The sequence will only begin after you press the space bar.</a:t>
+              <a:t>Each sequence will last about 1min </a:t>
+            </a:r>
+            <a:r>
+              <a:rPr lang="en-US" sz="2400" dirty="0"/>
+              <a:t>30sec</a:t>
+            </a:r>
+            <a:r>
+              <a:rPr lang="en-US" sz="2400" dirty="0"/>
+              <a:t>. You will be able to rest between sequences. The sequence will only begin after you press the space bar.</a:t>
             </a:r>
           </a:p>
           <a:p>

--- a/instructions/Instructions.pptx
+++ b/instructions/Instructions.pptx
@@ -8,7 +8,10 @@
     <p:sldId id="256" r:id="rId2"/>
     <p:sldId id="257" r:id="rId3"/>
     <p:sldId id="259" r:id="rId4"/>
-    <p:sldId id="258" r:id="rId5"/>
+    <p:sldId id="262" r:id="rId5"/>
+    <p:sldId id="260" r:id="rId6"/>
+    <p:sldId id="261" r:id="rId7"/>
+    <p:sldId id="258" r:id="rId8"/>
   </p:sldIdLst>
   <p:sldSz cx="12192000" cy="6858000"/>
   <p:notesSz cx="6858000" cy="9144000"/>
@@ -305,7 +308,7 @@
           <a:p>
             <a:fld id="{9D7C6ACB-8DF6-1449-BE97-CA8D947F79D3}" type="datetimeFigureOut">
               <a:rPr lang="en-US" smtClean="0"/>
-              <a:t>3/8/2023</a:t>
+              <a:t>3/17/2023</a:t>
             </a:fld>
             <a:endParaRPr lang="en-US"/>
           </a:p>
@@ -473,7 +476,7 @@
           <a:p>
             <a:fld id="{9D7C6ACB-8DF6-1449-BE97-CA8D947F79D3}" type="datetimeFigureOut">
               <a:rPr lang="en-US" smtClean="0"/>
-              <a:t>3/8/2023</a:t>
+              <a:t>3/17/2023</a:t>
             </a:fld>
             <a:endParaRPr lang="en-US"/>
           </a:p>
@@ -651,7 +654,7 @@
           <a:p>
             <a:fld id="{9D7C6ACB-8DF6-1449-BE97-CA8D947F79D3}" type="datetimeFigureOut">
               <a:rPr lang="en-US" smtClean="0"/>
-              <a:t>3/8/2023</a:t>
+              <a:t>3/17/2023</a:t>
             </a:fld>
             <a:endParaRPr lang="en-US"/>
           </a:p>
@@ -819,7 +822,7 @@
           <a:p>
             <a:fld id="{9D7C6ACB-8DF6-1449-BE97-CA8D947F79D3}" type="datetimeFigureOut">
               <a:rPr lang="en-US" smtClean="0"/>
-              <a:t>3/8/2023</a:t>
+              <a:t>3/17/2023</a:t>
             </a:fld>
             <a:endParaRPr lang="en-US"/>
           </a:p>
@@ -1064,7 +1067,7 @@
           <a:p>
             <a:fld id="{9D7C6ACB-8DF6-1449-BE97-CA8D947F79D3}" type="datetimeFigureOut">
               <a:rPr lang="en-US" smtClean="0"/>
-              <a:t>3/8/2023</a:t>
+              <a:t>3/17/2023</a:t>
             </a:fld>
             <a:endParaRPr lang="en-US"/>
           </a:p>
@@ -1349,7 +1352,7 @@
           <a:p>
             <a:fld id="{9D7C6ACB-8DF6-1449-BE97-CA8D947F79D3}" type="datetimeFigureOut">
               <a:rPr lang="en-US" smtClean="0"/>
-              <a:t>3/8/2023</a:t>
+              <a:t>3/17/2023</a:t>
             </a:fld>
             <a:endParaRPr lang="en-US"/>
           </a:p>
@@ -1768,7 +1771,7 @@
           <a:p>
             <a:fld id="{9D7C6ACB-8DF6-1449-BE97-CA8D947F79D3}" type="datetimeFigureOut">
               <a:rPr lang="en-US" smtClean="0"/>
-              <a:t>3/8/2023</a:t>
+              <a:t>3/17/2023</a:t>
             </a:fld>
             <a:endParaRPr lang="en-US"/>
           </a:p>
@@ -1885,7 +1888,7 @@
           <a:p>
             <a:fld id="{9D7C6ACB-8DF6-1449-BE97-CA8D947F79D3}" type="datetimeFigureOut">
               <a:rPr lang="en-US" smtClean="0"/>
-              <a:t>3/8/2023</a:t>
+              <a:t>3/17/2023</a:t>
             </a:fld>
             <a:endParaRPr lang="en-US"/>
           </a:p>
@@ -1980,7 +1983,7 @@
           <a:p>
             <a:fld id="{9D7C6ACB-8DF6-1449-BE97-CA8D947F79D3}" type="datetimeFigureOut">
               <a:rPr lang="en-US" smtClean="0"/>
-              <a:t>3/8/2023</a:t>
+              <a:t>3/17/2023</a:t>
             </a:fld>
             <a:endParaRPr lang="en-US"/>
           </a:p>
@@ -2255,7 +2258,7 @@
           <a:p>
             <a:fld id="{9D7C6ACB-8DF6-1449-BE97-CA8D947F79D3}" type="datetimeFigureOut">
               <a:rPr lang="en-US" smtClean="0"/>
-              <a:t>3/8/2023</a:t>
+              <a:t>3/17/2023</a:t>
             </a:fld>
             <a:endParaRPr lang="en-US"/>
           </a:p>
@@ -2507,7 +2510,7 @@
           <a:p>
             <a:fld id="{9D7C6ACB-8DF6-1449-BE97-CA8D947F79D3}" type="datetimeFigureOut">
               <a:rPr lang="en-US" smtClean="0"/>
-              <a:t>3/8/2023</a:t>
+              <a:t>3/17/2023</a:t>
             </a:fld>
             <a:endParaRPr lang="en-US"/>
           </a:p>
@@ -2721,7 +2724,7 @@
           <a:p>
             <a:fld id="{9D7C6ACB-8DF6-1449-BE97-CA8D947F79D3}" type="datetimeFigureOut">
               <a:rPr lang="en-US" smtClean="0"/>
-              <a:t>3/8/2023</a:t>
+              <a:t>3/17/2023</a:t>
             </a:fld>
             <a:endParaRPr lang="en-US"/>
           </a:p>
@@ -3362,19 +3365,14 @@
               <a:rPr lang="en-US" sz="2400" dirty="0"/>
               <a:t>.</a:t>
             </a:r>
+          </a:p>
+          <a:p>
             <a:endParaRPr lang="en-US" sz="2400" dirty="0"/>
           </a:p>
           <a:p>
-            <a:endParaRPr lang="en-US" sz="2400" dirty="0"/>
-          </a:p>
-          <a:p>
-            <a:r>
-              <a:rPr lang="en-US" sz="2400" dirty="0"/>
-              <a:t>Please </a:t>
-            </a:r>
-            <a:r>
-              <a:rPr lang="en-US" sz="2400" dirty="0"/>
-              <a:t>press the </a:t>
+            <a:r>
+              <a:rPr lang="en-US" sz="2400" dirty="0"/>
+              <a:t>Please press the </a:t>
             </a:r>
             <a:r>
               <a:rPr lang="en-US" sz="2400" b="1" dirty="0"/>
@@ -3526,44 +3524,53 @@
               <a:t>of the tone. Use the </a:t>
             </a:r>
             <a:r>
-              <a:rPr lang="en-US" sz="2400" b="1" dirty="0"/>
-              <a:t>up arrow key (blue) </a:t>
-            </a:r>
-            <a:r>
-              <a:rPr lang="en-US" sz="2400" dirty="0"/>
-              <a:t>to respond to </a:t>
-            </a:r>
-            <a:r>
-              <a:rPr lang="en-US" sz="2400" b="1" dirty="0"/>
-              <a:t>“high” tone </a:t>
+              <a:rPr lang="en-US" sz="2400" b="1" dirty="0" smtClean="0"/>
+              <a:t>“1” key </a:t>
+            </a:r>
+            <a:r>
+              <a:rPr lang="en-US" sz="2400" dirty="0" smtClean="0"/>
+              <a:t>to </a:t>
+            </a:r>
+            <a:r>
+              <a:rPr lang="en-US" sz="2400" dirty="0"/>
+              <a:t>respond to </a:t>
+            </a:r>
+            <a:r>
+              <a:rPr lang="en-US" sz="2400" b="1" dirty="0" smtClean="0"/>
+              <a:t>high tone </a:t>
             </a:r>
             <a:r>
               <a:rPr lang="en-US" sz="2400" dirty="0"/>
               <a:t>and the </a:t>
             </a:r>
             <a:r>
-              <a:rPr lang="en-US" sz="2400" b="1" dirty="0"/>
-              <a:t>down arrow key for “low” tones (red)</a:t>
-            </a:r>
-            <a:r>
-              <a:rPr lang="en-US" sz="2400" dirty="0"/>
+              <a:rPr lang="en-US" sz="2400" b="1" dirty="0" smtClean="0"/>
+              <a:t>“2” key </a:t>
+            </a:r>
+            <a:r>
+              <a:rPr lang="en-US" sz="2400" b="1" dirty="0" smtClean="0"/>
+              <a:t>for </a:t>
+            </a:r>
+            <a:r>
+              <a:rPr lang="en-US" sz="2400" b="1" dirty="0" smtClean="0"/>
+              <a:t>low tones</a:t>
+            </a:r>
+            <a:r>
+              <a:rPr lang="en-US" sz="2400" dirty="0" smtClean="0"/>
               <a:t>. </a:t>
             </a:r>
-            <a:r>
-              <a:rPr lang="en-US" sz="2400" dirty="0"/>
+          </a:p>
+          <a:p>
+            <a:endParaRPr lang="en-US" sz="2400" dirty="0"/>
+          </a:p>
+          <a:p>
+            <a:r>
+              <a:rPr lang="en-US" sz="2400" dirty="0" smtClean="0"/>
               <a:t>Please </a:t>
             </a:r>
             <a:r>
               <a:rPr lang="en-US" sz="2400" dirty="0"/>
-              <a:t>respond</a:t>
-            </a:r>
-            <a:r>
-              <a:rPr lang="en-US" sz="2400" dirty="0"/>
-              <a:t> as quickly and as accurately as </a:t>
-            </a:r>
-            <a:r>
-              <a:rPr lang="en-US" sz="2400" dirty="0"/>
-              <a:t>possible. Always respond </a:t>
+              <a:t>respond as quickly and as accurately as possible. Always respond </a:t>
             </a:r>
             <a:r>
               <a:rPr lang="en-US" sz="2400" b="1" dirty="0"/>
@@ -3582,15 +3589,6 @@
               <a:rPr lang="en-US" sz="2400" dirty="0"/>
               <a:t>  </a:t>
             </a:r>
-            <a:endParaRPr lang="en-US" sz="2400" b="1" dirty="0"/>
-          </a:p>
-          <a:p>
-            <a:pPr algn="ctr"/>
-            <a:endParaRPr lang="en-US" sz="2400" dirty="0"/>
-          </a:p>
-          <a:p>
-            <a:pPr algn="ctr"/>
-            <a:endParaRPr lang="en-US" sz="2400" dirty="0"/>
           </a:p>
           <a:p>
             <a:endParaRPr lang="en-US" sz="2400" dirty="0"/>
@@ -3632,119 +3630,6 @@
           </a:p>
           <a:p>
             <a:endParaRPr lang="en-US" sz="2400" dirty="0"/>
-          </a:p>
-        </p:txBody>
-      </p:sp>
-      <p:pic>
-        <p:nvPicPr>
-          <p:cNvPr id="3" name="Picture 1"/>
-          <p:cNvPicPr>
-            <a:picLocks noChangeAspect="1"/>
-          </p:cNvPicPr>
-          <p:nvPr/>
-        </p:nvPicPr>
-        <p:blipFill rotWithShape="1">
-          <a:blip r:embed="rId2">
-            <a:extLst/>
-          </a:blip>
-          <a:srcRect l="81566" t="62186" r="1685"/>
-          <a:stretch/>
-        </p:blipFill>
-        <p:spPr>
-          <a:xfrm>
-            <a:off x="5290626" y="4267133"/>
-            <a:ext cx="1531524" cy="1243398"/>
-          </a:xfrm>
-          <a:prstGeom prst="rect">
-            <a:avLst/>
-          </a:prstGeom>
-        </p:spPr>
-      </p:pic>
-      <p:sp>
-        <p:nvSpPr>
-          <p:cNvPr id="5" name="Rectangle 2"/>
-          <p:cNvSpPr/>
-          <p:nvPr/>
-        </p:nvSpPr>
-        <p:spPr>
-          <a:xfrm>
-            <a:off x="5776231" y="4915019"/>
-            <a:ext cx="498057" cy="485632"/>
-          </a:xfrm>
-          <a:prstGeom prst="rect">
-            <a:avLst/>
-          </a:prstGeom>
-          <a:noFill/>
-          <a:ln w="38100" cmpd="sng">
-            <a:solidFill>
-              <a:srgbClr val="FF0000"/>
-            </a:solidFill>
-          </a:ln>
-        </p:spPr>
-        <p:style>
-          <a:lnRef idx="1">
-            <a:schemeClr val="accent1"/>
-          </a:lnRef>
-          <a:fillRef idx="3">
-            <a:schemeClr val="accent1"/>
-          </a:fillRef>
-          <a:effectRef idx="2">
-            <a:schemeClr val="accent1"/>
-          </a:effectRef>
-          <a:fontRef idx="minor">
-            <a:schemeClr val="lt1"/>
-          </a:fontRef>
-        </p:style>
-        <p:txBody>
-          <a:bodyPr rtlCol="0" anchor="ctr"/>
-          <a:lstStyle/>
-          <a:p>
-            <a:pPr algn="ctr"/>
-            <a:endParaRPr lang="en-US"/>
-          </a:p>
-        </p:txBody>
-      </p:sp>
-      <p:sp>
-        <p:nvSpPr>
-          <p:cNvPr id="6" name="Rectangle 2"/>
-          <p:cNvSpPr/>
-          <p:nvPr/>
-        </p:nvSpPr>
-        <p:spPr>
-          <a:xfrm>
-            <a:off x="5776231" y="4403200"/>
-            <a:ext cx="498057" cy="485632"/>
-          </a:xfrm>
-          <a:prstGeom prst="rect">
-            <a:avLst/>
-          </a:prstGeom>
-          <a:noFill/>
-          <a:ln w="38100" cmpd="sng">
-            <a:solidFill>
-              <a:srgbClr val="0070C0"/>
-            </a:solidFill>
-          </a:ln>
-        </p:spPr>
-        <p:style>
-          <a:lnRef idx="1">
-            <a:schemeClr val="accent1"/>
-          </a:lnRef>
-          <a:fillRef idx="3">
-            <a:schemeClr val="accent1"/>
-          </a:fillRef>
-          <a:effectRef idx="2">
-            <a:schemeClr val="accent1"/>
-          </a:effectRef>
-          <a:fontRef idx="minor">
-            <a:schemeClr val="lt1"/>
-          </a:fontRef>
-        </p:style>
-        <p:txBody>
-          <a:bodyPr rtlCol="0" anchor="ctr"/>
-          <a:lstStyle/>
-          <a:p>
-            <a:pPr algn="ctr"/>
-            <a:endParaRPr lang="en-US"/>
           </a:p>
         </p:txBody>
       </p:sp>
@@ -3805,15 +3690,7 @@
           <a:p>
             <a:r>
               <a:rPr lang="en-US" sz="2400" dirty="0"/>
-              <a:t>Each sequence will last about 1min </a:t>
-            </a:r>
-            <a:r>
-              <a:rPr lang="en-US" sz="2400" dirty="0"/>
-              <a:t>30sec</a:t>
-            </a:r>
-            <a:r>
-              <a:rPr lang="en-US" sz="2400" dirty="0"/>
-              <a:t>. You will be able to rest between sequences. The sequence will only begin after you press the space bar.</a:t>
+              <a:t>Each sequence will last about 1min 30sec. You will be able to rest between sequences. The sequence will only begin after you press the space bar.</a:t>
             </a:r>
           </a:p>
           <a:p>
@@ -3847,6 +3724,727 @@
             <a:r>
               <a:rPr lang="en-US" sz="2400" b="1" dirty="0"/>
               <a:t>Good luck!</a:t>
+            </a:r>
+            <a:endParaRPr lang="en-US" sz="2400" dirty="0"/>
+          </a:p>
+          <a:p>
+            <a:pPr algn="ctr"/>
+            <a:endParaRPr lang="en-US" sz="2400" dirty="0"/>
+          </a:p>
+          <a:p>
+            <a:pPr algn="ctr"/>
+            <a:r>
+              <a:rPr lang="en-US" sz="2400" dirty="0"/>
+              <a:t>Press the </a:t>
+            </a:r>
+            <a:r>
+              <a:rPr lang="en-US" sz="2400" b="1" dirty="0"/>
+              <a:t>right arrow key </a:t>
+            </a:r>
+            <a:r>
+              <a:rPr lang="en-US" sz="2400" dirty="0"/>
+              <a:t>to </a:t>
+            </a:r>
+            <a:r>
+              <a:rPr lang="en-US" sz="2400" b="1" dirty="0"/>
+              <a:t>proceed</a:t>
+            </a:r>
+            <a:r>
+              <a:rPr lang="en-US" sz="2400" dirty="0"/>
+              <a:t> or the </a:t>
+            </a:r>
+            <a:r>
+              <a:rPr lang="en-US" sz="2400" b="1" dirty="0"/>
+              <a:t>left arrow key</a:t>
+            </a:r>
+            <a:r>
+              <a:rPr lang="en-US" sz="2400" dirty="0"/>
+              <a:t> to return to the </a:t>
+            </a:r>
+            <a:r>
+              <a:rPr lang="en-US" sz="2400" b="1" dirty="0"/>
+              <a:t>previous slide</a:t>
+            </a:r>
+          </a:p>
+          <a:p>
+            <a:endParaRPr lang="en-US" sz="2400" dirty="0"/>
+          </a:p>
+          <a:p>
+            <a:endParaRPr lang="en-US" sz="2400" dirty="0"/>
+          </a:p>
+        </p:txBody>
+      </p:sp>
+    </p:spTree>
+    <p:extLst>
+      <p:ext uri="{BB962C8B-B14F-4D97-AF65-F5344CB8AC3E}">
+        <p14:creationId xmlns:p14="http://schemas.microsoft.com/office/powerpoint/2010/main" val="1597402663"/>
+      </p:ext>
+    </p:extLst>
+  </p:cSld>
+  <p:clrMapOvr>
+    <a:masterClrMapping/>
+  </p:clrMapOvr>
+</p:sld>
+</file>
+
+<file path=ppt/slides/slide5.xml><?xml version="1.0" encoding="utf-8"?>
+<p:sld xmlns:a="http://schemas.openxmlformats.org/drawingml/2006/main" xmlns:r="http://schemas.openxmlformats.org/officeDocument/2006/relationships" xmlns:p="http://schemas.openxmlformats.org/presentationml/2006/main">
+  <p:cSld>
+    <p:spTree>
+      <p:nvGrpSpPr>
+        <p:cNvPr id="1" name=""/>
+        <p:cNvGrpSpPr/>
+        <p:nvPr/>
+      </p:nvGrpSpPr>
+      <p:grpSpPr>
+        <a:xfrm>
+          <a:off x="0" y="0"/>
+          <a:ext cx="0" cy="0"/>
+          <a:chOff x="0" y="0"/>
+          <a:chExt cx="0" cy="0"/>
+        </a:xfrm>
+      </p:grpSpPr>
+      <p:sp>
+        <p:nvSpPr>
+          <p:cNvPr id="4" name="TextBox 3"/>
+          <p:cNvSpPr txBox="1"/>
+          <p:nvPr/>
+        </p:nvSpPr>
+        <p:spPr>
+          <a:xfrm>
+            <a:off x="2178287" y="315672"/>
+            <a:ext cx="7774486" cy="6740307"/>
+          </a:xfrm>
+          <a:prstGeom prst="rect">
+            <a:avLst/>
+          </a:prstGeom>
+          <a:noFill/>
+        </p:spPr>
+        <p:txBody>
+          <a:bodyPr wrap="square" rtlCol="0">
+            <a:spAutoFit/>
+          </a:bodyPr>
+          <a:lstStyle/>
+          <a:p>
+            <a:endParaRPr lang="en-US" sz="2400" dirty="0" smtClean="0"/>
+          </a:p>
+          <a:p>
+            <a:r>
+              <a:rPr lang="en-US" sz="2400" dirty="0" smtClean="0"/>
+              <a:t>In this part of the experiment, </a:t>
+            </a:r>
+            <a:r>
+              <a:rPr lang="en-US" sz="2400" b="1" dirty="0" smtClean="0"/>
+              <a:t>two questions</a:t>
+            </a:r>
+            <a:r>
+              <a:rPr lang="en-US" sz="2400" dirty="0" smtClean="0"/>
+              <a:t> will be ask after each image and tone. </a:t>
+            </a:r>
+          </a:p>
+          <a:p>
+            <a:endParaRPr lang="en-US" sz="2400" dirty="0" smtClean="0"/>
+          </a:p>
+          <a:p>
+            <a:r>
+              <a:rPr lang="en-US" sz="2400" b="1" dirty="0"/>
+              <a:t>Question 1</a:t>
+            </a:r>
+            <a:r>
+              <a:rPr lang="en-US" sz="2400" dirty="0"/>
+              <a:t>: How much time did it take you to </a:t>
+            </a:r>
+            <a:r>
+              <a:rPr lang="en-US" sz="2400" b="1" dirty="0"/>
+              <a:t>respond to the visual </a:t>
+            </a:r>
+            <a:r>
+              <a:rPr lang="en-US" sz="2400" b="1" dirty="0" smtClean="0"/>
+              <a:t>stimulus?</a:t>
+            </a:r>
+            <a:r>
+              <a:rPr lang="en-US" sz="2400" dirty="0" smtClean="0"/>
+              <a:t> i.e. what </a:t>
+            </a:r>
+            <a:r>
+              <a:rPr lang="en-US" sz="2400" dirty="0"/>
+              <a:t>was the delay between the onset of the image and your decision to respond or not respond?</a:t>
+            </a:r>
+          </a:p>
+          <a:p>
+            <a:pPr>
+              <a:lnSpc>
+                <a:spcPct val="150000"/>
+              </a:lnSpc>
+            </a:pPr>
+            <a:r>
+              <a:rPr lang="en-US" sz="2400" dirty="0"/>
+              <a:t>Presented as: </a:t>
+            </a:r>
+            <a:r>
+              <a:rPr lang="en-US" sz="2400" b="1" dirty="0"/>
+              <a:t>Visual task duration</a:t>
+            </a:r>
+            <a:r>
+              <a:rPr lang="en-US" sz="2400" b="1" dirty="0" smtClean="0"/>
+              <a:t>?</a:t>
+            </a:r>
+          </a:p>
+          <a:p>
+            <a:endParaRPr lang="en-US" sz="2400" dirty="0" smtClean="0"/>
+          </a:p>
+          <a:p>
+            <a:r>
+              <a:rPr lang="en-US" sz="2400" b="1" dirty="0" smtClean="0"/>
+              <a:t>Question 2</a:t>
+            </a:r>
+            <a:r>
+              <a:rPr lang="en-US" sz="2400" dirty="0" smtClean="0"/>
+              <a:t>: </a:t>
+            </a:r>
+            <a:r>
+              <a:rPr lang="en-US" sz="2400" dirty="0"/>
+              <a:t>How much time did it take you to </a:t>
+            </a:r>
+            <a:r>
+              <a:rPr lang="en-US" sz="2400" b="1" dirty="0"/>
+              <a:t>respond to the </a:t>
+            </a:r>
+            <a:r>
+              <a:rPr lang="en-US" sz="2400" b="1" dirty="0" smtClean="0"/>
+              <a:t>auditory stimulus?</a:t>
+            </a:r>
+            <a:r>
+              <a:rPr lang="en-US" sz="2400" dirty="0" smtClean="0"/>
+              <a:t> i.e. what </a:t>
+            </a:r>
+            <a:r>
+              <a:rPr lang="en-US" sz="2400" dirty="0"/>
+              <a:t>was the delay between the </a:t>
+            </a:r>
+            <a:r>
+              <a:rPr lang="en-US" sz="2400" dirty="0" smtClean="0"/>
+              <a:t>tone and </a:t>
+            </a:r>
+            <a:r>
+              <a:rPr lang="en-US" sz="2400" dirty="0"/>
+              <a:t>your decision </a:t>
+            </a:r>
+            <a:r>
+              <a:rPr lang="en-US" sz="2400" dirty="0" smtClean="0"/>
+              <a:t>how to respond?</a:t>
+            </a:r>
+            <a:endParaRPr lang="en-US" sz="2400" dirty="0"/>
+          </a:p>
+          <a:p>
+            <a:pPr>
+              <a:lnSpc>
+                <a:spcPct val="150000"/>
+              </a:lnSpc>
+            </a:pPr>
+            <a:r>
+              <a:rPr lang="en-US" sz="2400" dirty="0"/>
+              <a:t>Presented as: </a:t>
+            </a:r>
+            <a:r>
+              <a:rPr lang="en-US" sz="2400" b="1" dirty="0" smtClean="0"/>
+              <a:t>Auditory </a:t>
+            </a:r>
+            <a:r>
+              <a:rPr lang="en-US" sz="2400" b="1" dirty="0"/>
+              <a:t>task duration</a:t>
+            </a:r>
+            <a:r>
+              <a:rPr lang="en-US" sz="2400" b="1" dirty="0" smtClean="0"/>
+              <a:t>?</a:t>
+            </a:r>
+          </a:p>
+          <a:p>
+            <a:endParaRPr lang="en-US" sz="2400" dirty="0" smtClean="0"/>
+          </a:p>
+          <a:p>
+            <a:pPr algn="ctr"/>
+            <a:r>
+              <a:rPr lang="en-US" sz="2400" dirty="0" smtClean="0"/>
+              <a:t>Press the </a:t>
+            </a:r>
+            <a:r>
+              <a:rPr lang="en-US" sz="2400" b="1" dirty="0" smtClean="0"/>
+              <a:t>right arrow key </a:t>
+            </a:r>
+            <a:r>
+              <a:rPr lang="en-US" sz="2400" dirty="0" smtClean="0"/>
+              <a:t>to </a:t>
+            </a:r>
+            <a:r>
+              <a:rPr lang="en-US" sz="2400" b="1" dirty="0" smtClean="0"/>
+              <a:t>proceed</a:t>
+            </a:r>
+            <a:r>
+              <a:rPr lang="en-US" sz="2400" dirty="0" smtClean="0"/>
+              <a:t> or the </a:t>
+            </a:r>
+            <a:r>
+              <a:rPr lang="en-US" sz="2400" b="1" dirty="0" smtClean="0"/>
+              <a:t>left arrow key</a:t>
+            </a:r>
+            <a:r>
+              <a:rPr lang="en-US" sz="2400" dirty="0" smtClean="0"/>
+              <a:t> to return to the </a:t>
+            </a:r>
+            <a:r>
+              <a:rPr lang="en-US" sz="2400" b="1" dirty="0" smtClean="0"/>
+              <a:t>previous slide</a:t>
+            </a:r>
+          </a:p>
+          <a:p>
+            <a:endParaRPr lang="en-US" sz="2400" dirty="0"/>
+          </a:p>
+        </p:txBody>
+      </p:sp>
+    </p:spTree>
+    <p:extLst>
+      <p:ext uri="{BB962C8B-B14F-4D97-AF65-F5344CB8AC3E}">
+        <p14:creationId xmlns:p14="http://schemas.microsoft.com/office/powerpoint/2010/main" val="1194465973"/>
+      </p:ext>
+    </p:extLst>
+  </p:cSld>
+  <p:clrMapOvr>
+    <a:masterClrMapping/>
+  </p:clrMapOvr>
+</p:sld>
+</file>
+
+<file path=ppt/slides/slide6.xml><?xml version="1.0" encoding="utf-8"?>
+<p:sld xmlns:a="http://schemas.openxmlformats.org/drawingml/2006/main" xmlns:r="http://schemas.openxmlformats.org/officeDocument/2006/relationships" xmlns:p="http://schemas.openxmlformats.org/presentationml/2006/main">
+  <p:cSld>
+    <p:spTree>
+      <p:nvGrpSpPr>
+        <p:cNvPr id="1" name=""/>
+        <p:cNvGrpSpPr/>
+        <p:nvPr/>
+      </p:nvGrpSpPr>
+      <p:grpSpPr>
+        <a:xfrm>
+          <a:off x="0" y="0"/>
+          <a:ext cx="0" cy="0"/>
+          <a:chOff x="0" y="0"/>
+          <a:chExt cx="0" cy="0"/>
+        </a:xfrm>
+      </p:grpSpPr>
+      <p:sp>
+        <p:nvSpPr>
+          <p:cNvPr id="4" name="TextBox 3"/>
+          <p:cNvSpPr txBox="1"/>
+          <p:nvPr/>
+        </p:nvSpPr>
+        <p:spPr>
+          <a:xfrm>
+            <a:off x="2178287" y="315672"/>
+            <a:ext cx="7774486" cy="6740307"/>
+          </a:xfrm>
+          <a:prstGeom prst="rect">
+            <a:avLst/>
+          </a:prstGeom>
+          <a:noFill/>
+        </p:spPr>
+        <p:txBody>
+          <a:bodyPr wrap="square" rtlCol="0">
+            <a:spAutoFit/>
+          </a:bodyPr>
+          <a:lstStyle/>
+          <a:p>
+            <a:endParaRPr lang="en-US" sz="2400" dirty="0" smtClean="0"/>
+          </a:p>
+          <a:p>
+            <a:r>
+              <a:rPr lang="en-US" sz="2400" dirty="0" smtClean="0"/>
+              <a:t>The screen for your time estimation will look like this:</a:t>
+            </a:r>
+          </a:p>
+          <a:p>
+            <a:endParaRPr lang="en-US" sz="2400" dirty="0"/>
+          </a:p>
+          <a:p>
+            <a:endParaRPr lang="en-US" sz="2400" dirty="0" smtClean="0"/>
+          </a:p>
+          <a:p>
+            <a:endParaRPr lang="en-US" sz="2400" dirty="0"/>
+          </a:p>
+          <a:p>
+            <a:endParaRPr lang="en-US" sz="2400" dirty="0"/>
+          </a:p>
+          <a:p>
+            <a:endParaRPr lang="en-US" sz="2400" dirty="0" smtClean="0"/>
+          </a:p>
+          <a:p>
+            <a:endParaRPr lang="en-US" sz="2400" dirty="0"/>
+          </a:p>
+          <a:p>
+            <a:endParaRPr lang="en-US" sz="2400" dirty="0" smtClean="0"/>
+          </a:p>
+          <a:p>
+            <a:endParaRPr lang="en-US" sz="2400" dirty="0"/>
+          </a:p>
+          <a:p>
+            <a:endParaRPr lang="en-US" sz="2400" dirty="0" smtClean="0"/>
+          </a:p>
+          <a:p>
+            <a:r>
+              <a:rPr lang="en-US" sz="2400" dirty="0" smtClean="0"/>
+              <a:t>By </a:t>
+            </a:r>
+            <a:r>
+              <a:rPr lang="en-US" sz="2400" b="1" dirty="0" smtClean="0"/>
+              <a:t>turning the knob</a:t>
+            </a:r>
+            <a:r>
+              <a:rPr lang="en-US" sz="2400" dirty="0" smtClean="0"/>
+              <a:t> you can change the value and move the pointer on the scale. Select your final answer by </a:t>
+            </a:r>
+            <a:r>
+              <a:rPr lang="en-US" sz="2400" b="1" dirty="0" smtClean="0"/>
+              <a:t>pressing the knob</a:t>
+            </a:r>
+            <a:r>
+              <a:rPr lang="en-US" sz="2400" dirty="0" smtClean="0"/>
+              <a:t>.</a:t>
+            </a:r>
+          </a:p>
+          <a:p>
+            <a:endParaRPr lang="en-US" sz="2400" dirty="0" smtClean="0"/>
+          </a:p>
+          <a:p>
+            <a:pPr algn="ctr"/>
+            <a:r>
+              <a:rPr lang="en-US" sz="2400" dirty="0" smtClean="0"/>
+              <a:t>Press the </a:t>
+            </a:r>
+            <a:r>
+              <a:rPr lang="en-US" sz="2400" b="1" dirty="0" smtClean="0"/>
+              <a:t>right arrow key </a:t>
+            </a:r>
+            <a:r>
+              <a:rPr lang="en-US" sz="2400" dirty="0" smtClean="0"/>
+              <a:t>to </a:t>
+            </a:r>
+            <a:r>
+              <a:rPr lang="en-US" sz="2400" b="1" dirty="0" smtClean="0"/>
+              <a:t>proceed</a:t>
+            </a:r>
+            <a:r>
+              <a:rPr lang="en-US" sz="2400" dirty="0" smtClean="0"/>
+              <a:t> or the </a:t>
+            </a:r>
+            <a:r>
+              <a:rPr lang="en-US" sz="2400" b="1" dirty="0" smtClean="0"/>
+              <a:t>left arrow key</a:t>
+            </a:r>
+            <a:r>
+              <a:rPr lang="en-US" sz="2400" dirty="0" smtClean="0"/>
+              <a:t> to return to the </a:t>
+            </a:r>
+            <a:r>
+              <a:rPr lang="en-US" sz="2400" b="1" dirty="0" smtClean="0"/>
+              <a:t>previous slide</a:t>
+            </a:r>
+          </a:p>
+          <a:p>
+            <a:endParaRPr lang="en-US" sz="2400" dirty="0"/>
+          </a:p>
+        </p:txBody>
+      </p:sp>
+      <p:sp>
+        <p:nvSpPr>
+          <p:cNvPr id="5" name="AutoShape 6" descr="data:image/png;base64,iVBORw0KGgoAAAANSUhEUgAAAZsAAAERCAYAAACtswpGAAAAAXNSR0IArs4c6QAAIABJREFUeF7tnXeUFcX2tkslKkGiBJEgWRABRRBUEBQlKAqYRUyY4xVEf5e/THiNmLOigogiiIogkkQFJCogSpYoGUQkCXzrqW/VWT09Z2ZOn+mG9vDWWixmznRXVT9Vvd/au3b3OeLRay49UKNSKVPy7IsM5cCB3Wbt2m2mQsVyZuO6NaZU6ePMtq0bTYmSpcyRR+43u3fvM39u3WUqHl/W/LNzq9m080hT5tgiZtumHeaAMaZsuWPNls3bTMmSRcyOHftN8RKFzMZ1m0zpsmXNjr+2meIlS5otG7eaUmVLmQ1r15siJYub4kcfY9tOtezdvdPsNAVNicIFUj1Fx4mACIiACBxCAkf069cPjVARAREQAREQgcgISGwiQ6uKRUAEREAEHAGJjeaCCIiACIhA5AQkNpEjVgMiIAIiIAISG80BERABERCByAlIbCJHrAZEQAREQAQkNpoDIiACIiACkROQ2ESOWA2IgAiIgAhIbDQHREAEREAEIicgsYkcsRoQAREQARGQ2GgOiIAIiIAIRE5AYhM5YjUgAiIgAiIgsdEcEAEREAERiJyAxCZyxGpABERABERAYqM5IAIiIAIiEDkBiU3kiNWACIiACIiAxEZzQAREQAREIHICEpvIEasBERABERABiY3mgAiIgAiIQOQEJDaRI1YDIiACIiACEhvNAREQAREQgcgJSGwiR6wGREAEREAEJDaaAyIgAiIgApETkNhEjlgNiIAIiIAISGw0B0RABERABCInILGJHLEaEAEREAERkNhoDoiACIiACEROQGITOWI1IAIiIAIiILHRHBABERABEYicgMQmcsRqQAREQAREQGKjOSACIiACIhA5AYlN5IjVgAiIgAiIgMRGc0AEREAERCByAhKbyBGrAREQAREQAYmN5oAIiIAIiEDkBCQ2kSNWAyIgAiIgAhIbzQEREAEREIHICUhsIkecdwP79u0z06ZNM/xfuHBh06xZszxP+ueff8yPP/5ozznmmGNMo0aNzNy5c82OHTtMvXr1TOnSpfOs41AdsGzZMrNq1SpTuXJlU6NGjZS6wXXBpkCBAikdH9ZBs2fPNn/99Zc56aSTImX6/fffm/3795szzjjDHHXUUWF1P5R6mGPwL168uDniiCMSdS5atMj88ccfpmrVquaEE04Ipa1UK4HVpk2bzJw5c8y8efPsGDE3ypYta++fWrVqmaOPPjrV6nTcQSAgsTkIkFNpYtKkSebbb7+1hub66683FSpUyPW0JUuWmI8++siKTdeuXc2JJ55oBg0aZNatW2d/r127dirNHpJjvvnmGzNlyhTTvHlzc+655+bZhzVr1pivvvrKXHTRRdaYHMzyxhtvWIN6+eWXWwMWRTlw4IDp37+/YQHRt29fU7BgwSiaSavOv//+24wZM8bOyw4dOmQR+y+++MIgxmeffbY566yz0qo/3ZN+/fVXOycQGX9BEBE/5kvJkiXTbULnhUxAYhMy0HSrw6C99dZbdnXbrl0706JFi1yrGjdunPnhhx9M0aJFzY033miKFStmPZ3t27ebxo0bm/Lly6fblcjPCyo2Tz/9tMHo3XzzzQf9ug53sUFMRo0aZRcz3bp1yyI2eNIrV660C5uaNWtGPm9cA4jya6+9ZjZv3mznfZMmTezChUUJ98DSpUutcOMltm3b9qD1Sw3lTkBiE5MZsmfPHuupLF++3N7Y3bt3z3GFy430zjvv2BV33bp1zcUXX3zQw0v5wSaxyUovzp5NbmKTnzmQn3MXLFhghg0bZuB21VVXmerVqyfCe9wbEyZMMFOnTrVhz1tvvdUceeSR+WlO54ZEQGITEsgwquEm+e6776xw3HXXXXYvJllZv369XdlRzjvvPHP66afbnwmpcQMS8vDG1rkBWfW5kAOxbMJ07IF4j6MOjqUk2xvB6+IfN6//BubzjRs3mm3bthmEkz7QDvsy/j2IIGJDf5577jmzc+dOc8MNN1jPxn99tM0qd8uWLbZtrom2q1SpknT/A0awWLt2rdm7d6+91nLlypljjz0223Xl5Nk4FrBKxiOn+cAYrVixwl4P4bKKFSvacU4WRnPjmVP9ycbK9QtGzBO4FClSxO6ruDHjmK1bt9q/7d69O8GrUqVKplChQomuU/9PP/1kRo8ebffWunTpYv/uxjO3/tHGhg0b7JhwHB44oa1k88pbD2PHIorz6C98SpQokWWeDh061LBfdNxxx1mv3l+Yh6+88or9+KGHHordHlgYtuLfWIfEJkaj5r1J2rRpY1q1apWtdxjKTz/91Pzyyy/2xkeUuJExGv49G46dP3++3R/hBvYWbmA2Uv3huocfftge1q9fvyzHUxciwYqRcwj1uYLRJq5PSMVfEIfOnTsbDJkrqYoNRuixxx7LVucVV1yRCNtgNAnzEDqhj95CvJ59Bm+IByNG+JGNZQyiKxg2jrvsssuy1JFMbDhvxIgRdgwQivPPP98mZeRVSIxgn4GNbVcYB0I9n3/+ebY9G7cn0rp1a3PmmWdmqz7ZWE2cONFMnjzZ7lcgEswLihszFgP0YfHixdl40ReupU6dOvYcFjQIlreweMCbYKGS057N6tWrDWHe33//Pcu5LACY16ecckoWUf/kk08M3grzcdeuXTbRxY0l48Jiij0hJ4T8DZbMLcJo/sK+5euvv26Pv//++yU2eU3Mg/R3ic1BAp1KM9xE7NtgvLmZ+/Tpk+00soKeeeYZ+zkZaBdeeKH9OZnYsHLlpmP1Tn1lypSxq1xEgc9YWV9yySVZkgmCig2CQH8wEqxKWW1iABA3+so1lSpVytxxxx2hiw11P/vss7YdCt4JAsOK+s8//7Rt+zm6RAyMGMaVhAOMPyJEYSXtXS0nE5sBAwbYvTHqZx+DUKbfQ/QPHJ7Uiy++aLnjGSC+9Jt2OdcJnzdBID9iwwIELw9xYD4RToINK34WNRSuHW/OeaRcDwb6P//5j/VA0hEb9tZefvll67nBGEFAZNyc47Mrr7zShr5ccWIDF+YT4S/+IVaO16WXXprSvhDeGMJNhlrDhg2t6OY1Nqncmzom/wQkNvlnGGoNCAQ3Kzc+q/KmTZtmqZ9VK6tXjMI999xjjWlOYkNIjtAcBocbHKGh4A0QisDItm/f3m6wuhJUbAizjBw50vYDr4BwDQXjyd8wmNzs//3vfwOLjTshpwQBQilDhgyxhhHRdCtyznN/42evl/bkk09aYSQkhDFyBW8HVnDt3bt34nOv2BAGYq+ATEAENVWPhsrYYyPdGzHG00PUKN6sQn4PS2zo37XXXmuNNoKG4LMf+P7771ux4/rr16+fuE76AUvG7fbbb0+keee2Z5PMs6EO2CNiF1xwQRYPlOPxSJgrd955p/XIKU5s+J2w8Mknn2w/Z9EwePBgu3DwhotzuuEYV+6NGTNm2HFkIZBqan2oN7EqS0pAYhOzieH1bho0aGBXZi7WziqPENrChQttGi5JBC5+nsyzcXtArGA51ps2TDiF+jBKToRAEVRsMGSE6TAuZP94C9fyyCOP2I+8Bj/VMFpeYoN3gaDSf9Jv/ftIya7l0UcftQaVECWhGe/+A0LP795nlLxiA09CNIgbK20MWSqrZjyHgQMH2tU+KdT+zC34wSRMseG5IOaOd78Mr4P0ejzaZFlaL7zwgl2I3HLLLdZLpAQRGxYv7733nt0Po20nGm4cEYOXXnrJZhZ26tTJZk16xYaFFQssb3Hidc4555iWLVvmeLcyn1n0IKgIjVv4pDI+MTMBGdsdiU0Mh9bF3XmIjtUpq1IKRoswGyLBSs/78GcysWGFiQeDcXXPHpCmSggHg5os3h1UbBw+hIU+EAZBBDCsxPu//vrryMTGO3SubQwdxgzDx16OX+ic8eJz9ltOPfVUG+ohxAhn/wa2Exs+dxvyqaSme/vG3g57PPC++uqrsz0cCjtEkP/D8mww5B07dsxRDL28GCvmFmLKz+mKDftAeCkYe64zWfo9GZcslti3wcPzik2yfUrnPeW0h+k4s2dI2jNjSmj5YKZix9CExLJLEpsYDgv7HawQibl7V8KzZs0yX375pb2Z2QPxZqslExtEBkPHDYtAucLKFrEhW4ubOD+eDXWyYuUJeGLsXrHxbsBH4dnQNu2RtPDbb7/Zn9kHQWz42RVv26yASaTwbtIjxAg7q3mExGskndhQF8chCOxB9OrVy56TSsE7YNzYp2DF7Rc06nz88cdtn8MSG0SUMJa/eHkxPm5h4OWVrtiwyY+oEiokicOFybx9YJ6MHz/eJlQQ5vKKDSFd/9szUhEbvBnGlOtx94s8mlRm5sE9RmJzcHmn1BoraIwcq01uXAwbn7ERj6hgtFg5+lf2Ob1BgNg34SZEjJU/IuaEwJtkQH25eTZjx461r9XxZqMRdmEjmToJY2FI+UdcHmNMmq/fuwgrjMa1sL/l0ncRUdpGjPEi2CPxt+2YYfRYYRMG5HzntWCkSLF2eypObPB6CD3hdTIuhHzYs0nlGQ6v2BB+878hIKfnbHJLEGD88Ib81+e84mRigwi/+eabNj2d6/TzIkTIoiRdseGp/uHDh6ckNuwX8aaLMMSG7Dr2ady9ktJNpoMOOgGJzUFHnlqDrNQJgWHMevbsaTdJCVHw+2233ZYIrbnaknk2/pY4BoOCsWEVShv+zXsnNmTCueQD6sG4IWasIp3Y8NnHH39sjTbGmae4WfXjKbGHg9FnxR6F2GCgCZ1Mnz7dhsDYg8HTYzWNyPEvJ+H0coEHgglfBBkB8z557s9GgxvjgKhdc8015vjjj89zQJ0Rhgfn+MNLXAsp3vBM5tmwV8Gehbe4+RFEbAhpslhAONnjYqwcL8SZ55m4/nTFhvRz5gNzlMWQE2xvv0lQYA55xdAlCKTr2Xz22Wfm559/tns6fk55Do4OOGgEJDYHDXXwhlwWFvFtwkPswfAw5k033ZStMr/YkEDAsyRkWbGKJFzmLXgiTzzxRDYhYEMf40e835ulRqiMlF/Oc2KDN4AA4UGwIUxCg7eQ7vruu+/aj8hGc6GNMDwb+siGMEYm2eYxAsKGt79twpM84PrAAw9k289wcf/cxIb6uCb3TJFflJONMkLGXhuGnDCa9711XAf8HCev2BB6I3TqT8emDWegg4gNySU8d5WMFwsQUrMRPO9rgYIkCHCdZN3xP/smeM3egteEd84c8mYD5ldsgt9ZOuNQEJDYHArqKbbpssnYX8FQky3FngIehL8kExserCPTiZU0BobUXbwVwims0NlAZ4X+4IMPJqojW4h2WLFjMGgbQ0Scnf0fjKNfbDC8CBMPH7JSZpOZ/Rvqpy0KK/pq1arZn4OKDQYKsSWM5TLevGLDcy7sT7A6RxQJFxKCcs/OELpyadF4EOxPkImGMcQDwwhiIBEvDL93hZzsORtE9u2337ZeYqrhNPYyeFgR74sVPP2hH3iFrMzdQ4xesXFZangKZG+xaEAMCE3SV8fWuyeVWxiNEBfPnyB2LCboC/PGPZRLuJXiTblnwYLoMYfYh/EmlSRLfXbXyTxgrtJnwnU86Em4i7GhXdKrneecX7GBA9eBp+b1xlO8zXTYQSIgsTlIoNNpxoUlWAlSCE+xAcrGfl5ig0FhJf38889bo+Z/5Yl7RYh/z4aMHlb4FPdaGGcIadcbRuMYwiaEiRBDb5otRtGdx/9s/GJk0xEb9hkwiK4NDC/PyLiwULK23Wt1+B/DjuBQSCZg74lzYOK8LfoIE37nrdvujQc5va4GjwMx5XgeAmW/ILdCP3gAFcPo7a83icIfRuN3wpAum9Dx5XfEnX0KSqpiw4KBvSqKN0nBveIGHvyMV8w8o7hMOthwDtfJ3zDsycSG8/EoEW//dfI3roEQm/crCfIrNjzEiZCzGHGvbkrnftM50RKQ2ETLN1+1s4ImVdc98Y0BdEbTXzGCRJiE1SmrVvcwG0KAUWLFTn0YVYwKq0sMNiLgzarCi8EYk8bKih+DwZ4InhEreYwsq3n3+hTqxOiwQnevRsEo4RnhgRH64288WMqzPhQeTJ05c6Y1mKm8mp5VMQ9TurcCuFAixovVMgYRj8YJJAaR68JDIwzEtbrQI+E1eBB+wwNzhpw+80Aq5/EiVFcIE8KUMKH3qXf+zp4aITm8Pzy3vDKgGEdeIYMnCDeOJwMOrwzvBoPOit+bQMC14a3gpdFX+om3gHC/+uqrtps83OsKYVMWDDzjkmz/gvbxbrh2xwuvhTGFIXs6vFmhR48eti3EEY/IZRqy78QDwiw88FCpC0/Xa+ThzkLAvQGAOUddbm+NTDQvKzwn5gmeMSFjb3Ft4NHm9D1PLI7w1JmT/oeg83UD6uRQCUhsQsUZfmXeNF5u2GTppLTKDY0BcS899K5cESLq4Rj+caPz95xSd73HUzcGxoVc+Bu/e8MVtIkX5TwD6qefHINgYcScwFEfopSsntzokaLrxJLVsfueEq4HEXJtUwceIO3zmfMk/M8UuXMcD/rMNfozxQjfYeSpz5+yzDU4gU01DZrjGSfn9cEIL4Hro9BPryHmOK6BtrwLBfrpzvG27djyd29Ku2NLHY4ln9FWMl6wcP2gTjd/XJo4LBhXxtc/H6jXP+cYf45L9oVm8GBsYeF9ESj1uDaS/c1dUyrHhH9nqsagBCQ2QYnpeBEQAREQgcAEJDaBkekEERABERCBoAQkNkGJ6XgREAEREIHABCQ2gZHpBBEQAREQgaAEJDZBiel4ERABERCBwAQkNoGR6QQREAEREIGgBCQ2QYnpeBEQAREQgcAEJDaBkekEERABERCBoAQkNkGJ6XgREAEREIHABCQ2gZHpBBEQAREQgaAEJDZBiel4ERABERCBwAQkNoGR6QQREAEREIGgBCQ2QYnpeBEQAREQgcAEJDaBkekEERABERCBoAQkNkGJ6XgREAEREIHABCQ2gZHpBBEQAREQgaAEJDZBiel4ERABERCBwAQkNoGR6QQREAEREIGgBCQ2QYnpeBEQAREQgcAEJDaBkekEERABERCBoAQkNkGJ6XgREAEREIHABCQ2gZHpBBEQAREQgaAEJDZBiel4ERABERCBwAQkNoGR6QQREAEREIGgBCQ2QYnpeBEQAREQgcAEJDaBkekEERABERCBoAQkNkGJ6XgREAEREIHABCQ2gZHpBBEQAREQgaAEJDZBiel4ERABERCBwAQkNoGR6QQREAEREIGgBCQ2QYnpeBEQAREQgcAEJDaBkekEERABERCBoAQkNkGJ6XgREAEREIHABCQ2gZHpBBEQAREQgaAEJDZBiel4ERABERCBwAQkNoGR6QQREAEREIGgBCQ2SYjt2bPHHDhwwP6lYMGC5sgjj8yVqzv+iCOOsMfzv0pWAvCEE2wKFSp0WOLZvXu3ve7ChQvn+/r37t1r9u/fbwoUKGCOOuqofNd3sCoIk0FYfXZ9Yl7q3g2LavZ6JDZJ2M6bN8988803duKdffbZ5pRTTslxBDZt2mQ++OADK04nn3yyOeecc6IbrX9JzZs3bzZLly41p556aqLH69atMx9++KEpVqyYufHGG2N1Jbt27TKffvqpufLKKyPt14svvmj++ecfc9ttt+VbcIcPH25+//130759e1OvXr1I+x20ckRwwYIFpnLlyubYY4/Ncvpzzz1nf7/nnnuCVhvZ8a5PN910kznmmGMia+dwr1hik2QG7Nixw7z77rsGo1m2bFnTs2dPU7Ro0WxHYqTeeOMNs3XrVrvCxFhVrVr1sJ5T33//vZkwYYJp1aqVad26dYLFH3/8YZkiNnfccUdsGNGvgQMH2vG96667Iu1X//79DR7JAw88kG+xGTRokBX0iy66yC5y4lQYf+bBrbfeasqUKZOlazCg9O3bNzZddn1iXjI/VaIhILFJwhUvZc6cOeaLL76wf23atKnp0KFDtiMnTpxoJk+ebD9nhdmsWbNoRulfUivcxowZY6ZPn27OPPPMLGKDkcULJCRZvnz52FzRqlWrzDvvvGNKliwpsQlpVF544QW7AMOD84sN4k6pUKFCSK3lvxrXJ+ZlXiHz/Ld2+NYgscll7N977z0bqqB06dLFNGzYMHH0+vXrzfvvv2/+/vtvU61aNevV+GPn+/btSxzPJI4iHoyBJ2xBCdIG53Au/+hXXuf6j0+2T5Cb2KRyi7lrcX3ytpHb35LV7e2vY5PMkKQiNv62Ha/crinZ2Kfr2XjH2LUdlWfj+p1sPqQ6Z3ITm9yYpcOZ+rzn0e8wBcPxoI2w607lnsikYyQ2uYwm4bS3337brtIqVapkLr/8chvT5aYj9IKhwiDyeY0aNRI1EV774YcfDILkEg2KFClivZ+jjz46S4us9gk78Lnfe2JDnb/t3LnThqUI6VHcOYRQ5s+fb+PjGKETTzzRnHbaaXnOz5UrV5off/zRbti7Urp0aXPWWWdlCxfSf+qfO3duQtRoCw7nnXdeYrObTdbPP//csErcsmWL7Wu5cuVM9erVrWfIZ+PGjbP1d+zY0Ta7aNEi89NPP5kqVapYr3DSpEn2fCc27EU0atTI/v7rr7/aYx1P6md/LJnocX3Tpk2zIStXMBR169a19bkCW8Zw+fLlNrGjZs2almPXrl0Tx3BdX3/9tWEuuLYJmcKZRYa/cAysfvnll8TxcIDtM888EziMtm3bNoMHzaLGiWbLli0tK38YjesdNWqUbePCCy/MFqqDCWwIu9WuXTvR9U8++cTy57q+/fZb22/4nnvuufYY9pmYz2vXrk3MAT5nLNu0aWO9QgosmVcLFy60fWA+sulOPe4Y2qJ069YtCzrm+HfffWc2btyY+Jz64cbc9Bb6M2LECPsRi0DmFSFvx+ekk04yDRo0yPM+cAe4PnXq1Mlwn1K4x/HQly1blhhH5gbeD32ClbfMmDHDziPajtseWsogIj5QYpMH4FmzZpmvvvrKTj5uSG4cjBQ3H5OPzzC6rvz11192bwLj6ia/8yD4HYHAQ3JeTm4ra25AQjzbt283V1xxhTnhhBNsnRgM2uCG5UbBkNIGiQzcMDkVrgEjxU1NoQ/8c/0jS+qWW24xJUqUSFSBkacNJwAc7zwpNn/x6AiVYAyffvrpbE03btzY9glD9eabb5rixYsnNoenTp1qxo4da+rUqWMFdcWKFQkurj2MCYb7t99+S1ynM/okb3Dju8LnCB6ilOz6+Ix9JEJ8FNjC31tg+X//93/2I/720Ucf2Wvzs+L3q666yoqpt33En8171z7/0y+EDGOEoUx1zwYD+sorr1jebr5QF4abfjLHvHs2LHKef/55g0Def//92RYOJEHQv3bt2pkWLVok+v3www+btm3bWlFzY0uYi0QOxoVxY8GVbD4j0mysMwdYlHDtXq+Oc26++eZE6JS2KP369Uu0/+eff5pXX33V9jtZGz169LBz3zFgkfTEE0/YY5k7yebGxRdfnLLguD7de++9ds8GxtzzM2fOzDKPHBtElAWJN6tw5MiRdt5551e2m+Ew/0Bik8cEYGKTRYUhZBWNgWP1hqiwIid5wBVulsGDB1sjxYqOlTcrIAwMNzkigbG9/vrrEwY9P2JD3WT8IF4YRFarrKJzKqyEMTisOhEBF6Omf6zMNmzYYG/q7t27W0+L45566inb//r161vDipHD8MCA68VoYbw4hpsTcYIVnl6tWrUS3k1uYuNSoVklY7wwVngHsKGPGF2MCu27/bTVq1dbtg8++GDicmkXcaBfeB6woL/8Tt/wCI8//ngrkBgKRIw2WPG7VTQGzXmHLozKOTCmPQzO4sWL7eqdwiIA40NxQkMfGQuun5/pF39zIpmK2GCAmXd4xxhyFjXMP8Zk/PjxCa8tLLGhbgwt40k/WUhwDVOmTLGeA7yaN29u5y8MmP9wQ+DwtBg7xG/JkiV2QeO8cTxg2LkEG7/Y4DF+/PHH9t7gWBYCzAHmEws9shhZ/MDZ7fV5xQZPxPWLc9hDpW9cCwkKzlPJ7Tb3iw3eDGFK5gL94Zr5mbniFjLcI17vkHsLr4y5QhREJTsBiU2Ks8LF293hGMhLL700y8oWg/LZZ5/ZiXnNNdfYiecKN9WAAQOsIcXVvuSSS+yf8iM2nI/YIXqplNdee80aL0JyGAdvwYgRa0e0brjhBlOxYkUbOiL0g6FgpewtrILxTDDoHE/Jbc8mN7HhXOrw3qQYOdLPKV5e/I5Refzxx+3fvCtkBJCQF14EoU1vQbwYG8SHrCPnveXE361UMfRsdPsLRg0GhKQIWTHmbh+FEA4ra29h5Y6YU1IRG/YKETvY40ExHq6Qms+1YPTDEhvq9ie5UD9eDQYfAT7//POzXNPo0aNtqIkUd/7mPI/c9mz8YgN/QtKIHZ46Y+cKvGCKZ0/04PTTT7d/8oqN30tjfpMh6jyuUqVK5Xlr+MUGb5u5fcYZZ1iPz1veeustO458nkrIOs/GD6MDJDYpDjYrfwyZCxG48JD3dFZ0xLyJ5V922WXZYuasrompe413fsQGwcNwpVJYgT755JO27TvvvDPpKRhrDCj7GhhQFxrDiLB6RVgwBrSbbBM2XbFhFUqoxJu5xCqREBJt33fffVn2umjnkUceySY2GCWMNB4I+zPegoHi+jGgpDh79xmSZaMhsojttddea4477rhsvNhbwotFtOg73hOGkXMQGn/cfs2aNQZDlarYELokLIWnSf3e5BJvan6YYuPCSN6LxRuEKSn93vFhDJgrhGTZk7vgggvSEhsyPmfPnm2z0/D4/XtwhLO49/BqCMf5xYbndfA8XMELJsTMgoQFjD8bLtnE94sN10SoHMFi3nPtiD3zKookn1Tu30w4RmKT4ihirEkW4ObDOGKw/ZuErMRZkTtj7a+a8BOrPopbkedHbDD+7LGkUrgJX3rpJXuzJHtmiDowIIQ/3Gqe31klsrKlYAgIpxDuIGbNcV7RSVdsEAYz/ItnAAAazElEQVRWtd4bGU8Lb5I2MYL+PieL/TsO9IPzMcoYDkI0XJfbZA8iNoRhcspuok7+hhEkdEPYCyHGE0kmUI8++qgVu1Q8G7xgQmmsoFlh+wtzkVBimGLz3//+N0djSr8x4ITK8OpgisDCOT9igzBQVzLPiWsmiWTIkCGWs9tL83o2/j5zj+Ep0bd0xYZr4kFP7nkKosM/BIc9ROaiRCcVq5P1GIlNAGavv/66NbzeVZb3dOd+sxrK6U0CycIIOT3nkVeCQE79SHZJuP6Ecpxo5HbZiMndd99tD8FAE7NnL8bdfO5cjuM63RsW0hUb9oO8GWDUn47YuMw5xgFD7S0uEYLPgohNXinh1NerVy/bHmKDALNhnixLLkjqszuWcfAmbLhrSpb6nJ8EAe8CyMsN480eBiEzxCZZyY/YsJjBS7zuuuuyhJ297fjvGa/YeMOonBOG2FAPizOiEOy3+RMe2CclczROzwoFMGOH7FCJTQD0eYmN82yShdhoBoPEihXDx4qMkh/PJojY4JG9/PLLdsOUsExuBUPp0qw5DiPO+RgzQoneFFjvmxMOtdiwl8FeC8YBkcDLIG2WkBab+Ow/BA2jOQ8uN14IDOOI2MAXzybZg6uPPfaY7Vsqns2zzz5rvSXvXoW3D6zeMYSpejaMDckhJEUky0ZLJjawYvPeJUMwLwhZYWTZP4E3oeH8iI3LCPQ/BOyulY13hBXPwr114GCIDe3jHZF6jgeJh8zPLskDDmTr6Y0DqRtQiU3qrExeYuPeKMC+BskD/tUt3gE3L6GoPn36ZBEbJi/ZM950SlJlhw4daid4stTnIGLDjUJaLH3ybpB7L5/VHIJCeM5lheER8bM/9k2mEPtT7JOQKcb1HmqxcRvTbFizh+AtZEkhBvQxiGdDeC/ZcxNwYl8Jr4N/eLzs4eCNkvzh3zOiXcJo/J+K2FAXfWb/7+qrr84StqEOhBOPICexYS55FwwsdHiHH4uGVMUGYcTDQnRIX2cR5S0sPMhIy4/YkCqNaJFMw/6YP2TpFnAsGm6//XbbfNRiQ/iV+4Vx9YsJ14zA4uWRBJTsWasAJuWwOlRiE2C48xKbn3/+2T7nwYqa9FrcbVcIR3E+xplVtnvpIxvHxK0RAdIpvQ+HciMTEsLY51dsMBwYY9rHeLJi9++RuOeDSCXl+RUycljRsZlOaMhfSDNm1Ythpe+HWmxIGnDC7M1q4jP3vi6uIRWxwTATPiIFnFCWf3+OsaFOjCQsGSMEgs10xBce3mdj2AjnFUiUVMTGPd/E4sM/l1jtk0DAytsrNvyO94pH5H/eg3mGN4SRDCI2eGPJ+ox4sZeCyDZp0sSGldLJRmNPhgUVfEmq8Rpv9odgyiLIG5qOWmzI9OPZHXcf+Oe9Sx6R2AQwnjzX169fv///Ln2VPAnkJTasarmh8Qa4eYhD8z/7D3gBGGaEiFRal0HDSpPX3iACZL24FFJuYkJCrCrDEBsujmcEMHrUyTMgGCT6hxCRwkpWEP2j33hNXA8PamKs2fAmQ815PIRj2CjGwLhnTbxiw7MVpFizmcreTm6pz2Ht2ZAAgWEigwuOCDjGFY4uySEnsWEFiwcBD5cu+7///c8adP5GfTCBFV4N40xhY5uUYTjg7RHnhwOLBvcEPinxvJgyyHM2XkOL2DtPmetxokF9XrHhb4ScCK+xKme8mGfMP8JVFPofRGxgQL14i/zjOqmPtGz3Bgq4sBnvBNmNA2nhzAGe2XFevn//xfs8EfMEYXXPppGJRniS0CRzzD1KELXYsJDAg3Hji5i6ucTeFXz99zF7RSwo4e3NjsvTqBxGB0hsAgx2XmJDVWTW8CoN98S1t3puVDbUiXe7mw/DzwR2Tyt7jyerjVAaRj+/ng31Ug+b/YhKskL/MA78c4YDkXSvMPGfw/FkSrlkCIwfYQ88IldcZt7BEBvnWbonvb39RdBIJaaPhBGdoLg9M3esN52cZ3MYG39ihDuW55tIc3Zp1HyOAJMC74TFHcsDqW6zORXPhvMYe7wH72t3+BwhgT2hHv9bn90LZP3t4zFwDt5aqmJDHd43Mnh5Mj9YgLCfATMyBt3Due5NBe54r5eVLIsQLlyne4OA/57p3LmzfTDUhdiiFhvad55tsvsEb5MwrfddiXqDQN6GVGKTN6PEEUxA4vTEwlkF51S4GRAcjIW76d0TzTml0fK2ZPfuL45hw5QsL0JVhEVIuXRhOQw3n7OPgisftHBzEyt3RhQjxKqS5xySpUVjxL3PGNEexoaVu//19hhGVrbOcPCUNQbZfZ8N7biQnNv34Rj/e+FYTfP9L4gyx/ufBM/pe1EQRlam3peTsqeAIMIYwfH2gWvBoOKpUWDfu3fvLEjJmHLv3uIP7k0SOT3Uh5gjuq4PeKzs41APfIJ8nw2rZQyxeyDUPfxIGzl9nw3jRfjVZY8RUiTUh6dAeIi5BRNX8vqOGbwlRMXNZeYIc4U5zbNQjDWLIZfuzT3C3qTLCGSeuu8wyqkt5uKwYcOytIOI83Cu/ztx3Byj//7vxaFNwnLcg/QplYc6c/o+G97UwCLQu3ghrMrekj9DkPuDOcTi63B/+3tO9khiE9RS63gREAEREIHABCQ2gZHpBBEQAREQgaAEJDZBiel4ERABERCBwAQkNoGR6QQREAEREIGgBCQ2QYnpeBEQAREQgcAEJDaBkekEERABERCBoAQkNkGJ6XgREAEREIHABCQ2gZHpBBEQAREQgaAEJDZBiel4ERABERCBwAQkNoGR6QQREAEREIGgBCQ2QYnpeBEQAREQgcAEJDaBkekEERABERCBoAQkNkGJ6XgREAEREIHABCQ2gZHpBBEQAREQgaAEJDZBiel4ERABERCBwAQkNoGR6QQREAEREIGgBCQ2QYnpeBEQAREQgcAEJDaBkemEQ0Vgx44dZt++fYnm+YbR3L7vnW+W5JsuvefwTZx8Uyfn5lX4pku+Sptvx+QbGlVEQATSJyCxSZ+dzjyIBCZNmmRmzJhhxcOVggULmlNPPdX+8391MMeMGzfO8BXJfK22K4UKFTINGjQwHTt2zLP3tPndd9+ZE044Ia2v386zAR0gAocRAYnNYTTY/9ZLHTlypPnpp59s970eCZ4L5eyzzzZnnXVWlsv78ssvzaxZs7KdwwecV69ePdOtW7cckXDMI488Yv9erVo1ic2/dfKo37EhILGJzVCoI8kIbNy40bz99ttmz549pnHjxgmPBDGYN2+eGTFihBWgPn36GLwWytatW82gQYPM5s2bTe3atc1ll12WqHrNmjXmo48+MoTkrrvuOlO5cuUszVLv+PHjzbRp0xLhN4mN5qYI5J+AxCb/DFVDhAQw+mPHjrVhsh49epgSJUpkae3hhx+2vz/wwAMJsVm0aJEZMmSIKV++vLnhhhtMgQIFspxDKO7pp582xx13nOnVq1fib0uWLDF4UQgRooNQLVy4UJ5NhOOrqg8fAhKbw2esM+5KXajL79k4salQoYK56aabkl63E6l+/fol/j5mzBjz448/muOPP95ceeWVVmjwnNLxbFz9Dz30kBk9erSZPXu2FTBK2bJlzeWXX26KFStm/zZnzpxEH4oUKWLOOecc07Rp0yz9/uWXX8w333xjtm3blvicZIfTTjvNNGnSxNapIgJxJiCxifPoqG85Eti9e7dBHNjLQRzwesgao6QrNghNlSpVrBdVtGhRM3fu3HyLDWG61atXZ7sOBAyRXL58eUKE3EFcR+/evQ0JEBSSHD7//HOzf//+pDzo89VXX53Ng9P0EYE4EZDYxGk01Jc8CaxYscJ88MEHif0UUp/Z6EdwXMkrjIZ38Pzzz9vDvZ6Nv/EwxAbhIPOtUaNGtvpvv/3WkOVG4W+dO3c2DRs2tL8jPIT/9u7da4+/8MIL7ed4P9OnTzfVq1e3HpELCxJiZH+J0rVrVxv2UxGBuBKQ2MR1ZNSvpAQWL15sPvzww8Tf2MMhs6xdu3aGsJIz2u4YhKhWrVpZ6ho4cKBBtA6G2NA+/fOWRx991HopeD0kKXgz7IYNG2YImXlDd6NGjTIzZ840zZs3t9fpjidpYtWqVYbngQgZ+vezNIVEIE4EJDZxGg31JRAB9kHYx9i1a5epW7eu6d69e+J8Ms7Yc6Gwn9G6dWsbziIdGuPsHvSM2rMhS65w4cJZrqt///7We+nQoUO2vRky7IYPH26qVq1qQ4MUEiSmTp1qf6auli1bmvr169uf9bBpoCmjgw8hAYnNIYSvpvNPYOnSpTaVGQHBS3DhNFKmCT8tW7YsSyPsxbABz3M4B8OzIUHA7SW5jjixSSZEycRmw4YN1pvzJgfg3ZQrV84+cFqnTh1To0aN/MNUDSIQIQGJTYRwVXX0BBAZnqkhLMaKHyFxhewvPJkpU6bYdGZCU+xtsOeRLBvN39sw9mzCEBvXL/Zt2KPBK/O+gofr6dKlS7ZwXfT01YIIpE5AYpM6Kx15CAggGOzTYFxr1qyZLeOKvQ/Sk+fPn29atGhh9zTyKggT+zZke/Xt2zfHw+MmNnQUDps2bbL7Otu3bzcLFiwwZOZVrFjR3HjjjXlduv4uAoeMgMTmkKFXw6kQwDMhxZm3AxAmK126dJbTMLQDBgywBrd9+/amWbNmNquLVGGeY7n44ouzvTfttddeM+vXrzcnn3yyueiii2IvNoTW4NC2bdssbzxAaMm8Gzp0qL2G3PafUmGtY0QgSgISmyjpqu58E1i3bp1599137etq2OQ/88wzE3XyWhpW9iQJIEbsgbCXwWtqBg8ebF9b06pVK3ueK7wlgA14wm89e/a0WVw5lTh4NiQ/cC0kN/AC0U6dOiWev+EaeFHo5MmTraDeeeed+eatCkQgKgISm6jIqt7QCLgn+6mQV9CwR4Go8DZnNs352f+eM5eNxrFko7FJj3HesmWLFS6y1y655JJsm/feTsdBbOjPxIkTraCQ2o1nR/iPn7kOrofrYq+KPSsVEYgrAYlNXEdG/UoQYN9mwoQJNpTE98t4C8+WtGnTxobEvIUQ0/vvv289Au9mOh4QacWXXnpp4rmcOHs29I1rQTxXrlxpw4XeQvozwkkatf8dcJpCIhAnAhKbOI2G+pIjAQRn7dq1dlPcvWPMrfTLlCmT9MvQ3EOPPNPCOXhApD6THu0eAM0NOZ4TezucwwZ8kEJKNoWn/v1f1EY6Nv0hO87fD9cm70irVKlSokkEB+HkJaLu+qmXL4Lj4dBUvgwuSP91rAiETUBiEzZR1ScCIiACIpCNgMRGk0IEREAERCByAhKbyBGrAREQAREQAYmN5oAIiIAIiEDkBCQ2kSNWAyIgAiIgAhIbzQEREAEREIHICUhsIkesBkRABERABCQ2mgMiIAIiIAKRE5DYRI5YDYiACIiACEhsNAdEQAREQAQiJyCxiRyxGhABERABEZDYaA6IgAiIgAhETkBiEzliNSACIiACIiCx0RwQAREQARGInIDEJnLEakAEREAEREBiozkgAiIgAiIQOQGJTeSI1YAIiIAIiIDERnNABERABEQgcgISm8gRqwEREAEREAGJjeaACIiACIhA5AQkNpEjVgMiIAIiIAISG80BERABERCByAlIbCJHrAZEQAREQAQkNpoDIiACIiACkROQ2ESOWA2IgAiIgAhIbDQHREAEREAEIicgsYkcsRoQAREQARGQ2GgOiIAIiIAIRE5AYhM5YjUgAiIgAiIgsdEcEAEREAERiJyAxCZyxGpABERABERAYqM5IAIiIAIiEDkBiU3kiNWACIiACIiAxEZzQAREQAREIHICEpvIEasBERABERABiY3mgAiIgAiIQOQEJDaRI1YDIiACIiACEhvNAREQAREQgcgJSGwiR6wGREAEREAEJDaaAyIgAiIgApETkNhEjlgNiIAIiIAISGw0B0RABERABCInILGJHLEaEAEREAERkNhoDoiACIiACEROQGITOWI1IAIiIAIiILHRHBABERABEYicgMQmcsRqQAREQAREQGKjOSACIiACIhA5AYlN5IjVgAiIgAiIgMRGc0AEREAERCByAhKbyBGrAREQAREQAYmN5oAIiIAIiEDkBCQ2kSNWAyIgAiIgAhIbzQEREAEREIHICUhsIkesBkRABERABCQ2mgMZR+CLL77Ick2dOnXKuGvUBYnAv42AxObfNmLqb54EFi1aZIYMGWKPK1mypLnrrrvyPEcHiIAIREtAYhMtX9V+CAjs2LHDfPDBB2b9+vWmQ4cOpmnTpoegF2pSBETAS0Bio/mQkQQ+++wzs3r1atOzZ09z9NFHZ+Q16qJE4N9EQGLzbxot9TUQge+//960bNky0Dk6WAREIBoCEptouKpWERABERABDwGJjaaDCIiACIhA5AQkNpEjVgMiIAIiIAISG80BERABERCByAlIbCJHrAZEQAREQAQkNpoDIiACIiACkROQ2ESOWA2IgAiIgAhIbGIyB9auXWu2bt1q6tWrF1qP5s+fb+vjSfrNmzebMmXK2P/TbWP58uVm3759Zvbs2aZ+/fpmwYIFpmbNmmbDhg2mXbt2afV78uTJpkCBAmbFihW2X/S5cePG5qijjjK1atVKq87p06ebcuXKmQMHDtj/6V/p0qXtq2vSKfTtt99+M61btzarVq0yVatWNbCoVKmSKVKkSOAqN23aZK/z77//tn1atmyZqVy5sh2n7t27B66PExhX+rZlyxZTpUoVM3PmTNOwYUOzceNG06pVq7TqhGPZsmXNrl27TIkSJcxff/1lH5CtUKGCKViwYFp1MmeOPfZY299SpUol/uf6g5YZM2aYatWq2WukX7w5omjRovb/Y445xo45/VaJBwGJTTzGwRoKbhhukLDKn3/+aYoXL262b99udu/ebQ3E/v3789XGnDlzDMbylFNOMYMGDTJdunQxCMZVV12VdrcxjNTRrVs3M3jwYNOrVy+zdOlS06RJk7TqfPHFFw0v38QQhVEwtn/88UeW+v755x/Dv3TEhoXF4sWLrZFEGMaPH29OO+00K9633XZb2l1GHPbu3WuaNWtmXn75ZXPttddarum+iBRBZD4eccQRVhS3bdtmf0fECxcunFY/mecsWBAF/qewsChfvnzg+jgfcWVu069169aZihUrWvFmocLijQWWSjwISGziMQ52hTd16lT7Lq+wCitRVni8mHLJkiXmpJNOMvPmzUu7DYwhK3y8BYSsdu3aVhTwctJZmXKdnI/ngJfw+++/W4OOIebJ/3RXpdSJsM6aNcu+Fw0xo4/pekqIAm8jaNu2rRk3bpzp2LGjGTVqlGnfvn1aRhfjOGXKFHvNeF14DxjGYsWK2TFKtzAmGGAEpm7dunbMGzRoYAUtnTJ69OiEx8VY0G/KGWecYY488sh0qrTcWrRoYaZNm2YaNWpkfv75Z1OnTp20FwbcN7/++qsVwEKFCtl5yfxE1PC2+UwlHgQkNvEYB/VCBERABDKagMQmpsM7YMAAu/JjnyCMwup80qRJpmvXrmFUZ+uYO3euXY1Xr149lDpXrlxpvxqgd+/eodRHJSNHjrRhlbvvvju0Op988klz77332r2mMAqr8rFjx5pzzz3XhqzCKM8++6x9CSn7ImEUvOPhw4ebPn36hFGdrWPgwIHWO2QPKKzy0ksvmWuuuSZtrzisfqie7AQkNjGdFc8884zdKG/Tpk0oPSRcM3HixLQ3oJN1ghAIYlOjRo1Q+ojYsA/Ut2/fUOqjkhEjRthQ3X333Rdanf379zf3339/qGIzZswYa3jDEpunnnrKXH/99fnan/MCW7hwoRk2bJh58MEHQ+P4zjvvmPPPP9/us4RVXnjhBdOjR4+0k0HC6ofqkdj8a+YAYkP8PZ0N6GQXSV1sdLOHE1bZs2ePjd2HtcJnw51MonSzxpJdFxlfbJqHWScb5WHWR7937txpN83DKvSR5JB091b8/YChy54Lq4/sKXLNJAiEWSQ2YdIMry55NuGxDLUmxIa04rC++IsNaDbK2eQOq7CRj7FINznA3w+yiVjhYyzCKoQO16xZY6644oqwqjTvvfeezb4Ly0gSRmPD/PTTTw/Ns8FD7Ny5c2jhJJI4JkyYYDPcwip8fTfJAmFmjH366afybMIaoJDrkdiEDDSs6hRGC4ekwmjhpNIrjBbOfDyca5HYxHT0P/zwQ5taLM8mfwP0b/FsSHtv3ry5PJv8DbcZOnSoTe1nL1ElXgQkNvEaD/VGBERABDKSgMQmI4dVFyUCIiAC8SIgsYnXeKg3IiACIpCRBCQ2GTmsuigREAERiBcBiU28xkO9EQEREIGMJCCxychh1UWJgAiIQLwISGziNR7qjQiIgAhkJAGJTUYOqy5KBERABOJFQGITr/FQb0RABEQgIwlIbDJyWHVRIiACIhAvAhKbeI2HeiMCIiACGUlAYpORw6qLEgEREIF4EZDYxGs81BsREAERyEgCEpuMHFZdlAiIgAjEi4DEJl7jod6IgAiIQEYSkNhk5LDqokRABEQgXgQkNvEaD/VGBERABDKSgMQmI4dVFyUCIiAC8SIgsYnXeKg3IiACIpCRBCQ2GTmsuigREAERiBcBiU28xkO9EQEREIGMJCCxychh1UWJgAiIQLwISGziNR7qjQiIgAhkJAGJTUYOqy5KBERABOJFQGITr/FQb0RABEQgIwlIbDJyWHVRIiACIhAvAhKbeI2HeiMCIiACGUlAYpORw6qLEgEREIF4EZDYxGs81BsREAERyEgCEpuMHFZdlAiIgAjEi4DEJl7jod6IgAiIQEYSkNhk5LDqokRABEQgXgQkNvEaD/VGBERABDKSgMQmI4dVFyUCIiAC8SIgsYnXeKg3IiACIpCRBCQ2GTmsuigREAERiBcBiU28xkO9EQEREIGMJCCxychh1UWJgAiIQLwISGziNR7qjQiIgAhkJAGJTUYOqy5KBERABOJFQGITr/FQb0RABEQgIwlIbDJyWHVRIiACIhAvAhKbeI2HeiMCIiACGUlAYpORw6qLEgEREIF4EZDYxGs81BsREAERyEgCEpuMHFZdlAiIgAjEi4DEJl7jod6IgAiIQEYSkNhk5LDqokRABEQgXgQkNvEaD/VGBERABDKSgMQmI4dVFyUCIiAC8SIgsYnXeKg3IiACIpCRBP4f+Vwgr9TMZycAAAAASUVORK5CYII="/>
+          <p:cNvSpPr>
+            <a:spLocks noChangeAspect="1" noChangeArrowheads="1"/>
+          </p:cNvSpPr>
+          <p:nvPr/>
+        </p:nvSpPr>
+        <p:spPr bwMode="auto">
+          <a:xfrm>
+            <a:off x="155575" y="-1241425"/>
+            <a:ext cx="3914775" cy="2600325"/>
+          </a:xfrm>
+          <a:prstGeom prst="rect">
+            <a:avLst/>
+          </a:prstGeom>
+          <a:noFill/>
+          <a:extLst>
+            <a:ext uri="{909E8E84-426E-40DD-AFC4-6F175D3DCCD1}">
+              <a14:hiddenFill xmlns:a14="http://schemas.microsoft.com/office/drawing/2010/main">
+                <a:solidFill>
+                  <a:srgbClr val="FFFFFF"/>
+                </a:solidFill>
+              </a14:hiddenFill>
+            </a:ext>
+          </a:extLst>
+        </p:spPr>
+        <p:txBody>
+          <a:bodyPr vert="horz" wrap="square" lIns="91440" tIns="45720" rIns="91440" bIns="45720" numCol="1" anchor="t" anchorCtr="0" compatLnSpc="1">
+            <a:prstTxWarp prst="textNoShape">
+              <a:avLst/>
+            </a:prstTxWarp>
+          </a:bodyPr>
+          <a:lstStyle/>
+          <a:p>
+            <a:endParaRPr lang="de-DE"/>
+          </a:p>
+        </p:txBody>
+      </p:sp>
+      <p:sp>
+        <p:nvSpPr>
+          <p:cNvPr id="6" name="AutoShape 8" descr="data:image/png;base64,iVBORw0KGgoAAAANSUhEUgAAAZsAAAERCAYAAACtswpGAAAAAXNSR0IArs4c6QAAIABJREFUeF7tnXeUFcX2tkslKkGiBJEgWRABRRBUEBQlKAqYRUyY4xVEf5e/THiNmLOigogiiIogkkQFJCogSpYoGUQkCXzrqW/VWT09Z2ZOn+mG9vDWWixmznRXVT9Vvd/au3b3OeLRay49UKNSKVPy7IsM5cCB3Wbt2m2mQsVyZuO6NaZU6ePMtq0bTYmSpcyRR+43u3fvM39u3WUqHl/W/LNzq9m080hT5tgiZtumHeaAMaZsuWPNls3bTMmSRcyOHftN8RKFzMZ1m0zpsmXNjr+2meIlS5otG7eaUmVLmQ1r15siJYub4kcfY9tOtezdvdPsNAVNicIFUj1Fx4mACIiACBxCAkf069cPjVARAREQAREQgcgISGwiQ6uKRUAEREAEHAGJjeaCCIiACIhA5AQkNpEjVgMiIAIiIAISG80BERABERCByAlIbCJHrAZEQAREQAQkNpoDIiACIiACkROQ2ESOWA2IgAiIgAhIbDQHREAEREAEIicgsYkcsRoQAREQARGQ2GgOiIAIiIAIRE5AYhM5YjUgAiIgAiIgsdEcEAEREAERiJyAxCZyxGpABERABERAYqM5IAIiIAIiEDkBiU3kiNWACIiACIiAxEZzQAREQAREIHICEpvIEasBERABERABiY3mgAiIgAiIQOQEJDaRI1YDIiACIiACEhvNAREQAREQgcgJSGwiR6wGREAEREAEJDaaAyIgAiIgApETkNhEjlgNiIAIiIAISGw0B0RABERABCInILGJHLEaEAEREAERkNhoDoiACIiACEROQGITOWI1IAIiIAIiILHRHBABERABEYicgMQmcsRqQAREQAREQGKjOSACIiACIhA5AYlN5IjVgAiIgAiIgMRGc0AEREAERCByAhKbyBGrAREQAREQAYmN5oAIiIAIiEDkBCQ2kSNWAyIgAiIgAhIbzQEREAEREIHICUhsIkecdwP79u0z06ZNM/xfuHBh06xZszxP+ueff8yPP/5ozznmmGNMo0aNzNy5c82OHTtMvXr1TOnSpfOs41AdsGzZMrNq1SpTuXJlU6NGjZS6wXXBpkCBAikdH9ZBs2fPNn/99Zc56aSTImX6/fffm/3795szzjjDHHXUUWF1P5R6mGPwL168uDniiCMSdS5atMj88ccfpmrVquaEE04Ipa1UK4HVpk2bzJw5c8y8efPsGDE3ypYta++fWrVqmaOPPjrV6nTcQSAgsTkIkFNpYtKkSebbb7+1hub66683FSpUyPW0JUuWmI8++siKTdeuXc2JJ55oBg0aZNatW2d/r127dirNHpJjvvnmGzNlyhTTvHlzc+655+bZhzVr1pivvvrKXHTRRdaYHMzyxhtvWIN6+eWXWwMWRTlw4IDp37+/YQHRt29fU7BgwSiaSavOv//+24wZM8bOyw4dOmQR+y+++MIgxmeffbY566yz0qo/3ZN+/fVXOycQGX9BEBE/5kvJkiXTbULnhUxAYhMy0HSrw6C99dZbdnXbrl0706JFi1yrGjdunPnhhx9M0aJFzY033miKFStmPZ3t27ebxo0bm/Lly6fblcjPCyo2Tz/9tMHo3XzzzQf9ug53sUFMRo0aZRcz3bp1yyI2eNIrV660C5uaNWtGPm9cA4jya6+9ZjZv3mznfZMmTezChUUJ98DSpUutcOMltm3b9qD1Sw3lTkBiE5MZsmfPHuupLF++3N7Y3bt3z3GFy430zjvv2BV33bp1zcUXX3zQw0v5wSaxyUovzp5NbmKTnzmQn3MXLFhghg0bZuB21VVXmerVqyfCe9wbEyZMMFOnTrVhz1tvvdUceeSR+WlO54ZEQGITEsgwquEm+e6776xw3HXXXXYvJllZv369XdlRzjvvPHP66afbnwmpcQMS8vDG1rkBWfW5kAOxbMJ07IF4j6MOjqUk2xvB6+IfN6//BubzjRs3mm3bthmEkz7QDvsy/j2IIGJDf5577jmzc+dOc8MNN1jPxn99tM0qd8uWLbZtrom2q1SpknT/A0awWLt2rdm7d6+91nLlypljjz0223Xl5Nk4FrBKxiOn+cAYrVixwl4P4bKKFSvacU4WRnPjmVP9ycbK9QtGzBO4FClSxO6ruDHjmK1bt9q/7d69O8GrUqVKplChQomuU/9PP/1kRo8ebffWunTpYv/uxjO3/tHGhg0b7JhwHB44oa1k88pbD2PHIorz6C98SpQokWWeDh061LBfdNxxx1mv3l+Yh6+88or9+KGHHordHlgYtuLfWIfEJkaj5r1J2rRpY1q1apWtdxjKTz/91Pzyyy/2xkeUuJExGv49G46dP3++3R/hBvYWbmA2Uv3huocfftge1q9fvyzHUxciwYqRcwj1uYLRJq5PSMVfEIfOnTsbDJkrqYoNRuixxx7LVucVV1yRCNtgNAnzEDqhj95CvJ59Bm+IByNG+JGNZQyiKxg2jrvsssuy1JFMbDhvxIgRdgwQivPPP98mZeRVSIxgn4GNbVcYB0I9n3/+ebY9G7cn0rp1a3PmmWdmqz7ZWE2cONFMnjzZ7lcgEswLihszFgP0YfHixdl40ReupU6dOvYcFjQIlreweMCbYKGS057N6tWrDWHe33//Pcu5LACY16ecckoWUf/kk08M3grzcdeuXTbRxY0l48Jiij0hJ4T8DZbMLcJo/sK+5euvv26Pv//++yU2eU3Mg/R3ic1BAp1KM9xE7NtgvLmZ+/Tpk+00soKeeeYZ+zkZaBdeeKH9OZnYsHLlpmP1Tn1lypSxq1xEgc9YWV9yySVZkgmCig2CQH8wEqxKWW1iABA3+so1lSpVytxxxx2hiw11P/vss7YdCt4JAsOK+s8//7Rt+zm6RAyMGMaVhAOMPyJEYSXtXS0nE5sBAwbYvTHqZx+DUKbfQ/QPHJ7Uiy++aLnjGSC+9Jt2OdcJnzdBID9iwwIELw9xYD4RToINK34WNRSuHW/OeaRcDwb6P//5j/VA0hEb9tZefvll67nBGEFAZNyc47Mrr7zShr5ccWIDF+YT4S/+IVaO16WXXprSvhDeGMJNhlrDhg2t6OY1Nqncmzom/wQkNvlnGGoNCAQ3Kzc+q/KmTZtmqZ9VK6tXjMI999xjjWlOYkNIjtAcBocbHKGh4A0QisDItm/f3m6wuhJUbAizjBw50vYDr4BwDQXjyd8wmNzs//3vfwOLjTshpwQBQilDhgyxhhHRdCtyznN/42evl/bkk09aYSQkhDFyBW8HVnDt3bt34nOv2BAGYq+ATEAENVWPhsrYYyPdGzHG00PUKN6sQn4PS2zo37XXXmuNNoKG4LMf+P7771ux4/rr16+fuE76AUvG7fbbb0+keee2Z5PMs6EO2CNiF1xwQRYPlOPxSJgrd955p/XIKU5s+J2w8Mknn2w/Z9EwePBgu3DwhotzuuEYV+6NGTNm2HFkIZBqan2oN7EqS0pAYhOzieH1bho0aGBXZi7WziqPENrChQttGi5JBC5+nsyzcXtArGA51ps2TDiF+jBKToRAEVRsMGSE6TAuZP94C9fyyCOP2I+8Bj/VMFpeYoN3gaDSf9Jv/ftIya7l0UcftQaVECWhGe/+A0LP795nlLxiA09CNIgbK20MWSqrZjyHgQMH2tU+KdT+zC34wSRMseG5IOaOd78Mr4P0ejzaZFlaL7zwgl2I3HLLLdZLpAQRGxYv7733nt0Po20nGm4cEYOXXnrJZhZ26tTJZk16xYaFFQssb3Hidc4555iWLVvmeLcyn1n0IKgIjVv4pDI+MTMBGdsdiU0Mh9bF3XmIjtUpq1IKRoswGyLBSs/78GcysWGFiQeDcXXPHpCmSggHg5os3h1UbBw+hIU+EAZBBDCsxPu//vrryMTGO3SubQwdxgzDx16OX+ic8eJz9ltOPfVUG+ohxAhn/wa2Exs+dxvyqaSme/vG3g57PPC++uqrsz0cCjtEkP/D8mww5B07dsxRDL28GCvmFmLKz+mKDftAeCkYe64zWfo9GZcslti3wcPzik2yfUrnPeW0h+k4s2dI2jNjSmj5YKZix9CExLJLEpsYDgv7HawQibl7V8KzZs0yX375pb2Z2QPxZqslExtEBkPHDYtAucLKFrEhW4ubOD+eDXWyYuUJeGLsXrHxbsBH4dnQNu2RtPDbb7/Zn9kHQWz42RVv26yASaTwbtIjxAg7q3mExGskndhQF8chCOxB9OrVy56TSsE7YNzYp2DF7Rc06nz88cdtn8MSG0SUMJa/eHkxPm5h4OWVrtiwyY+oEiokicOFybx9YJ6MHz/eJlQQ5vKKDSFd/9szUhEbvBnGlOtx94s8mlRm5sE9RmJzcHmn1BoraIwcq01uXAwbn7ERj6hgtFg5+lf2Ob1BgNg34SZEjJU/IuaEwJtkQH25eTZjx461r9XxZqMRdmEjmToJY2FI+UdcHmNMmq/fuwgrjMa1sL/l0ncRUdpGjPEi2CPxt+2YYfRYYRMG5HzntWCkSLF2eypObPB6CD3hdTIuhHzYs0nlGQ6v2BB+878hIKfnbHJLEGD88Ib81+e84mRigwi/+eabNj2d6/TzIkTIoiRdseGp/uHDh6ckNuwX8aaLMMSG7Dr2ady9ktJNpoMOOgGJzUFHnlqDrNQJgWHMevbsaTdJCVHw+2233ZYIrbnaknk2/pY4BoOCsWEVShv+zXsnNmTCueQD6sG4IWasIp3Y8NnHH39sjTbGmae4WfXjKbGHg9FnxR6F2GCgCZ1Mnz7dhsDYg8HTYzWNyPEvJ+H0coEHgglfBBkB8z557s9GgxvjgKhdc8015vjjj89zQJ0Rhgfn+MNLXAsp3vBM5tmwV8Gehbe4+RFEbAhpslhAONnjYqwcL8SZ55m4/nTFhvRz5gNzlMWQE2xvv0lQYA55xdAlCKTr2Xz22Wfm559/tns6fk55Do4OOGgEJDYHDXXwhlwWFvFtwkPswfAw5k033ZStMr/YkEDAsyRkWbGKJFzmLXgiTzzxRDYhYEMf40e835ulRqiMlF/Oc2KDN4AA4UGwIUxCg7eQ7vruu+/aj8hGc6GNMDwb+siGMEYm2eYxAsKGt79twpM84PrAAw9k289wcf/cxIb6uCb3TJFflJONMkLGXhuGnDCa9711XAf8HCev2BB6I3TqT8emDWegg4gNySU8d5WMFwsQUrMRPO9rgYIkCHCdZN3xP/smeM3egteEd84c8mYD5ldsgt9ZOuNQEJDYHArqKbbpssnYX8FQky3FngIehL8kExserCPTiZU0BobUXbwVwims0NlAZ4X+4IMPJqojW4h2WLFjMGgbQ0Scnf0fjKNfbDC8CBMPH7JSZpOZ/Rvqpy0KK/pq1arZn4OKDQYKsSWM5TLevGLDcy7sT7A6RxQJFxKCcs/OELpyadF4EOxPkImGMcQDwwhiIBEvDL93hZzsORtE9u2337ZeYqrhNPYyeFgR74sVPP2hH3iFrMzdQ4xesXFZangKZG+xaEAMCE3SV8fWuyeVWxiNEBfPnyB2LCboC/PGPZRLuJXiTblnwYLoMYfYh/EmlSRLfXbXyTxgrtJnwnU86Em4i7GhXdKrneecX7GBA9eBp+b1xlO8zXTYQSIgsTlIoNNpxoUlWAlSCE+xAcrGfl5ig0FhJf38889bo+Z/5Yl7RYh/z4aMHlb4FPdaGGcIadcbRuMYwiaEiRBDb5otRtGdx/9s/GJk0xEb9hkwiK4NDC/PyLiwULK23Wt1+B/DjuBQSCZg74lzYOK8LfoIE37nrdvujQc5va4GjwMx5XgeAmW/ILdCP3gAFcPo7a83icIfRuN3wpAum9Dx5XfEnX0KSqpiw4KBvSqKN0nBveIGHvyMV8w8o7hMOthwDtfJ3zDsycSG8/EoEW//dfI3roEQm/crCfIrNjzEiZCzGHGvbkrnftM50RKQ2ETLN1+1s4ImVdc98Y0BdEbTXzGCRJiE1SmrVvcwG0KAUWLFTn0YVYwKq0sMNiLgzarCi8EYk8bKih+DwZ4InhEreYwsq3n3+hTqxOiwQnevRsEo4RnhgRH64288WMqzPhQeTJ05c6Y1mKm8mp5VMQ9TurcCuFAixovVMgYRj8YJJAaR68JDIwzEtbrQI+E1eBB+wwNzhpw+80Aq5/EiVFcIE8KUMKH3qXf+zp4aITm8Pzy3vDKgGEdeIYMnCDeOJwMOrwzvBoPOit+bQMC14a3gpdFX+om3gHC/+uqrtps83OsKYVMWDDzjkmz/gvbxbrh2xwuvhTGFIXs6vFmhR48eti3EEY/IZRqy78QDwiw88FCpC0/Xa+ThzkLAvQGAOUddbm+NTDQvKzwn5gmeMSFjb3Ft4NHm9D1PLI7w1JmT/oeg83UD6uRQCUhsQsUZfmXeNF5u2GTppLTKDY0BcS899K5cESLq4Rj+caPz95xSd73HUzcGxoVc+Bu/e8MVtIkX5TwD6qefHINgYcScwFEfopSsntzokaLrxJLVsfueEq4HEXJtUwceIO3zmfMk/M8UuXMcD/rMNfozxQjfYeSpz5+yzDU4gU01DZrjGSfn9cEIL4Hro9BPryHmOK6BtrwLBfrpzvG27djyd29Ku2NLHY4ln9FWMl6wcP2gTjd/XJo4LBhXxtc/H6jXP+cYf45L9oVm8GBsYeF9ESj1uDaS/c1dUyrHhH9nqsagBCQ2QYnpeBEQAREQgcAEJDaBkekEERABERCBoAQkNkGJ6XgREAEREIHABCQ2gZHpBBEQAREQgaAEJDZBiel4ERABERCBwAQkNoGR6QQREAEREIGgBCQ2QYnpeBEQAREQgcAEJDaBkekEERABERCBoAQkNkGJ6XgREAEREIHABCQ2gZHpBBEQAREQgaAEJDZBiel4ERABERCBwAQkNoGR6QQREAEREIGgBCQ2QYnpeBEQAREQgcAEJDaBkekEERABERCBoAQkNkGJ6XgREAEREIHABCQ2gZHpBBEQAREQgaAEJDZBiel4ERABERCBwAQkNoGR6QQREAEREIGgBCQ2QYnpeBEQAREQgcAEJDaBkekEERABERCBoAQkNkGJ6XgREAEREIHABCQ2gZHpBBEQAREQgaAEJDZBiel4ERABERCBwAQkNoGR6QQREAEREIGgBCQ2QYnpeBEQAREQgcAEJDaBkekEERABERCBoAQkNkGJ6XgREAEREIHABCQ2gZHpBBEQAREQgaAEJDZBiel4ERABERCBwAQkNoGR6QQREAEREIGgBCQ2QYnpeBEQAREQgcAEJDaBkekEERABERCBoAQkNkGJ6XgREAEREIHABCQ2gZHpBBEQAREQgaAEJDZBiel4ERABERCBwAQkNoGR6QQREAEREIGgBCQ2SYjt2bPHHDhwwP6lYMGC5sgjj8yVqzv+iCOOsMfzv0pWAvCEE2wKFSp0WOLZvXu3ve7ChQvn+/r37t1r9u/fbwoUKGCOOuqofNd3sCoIk0FYfXZ9Yl7q3g2LavZ6JDZJ2M6bN8988803duKdffbZ5pRTTslxBDZt2mQ++OADK04nn3yyOeecc6IbrX9JzZs3bzZLly41p556aqLH69atMx9++KEpVqyYufHGG2N1Jbt27TKffvqpufLKKyPt14svvmj++ecfc9ttt+VbcIcPH25+//130759e1OvXr1I+x20ckRwwYIFpnLlyubYY4/Ncvpzzz1nf7/nnnuCVhvZ8a5PN910kznmmGMia+dwr1hik2QG7Nixw7z77rsGo1m2bFnTs2dPU7Ro0WxHYqTeeOMNs3XrVrvCxFhVrVr1sJ5T33//vZkwYYJp1aqVad26dYLFH3/8YZkiNnfccUdsGNGvgQMH2vG96667Iu1X//79DR7JAw88kG+xGTRokBX0iy66yC5y4lQYf+bBrbfeasqUKZOlazCg9O3bNzZddn1iXjI/VaIhILFJwhUvZc6cOeaLL76wf23atKnp0KFDtiMnTpxoJk+ebD9nhdmsWbNoRulfUivcxowZY6ZPn27OPPPMLGKDkcULJCRZvnz52FzRqlWrzDvvvGNKliwpsQlpVF544QW7AMOD84sN4k6pUKFCSK3lvxrXJ+ZlXiHz/Ld2+NYgscll7N977z0bqqB06dLFNGzYMHH0+vXrzfvvv2/+/vtvU61aNevV+GPn+/btSxzPJI4iHoyBJ2xBCdIG53Au/+hXXuf6j0+2T5Cb2KRyi7lrcX3ytpHb35LV7e2vY5PMkKQiNv62Ha/crinZ2Kfr2XjH2LUdlWfj+p1sPqQ6Z3ITm9yYpcOZ+rzn0e8wBcPxoI2w607lnsikYyQ2uYwm4bS3337brtIqVapkLr/8chvT5aYj9IKhwiDyeY0aNRI1EV774YcfDILkEg2KFClivZ+jjz46S4us9gk78Lnfe2JDnb/t3LnThqUI6VHcOYRQ5s+fb+PjGKETTzzRnHbaaXnOz5UrV5off/zRbti7Urp0aXPWWWdlCxfSf+qfO3duQtRoCw7nnXdeYrObTdbPP//csErcsmWL7Wu5cuVM9erVrWfIZ+PGjbP1d+zY0Ta7aNEi89NPP5kqVapYr3DSpEn2fCc27EU0atTI/v7rr7/aYx1P6md/LJnocX3Tpk2zIStXMBR169a19bkCW8Zw+fLlNrGjZs2almPXrl0Tx3BdX3/9tWEuuLYJmcKZRYa/cAysfvnll8TxcIDtM888EziMtm3bNoMHzaLGiWbLli0tK38YjesdNWqUbePCCy/MFqqDCWwIu9WuXTvR9U8++cTy57q+/fZb22/4nnvuufYY9pmYz2vXrk3MAT5nLNu0aWO9QgosmVcLFy60fWA+sulOPe4Y2qJ069YtCzrm+HfffWc2btyY+Jz64cbc9Bb6M2LECPsRi0DmFSFvx+ekk04yDRo0yPM+cAe4PnXq1Mlwn1K4x/HQly1blhhH5gbeD32ClbfMmDHDziPajtseWsogIj5QYpMH4FmzZpmvvvrKTj5uSG4cjBQ3H5OPzzC6rvz11192bwLj6ia/8yD4HYHAQ3JeTm4ra25AQjzbt283V1xxhTnhhBNsnRgM2uCG5UbBkNIGiQzcMDkVrgEjxU1NoQ/8c/0jS+qWW24xJUqUSFSBkacNJwAc7zwpNn/x6AiVYAyffvrpbE03btzY9glD9eabb5rixYsnNoenTp1qxo4da+rUqWMFdcWKFQkurj2MCYb7t99+S1ynM/okb3Dju8LnCB6ilOz6+Ix9JEJ8FNjC31tg+X//93/2I/720Ucf2Wvzs+L3q666yoqpt33En8171z7/0y+EDGOEoUx1zwYD+sorr1jebr5QF4abfjLHvHs2LHKef/55g0Def//92RYOJEHQv3bt2pkWLVok+v3www+btm3bWlFzY0uYi0QOxoVxY8GVbD4j0mysMwdYlHDtXq+Oc26++eZE6JS2KP369Uu0/+eff5pXX33V9jtZGz169LBz3zFgkfTEE0/YY5k7yebGxRdfnLLguD7de++9ds8GxtzzM2fOzDKPHBtElAWJN6tw5MiRdt5551e2m+Ew/0Bik8cEYGKTRYUhZBWNgWP1hqiwIid5wBVulsGDB1sjxYqOlTcrIAwMNzkigbG9/vrrEwY9P2JD3WT8IF4YRFarrKJzKqyEMTisOhEBF6Omf6zMNmzYYG/q7t27W0+L45566inb//r161vDipHD8MCA68VoYbw4hpsTcYIVnl6tWrUS3k1uYuNSoVklY7wwVngHsKGPGF2MCu27/bTVq1dbtg8++GDicmkXcaBfeB6woL/8Tt/wCI8//ngrkBgKRIw2WPG7VTQGzXmHLozKOTCmPQzO4sWL7eqdwiIA40NxQkMfGQuun5/pF39zIpmK2GCAmXd4xxhyFjXMP8Zk/PjxCa8tLLGhbgwt40k/WUhwDVOmTLGeA7yaN29u5y8MmP9wQ+DwtBg7xG/JkiV2QeO8cTxg2LkEG7/Y4DF+/PHH9t7gWBYCzAHmEws9shhZ/MDZ7fV5xQZPxPWLc9hDpW9cCwkKzlPJ7Tb3iw3eDGFK5gL94Zr5mbniFjLcI17vkHsLr4y5QhREJTsBiU2Ks8LF293hGMhLL700y8oWg/LZZ5/ZiXnNNdfYiecKN9WAAQOsIcXVvuSSS+yf8iM2nI/YIXqplNdee80aL0JyGAdvwYgRa0e0brjhBlOxYkUbOiL0g6FgpewtrILxTDDoHE/Jbc8mN7HhXOrw3qQYOdLPKV5e/I5Refzxx+3fvCtkBJCQF14EoU1vQbwYG8SHrCPnveXE361UMfRsdPsLRg0GhKQIWTHmbh+FEA4ra29h5Y6YU1IRG/YKETvY40ExHq6Qms+1YPTDEhvq9ie5UD9eDQYfAT7//POzXNPo0aNtqIkUd/7mPI/c9mz8YgN/QtKIHZ46Y+cKvGCKZ0/04PTTT7d/8oqN30tjfpMh6jyuUqVK5Xlr+MUGb5u5fcYZZ1iPz1veeustO458nkrIOs/GD6MDJDYpDjYrfwyZCxG48JD3dFZ0xLyJ5V922WXZYuasrompe413fsQGwcNwpVJYgT755JO27TvvvDPpKRhrDCj7GhhQFxrDiLB6RVgwBrSbbBM2XbFhFUqoxJu5xCqREBJt33fffVn2umjnkUceySY2GCWMNB4I+zPegoHi+jGgpDh79xmSZaMhsojttddea4477rhsvNhbwotFtOg73hOGkXMQGn/cfs2aNQZDlarYELokLIWnSf3e5BJvan6YYuPCSN6LxRuEKSn93vFhDJgrhGTZk7vgggvSEhsyPmfPnm2z0/D4/XtwhLO49/BqCMf5xYbndfA8XMELJsTMgoQFjD8bLtnE94sN10SoHMFi3nPtiD3zKookn1Tu30w4RmKT4ihirEkW4ObDOGKw/ZuErMRZkTtj7a+a8BOrPopbkedHbDD+7LGkUrgJX3rpJXuzJHtmiDowIIQ/3Gqe31klsrKlYAgIpxDuIGbNcV7RSVdsEAYz/ItnAAAazElEQVRWtd4bGU8Lb5I2MYL+PieL/TsO9IPzMcoYDkI0XJfbZA8iNoRhcspuok7+hhEkdEPYCyHGE0kmUI8++qgVu1Q8G7xgQmmsoFlh+wtzkVBimGLz3//+N0djSr8x4ITK8OpgisDCOT9igzBQVzLPiWsmiWTIkCGWs9tL83o2/j5zj+Ep0bd0xYZr4kFP7nkKosM/BIc9ROaiRCcVq5P1GIlNAGavv/66NbzeVZb3dOd+sxrK6U0CycIIOT3nkVeCQE79SHZJuP6Ecpxo5HbZiMndd99tD8FAE7NnL8bdfO5cjuM63RsW0hUb9oO8GWDUn47YuMw5xgFD7S0uEYLPgohNXinh1NerVy/bHmKDALNhnixLLkjqszuWcfAmbLhrSpb6nJ8EAe8CyMsN480eBiEzxCZZyY/YsJjBS7zuuuuyhJ297fjvGa/YeMOonBOG2FAPizOiEOy3+RMe2CclczROzwoFMGOH7FCJTQD0eYmN82yShdhoBoPEihXDx4qMkh/PJojY4JG9/PLLdsOUsExuBUPp0qw5DiPO+RgzQoneFFjvmxMOtdiwl8FeC8YBkcDLIG2WkBab+Ow/BA2jOQ8uN14IDOOI2MAXzybZg6uPPfaY7Vsqns2zzz5rvSXvXoW3D6zeMYSpejaMDckhJEUky0ZLJjawYvPeJUMwLwhZYWTZP4E3oeH8iI3LCPQ/BOyulY13hBXPwr114GCIDe3jHZF6jgeJh8zPLskDDmTr6Y0DqRtQiU3qrExeYuPeKMC+BskD/tUt3gE3L6GoPn36ZBEbJi/ZM950SlJlhw4daid4stTnIGLDjUJaLH3ybpB7L5/VHIJCeM5lheER8bM/9k2mEPtT7JOQKcb1HmqxcRvTbFizh+AtZEkhBvQxiGdDeC/ZcxNwYl8Jr4N/eLzs4eCNkvzh3zOiXcJo/J+K2FAXfWb/7+qrr84StqEOhBOPICexYS55FwwsdHiHH4uGVMUGYcTDQnRIX2cR5S0sPMhIy4/YkCqNaJFMw/6YP2TpFnAsGm6//XbbfNRiQ/iV+4Vx9YsJ14zA4uWRBJTsWasAJuWwOlRiE2C48xKbn3/+2T7nwYqa9FrcbVcIR3E+xplVtnvpIxvHxK0RAdIpvQ+HciMTEsLY51dsMBwYY9rHeLJi9++RuOeDSCXl+RUycljRsZlOaMhfSDNm1Ythpe+HWmxIGnDC7M1q4jP3vi6uIRWxwTATPiIFnFCWf3+OsaFOjCQsGSMEgs10xBce3mdj2AjnFUiUVMTGPd/E4sM/l1jtk0DAytsrNvyO94pH5H/eg3mGN4SRDCI2eGPJ+ox4sZeCyDZp0sSGldLJRmNPhgUVfEmq8Rpv9odgyiLIG5qOWmzI9OPZHXcf+Oe9Sx6R2AQwnjzX169fv///Ln2VPAnkJTasarmh8Qa4eYhD8z/7D3gBGGaEiFRal0HDSpPX3iACZL24FFJuYkJCrCrDEBsujmcEMHrUyTMgGCT6hxCRwkpWEP2j33hNXA8PamKs2fAmQ815PIRj2CjGwLhnTbxiw7MVpFizmcreTm6pz2Ht2ZAAgWEigwuOCDjGFY4uySEnsWEFiwcBD5cu+7///c8adP5GfTCBFV4N40xhY5uUYTjg7RHnhwOLBvcEPinxvJgyyHM2XkOL2DtPmetxokF9XrHhb4ScCK+xKme8mGfMP8JVFPofRGxgQL14i/zjOqmPtGz3Bgq4sBnvBNmNA2nhzAGe2XFevn//xfs8EfMEYXXPppGJRniS0CRzzD1KELXYsJDAg3Hji5i6ucTeFXz99zF7RSwo4e3NjsvTqBxGB0hsAgx2XmJDVWTW8CoN98S1t3puVDbUiXe7mw/DzwR2Tyt7jyerjVAaRj+/ng31Ug+b/YhKskL/MA78c4YDkXSvMPGfw/FkSrlkCIwfYQ88IldcZt7BEBvnWbonvb39RdBIJaaPhBGdoLg9M3esN52cZ3MYG39ihDuW55tIc3Zp1HyOAJMC74TFHcsDqW6zORXPhvMYe7wH72t3+BwhgT2hHv9bn90LZP3t4zFwDt5aqmJDHd43Mnh5Mj9YgLCfATMyBt3Due5NBe54r5eVLIsQLlyne4OA/57p3LmzfTDUhdiiFhvad55tsvsEb5MwrfddiXqDQN6GVGKTN6PEEUxA4vTEwlkF51S4GRAcjIW76d0TzTml0fK2ZPfuL45hw5QsL0JVhEVIuXRhOQw3n7OPgisftHBzEyt3RhQjxKqS5xySpUVjxL3PGNEexoaVu//19hhGVrbOcPCUNQbZfZ8N7biQnNv34Rj/e+FYTfP9L4gyx/ufBM/pe1EQRlam3peTsqeAIMIYwfH2gWvBoOKpUWDfu3fvLEjJmHLv3uIP7k0SOT3Uh5gjuq4PeKzs41APfIJ8nw2rZQyxeyDUPfxIGzl9nw3jRfjVZY8RUiTUh6dAeIi5BRNX8vqOGbwlRMXNZeYIc4U5zbNQjDWLIZfuzT3C3qTLCGSeuu8wyqkt5uKwYcOytIOI83Cu/ztx3Byj//7vxaFNwnLcg/QplYc6c/o+G97UwCLQu3ghrMrekj9DkPuDOcTi63B/+3tO9khiE9RS63gREAEREIHABCQ2gZHpBBEQAREQgaAEJDZBiel4ERABERCBwAQkNoGR6QQREAEREIGgBCQ2QYnpeBEQAREQgcAEJDaBkekEERABERCBoAQkNkGJ6XgREAEREIHABCQ2gZHpBBEQAREQgaAEJDZBiel4ERABERCBwAQkNoGR6QQREAEREIGgBCQ2QYnpeBEQAREQgcAEJDaBkekEERABERCBoAQkNkGJ6XgREAEREIHABCQ2gZHpBBEQAREQgaAEJDZBiel4ERABERCBwAQkNoGR6QQREAEREIGgBCQ2QYnpeBEQAREQgcAEJDaBkemEQ0Vgx44dZt++fYnm+YbR3L7vnW+W5JsuvefwTZx8Uyfn5lX4pku+Sptvx+QbGlVEQATSJyCxSZ+dzjyIBCZNmmRmzJhhxcOVggULmlNPPdX+8391MMeMGzfO8BXJfK22K4UKFTINGjQwHTt2zLP3tPndd9+ZE044Ia2v386zAR0gAocRAYnNYTTY/9ZLHTlypPnpp59s970eCZ4L5eyzzzZnnXVWlsv78ssvzaxZs7KdwwecV69ePdOtW7cckXDMI488Yv9erVo1ic2/dfKo37EhILGJzVCoI8kIbNy40bz99ttmz549pnHjxgmPBDGYN2+eGTFihBWgPn36GLwWytatW82gQYPM5s2bTe3atc1ll12WqHrNmjXmo48+MoTkrrvuOlO5cuUszVLv+PHjzbRp0xLhN4mN5qYI5J+AxCb/DFVDhAQw+mPHjrVhsh49epgSJUpkae3hhx+2vz/wwAMJsVm0aJEZMmSIKV++vLnhhhtMgQIFspxDKO7pp582xx13nOnVq1fib0uWLDF4UQgRooNQLVy4UJ5NhOOrqg8fAhKbw2esM+5KXajL79k4salQoYK56aabkl63E6l+/fol/j5mzBjz448/muOPP95ceeWVVmjwnNLxbFz9Dz30kBk9erSZPXu2FTBK2bJlzeWXX26KFStm/zZnzpxEH4oUKWLOOecc07Rp0yz9/uWXX8w333xjtm3blvicZIfTTjvNNGnSxNapIgJxJiCxifPoqG85Eti9e7dBHNjLQRzwesgao6QrNghNlSpVrBdVtGhRM3fu3HyLDWG61atXZ7sOBAyRXL58eUKE3EFcR+/evQ0JEBSSHD7//HOzf//+pDzo89VXX53Ng9P0EYE4EZDYxGk01Jc8CaxYscJ88MEHif0UUp/Z6EdwXMkrjIZ38Pzzz9vDvZ6Nv/EwxAbhIPOtUaNGtvpvv/3WkOVG4W+dO3c2DRs2tL8jPIT/9u7da4+/8MIL7ed4P9OnTzfVq1e3HpELCxJiZH+J0rVrVxv2UxGBuBKQ2MR1ZNSvpAQWL15sPvzww8Tf2MMhs6xdu3aGsJIz2u4YhKhWrVpZ6ho4cKBBtA6G2NA+/fOWRx991HopeD0kKXgz7IYNG2YImXlDd6NGjTIzZ840zZs3t9fpjidpYtWqVYbngQgZ+vezNIVEIE4EJDZxGg31JRAB9kHYx9i1a5epW7eu6d69e+J8Ms7Yc6Gwn9G6dWsbziIdGuPsHvSM2rMhS65w4cJZrqt///7We+nQoUO2vRky7IYPH26qVq1qQ4MUEiSmTp1qf6auli1bmvr169uf9bBpoCmjgw8hAYnNIYSvpvNPYOnSpTaVGQHBS3DhNFKmCT8tW7YsSyPsxbABz3M4B8OzIUHA7SW5jjixSSZEycRmw4YN1pvzJgfg3ZQrV84+cFqnTh1To0aN/MNUDSIQIQGJTYRwVXX0BBAZnqkhLMaKHyFxhewvPJkpU6bYdGZCU+xtsOeRLBvN39sw9mzCEBvXL/Zt2KPBK/O+gofr6dKlS7ZwXfT01YIIpE5AYpM6Kx15CAggGOzTYFxr1qyZLeOKvQ/Sk+fPn29atGhh9zTyKggT+zZke/Xt2zfHw+MmNnQUDps2bbL7Otu3bzcLFiwwZOZVrFjR3HjjjXlduv4uAoeMgMTmkKFXw6kQwDMhxZm3AxAmK126dJbTMLQDBgywBrd9+/amWbNmNquLVGGeY7n44ouzvTfttddeM+vXrzcnn3yyueiii2IvNoTW4NC2bdssbzxAaMm8Gzp0qL2G3PafUmGtY0QgSgISmyjpqu58E1i3bp1599137etq2OQ/88wzE3XyWhpW9iQJIEbsgbCXwWtqBg8ebF9b06pVK3ueK7wlgA14wm89e/a0WVw5lTh4NiQ/cC0kN/AC0U6dOiWev+EaeFHo5MmTraDeeeed+eatCkQgKgISm6jIqt7QCLgn+6mQV9CwR4Go8DZnNs352f+eM5eNxrFko7FJj3HesmWLFS6y1y655JJsm/feTsdBbOjPxIkTraCQ2o1nR/iPn7kOrofrYq+KPSsVEYgrAYlNXEdG/UoQYN9mwoQJNpTE98t4C8+WtGnTxobEvIUQ0/vvv289Au9mOh4QacWXXnpp4rmcOHs29I1rQTxXrlxpw4XeQvozwkkatf8dcJpCIhAnAhKbOI2G+pIjAQRn7dq1dlPcvWPMrfTLlCmT9MvQ3EOPPNPCOXhApD6THu0eAM0NOZ4TezucwwZ8kEJKNoWn/v1f1EY6Nv0hO87fD9cm70irVKlSokkEB+HkJaLu+qmXL4Lj4dBUvgwuSP91rAiETUBiEzZR1ScCIiACIpCNgMRGk0IEREAERCByAhKbyBGrAREQAREQAYmN5oAIiIAIiEDkBCQ2kSNWAyIgAiIgAhIbzQEREAEREIHICUhsIkesBkRABERABCQ2mgMiIAIiIAKRE5DYRI5YDYiACIiACEhsNAdEQAREQAQiJyCxiRyxGhABERABEZDYaA6IgAiIgAhETkBiEzliNSACIiACIiCx0RwQAREQARGInIDEJnLEakAEREAEREBiozkgAiIgAiIQOQGJTeSI1YAIiIAIiIDERnNABERABEQgcgISm8gRqwEREAEREAGJjeaACIiACIhA5AQkNpEjVgMiIAIiIAISG80BERABERCByAlIbCJHrAZEQAREQAQkNpoDIiACIiACkROQ2ESOWA2IgAiIgAhIbDQHREAEREAEIicgsYkcsRoQAREQARGQ2GgOiIAIiIAIRE5AYhM5YjUgAiIgAiIgsdEcEAEREAERiJyAxCZyxGpABERABERAYqM5IAIiIAIiEDkBiU3kiNWACIiACIiAxEZzQAREQAREIHICEpvIEasBERABERABiY3mgAiIgAiIQOQEJDaRI1YDIiACIiACEhvNAREQAREQgcgJSGwiR6wGREAEREAEJDaaAyIgAiIgApETkNhEjlgNiIAIiIAISGw0B0RABERABCInILGJHLEaEAEREAERkNhoDoiACIiACEROQGITOWI1IAIiIAIiILHRHBABERABEYicgMQmcsRqQAREQAREQGKjOSACIiACIhA5AYlN5IjVgAiIgAiIgMRGc0AEREAERCByAhKbyBGrAREQAREQAYmN5oAIiIAIiEDkBCQ2kSNWAyIgAiIgAhIbzQEREAEREIHICUhsIkesBkRABERABCQ2mgMZR+CLL77Ick2dOnXKuGvUBYnAv42AxObfNmLqb54EFi1aZIYMGWKPK1mypLnrrrvyPEcHiIAIREtAYhMtX9V+CAjs2LHDfPDBB2b9+vWmQ4cOpmnTpoegF2pSBETAS0Bio/mQkQQ+++wzs3r1atOzZ09z9NFHZ+Q16qJE4N9EQGLzbxot9TUQge+//960bNky0Dk6WAREIBoCEptouKpWERABERABDwGJjaaDCIiACIhA5AQkNpEjVgMiIAIiIAISG80BERABERCByAlIbCJHrAZEQAREQAQkNpoDIiACIiACkROQ2ESOWA2IgAiIgAhIbGIyB9auXWu2bt1q6tWrF1qP5s+fb+vjSfrNmzebMmXK2P/TbWP58uVm3759Zvbs2aZ+/fpmwYIFpmbNmmbDhg2mXbt2afV78uTJpkCBAmbFihW2X/S5cePG5qijjjK1atVKq87p06ebcuXKmQMHDtj/6V/p0qXtq2vSKfTtt99+M61btzarVq0yVatWNbCoVKmSKVKkSOAqN23aZK/z77//tn1atmyZqVy5sh2n7t27B66PExhX+rZlyxZTpUoVM3PmTNOwYUOzceNG06pVq7TqhGPZsmXNrl27TIkSJcxff/1lH5CtUKGCKViwYFp1MmeOPfZY299SpUol/uf6g5YZM2aYatWq2WukX7w5omjRovb/Y445xo45/VaJBwGJTTzGwRoKbhhukLDKn3/+aYoXL262b99udu/ebQ3E/v3789XGnDlzDMbylFNOMYMGDTJdunQxCMZVV12VdrcxjNTRrVs3M3jwYNOrVy+zdOlS06RJk7TqfPHFFw0v38QQhVEwtn/88UeW+v755x/Dv3TEhoXF4sWLrZFEGMaPH29OO+00K9633XZb2l1GHPbu3WuaNWtmXn75ZXPttddarum+iBRBZD4eccQRVhS3bdtmf0fECxcunFY/mecsWBAF/qewsChfvnzg+jgfcWVu069169aZihUrWvFmocLijQWWSjwISGziMQ52hTd16lT7Lq+wCitRVni8mHLJkiXmpJNOMvPmzUu7DYwhK3y8BYSsdu3aVhTwctJZmXKdnI/ngJfw+++/W4OOIebJ/3RXpdSJsM6aNcu+Fw0xo4/pekqIAm8jaNu2rRk3bpzp2LGjGTVqlGnfvn1aRhfjOGXKFHvNeF14DxjGYsWK2TFKtzAmGGAEpm7dunbMGzRoYAUtnTJ69OiEx8VY0G/KGWecYY488sh0qrTcWrRoYaZNm2YaNWpkfv75Z1OnTp20FwbcN7/++qsVwEKFCtl5yfxE1PC2+UwlHgQkNvEYB/VCBERABDKagMQmpsM7YMAAu/JjnyCMwup80qRJpmvXrmFUZ+uYO3euXY1Xr149lDpXrlxpvxqgd+/eodRHJSNHjrRhlbvvvju0Op988klz77332r2mMAqr8rFjx5pzzz3XhqzCKM8++6x9CSn7ImEUvOPhw4ebPn36hFGdrWPgwIHWO2QPKKzy0ksvmWuuuSZtrzisfqie7AQkNjGdFc8884zdKG/Tpk0oPSRcM3HixLQ3oJN1ghAIYlOjRo1Q+ojYsA/Ut2/fUOqjkhEjRthQ3X333Rdanf379zf3339/qGIzZswYa3jDEpunnnrKXH/99fnan/MCW7hwoRk2bJh58MEHQ+P4zjvvmPPPP9/us4RVXnjhBdOjR4+0k0HC6ofqkdj8a+YAYkP8PZ0N6GQXSV1sdLOHE1bZs2ePjd2HtcJnw51MonSzxpJdFxlfbJqHWScb5WHWR7937txpN83DKvSR5JB091b8/YChy54Lq4/sKXLNJAiEWSQ2YdIMry55NuGxDLUmxIa04rC++IsNaDbK2eQOq7CRj7FINznA3w+yiVjhYyzCKoQO16xZY6644oqwqjTvvfeezb4Ly0gSRmPD/PTTTw/Ns8FD7Ny5c2jhJJI4JkyYYDPcwip8fTfJAmFmjH366afybMIaoJDrkdiEDDSs6hRGC4ekwmjhpNIrjBbOfDyca5HYxHT0P/zwQ5taLM8mfwP0b/FsSHtv3ry5PJv8DbcZOnSoTe1nL1ElXgQkNvEaD/VGBERABDKSgMQmI4dVFyUCIiAC8SIgsYnXeKg3IiACIpCRBCQ2GTmsuigREAERiBcBiU28xkO9EQEREIGMJCCxychh1UWJgAiIQLwISGziNR7qjQiIgAhkJAGJTUYOqy5KBERABOJFQGITr/FQb0RABEQgIwlIbDJyWHVRIiACIhAvAhKbeI2HeiMCIiACGUlAYpORw6qLEgEREIF4EZDYxGs81BsREAERyEgCEpuMHFZdlAiIgAjEi4DEJl7jod6IgAiIQEYSkNhk5LDqokRABEQgXgQkNvEaD/VGBERABDKSgMQmI4dVFyUCIiAC8SIgsYnXeKg3IiACIpCRBCQ2GTmsuigREAERiBcBiU28xkO9EQEREIGMJCCxychh1UWJgAiIQLwISGziNR7qjQiIgAhkJAGJTUYOqy5KBERABOJFQGITr/FQb0RABEQgIwlIbDJyWHVRIiACIhAvAhKbeI2HeiMCIiACGUlAYpORw6qLEgEREIF4EZDYxGs81BsREAERyEgCEpuMHFZdlAiIgAjEi4DEJl7jod6IgAiIQEYSkNhk5LDqokRABEQgXgQkNvEaD/VGBERABDKSgMQmI4dVFyUCIiAC8SIgsYnXeKg3IiACIpCRBCQ2GTmsuigREAERiBcBiU28xkO9EQEREIGMJCCxychh1UWJgAiIQLwISGziNR7qjQiIgAhkJAGJTUYOqy5KBERABOJFQGITr/FQb0RABEQgIwlIbDJyWHVRIiACIhAvAhKbeI2HeiMCIiACGUlAYpORw6qLEgEREIF4EZDYxGs81BsREAERyEgCEpuMHFZdlAiIgAjEi4DEJl7jod6IgAiIQEYSkNhk5LDqokRABEQgXgQkNvEaD/VGBERABDKSgMQmI4dVFyUCIiAC8SIgsYnXeKg3IiACIpCRBP4f+Vwgr9TMZycAAAAASUVORK5CYII="/>
+          <p:cNvSpPr>
+            <a:spLocks noChangeAspect="1" noChangeArrowheads="1"/>
+          </p:cNvSpPr>
+          <p:nvPr/>
+        </p:nvSpPr>
+        <p:spPr bwMode="auto">
+          <a:xfrm>
+            <a:off x="307975" y="-1089025"/>
+            <a:ext cx="3914775" cy="2600325"/>
+          </a:xfrm>
+          <a:prstGeom prst="rect">
+            <a:avLst/>
+          </a:prstGeom>
+          <a:noFill/>
+          <a:extLst>
+            <a:ext uri="{909E8E84-426E-40DD-AFC4-6F175D3DCCD1}">
+              <a14:hiddenFill xmlns:a14="http://schemas.microsoft.com/office/drawing/2010/main">
+                <a:solidFill>
+                  <a:srgbClr val="FFFFFF"/>
+                </a:solidFill>
+              </a14:hiddenFill>
+            </a:ext>
+          </a:extLst>
+        </p:spPr>
+        <p:txBody>
+          <a:bodyPr vert="horz" wrap="square" lIns="91440" tIns="45720" rIns="91440" bIns="45720" numCol="1" anchor="t" anchorCtr="0" compatLnSpc="1">
+            <a:prstTxWarp prst="textNoShape">
+              <a:avLst/>
+            </a:prstTxWarp>
+          </a:bodyPr>
+          <a:lstStyle/>
+          <a:p>
+            <a:endParaRPr lang="de-DE"/>
+          </a:p>
+        </p:txBody>
+      </p:sp>
+      <p:pic>
+        <p:nvPicPr>
+          <p:cNvPr id="7" name="Grafik 6"/>
+          <p:cNvPicPr>
+            <a:picLocks noChangeAspect="1"/>
+          </p:cNvPicPr>
+          <p:nvPr/>
+        </p:nvPicPr>
+        <p:blipFill>
+          <a:blip r:embed="rId2"/>
+          <a:stretch/>
+        </p:blipFill>
+        <p:spPr bwMode="auto">
+          <a:xfrm>
+            <a:off x="3844212" y="1286785"/>
+            <a:ext cx="4310132" cy="2953623"/>
+          </a:xfrm>
+          <a:prstGeom prst="rect">
+            <a:avLst/>
+          </a:prstGeom>
+        </p:spPr>
+      </p:pic>
+    </p:spTree>
+    <p:extLst>
+      <p:ext uri="{BB962C8B-B14F-4D97-AF65-F5344CB8AC3E}">
+        <p14:creationId xmlns:p14="http://schemas.microsoft.com/office/powerpoint/2010/main" val="1554016153"/>
+      </p:ext>
+    </p:extLst>
+  </p:cSld>
+  <p:clrMapOvr>
+    <a:masterClrMapping/>
+  </p:clrMapOvr>
+  <p:timing>
+    <p:tnLst>
+      <p:par>
+        <p:cTn id="1" dur="indefinite" restart="never" nodeType="tmRoot">
+          <p:childTnLst>
+            <p:seq concurrent="1" nextAc="seek">
+              <p:cTn id="2" dur="indefinite" nodeType="mainSeq">
+                <p:childTnLst>
+                  <p:par>
+                    <p:cTn id="3" fill="hold">
+                      <p:stCondLst>
+                        <p:cond delay="indefinite"/>
+                      </p:stCondLst>
+                      <p:childTnLst>
+                        <p:par>
+                          <p:cTn id="4" fill="hold">
+                            <p:stCondLst>
+                              <p:cond delay="0"/>
+                            </p:stCondLst>
+                            <p:childTnLst>
+                              <p:par>
+                                <p:cTn id="5" presetID="1" presetClass="entr" presetSubtype="0" fill="hold" nodeType="clickEffect">
+                                  <p:stCondLst>
+                                    <p:cond delay="0"/>
+                                  </p:stCondLst>
+                                  <p:childTnLst>
+                                    <p:set>
+                                      <p:cBhvr>
+                                        <p:cTn id="6" dur="1" fill="hold">
+                                          <p:stCondLst>
+                                            <p:cond delay="0"/>
+                                          </p:stCondLst>
+                                        </p:cTn>
+                                        <p:tgtEl>
+                                          <p:spTgt spid="7"/>
+                                        </p:tgtEl>
+                                        <p:attrNameLst>
+                                          <p:attrName>style.visibility</p:attrName>
+                                        </p:attrNameLst>
+                                      </p:cBhvr>
+                                      <p:to>
+                                        <p:strVal val="visible"/>
+                                      </p:to>
+                                    </p:set>
+                                  </p:childTnLst>
+                                </p:cTn>
+                              </p:par>
+                            </p:childTnLst>
+                          </p:cTn>
+                        </p:par>
+                      </p:childTnLst>
+                    </p:cTn>
+                  </p:par>
+                </p:childTnLst>
+              </p:cTn>
+              <p:prevCondLst>
+                <p:cond evt="onPrev" delay="0">
+                  <p:tgtEl>
+                    <p:sldTgt/>
+                  </p:tgtEl>
+                </p:cond>
+              </p:prevCondLst>
+              <p:nextCondLst>
+                <p:cond evt="onNext" delay="0">
+                  <p:tgtEl>
+                    <p:sldTgt/>
+                  </p:tgtEl>
+                </p:cond>
+              </p:nextCondLst>
+            </p:seq>
+          </p:childTnLst>
+        </p:cTn>
+      </p:par>
+    </p:tnLst>
+  </p:timing>
+</p:sld>
+</file>
+
+<file path=ppt/slides/slide7.xml><?xml version="1.0" encoding="utf-8"?>
+<p:sld xmlns:a="http://schemas.openxmlformats.org/drawingml/2006/main" xmlns:r="http://schemas.openxmlformats.org/officeDocument/2006/relationships" xmlns:p="http://schemas.openxmlformats.org/presentationml/2006/main">
+  <p:cSld>
+    <p:spTree>
+      <p:nvGrpSpPr>
+        <p:cNvPr id="1" name=""/>
+        <p:cNvGrpSpPr/>
+        <p:nvPr/>
+      </p:nvGrpSpPr>
+      <p:grpSpPr>
+        <a:xfrm>
+          <a:off x="0" y="0"/>
+          <a:ext cx="0" cy="0"/>
+          <a:chOff x="0" y="0"/>
+          <a:chExt cx="0" cy="0"/>
+        </a:xfrm>
+      </p:grpSpPr>
+      <p:sp>
+        <p:nvSpPr>
+          <p:cNvPr id="4" name="TextBox 3"/>
+          <p:cNvSpPr txBox="1"/>
+          <p:nvPr/>
+        </p:nvSpPr>
+        <p:spPr>
+          <a:xfrm>
+            <a:off x="2178287" y="294605"/>
+            <a:ext cx="7774486" cy="7109639"/>
+          </a:xfrm>
+          <a:prstGeom prst="rect">
+            <a:avLst/>
+          </a:prstGeom>
+          <a:noFill/>
+        </p:spPr>
+        <p:txBody>
+          <a:bodyPr wrap="square" rtlCol="0">
+            <a:spAutoFit/>
+          </a:bodyPr>
+          <a:lstStyle/>
+          <a:p>
+            <a:endParaRPr lang="en-US" sz="2400" dirty="0"/>
+          </a:p>
+          <a:p>
+            <a:r>
+              <a:rPr lang="en-US" sz="2400" dirty="0"/>
+              <a:t>Each sequence will last about </a:t>
+            </a:r>
+            <a:r>
+              <a:rPr lang="en-US" sz="2400" dirty="0" smtClean="0"/>
+              <a:t>4 </a:t>
+            </a:r>
+            <a:r>
+              <a:rPr lang="en-US" sz="2400" dirty="0" smtClean="0"/>
+              <a:t>min. </a:t>
+            </a:r>
+            <a:r>
+              <a:rPr lang="en-US" sz="2400" dirty="0"/>
+              <a:t>You will be able to rest between sequences. The sequence will only begin after you press the space bar.</a:t>
+            </a:r>
+          </a:p>
+          <a:p>
+            <a:endParaRPr lang="en-US" sz="2400" dirty="0"/>
+          </a:p>
+          <a:p>
+            <a:r>
+              <a:rPr lang="en-US" sz="2400" dirty="0"/>
+              <a:t>Please do your best to remain focused and alert, and keep your eyes fixed on the center of the screen. </a:t>
+            </a:r>
+            <a:r>
+              <a:rPr lang="en-US" sz="2400" dirty="0" smtClean="0"/>
+              <a:t>If </a:t>
+            </a:r>
+            <a:r>
+              <a:rPr lang="en-US" sz="2400" dirty="0"/>
+              <a:t>you need a break, or have any questions, do not hesitate to ask the experimenter.</a:t>
+            </a:r>
+          </a:p>
+          <a:p>
+            <a:endParaRPr lang="en-US" sz="2400" dirty="0"/>
+          </a:p>
+          <a:p>
+            <a:r>
+              <a:rPr lang="en-US" sz="2400" dirty="0"/>
+              <a:t>We will start with </a:t>
+            </a:r>
+            <a:r>
+              <a:rPr lang="en-US" sz="2400" dirty="0" smtClean="0"/>
+              <a:t>a calibration task in which you can practice time estimation, followed by a </a:t>
+            </a:r>
+            <a:r>
+              <a:rPr lang="en-US" sz="2400" dirty="0"/>
+              <a:t>few practice trials, and you will have a chance to ask questions before starting the </a:t>
+            </a:r>
+            <a:r>
+              <a:rPr lang="en-US" sz="2400" dirty="0" smtClean="0"/>
+              <a:t>experiment. </a:t>
+            </a:r>
+            <a:r>
+              <a:rPr lang="en-US" sz="2400" b="1" dirty="0" smtClean="0"/>
+              <a:t>Good </a:t>
+            </a:r>
+            <a:r>
+              <a:rPr lang="en-US" sz="2400" b="1" dirty="0"/>
+              <a:t>luck!</a:t>
             </a:r>
             <a:endParaRPr lang="en-US" sz="2400" dirty="0"/>
           </a:p>

--- a/instructions/Instructions.pptx
+++ b/instructions/Instructions.pptx
@@ -6,12 +6,14 @@
   </p:sldMasterIdLst>
   <p:sldIdLst>
     <p:sldId id="256" r:id="rId2"/>
-    <p:sldId id="257" r:id="rId3"/>
-    <p:sldId id="259" r:id="rId4"/>
-    <p:sldId id="262" r:id="rId5"/>
-    <p:sldId id="260" r:id="rId6"/>
-    <p:sldId id="261" r:id="rId7"/>
-    <p:sldId id="258" r:id="rId8"/>
+    <p:sldId id="264" r:id="rId3"/>
+    <p:sldId id="265" r:id="rId4"/>
+    <p:sldId id="259" r:id="rId5"/>
+    <p:sldId id="266" r:id="rId6"/>
+    <p:sldId id="262" r:id="rId7"/>
+    <p:sldId id="260" r:id="rId8"/>
+    <p:sldId id="261" r:id="rId9"/>
+    <p:sldId id="258" r:id="rId10"/>
   </p:sldIdLst>
   <p:sldSz cx="12192000" cy="6858000"/>
   <p:notesSz cx="6858000" cy="9144000"/>
@@ -308,7 +310,7 @@
           <a:p>
             <a:fld id="{9D7C6ACB-8DF6-1449-BE97-CA8D947F79D3}" type="datetimeFigureOut">
               <a:rPr lang="en-US" smtClean="0"/>
-              <a:t>3/17/2023</a:t>
+              <a:t>3/30/2023</a:t>
             </a:fld>
             <a:endParaRPr lang="en-US"/>
           </a:p>
@@ -476,7 +478,7 @@
           <a:p>
             <a:fld id="{9D7C6ACB-8DF6-1449-BE97-CA8D947F79D3}" type="datetimeFigureOut">
               <a:rPr lang="en-US" smtClean="0"/>
-              <a:t>3/17/2023</a:t>
+              <a:t>3/30/2023</a:t>
             </a:fld>
             <a:endParaRPr lang="en-US"/>
           </a:p>
@@ -654,7 +656,7 @@
           <a:p>
             <a:fld id="{9D7C6ACB-8DF6-1449-BE97-CA8D947F79D3}" type="datetimeFigureOut">
               <a:rPr lang="en-US" smtClean="0"/>
-              <a:t>3/17/2023</a:t>
+              <a:t>3/30/2023</a:t>
             </a:fld>
             <a:endParaRPr lang="en-US"/>
           </a:p>
@@ -822,7 +824,7 @@
           <a:p>
             <a:fld id="{9D7C6ACB-8DF6-1449-BE97-CA8D947F79D3}" type="datetimeFigureOut">
               <a:rPr lang="en-US" smtClean="0"/>
-              <a:t>3/17/2023</a:t>
+              <a:t>3/30/2023</a:t>
             </a:fld>
             <a:endParaRPr lang="en-US"/>
           </a:p>
@@ -1067,7 +1069,7 @@
           <a:p>
             <a:fld id="{9D7C6ACB-8DF6-1449-BE97-CA8D947F79D3}" type="datetimeFigureOut">
               <a:rPr lang="en-US" smtClean="0"/>
-              <a:t>3/17/2023</a:t>
+              <a:t>3/30/2023</a:t>
             </a:fld>
             <a:endParaRPr lang="en-US"/>
           </a:p>
@@ -1352,7 +1354,7 @@
           <a:p>
             <a:fld id="{9D7C6ACB-8DF6-1449-BE97-CA8D947F79D3}" type="datetimeFigureOut">
               <a:rPr lang="en-US" smtClean="0"/>
-              <a:t>3/17/2023</a:t>
+              <a:t>3/30/2023</a:t>
             </a:fld>
             <a:endParaRPr lang="en-US"/>
           </a:p>
@@ -1771,7 +1773,7 @@
           <a:p>
             <a:fld id="{9D7C6ACB-8DF6-1449-BE97-CA8D947F79D3}" type="datetimeFigureOut">
               <a:rPr lang="en-US" smtClean="0"/>
-              <a:t>3/17/2023</a:t>
+              <a:t>3/30/2023</a:t>
             </a:fld>
             <a:endParaRPr lang="en-US"/>
           </a:p>
@@ -1888,7 +1890,7 @@
           <a:p>
             <a:fld id="{9D7C6ACB-8DF6-1449-BE97-CA8D947F79D3}" type="datetimeFigureOut">
               <a:rPr lang="en-US" smtClean="0"/>
-              <a:t>3/17/2023</a:t>
+              <a:t>3/30/2023</a:t>
             </a:fld>
             <a:endParaRPr lang="en-US"/>
           </a:p>
@@ -1983,7 +1985,7 @@
           <a:p>
             <a:fld id="{9D7C6ACB-8DF6-1449-BE97-CA8D947F79D3}" type="datetimeFigureOut">
               <a:rPr lang="en-US" smtClean="0"/>
-              <a:t>3/17/2023</a:t>
+              <a:t>3/30/2023</a:t>
             </a:fld>
             <a:endParaRPr lang="en-US"/>
           </a:p>
@@ -2258,7 +2260,7 @@
           <a:p>
             <a:fld id="{9D7C6ACB-8DF6-1449-BE97-CA8D947F79D3}" type="datetimeFigureOut">
               <a:rPr lang="en-US" smtClean="0"/>
-              <a:t>3/17/2023</a:t>
+              <a:t>3/30/2023</a:t>
             </a:fld>
             <a:endParaRPr lang="en-US"/>
           </a:p>
@@ -2510,7 +2512,7 @@
           <a:p>
             <a:fld id="{9D7C6ACB-8DF6-1449-BE97-CA8D947F79D3}" type="datetimeFigureOut">
               <a:rPr lang="en-US" smtClean="0"/>
-              <a:t>3/17/2023</a:t>
+              <a:t>3/30/2023</a:t>
             </a:fld>
             <a:endParaRPr lang="en-US"/>
           </a:p>
@@ -2724,7 +2726,7 @@
           <a:p>
             <a:fld id="{9D7C6ACB-8DF6-1449-BE97-CA8D947F79D3}" type="datetimeFigureOut">
               <a:rPr lang="en-US" smtClean="0"/>
-              <a:t>3/17/2023</a:t>
+              <a:t>3/30/2023</a:t>
             </a:fld>
             <a:endParaRPr lang="en-US"/>
           </a:p>
@@ -3108,7 +3110,7 @@
         <p:spPr>
           <a:xfrm>
             <a:off x="2178287" y="575342"/>
-            <a:ext cx="7774486" cy="6740307"/>
+            <a:ext cx="7774486" cy="5847755"/>
           </a:xfrm>
           <a:prstGeom prst="rect">
             <a:avLst/>
@@ -3122,70 +3124,79 @@
           <a:lstStyle/>
           <a:p>
             <a:r>
-              <a:rPr lang="en-US" sz="2400" dirty="0"/>
+              <a:rPr lang="en-US" sz="2200" dirty="0"/>
               <a:t>Welcome to the experiment!</a:t>
             </a:r>
           </a:p>
           <a:p>
-            <a:endParaRPr lang="en-US" sz="2400" dirty="0"/>
-          </a:p>
-          <a:p>
-            <a:r>
-              <a:rPr lang="en-US" sz="2400" dirty="0"/>
+            <a:endParaRPr lang="en-US" sz="2200" dirty="0"/>
+          </a:p>
+          <a:p>
+            <a:r>
+              <a:rPr lang="en-US" sz="2200" dirty="0"/>
               <a:t>In this study we will present you with sequences of images. Each image will be a particular face, object, letter or meaningless symbol, like these:</a:t>
             </a:r>
           </a:p>
           <a:p>
-            <a:endParaRPr lang="en-US" sz="2400" dirty="0"/>
-          </a:p>
-          <a:p>
-            <a:endParaRPr lang="en-US" sz="2400" dirty="0"/>
-          </a:p>
-          <a:p>
-            <a:endParaRPr lang="en-US" sz="2400" dirty="0"/>
-          </a:p>
-          <a:p>
-            <a:endParaRPr lang="en-US" sz="2400" dirty="0"/>
-          </a:p>
-          <a:p>
-            <a:endParaRPr lang="en-US" sz="2400" dirty="0"/>
-          </a:p>
-          <a:p>
-            <a:endParaRPr lang="en-US" sz="2400" dirty="0"/>
-          </a:p>
-          <a:p>
-            <a:r>
-              <a:rPr lang="en-US" sz="2400" dirty="0"/>
-              <a:t>Some will be presented in front view and some in side view; some will be shown briefly and some for longer periods of time.</a:t>
-            </a:r>
+            <a:endParaRPr lang="en-US" sz="2200" dirty="0"/>
+          </a:p>
+          <a:p>
+            <a:endParaRPr lang="en-US" sz="2200" dirty="0"/>
+          </a:p>
+          <a:p>
+            <a:endParaRPr lang="en-US" sz="2200" dirty="0"/>
+          </a:p>
+          <a:p>
+            <a:endParaRPr lang="en-US" sz="2200" dirty="0"/>
+          </a:p>
+          <a:p>
+            <a:endParaRPr lang="en-US" sz="2200" dirty="0"/>
+          </a:p>
+          <a:p>
+            <a:endParaRPr lang="en-US" sz="2200" dirty="0"/>
+          </a:p>
+          <a:p>
+            <a:r>
+              <a:rPr lang="en-US" sz="2200" dirty="0"/>
+              <a:t>Some will be presented in front view and some in side </a:t>
+            </a:r>
+            <a:r>
+              <a:rPr lang="en-US" sz="2200" dirty="0" smtClean="0"/>
+              <a:t>view.</a:t>
+            </a:r>
+            <a:endParaRPr lang="en-US" sz="2200" dirty="0"/>
           </a:p>
           <a:p>
             <a:pPr algn="ctr"/>
-            <a:endParaRPr lang="en-US" sz="2400" dirty="0"/>
+            <a:endParaRPr lang="en-US" sz="2200" dirty="0" smtClean="0"/>
           </a:p>
           <a:p>
             <a:pPr algn="ctr"/>
-            <a:r>
-              <a:rPr lang="en-US" sz="2400" dirty="0"/>
+            <a:endParaRPr lang="en-US" sz="2200" dirty="0"/>
+          </a:p>
+          <a:p>
+            <a:pPr algn="ctr"/>
+            <a:r>
+              <a:rPr lang="en-US" sz="2200" dirty="0"/>
               <a:t>Press the </a:t>
             </a:r>
             <a:r>
-              <a:rPr lang="en-US" sz="2400" b="1" dirty="0"/>
+              <a:rPr lang="en-US" sz="2200" b="1" dirty="0"/>
               <a:t>right arrow key</a:t>
             </a:r>
             <a:r>
-              <a:rPr lang="en-US" sz="2400" dirty="0"/>
+              <a:rPr lang="en-US" sz="2200" dirty="0"/>
               <a:t> to proceed</a:t>
             </a:r>
           </a:p>
           <a:p>
             <a:r>
-              <a:rPr lang="en-US" sz="2400" dirty="0"/>
+              <a:rPr lang="en-US" sz="2200" dirty="0"/>
               <a:t> </a:t>
             </a:r>
           </a:p>
           <a:p>
-            <a:endParaRPr lang="en-US" sz="2400" dirty="0"/>
+            <a:endParaRPr lang="en-US" sz="2200" dirty="0"/>
           </a:p>
         </p:txBody>
       </p:sp>
@@ -3355,38 +3366,78 @@
           <a:p>
             <a:r>
               <a:rPr lang="en-US" sz="2400" dirty="0"/>
-              <a:t>Your main task will be to attentively look at each image for as long as it’s on the screen, and </a:t>
+              <a:t>Your main task will be to attentively look at each image for as long as it’s on the screen, </a:t>
+            </a:r>
+            <a:r>
+              <a:rPr lang="en-US" sz="2400" dirty="0" smtClean="0"/>
+              <a:t>and </a:t>
+            </a:r>
+            <a:r>
+              <a:rPr lang="en-US" sz="2400" b="1" dirty="0" smtClean="0"/>
+              <a:t>press the</a:t>
             </a:r>
             <a:r>
               <a:rPr lang="en-US" sz="2400" b="1" dirty="0"/>
-              <a:t>press a button whenever you see a target image</a:t>
-            </a:r>
-            <a:r>
-              <a:rPr lang="en-US" sz="2400" dirty="0"/>
-              <a:t>.</a:t>
-            </a:r>
-          </a:p>
-          <a:p>
+              <a:t> </a:t>
+            </a:r>
+            <a:r>
+              <a:rPr lang="en-US" sz="2400" b="1" dirty="0" smtClean="0"/>
+              <a:t>green </a:t>
+            </a:r>
+            <a:r>
+              <a:rPr lang="en-US" sz="2400" b="1" dirty="0"/>
+              <a:t>button </a:t>
+            </a:r>
+            <a:r>
+              <a:rPr lang="en-US" sz="2400" dirty="0"/>
+              <a:t>whenever </a:t>
+            </a:r>
+            <a:r>
+              <a:rPr lang="en-US" sz="2400" dirty="0"/>
+              <a:t>you see a </a:t>
+            </a:r>
+            <a:r>
+              <a:rPr lang="en-US" sz="2400" b="1" dirty="0"/>
+              <a:t>target </a:t>
+            </a:r>
+            <a:r>
+              <a:rPr lang="en-US" sz="2400" b="1" dirty="0" smtClean="0"/>
+              <a:t>image </a:t>
+            </a:r>
+            <a:r>
+              <a:rPr lang="en-US" sz="2400" dirty="0" smtClean="0"/>
+              <a:t>in </a:t>
+            </a:r>
+            <a:r>
+              <a:rPr lang="en-US" sz="2400" dirty="0"/>
+              <a:t>any view (front or side).</a:t>
+            </a:r>
+          </a:p>
+          <a:p>
+            <a:r>
+              <a:rPr lang="en-US" sz="2400" dirty="0" smtClean="0"/>
+              <a:t>Please respond</a:t>
+            </a:r>
+            <a:r>
+              <a:rPr lang="en-US" sz="2400" dirty="0"/>
+              <a:t> as quickly and as accurately as </a:t>
+            </a:r>
+            <a:r>
+              <a:rPr lang="en-US" sz="2400" dirty="0" smtClean="0"/>
+              <a:t>possible.</a:t>
+            </a:r>
             <a:endParaRPr lang="en-US" sz="2400" dirty="0"/>
           </a:p>
           <a:p>
-            <a:r>
-              <a:rPr lang="en-US" sz="2400" dirty="0"/>
-              <a:t>Please press the </a:t>
-            </a:r>
-            <a:r>
-              <a:rPr lang="en-US" sz="2400" b="1" dirty="0"/>
-              <a:t>space bar,</a:t>
-            </a:r>
-            <a:r>
-              <a:rPr lang="en-US" sz="2400" dirty="0"/>
-              <a:t> as quickly and as accurately as possible, whenever you see a target image in any view (front or side) for any amount of time (short or long duration).</a:t>
-            </a:r>
-          </a:p>
-          <a:p>
             <a:endParaRPr lang="en-US" sz="2400" dirty="0"/>
           </a:p>
           <a:p>
+            <a:endParaRPr lang="en-US" sz="2400" dirty="0" smtClean="0"/>
+          </a:p>
+          <a:p>
+            <a:endParaRPr lang="en-US" sz="2400" dirty="0" smtClean="0"/>
+          </a:p>
+          <a:p>
             <a:endParaRPr lang="en-US" sz="2400" dirty="0"/>
           </a:p>
           <a:p>
@@ -3394,9 +3445,17 @@
           </a:p>
           <a:p>
             <a:pPr algn="ctr"/>
-            <a:r>
-              <a:rPr lang="en-US" sz="2400" dirty="0"/>
-              <a:t>Press the </a:t>
+            <a:endParaRPr lang="en-US" sz="2400" dirty="0" smtClean="0"/>
+          </a:p>
+          <a:p>
+            <a:pPr algn="ctr"/>
+            <a:r>
+              <a:rPr lang="en-US" sz="2400" dirty="0" smtClean="0"/>
+              <a:t>Press </a:t>
+            </a:r>
+            <a:r>
+              <a:rPr lang="en-US" sz="2400" dirty="0"/>
+              <a:t>the </a:t>
             </a:r>
             <a:r>
               <a:rPr lang="en-US" sz="2400" b="1" dirty="0"/>
@@ -3439,10 +3498,428 @@
           </a:p>
         </p:txBody>
       </p:sp>
+      <p:grpSp>
+        <p:nvGrpSpPr>
+          <p:cNvPr id="13" name="Gruppieren 12"/>
+          <p:cNvGrpSpPr/>
+          <p:nvPr/>
+        </p:nvGrpSpPr>
+        <p:grpSpPr>
+          <a:xfrm>
+            <a:off x="5121520" y="3837626"/>
+            <a:ext cx="1888019" cy="1599765"/>
+            <a:chOff x="1866122" y="1498567"/>
+            <a:chExt cx="5075854" cy="3250713"/>
+          </a:xfrm>
+        </p:grpSpPr>
+        <p:pic>
+          <p:nvPicPr>
+            <p:cNvPr id="5" name="Grafik 4"/>
+            <p:cNvPicPr/>
+            <p:nvPr/>
+          </p:nvPicPr>
+          <p:blipFill rotWithShape="1">
+            <a:blip r:embed="rId2" cstate="hqprint">
+              <a:extLst>
+                <a:ext uri="{28A0092B-C50C-407E-A947-70E740481C1C}">
+                  <a14:useLocalDpi xmlns:a14="http://schemas.microsoft.com/office/drawing/2010/main" val="0"/>
+                </a:ext>
+              </a:extLst>
+            </a:blip>
+            <a:srcRect/>
+            <a:stretch/>
+          </p:blipFill>
+          <p:spPr bwMode="auto">
+            <a:xfrm>
+              <a:off x="1866122" y="1498567"/>
+              <a:ext cx="5075854" cy="3250713"/>
+            </a:xfrm>
+            <a:prstGeom prst="rect">
+              <a:avLst/>
+            </a:prstGeom>
+            <a:ln>
+              <a:noFill/>
+            </a:ln>
+            <a:extLst>
+              <a:ext uri="{53640926-AAD7-44D8-BBD7-CCE9431645EC}">
+                <a14:shadowObscured xmlns:a14="http://schemas.microsoft.com/office/drawing/2010/main"/>
+              </a:ext>
+            </a:extLst>
+          </p:spPr>
+        </p:pic>
+        <p:sp>
+          <p:nvSpPr>
+            <p:cNvPr id="2" name="Abgerundetes Rechteck 1"/>
+            <p:cNvSpPr/>
+            <p:nvPr/>
+          </p:nvSpPr>
+          <p:spPr>
+            <a:xfrm>
+              <a:off x="3290888" y="2271713"/>
+              <a:ext cx="623887" cy="442912"/>
+            </a:xfrm>
+            <a:prstGeom prst="roundRect">
+              <a:avLst/>
+            </a:prstGeom>
+            <a:solidFill>
+              <a:srgbClr val="00B050"/>
+            </a:solidFill>
+            <a:ln>
+              <a:solidFill>
+                <a:srgbClr val="00B050"/>
+              </a:solidFill>
+            </a:ln>
+          </p:spPr>
+          <p:style>
+            <a:lnRef idx="1">
+              <a:schemeClr val="accent1"/>
+            </a:lnRef>
+            <a:fillRef idx="3">
+              <a:schemeClr val="accent1"/>
+            </a:fillRef>
+            <a:effectRef idx="2">
+              <a:schemeClr val="accent1"/>
+            </a:effectRef>
+            <a:fontRef idx="minor">
+              <a:schemeClr val="lt1"/>
+            </a:fontRef>
+          </p:style>
+          <p:txBody>
+            <a:bodyPr rtlCol="0" anchor="ctr"/>
+            <a:lstStyle/>
+            <a:p>
+              <a:pPr algn="ctr"/>
+              <a:endParaRPr lang="de-DE"/>
+            </a:p>
+          </p:txBody>
+        </p:sp>
+        <p:sp>
+          <p:nvSpPr>
+            <p:cNvPr id="6" name="Abgerundetes Rechteck 5"/>
+            <p:cNvSpPr/>
+            <p:nvPr/>
+          </p:nvSpPr>
+          <p:spPr>
+            <a:xfrm>
+              <a:off x="4919663" y="2271713"/>
+              <a:ext cx="623887" cy="442912"/>
+            </a:xfrm>
+            <a:prstGeom prst="roundRect">
+              <a:avLst/>
+            </a:prstGeom>
+            <a:solidFill>
+              <a:srgbClr val="C00000"/>
+            </a:solidFill>
+            <a:ln>
+              <a:solidFill>
+                <a:srgbClr val="C00000"/>
+              </a:solidFill>
+            </a:ln>
+          </p:spPr>
+          <p:style>
+            <a:lnRef idx="1">
+              <a:schemeClr val="accent1"/>
+            </a:lnRef>
+            <a:fillRef idx="3">
+              <a:schemeClr val="accent1"/>
+            </a:fillRef>
+            <a:effectRef idx="2">
+              <a:schemeClr val="accent1"/>
+            </a:effectRef>
+            <a:fontRef idx="minor">
+              <a:schemeClr val="lt1"/>
+            </a:fontRef>
+          </p:style>
+          <p:txBody>
+            <a:bodyPr rtlCol="0" anchor="ctr"/>
+            <a:lstStyle/>
+            <a:p>
+              <a:pPr algn="ctr"/>
+              <a:endParaRPr lang="de-DE"/>
+            </a:p>
+          </p:txBody>
+        </p:sp>
+        <p:sp>
+          <p:nvSpPr>
+            <p:cNvPr id="7" name="Abgerundetes Rechteck 6"/>
+            <p:cNvSpPr/>
+            <p:nvPr/>
+          </p:nvSpPr>
+          <p:spPr>
+            <a:xfrm>
+              <a:off x="3290887" y="3676065"/>
+              <a:ext cx="623887" cy="442912"/>
+            </a:xfrm>
+            <a:prstGeom prst="roundRect">
+              <a:avLst/>
+            </a:prstGeom>
+            <a:solidFill>
+              <a:srgbClr val="0070C0"/>
+            </a:solidFill>
+            <a:ln>
+              <a:solidFill>
+                <a:srgbClr val="0070C0"/>
+              </a:solidFill>
+            </a:ln>
+          </p:spPr>
+          <p:style>
+            <a:lnRef idx="1">
+              <a:schemeClr val="accent1"/>
+            </a:lnRef>
+            <a:fillRef idx="3">
+              <a:schemeClr val="accent1"/>
+            </a:fillRef>
+            <a:effectRef idx="2">
+              <a:schemeClr val="accent1"/>
+            </a:effectRef>
+            <a:fontRef idx="minor">
+              <a:schemeClr val="lt1"/>
+            </a:fontRef>
+          </p:style>
+          <p:txBody>
+            <a:bodyPr rtlCol="0" anchor="ctr"/>
+            <a:lstStyle/>
+            <a:p>
+              <a:pPr algn="ctr"/>
+              <a:endParaRPr lang="de-DE"/>
+            </a:p>
+          </p:txBody>
+        </p:sp>
+        <p:sp>
+          <p:nvSpPr>
+            <p:cNvPr id="8" name="Abgerundetes Rechteck 7"/>
+            <p:cNvSpPr/>
+            <p:nvPr/>
+          </p:nvSpPr>
+          <p:spPr>
+            <a:xfrm>
+              <a:off x="4919663" y="3676065"/>
+              <a:ext cx="623887" cy="442912"/>
+            </a:xfrm>
+            <a:prstGeom prst="roundRect">
+              <a:avLst/>
+            </a:prstGeom>
+            <a:solidFill>
+              <a:srgbClr val="FFFF00"/>
+            </a:solidFill>
+            <a:ln>
+              <a:solidFill>
+                <a:srgbClr val="FFFF00"/>
+              </a:solidFill>
+            </a:ln>
+          </p:spPr>
+          <p:style>
+            <a:lnRef idx="1">
+              <a:schemeClr val="accent1"/>
+            </a:lnRef>
+            <a:fillRef idx="3">
+              <a:schemeClr val="accent1"/>
+            </a:fillRef>
+            <a:effectRef idx="2">
+              <a:schemeClr val="accent1"/>
+            </a:effectRef>
+            <a:fontRef idx="minor">
+              <a:schemeClr val="lt1"/>
+            </a:fontRef>
+          </p:style>
+          <p:txBody>
+            <a:bodyPr rtlCol="0" anchor="ctr"/>
+            <a:lstStyle/>
+            <a:p>
+              <a:pPr algn="ctr"/>
+              <a:endParaRPr lang="de-DE"/>
+            </a:p>
+          </p:txBody>
+        </p:sp>
+        <p:sp>
+          <p:nvSpPr>
+            <p:cNvPr id="9" name="Abgerundetes Rechteck 8"/>
+            <p:cNvSpPr/>
+            <p:nvPr/>
+          </p:nvSpPr>
+          <p:spPr>
+            <a:xfrm>
+              <a:off x="2225913" y="2973610"/>
+              <a:ext cx="422038" cy="281573"/>
+            </a:xfrm>
+            <a:prstGeom prst="roundRect">
+              <a:avLst/>
+            </a:prstGeom>
+            <a:solidFill>
+              <a:srgbClr val="0070C0"/>
+            </a:solidFill>
+            <a:ln>
+              <a:solidFill>
+                <a:srgbClr val="0070C0"/>
+              </a:solidFill>
+            </a:ln>
+          </p:spPr>
+          <p:style>
+            <a:lnRef idx="1">
+              <a:schemeClr val="accent1"/>
+            </a:lnRef>
+            <a:fillRef idx="3">
+              <a:schemeClr val="accent1"/>
+            </a:fillRef>
+            <a:effectRef idx="2">
+              <a:schemeClr val="accent1"/>
+            </a:effectRef>
+            <a:fontRef idx="minor">
+              <a:schemeClr val="lt1"/>
+            </a:fontRef>
+          </p:style>
+          <p:txBody>
+            <a:bodyPr rtlCol="0" anchor="ctr"/>
+            <a:lstStyle/>
+            <a:p>
+              <a:pPr algn="ctr"/>
+              <a:endParaRPr lang="de-DE" dirty="0"/>
+            </a:p>
+          </p:txBody>
+        </p:sp>
+        <p:sp>
+          <p:nvSpPr>
+            <p:cNvPr id="10" name="Pfeil nach rechts 9"/>
+            <p:cNvSpPr/>
+            <p:nvPr/>
+          </p:nvSpPr>
+          <p:spPr>
+            <a:xfrm rot="10800000">
+              <a:off x="2314571" y="3090580"/>
+              <a:ext cx="219075" cy="45719"/>
+            </a:xfrm>
+            <a:prstGeom prst="rightArrow">
+              <a:avLst/>
+            </a:prstGeom>
+            <a:solidFill>
+              <a:schemeClr val="bg1"/>
+            </a:solidFill>
+            <a:ln>
+              <a:solidFill>
+                <a:schemeClr val="bg1"/>
+              </a:solidFill>
+            </a:ln>
+          </p:spPr>
+          <p:style>
+            <a:lnRef idx="2">
+              <a:schemeClr val="dk1"/>
+            </a:lnRef>
+            <a:fillRef idx="1">
+              <a:schemeClr val="lt1"/>
+            </a:fillRef>
+            <a:effectRef idx="0">
+              <a:schemeClr val="dk1"/>
+            </a:effectRef>
+            <a:fontRef idx="minor">
+              <a:schemeClr val="dk1"/>
+            </a:fontRef>
+          </p:style>
+          <p:txBody>
+            <a:bodyPr rtlCol="0" anchor="ctr"/>
+            <a:lstStyle/>
+            <a:p>
+              <a:pPr algn="ctr"/>
+              <a:endParaRPr lang="de-DE"/>
+            </a:p>
+          </p:txBody>
+        </p:sp>
+        <p:sp>
+          <p:nvSpPr>
+            <p:cNvPr id="11" name="Abgerundetes Rechteck 10"/>
+            <p:cNvSpPr/>
+            <p:nvPr/>
+          </p:nvSpPr>
+          <p:spPr>
+            <a:xfrm rot="10800000">
+              <a:off x="6212125" y="2973610"/>
+              <a:ext cx="422038" cy="281573"/>
+            </a:xfrm>
+            <a:prstGeom prst="roundRect">
+              <a:avLst/>
+            </a:prstGeom>
+            <a:solidFill>
+              <a:srgbClr val="0070C0"/>
+            </a:solidFill>
+            <a:ln>
+              <a:solidFill>
+                <a:srgbClr val="0070C0"/>
+              </a:solidFill>
+            </a:ln>
+          </p:spPr>
+          <p:style>
+            <a:lnRef idx="1">
+              <a:schemeClr val="accent1"/>
+            </a:lnRef>
+            <a:fillRef idx="3">
+              <a:schemeClr val="accent1"/>
+            </a:fillRef>
+            <a:effectRef idx="2">
+              <a:schemeClr val="accent1"/>
+            </a:effectRef>
+            <a:fontRef idx="minor">
+              <a:schemeClr val="lt1"/>
+            </a:fontRef>
+          </p:style>
+          <p:txBody>
+            <a:bodyPr rtlCol="0" anchor="ctr"/>
+            <a:lstStyle/>
+            <a:p>
+              <a:pPr algn="ctr"/>
+              <a:endParaRPr lang="de-DE" dirty="0"/>
+            </a:p>
+          </p:txBody>
+        </p:sp>
+        <p:sp>
+          <p:nvSpPr>
+            <p:cNvPr id="12" name="Pfeil nach rechts 11"/>
+            <p:cNvSpPr/>
+            <p:nvPr/>
+          </p:nvSpPr>
+          <p:spPr>
+            <a:xfrm>
+              <a:off x="6300783" y="3090580"/>
+              <a:ext cx="219075" cy="45719"/>
+            </a:xfrm>
+            <a:prstGeom prst="rightArrow">
+              <a:avLst/>
+            </a:prstGeom>
+            <a:solidFill>
+              <a:schemeClr val="bg1"/>
+            </a:solidFill>
+            <a:ln>
+              <a:solidFill>
+                <a:schemeClr val="bg1"/>
+              </a:solidFill>
+            </a:ln>
+          </p:spPr>
+          <p:style>
+            <a:lnRef idx="2">
+              <a:schemeClr val="dk1"/>
+            </a:lnRef>
+            <a:fillRef idx="1">
+              <a:schemeClr val="lt1"/>
+            </a:fillRef>
+            <a:effectRef idx="0">
+              <a:schemeClr val="dk1"/>
+            </a:effectRef>
+            <a:fontRef idx="minor">
+              <a:schemeClr val="dk1"/>
+            </a:fontRef>
+          </p:style>
+          <p:txBody>
+            <a:bodyPr rtlCol="0" anchor="ctr"/>
+            <a:lstStyle/>
+            <a:p>
+              <a:pPr algn="ctr"/>
+              <a:endParaRPr lang="de-DE"/>
+            </a:p>
+          </p:txBody>
+        </p:sp>
+      </p:grpSp>
     </p:spTree>
     <p:extLst>
       <p:ext uri="{BB962C8B-B14F-4D97-AF65-F5344CB8AC3E}">
-        <p14:creationId xmlns:p14="http://schemas.microsoft.com/office/powerpoint/2010/main" val="4135321886"/>
+        <p14:creationId xmlns:p14="http://schemas.microsoft.com/office/powerpoint/2010/main" val="3521823961"/>
       </p:ext>
     </p:extLst>
   </p:cSld>
@@ -3477,8 +3954,8 @@
         </p:nvSpPr>
         <p:spPr>
           <a:xfrm>
-            <a:off x="2178287" y="315672"/>
-            <a:ext cx="7774486" cy="6740307"/>
+            <a:off x="2178287" y="315671"/>
+            <a:ext cx="7774486" cy="7478970"/>
           </a:xfrm>
           <a:prstGeom prst="rect">
             <a:avLst/>
@@ -3496,15 +3973,15 @@
           <a:p>
             <a:r>
               <a:rPr lang="en-US" sz="2400" dirty="0"/>
-              <a:t>In addition to the visual task, there will be an auditory task as well. Therefore, </a:t>
+              <a:t>At the beginning of each sequence, we will show you </a:t>
             </a:r>
             <a:r>
               <a:rPr lang="en-US" sz="2400" b="1" dirty="0"/>
-              <a:t>a tone</a:t>
-            </a:r>
-            <a:r>
-              <a:rPr lang="en-US" sz="2400" dirty="0"/>
-              <a:t> will occur during or shortly after the visual image.</a:t>
+              <a:t>two specific “target” images </a:t>
+            </a:r>
+            <a:r>
+              <a:rPr lang="en-US" sz="2400" dirty="0"/>
+              <a:t>that you will need to remember and be on the lookout for. </a:t>
             </a:r>
           </a:p>
           <a:p>
@@ -3513,91 +3990,96 @@
           <a:p>
             <a:r>
               <a:rPr lang="en-US" sz="2400" dirty="0"/>
-              <a:t>Your task will be to discriminate </a:t>
+              <a:t>Your main task will be to attentively look at each image for as long as it’s on the screen, </a:t>
+            </a:r>
+            <a:r>
+              <a:rPr lang="en-US" sz="2400" dirty="0" smtClean="0"/>
+              <a:t>and </a:t>
+            </a:r>
+            <a:r>
+              <a:rPr lang="en-US" sz="2400" b="1" dirty="0" smtClean="0"/>
+              <a:t>press the</a:t>
             </a:r>
             <a:r>
               <a:rPr lang="en-US" sz="2400" b="1" dirty="0"/>
-              <a:t>“high” and “low” pitches </a:t>
-            </a:r>
-            <a:r>
-              <a:rPr lang="en-US" sz="2400" dirty="0"/>
-              <a:t>of the tone. Use the </a:t>
+              <a:t> </a:t>
             </a:r>
             <a:r>
               <a:rPr lang="en-US" sz="2400" b="1" dirty="0" smtClean="0"/>
-              <a:t>“1” key </a:t>
+              <a:t>green </a:t>
+            </a:r>
+            <a:r>
+              <a:rPr lang="en-US" sz="2400" b="1" dirty="0"/>
+              <a:t>button </a:t>
+            </a:r>
+            <a:r>
+              <a:rPr lang="en-US" sz="2400" dirty="0"/>
+              <a:t>whenever </a:t>
+            </a:r>
+            <a:r>
+              <a:rPr lang="en-US" sz="2400" dirty="0"/>
+              <a:t>you see a </a:t>
+            </a:r>
+            <a:r>
+              <a:rPr lang="en-US" sz="2400" b="1" dirty="0"/>
+              <a:t>target </a:t>
+            </a:r>
+            <a:r>
+              <a:rPr lang="en-US" sz="2400" b="1" dirty="0" smtClean="0"/>
+              <a:t>image </a:t>
             </a:r>
             <a:r>
               <a:rPr lang="en-US" sz="2400" dirty="0" smtClean="0"/>
-              <a:t>to </a:t>
-            </a:r>
-            <a:r>
-              <a:rPr lang="en-US" sz="2400" dirty="0"/>
-              <a:t>respond to </a:t>
-            </a:r>
-            <a:r>
-              <a:rPr lang="en-US" sz="2400" b="1" dirty="0" smtClean="0"/>
-              <a:t>high tone </a:t>
-            </a:r>
-            <a:r>
-              <a:rPr lang="en-US" sz="2400" dirty="0"/>
-              <a:t>and the </a:t>
-            </a:r>
-            <a:r>
-              <a:rPr lang="en-US" sz="2400" b="1" dirty="0" smtClean="0"/>
-              <a:t>“2” key </a:t>
-            </a:r>
-            <a:r>
-              <a:rPr lang="en-US" sz="2400" b="1" dirty="0" smtClean="0"/>
-              <a:t>for </a:t>
-            </a:r>
-            <a:r>
-              <a:rPr lang="en-US" sz="2400" b="1" dirty="0" smtClean="0"/>
-              <a:t>low tones</a:t>
-            </a:r>
+              <a:t>in </a:t>
+            </a:r>
+            <a:r>
+              <a:rPr lang="en-US" sz="2400" dirty="0"/>
+              <a:t>any view (front or side).</a:t>
+            </a:r>
+          </a:p>
+          <a:p>
             <a:r>
               <a:rPr lang="en-US" sz="2400" dirty="0" smtClean="0"/>
-              <a:t>. </a:t>
-            </a:r>
-          </a:p>
-          <a:p>
+              <a:t>Please respond</a:t>
+            </a:r>
+            <a:r>
+              <a:rPr lang="en-US" sz="2400" dirty="0"/>
+              <a:t> as quickly and as accurately as </a:t>
+            </a:r>
+            <a:r>
+              <a:rPr lang="en-US" sz="2400" dirty="0" smtClean="0"/>
+              <a:t>possible.</a:t>
+            </a:r>
             <a:endParaRPr lang="en-US" sz="2400" dirty="0"/>
           </a:p>
           <a:p>
+            <a:endParaRPr lang="en-US" sz="2400" dirty="0"/>
+          </a:p>
+          <a:p>
+            <a:endParaRPr lang="en-US" sz="2400" dirty="0" smtClean="0"/>
+          </a:p>
+          <a:p>
+            <a:endParaRPr lang="en-US" sz="2400" dirty="0" smtClean="0"/>
+          </a:p>
+          <a:p>
+            <a:endParaRPr lang="en-US" sz="2400" dirty="0"/>
+          </a:p>
+          <a:p>
+            <a:endParaRPr lang="en-US" sz="2400" dirty="0"/>
+          </a:p>
+          <a:p>
+            <a:pPr algn="ctr"/>
+            <a:endParaRPr lang="en-US" sz="2400" dirty="0" smtClean="0"/>
+          </a:p>
+          <a:p>
+            <a:pPr algn="ctr"/>
             <a:r>
               <a:rPr lang="en-US" sz="2400" dirty="0" smtClean="0"/>
-              <a:t>Please </a:t>
-            </a:r>
-            <a:r>
-              <a:rPr lang="en-US" sz="2400" dirty="0"/>
-              <a:t>respond as quickly and as accurately as possible. Always respond </a:t>
-            </a:r>
-            <a:r>
-              <a:rPr lang="en-US" sz="2400" b="1" dirty="0"/>
-              <a:t>first to the visual</a:t>
-            </a:r>
-            <a:r>
-              <a:rPr lang="en-US" sz="2400" dirty="0"/>
-              <a:t> and then to the auditory task.</a:t>
-            </a:r>
-          </a:p>
-          <a:p>
-            <a:endParaRPr lang="en-US" sz="2400" dirty="0"/>
-          </a:p>
-          <a:p>
-            <a:r>
-              <a:rPr lang="en-US" sz="2400" dirty="0"/>
-              <a:t>  </a:t>
-            </a:r>
-          </a:p>
-          <a:p>
-            <a:endParaRPr lang="en-US" sz="2400" dirty="0"/>
-          </a:p>
-          <a:p>
-            <a:pPr algn="ctr"/>
-            <a:r>
-              <a:rPr lang="en-US" sz="2400" dirty="0"/>
-              <a:t>Press the </a:t>
+              <a:t>Press </a:t>
+            </a:r>
+            <a:r>
+              <a:rPr lang="en-US" sz="2400" dirty="0"/>
+              <a:t>the </a:t>
             </a:r>
             <a:r>
               <a:rPr lang="en-US" sz="2400" b="1" dirty="0"/>
@@ -3629,14 +4111,439 @@
             </a:r>
           </a:p>
           <a:p>
+            <a:pPr algn="ctr"/>
             <a:endParaRPr lang="en-US" sz="2400" dirty="0"/>
           </a:p>
-        </p:txBody>
-      </p:sp>
+          <a:p>
+            <a:endParaRPr lang="en-US" sz="2400" dirty="0"/>
+          </a:p>
+          <a:p>
+            <a:endParaRPr lang="en-US" sz="2400" dirty="0"/>
+          </a:p>
+        </p:txBody>
+      </p:sp>
+      <p:grpSp>
+        <p:nvGrpSpPr>
+          <p:cNvPr id="13" name="Gruppieren 12"/>
+          <p:cNvGrpSpPr/>
+          <p:nvPr/>
+        </p:nvGrpSpPr>
+        <p:grpSpPr>
+          <a:xfrm>
+            <a:off x="5121520" y="3837626"/>
+            <a:ext cx="1888019" cy="1599765"/>
+            <a:chOff x="1866122" y="1498567"/>
+            <a:chExt cx="5075854" cy="3250713"/>
+          </a:xfrm>
+        </p:grpSpPr>
+        <p:pic>
+          <p:nvPicPr>
+            <p:cNvPr id="5" name="Grafik 4"/>
+            <p:cNvPicPr/>
+            <p:nvPr/>
+          </p:nvPicPr>
+          <p:blipFill rotWithShape="1">
+            <a:blip r:embed="rId2" cstate="hqprint">
+              <a:extLst>
+                <a:ext uri="{28A0092B-C50C-407E-A947-70E740481C1C}">
+                  <a14:useLocalDpi xmlns:a14="http://schemas.microsoft.com/office/drawing/2010/main" val="0"/>
+                </a:ext>
+              </a:extLst>
+            </a:blip>
+            <a:srcRect/>
+            <a:stretch/>
+          </p:blipFill>
+          <p:spPr bwMode="auto">
+            <a:xfrm>
+              <a:off x="1866122" y="1498567"/>
+              <a:ext cx="5075854" cy="3250713"/>
+            </a:xfrm>
+            <a:prstGeom prst="rect">
+              <a:avLst/>
+            </a:prstGeom>
+            <a:ln>
+              <a:noFill/>
+            </a:ln>
+            <a:extLst>
+              <a:ext uri="{53640926-AAD7-44D8-BBD7-CCE9431645EC}">
+                <a14:shadowObscured xmlns:a14="http://schemas.microsoft.com/office/drawing/2010/main"/>
+              </a:ext>
+            </a:extLst>
+          </p:spPr>
+        </p:pic>
+        <p:sp>
+          <p:nvSpPr>
+            <p:cNvPr id="2" name="Abgerundetes Rechteck 1"/>
+            <p:cNvSpPr/>
+            <p:nvPr/>
+          </p:nvSpPr>
+          <p:spPr>
+            <a:xfrm>
+              <a:off x="3290888" y="2271713"/>
+              <a:ext cx="623887" cy="442912"/>
+            </a:xfrm>
+            <a:prstGeom prst="roundRect">
+              <a:avLst/>
+            </a:prstGeom>
+            <a:solidFill>
+              <a:srgbClr val="00B050"/>
+            </a:solidFill>
+            <a:ln>
+              <a:solidFill>
+                <a:srgbClr val="00B050"/>
+              </a:solidFill>
+            </a:ln>
+          </p:spPr>
+          <p:style>
+            <a:lnRef idx="1">
+              <a:schemeClr val="accent1"/>
+            </a:lnRef>
+            <a:fillRef idx="3">
+              <a:schemeClr val="accent1"/>
+            </a:fillRef>
+            <a:effectRef idx="2">
+              <a:schemeClr val="accent1"/>
+            </a:effectRef>
+            <a:fontRef idx="minor">
+              <a:schemeClr val="lt1"/>
+            </a:fontRef>
+          </p:style>
+          <p:txBody>
+            <a:bodyPr rtlCol="0" anchor="ctr"/>
+            <a:lstStyle/>
+            <a:p>
+              <a:pPr algn="ctr"/>
+              <a:endParaRPr lang="de-DE"/>
+            </a:p>
+          </p:txBody>
+        </p:sp>
+        <p:sp>
+          <p:nvSpPr>
+            <p:cNvPr id="6" name="Abgerundetes Rechteck 5"/>
+            <p:cNvSpPr/>
+            <p:nvPr/>
+          </p:nvSpPr>
+          <p:spPr>
+            <a:xfrm>
+              <a:off x="4919663" y="2271713"/>
+              <a:ext cx="623887" cy="442912"/>
+            </a:xfrm>
+            <a:prstGeom prst="roundRect">
+              <a:avLst/>
+            </a:prstGeom>
+            <a:solidFill>
+              <a:srgbClr val="C00000"/>
+            </a:solidFill>
+            <a:ln>
+              <a:solidFill>
+                <a:srgbClr val="C00000"/>
+              </a:solidFill>
+            </a:ln>
+          </p:spPr>
+          <p:style>
+            <a:lnRef idx="1">
+              <a:schemeClr val="accent1"/>
+            </a:lnRef>
+            <a:fillRef idx="3">
+              <a:schemeClr val="accent1"/>
+            </a:fillRef>
+            <a:effectRef idx="2">
+              <a:schemeClr val="accent1"/>
+            </a:effectRef>
+            <a:fontRef idx="minor">
+              <a:schemeClr val="lt1"/>
+            </a:fontRef>
+          </p:style>
+          <p:txBody>
+            <a:bodyPr rtlCol="0" anchor="ctr"/>
+            <a:lstStyle/>
+            <a:p>
+              <a:pPr algn="ctr"/>
+              <a:endParaRPr lang="de-DE"/>
+            </a:p>
+          </p:txBody>
+        </p:sp>
+        <p:sp>
+          <p:nvSpPr>
+            <p:cNvPr id="7" name="Abgerundetes Rechteck 6"/>
+            <p:cNvSpPr/>
+            <p:nvPr/>
+          </p:nvSpPr>
+          <p:spPr>
+            <a:xfrm>
+              <a:off x="3290887" y="3676065"/>
+              <a:ext cx="623887" cy="442912"/>
+            </a:xfrm>
+            <a:prstGeom prst="roundRect">
+              <a:avLst/>
+            </a:prstGeom>
+            <a:solidFill>
+              <a:srgbClr val="0070C0"/>
+            </a:solidFill>
+            <a:ln>
+              <a:solidFill>
+                <a:srgbClr val="0070C0"/>
+              </a:solidFill>
+            </a:ln>
+          </p:spPr>
+          <p:style>
+            <a:lnRef idx="1">
+              <a:schemeClr val="accent1"/>
+            </a:lnRef>
+            <a:fillRef idx="3">
+              <a:schemeClr val="accent1"/>
+            </a:fillRef>
+            <a:effectRef idx="2">
+              <a:schemeClr val="accent1"/>
+            </a:effectRef>
+            <a:fontRef idx="minor">
+              <a:schemeClr val="lt1"/>
+            </a:fontRef>
+          </p:style>
+          <p:txBody>
+            <a:bodyPr rtlCol="0" anchor="ctr"/>
+            <a:lstStyle/>
+            <a:p>
+              <a:pPr algn="ctr"/>
+              <a:endParaRPr lang="de-DE"/>
+            </a:p>
+          </p:txBody>
+        </p:sp>
+        <p:sp>
+          <p:nvSpPr>
+            <p:cNvPr id="8" name="Abgerundetes Rechteck 7"/>
+            <p:cNvSpPr/>
+            <p:nvPr/>
+          </p:nvSpPr>
+          <p:spPr>
+            <a:xfrm>
+              <a:off x="4919663" y="3676065"/>
+              <a:ext cx="623887" cy="442912"/>
+            </a:xfrm>
+            <a:prstGeom prst="roundRect">
+              <a:avLst/>
+            </a:prstGeom>
+            <a:solidFill>
+              <a:srgbClr val="FFFF00"/>
+            </a:solidFill>
+            <a:ln>
+              <a:solidFill>
+                <a:srgbClr val="FFFF00"/>
+              </a:solidFill>
+            </a:ln>
+          </p:spPr>
+          <p:style>
+            <a:lnRef idx="1">
+              <a:schemeClr val="accent1"/>
+            </a:lnRef>
+            <a:fillRef idx="3">
+              <a:schemeClr val="accent1"/>
+            </a:fillRef>
+            <a:effectRef idx="2">
+              <a:schemeClr val="accent1"/>
+            </a:effectRef>
+            <a:fontRef idx="minor">
+              <a:schemeClr val="lt1"/>
+            </a:fontRef>
+          </p:style>
+          <p:txBody>
+            <a:bodyPr rtlCol="0" anchor="ctr"/>
+            <a:lstStyle/>
+            <a:p>
+              <a:pPr algn="ctr"/>
+              <a:endParaRPr lang="de-DE"/>
+            </a:p>
+          </p:txBody>
+        </p:sp>
+        <p:sp>
+          <p:nvSpPr>
+            <p:cNvPr id="9" name="Abgerundetes Rechteck 8"/>
+            <p:cNvSpPr/>
+            <p:nvPr/>
+          </p:nvSpPr>
+          <p:spPr>
+            <a:xfrm>
+              <a:off x="2225913" y="2973610"/>
+              <a:ext cx="422038" cy="281573"/>
+            </a:xfrm>
+            <a:prstGeom prst="roundRect">
+              <a:avLst/>
+            </a:prstGeom>
+            <a:solidFill>
+              <a:srgbClr val="0070C0"/>
+            </a:solidFill>
+            <a:ln>
+              <a:solidFill>
+                <a:srgbClr val="0070C0"/>
+              </a:solidFill>
+            </a:ln>
+          </p:spPr>
+          <p:style>
+            <a:lnRef idx="1">
+              <a:schemeClr val="accent1"/>
+            </a:lnRef>
+            <a:fillRef idx="3">
+              <a:schemeClr val="accent1"/>
+            </a:fillRef>
+            <a:effectRef idx="2">
+              <a:schemeClr val="accent1"/>
+            </a:effectRef>
+            <a:fontRef idx="minor">
+              <a:schemeClr val="lt1"/>
+            </a:fontRef>
+          </p:style>
+          <p:txBody>
+            <a:bodyPr rtlCol="0" anchor="ctr"/>
+            <a:lstStyle/>
+            <a:p>
+              <a:pPr algn="ctr"/>
+              <a:endParaRPr lang="de-DE" dirty="0"/>
+            </a:p>
+          </p:txBody>
+        </p:sp>
+        <p:sp>
+          <p:nvSpPr>
+            <p:cNvPr id="10" name="Pfeil nach rechts 9"/>
+            <p:cNvSpPr/>
+            <p:nvPr/>
+          </p:nvSpPr>
+          <p:spPr>
+            <a:xfrm rot="10800000">
+              <a:off x="2314571" y="3090580"/>
+              <a:ext cx="219075" cy="45719"/>
+            </a:xfrm>
+            <a:prstGeom prst="rightArrow">
+              <a:avLst/>
+            </a:prstGeom>
+            <a:solidFill>
+              <a:schemeClr val="bg1"/>
+            </a:solidFill>
+            <a:ln>
+              <a:solidFill>
+                <a:schemeClr val="bg1"/>
+              </a:solidFill>
+            </a:ln>
+          </p:spPr>
+          <p:style>
+            <a:lnRef idx="2">
+              <a:schemeClr val="dk1"/>
+            </a:lnRef>
+            <a:fillRef idx="1">
+              <a:schemeClr val="lt1"/>
+            </a:fillRef>
+            <a:effectRef idx="0">
+              <a:schemeClr val="dk1"/>
+            </a:effectRef>
+            <a:fontRef idx="minor">
+              <a:schemeClr val="dk1"/>
+            </a:fontRef>
+          </p:style>
+          <p:txBody>
+            <a:bodyPr rtlCol="0" anchor="ctr"/>
+            <a:lstStyle/>
+            <a:p>
+              <a:pPr algn="ctr"/>
+              <a:endParaRPr lang="de-DE"/>
+            </a:p>
+          </p:txBody>
+        </p:sp>
+        <p:sp>
+          <p:nvSpPr>
+            <p:cNvPr id="11" name="Abgerundetes Rechteck 10"/>
+            <p:cNvSpPr/>
+            <p:nvPr/>
+          </p:nvSpPr>
+          <p:spPr>
+            <a:xfrm rot="10800000">
+              <a:off x="6212125" y="2973610"/>
+              <a:ext cx="422038" cy="281573"/>
+            </a:xfrm>
+            <a:prstGeom prst="roundRect">
+              <a:avLst/>
+            </a:prstGeom>
+            <a:solidFill>
+              <a:srgbClr val="0070C0"/>
+            </a:solidFill>
+            <a:ln>
+              <a:solidFill>
+                <a:srgbClr val="0070C0"/>
+              </a:solidFill>
+            </a:ln>
+          </p:spPr>
+          <p:style>
+            <a:lnRef idx="1">
+              <a:schemeClr val="accent1"/>
+            </a:lnRef>
+            <a:fillRef idx="3">
+              <a:schemeClr val="accent1"/>
+            </a:fillRef>
+            <a:effectRef idx="2">
+              <a:schemeClr val="accent1"/>
+            </a:effectRef>
+            <a:fontRef idx="minor">
+              <a:schemeClr val="lt1"/>
+            </a:fontRef>
+          </p:style>
+          <p:txBody>
+            <a:bodyPr rtlCol="0" anchor="ctr"/>
+            <a:lstStyle/>
+            <a:p>
+              <a:pPr algn="ctr"/>
+              <a:endParaRPr lang="de-DE" dirty="0"/>
+            </a:p>
+          </p:txBody>
+        </p:sp>
+        <p:sp>
+          <p:nvSpPr>
+            <p:cNvPr id="12" name="Pfeil nach rechts 11"/>
+            <p:cNvSpPr/>
+            <p:nvPr/>
+          </p:nvSpPr>
+          <p:spPr>
+            <a:xfrm>
+              <a:off x="6300783" y="3090580"/>
+              <a:ext cx="219075" cy="45719"/>
+            </a:xfrm>
+            <a:prstGeom prst="rightArrow">
+              <a:avLst/>
+            </a:prstGeom>
+            <a:solidFill>
+              <a:schemeClr val="bg1"/>
+            </a:solidFill>
+            <a:ln>
+              <a:solidFill>
+                <a:schemeClr val="bg1"/>
+              </a:solidFill>
+            </a:ln>
+          </p:spPr>
+          <p:style>
+            <a:lnRef idx="2">
+              <a:schemeClr val="dk1"/>
+            </a:lnRef>
+            <a:fillRef idx="1">
+              <a:schemeClr val="lt1"/>
+            </a:fillRef>
+            <a:effectRef idx="0">
+              <a:schemeClr val="dk1"/>
+            </a:effectRef>
+            <a:fontRef idx="minor">
+              <a:schemeClr val="dk1"/>
+            </a:fontRef>
+          </p:style>
+          <p:txBody>
+            <a:bodyPr rtlCol="0" anchor="ctr"/>
+            <a:lstStyle/>
+            <a:p>
+              <a:pPr algn="ctr"/>
+              <a:endParaRPr lang="de-DE"/>
+            </a:p>
+          </p:txBody>
+        </p:sp>
+      </p:grpSp>
     </p:spTree>
     <p:extLst>
       <p:ext uri="{BB962C8B-B14F-4D97-AF65-F5344CB8AC3E}">
-        <p14:creationId xmlns:p14="http://schemas.microsoft.com/office/powerpoint/2010/main" val="3993068824"/>
+        <p14:creationId xmlns:p14="http://schemas.microsoft.com/office/powerpoint/2010/main" val="2019135309"/>
       </p:ext>
     </p:extLst>
   </p:cSld>
@@ -3671,8 +4578,8 @@
         </p:nvSpPr>
         <p:spPr>
           <a:xfrm>
-            <a:off x="2178287" y="294605"/>
-            <a:ext cx="7774486" cy="7109639"/>
+            <a:off x="2178287" y="315672"/>
+            <a:ext cx="7774486" cy="6740307"/>
           </a:xfrm>
           <a:prstGeom prst="rect">
             <a:avLst/>
@@ -3690,7 +4597,15 @@
           <a:p>
             <a:r>
               <a:rPr lang="en-US" sz="2400" dirty="0"/>
-              <a:t>Each sequence will last about 1min 30sec. You will be able to rest between sequences. The sequence will only begin after you press the space bar.</a:t>
+              <a:t>In addition to the visual task, there will be an auditory task as well. Therefore, </a:t>
+            </a:r>
+            <a:r>
+              <a:rPr lang="en-US" sz="2400" b="1" dirty="0"/>
+              <a:t>a tone</a:t>
+            </a:r>
+            <a:r>
+              <a:rPr lang="en-US" sz="2400" dirty="0"/>
+              <a:t> will occur during or shortly after the visual image.</a:t>
             </a:r>
           </a:p>
           <a:p>
@@ -3699,8 +4614,69 @@
           <a:p>
             <a:r>
               <a:rPr lang="en-US" sz="2400" dirty="0"/>
-              <a:t>Please do your best to remain focused and alert, and keep your eyes fixed on the center of the screen. </a:t>
-            </a:r>
+              <a:t>Your task will be to discriminate </a:t>
+            </a:r>
+            <a:r>
+              <a:rPr lang="en-US" sz="2400" b="1" dirty="0"/>
+              <a:t>“high” and “low” pitches </a:t>
+            </a:r>
+            <a:r>
+              <a:rPr lang="en-US" sz="2400" dirty="0"/>
+              <a:t>of the tone. Use the </a:t>
+            </a:r>
+            <a:r>
+              <a:rPr lang="en-US" sz="2400" b="1" dirty="0" smtClean="0"/>
+              <a:t>red button </a:t>
+            </a:r>
+            <a:r>
+              <a:rPr lang="en-US" sz="2400" dirty="0" smtClean="0"/>
+              <a:t>to </a:t>
+            </a:r>
+            <a:r>
+              <a:rPr lang="en-US" sz="2400" dirty="0"/>
+              <a:t>respond to </a:t>
+            </a:r>
+            <a:r>
+              <a:rPr lang="en-US" sz="2400" b="1" dirty="0" smtClean="0"/>
+              <a:t>high tone </a:t>
+            </a:r>
+            <a:r>
+              <a:rPr lang="en-US" sz="2400" dirty="0"/>
+              <a:t>and the </a:t>
+            </a:r>
+            <a:r>
+              <a:rPr lang="en-US" sz="2400" b="1" dirty="0" smtClean="0"/>
+              <a:t>yellow button for </a:t>
+            </a:r>
+            <a:r>
+              <a:rPr lang="en-US" sz="2400" b="1" dirty="0" smtClean="0"/>
+              <a:t>low tones</a:t>
+            </a:r>
+            <a:r>
+              <a:rPr lang="en-US" sz="2400" dirty="0" smtClean="0"/>
+              <a:t>. </a:t>
+            </a:r>
+          </a:p>
+          <a:p>
+            <a:r>
+              <a:rPr lang="en-US" sz="2400" dirty="0" smtClean="0"/>
+              <a:t>Please </a:t>
+            </a:r>
+            <a:r>
+              <a:rPr lang="en-US" sz="2400" dirty="0"/>
+              <a:t>respond as quickly and as accurately as possible. Always respond </a:t>
+            </a:r>
+            <a:r>
+              <a:rPr lang="en-US" sz="2400" b="1" dirty="0"/>
+              <a:t>first to the visual</a:t>
+            </a:r>
+            <a:r>
+              <a:rPr lang="en-US" sz="2400" dirty="0"/>
+              <a:t> and then to the auditory task.</a:t>
+            </a:r>
+          </a:p>
+          <a:p>
+            <a:endParaRPr lang="en-US" sz="2400" dirty="0" smtClean="0"/>
           </a:p>
           <a:p>
             <a:endParaRPr lang="en-US" sz="2400" dirty="0"/>
@@ -3708,27 +4684,10 @@
           <a:p>
             <a:r>
               <a:rPr lang="en-US" sz="2400" dirty="0"/>
-              <a:t>If you need a break, or have any questions, do not hesitate to ask the experimenter.</a:t>
-            </a:r>
-          </a:p>
-          <a:p>
-            <a:endParaRPr lang="en-US" sz="2400" dirty="0"/>
-          </a:p>
-          <a:p>
-            <a:r>
-              <a:rPr lang="en-US" sz="2400" dirty="0"/>
-              <a:t>We will start with a few practice trials, and you will have a chance to ask questions before starting the experiment.</a:t>
-            </a:r>
-          </a:p>
-          <a:p>
-            <a:r>
-              <a:rPr lang="en-US" sz="2400" b="1" dirty="0"/>
-              <a:t>Good luck!</a:t>
-            </a:r>
-            <a:endParaRPr lang="en-US" sz="2400" dirty="0"/>
-          </a:p>
-          <a:p>
-            <a:pPr algn="ctr"/>
+              <a:t>  </a:t>
+            </a:r>
+          </a:p>
+          <a:p>
             <a:endParaRPr lang="en-US" sz="2400" dirty="0"/>
           </a:p>
           <a:p>
@@ -3769,15 +4728,430 @@
           <a:p>
             <a:endParaRPr lang="en-US" sz="2400" dirty="0"/>
           </a:p>
-          <a:p>
-            <a:endParaRPr lang="en-US" sz="2400" dirty="0"/>
-          </a:p>
-        </p:txBody>
-      </p:sp>
+        </p:txBody>
+      </p:sp>
+      <p:grpSp>
+        <p:nvGrpSpPr>
+          <p:cNvPr id="3" name="Gruppieren 2"/>
+          <p:cNvGrpSpPr/>
+          <p:nvPr/>
+        </p:nvGrpSpPr>
+        <p:grpSpPr>
+          <a:xfrm>
+            <a:off x="5411310" y="4279935"/>
+            <a:ext cx="1395446" cy="1219279"/>
+            <a:chOff x="1866122" y="1498567"/>
+            <a:chExt cx="5075854" cy="3250713"/>
+          </a:xfrm>
+        </p:grpSpPr>
+        <p:pic>
+          <p:nvPicPr>
+            <p:cNvPr id="5" name="Grafik 4"/>
+            <p:cNvPicPr/>
+            <p:nvPr/>
+          </p:nvPicPr>
+          <p:blipFill rotWithShape="1">
+            <a:blip r:embed="rId2" cstate="hqprint">
+              <a:extLst>
+                <a:ext uri="{28A0092B-C50C-407E-A947-70E740481C1C}">
+                  <a14:useLocalDpi xmlns:a14="http://schemas.microsoft.com/office/drawing/2010/main" val="0"/>
+                </a:ext>
+              </a:extLst>
+            </a:blip>
+            <a:srcRect/>
+            <a:stretch/>
+          </p:blipFill>
+          <p:spPr bwMode="auto">
+            <a:xfrm>
+              <a:off x="1866122" y="1498567"/>
+              <a:ext cx="5075854" cy="3250713"/>
+            </a:xfrm>
+            <a:prstGeom prst="rect">
+              <a:avLst/>
+            </a:prstGeom>
+            <a:ln>
+              <a:noFill/>
+            </a:ln>
+            <a:extLst>
+              <a:ext uri="{53640926-AAD7-44D8-BBD7-CCE9431645EC}">
+                <a14:shadowObscured xmlns:a14="http://schemas.microsoft.com/office/drawing/2010/main"/>
+              </a:ext>
+            </a:extLst>
+          </p:spPr>
+        </p:pic>
+        <p:sp>
+          <p:nvSpPr>
+            <p:cNvPr id="6" name="Abgerundetes Rechteck 5"/>
+            <p:cNvSpPr/>
+            <p:nvPr/>
+          </p:nvSpPr>
+          <p:spPr>
+            <a:xfrm>
+              <a:off x="3290888" y="2271713"/>
+              <a:ext cx="623887" cy="442912"/>
+            </a:xfrm>
+            <a:prstGeom prst="roundRect">
+              <a:avLst/>
+            </a:prstGeom>
+            <a:solidFill>
+              <a:srgbClr val="00B050"/>
+            </a:solidFill>
+            <a:ln>
+              <a:solidFill>
+                <a:srgbClr val="00B050"/>
+              </a:solidFill>
+            </a:ln>
+          </p:spPr>
+          <p:style>
+            <a:lnRef idx="1">
+              <a:schemeClr val="accent1"/>
+            </a:lnRef>
+            <a:fillRef idx="3">
+              <a:schemeClr val="accent1"/>
+            </a:fillRef>
+            <a:effectRef idx="2">
+              <a:schemeClr val="accent1"/>
+            </a:effectRef>
+            <a:fontRef idx="minor">
+              <a:schemeClr val="lt1"/>
+            </a:fontRef>
+          </p:style>
+          <p:txBody>
+            <a:bodyPr rtlCol="0" anchor="ctr"/>
+            <a:lstStyle/>
+            <a:p>
+              <a:pPr algn="ctr"/>
+              <a:endParaRPr lang="de-DE"/>
+            </a:p>
+          </p:txBody>
+        </p:sp>
+        <p:sp>
+          <p:nvSpPr>
+            <p:cNvPr id="7" name="Abgerundetes Rechteck 6"/>
+            <p:cNvSpPr/>
+            <p:nvPr/>
+          </p:nvSpPr>
+          <p:spPr>
+            <a:xfrm>
+              <a:off x="4919663" y="2271713"/>
+              <a:ext cx="623887" cy="442912"/>
+            </a:xfrm>
+            <a:prstGeom prst="roundRect">
+              <a:avLst/>
+            </a:prstGeom>
+            <a:solidFill>
+              <a:srgbClr val="C00000"/>
+            </a:solidFill>
+            <a:ln>
+              <a:solidFill>
+                <a:srgbClr val="C00000"/>
+              </a:solidFill>
+            </a:ln>
+          </p:spPr>
+          <p:style>
+            <a:lnRef idx="1">
+              <a:schemeClr val="accent1"/>
+            </a:lnRef>
+            <a:fillRef idx="3">
+              <a:schemeClr val="accent1"/>
+            </a:fillRef>
+            <a:effectRef idx="2">
+              <a:schemeClr val="accent1"/>
+            </a:effectRef>
+            <a:fontRef idx="minor">
+              <a:schemeClr val="lt1"/>
+            </a:fontRef>
+          </p:style>
+          <p:txBody>
+            <a:bodyPr rtlCol="0" anchor="ctr"/>
+            <a:lstStyle/>
+            <a:p>
+              <a:pPr algn="ctr"/>
+              <a:endParaRPr lang="de-DE"/>
+            </a:p>
+          </p:txBody>
+        </p:sp>
+        <p:sp>
+          <p:nvSpPr>
+            <p:cNvPr id="8" name="Abgerundetes Rechteck 7"/>
+            <p:cNvSpPr/>
+            <p:nvPr/>
+          </p:nvSpPr>
+          <p:spPr>
+            <a:xfrm>
+              <a:off x="3290887" y="3676065"/>
+              <a:ext cx="623887" cy="442912"/>
+            </a:xfrm>
+            <a:prstGeom prst="roundRect">
+              <a:avLst/>
+            </a:prstGeom>
+            <a:solidFill>
+              <a:srgbClr val="0070C0"/>
+            </a:solidFill>
+            <a:ln>
+              <a:solidFill>
+                <a:srgbClr val="0070C0"/>
+              </a:solidFill>
+            </a:ln>
+          </p:spPr>
+          <p:style>
+            <a:lnRef idx="1">
+              <a:schemeClr val="accent1"/>
+            </a:lnRef>
+            <a:fillRef idx="3">
+              <a:schemeClr val="accent1"/>
+            </a:fillRef>
+            <a:effectRef idx="2">
+              <a:schemeClr val="accent1"/>
+            </a:effectRef>
+            <a:fontRef idx="minor">
+              <a:schemeClr val="lt1"/>
+            </a:fontRef>
+          </p:style>
+          <p:txBody>
+            <a:bodyPr rtlCol="0" anchor="ctr"/>
+            <a:lstStyle/>
+            <a:p>
+              <a:pPr algn="ctr"/>
+              <a:endParaRPr lang="de-DE"/>
+            </a:p>
+          </p:txBody>
+        </p:sp>
+        <p:sp>
+          <p:nvSpPr>
+            <p:cNvPr id="9" name="Abgerundetes Rechteck 8"/>
+            <p:cNvSpPr/>
+            <p:nvPr/>
+          </p:nvSpPr>
+          <p:spPr>
+            <a:xfrm>
+              <a:off x="4919663" y="3676065"/>
+              <a:ext cx="623887" cy="442912"/>
+            </a:xfrm>
+            <a:prstGeom prst="roundRect">
+              <a:avLst/>
+            </a:prstGeom>
+            <a:solidFill>
+              <a:srgbClr val="FFFF00"/>
+            </a:solidFill>
+            <a:ln>
+              <a:solidFill>
+                <a:srgbClr val="FFFF00"/>
+              </a:solidFill>
+            </a:ln>
+          </p:spPr>
+          <p:style>
+            <a:lnRef idx="1">
+              <a:schemeClr val="accent1"/>
+            </a:lnRef>
+            <a:fillRef idx="3">
+              <a:schemeClr val="accent1"/>
+            </a:fillRef>
+            <a:effectRef idx="2">
+              <a:schemeClr val="accent1"/>
+            </a:effectRef>
+            <a:fontRef idx="minor">
+              <a:schemeClr val="lt1"/>
+            </a:fontRef>
+          </p:style>
+          <p:txBody>
+            <a:bodyPr rtlCol="0" anchor="ctr"/>
+            <a:lstStyle/>
+            <a:p>
+              <a:pPr algn="ctr"/>
+              <a:endParaRPr lang="de-DE"/>
+            </a:p>
+          </p:txBody>
+        </p:sp>
+        <p:sp>
+          <p:nvSpPr>
+            <p:cNvPr id="10" name="Abgerundetes Rechteck 9"/>
+            <p:cNvSpPr/>
+            <p:nvPr/>
+          </p:nvSpPr>
+          <p:spPr>
+            <a:xfrm>
+              <a:off x="2225913" y="2973610"/>
+              <a:ext cx="422038" cy="281573"/>
+            </a:xfrm>
+            <a:prstGeom prst="roundRect">
+              <a:avLst/>
+            </a:prstGeom>
+            <a:solidFill>
+              <a:srgbClr val="0070C0"/>
+            </a:solidFill>
+            <a:ln>
+              <a:solidFill>
+                <a:srgbClr val="0070C0"/>
+              </a:solidFill>
+            </a:ln>
+          </p:spPr>
+          <p:style>
+            <a:lnRef idx="1">
+              <a:schemeClr val="accent1"/>
+            </a:lnRef>
+            <a:fillRef idx="3">
+              <a:schemeClr val="accent1"/>
+            </a:fillRef>
+            <a:effectRef idx="2">
+              <a:schemeClr val="accent1"/>
+            </a:effectRef>
+            <a:fontRef idx="minor">
+              <a:schemeClr val="lt1"/>
+            </a:fontRef>
+          </p:style>
+          <p:txBody>
+            <a:bodyPr rtlCol="0" anchor="ctr"/>
+            <a:lstStyle/>
+            <a:p>
+              <a:pPr algn="ctr"/>
+              <a:endParaRPr lang="de-DE" dirty="0"/>
+            </a:p>
+          </p:txBody>
+        </p:sp>
+        <p:sp>
+          <p:nvSpPr>
+            <p:cNvPr id="11" name="Pfeil nach rechts 10"/>
+            <p:cNvSpPr/>
+            <p:nvPr/>
+          </p:nvSpPr>
+          <p:spPr>
+            <a:xfrm rot="10800000">
+              <a:off x="2314571" y="3090580"/>
+              <a:ext cx="219075" cy="45719"/>
+            </a:xfrm>
+            <a:prstGeom prst="rightArrow">
+              <a:avLst/>
+            </a:prstGeom>
+            <a:solidFill>
+              <a:schemeClr val="bg1"/>
+            </a:solidFill>
+            <a:ln>
+              <a:solidFill>
+                <a:schemeClr val="bg1"/>
+              </a:solidFill>
+            </a:ln>
+          </p:spPr>
+          <p:style>
+            <a:lnRef idx="2">
+              <a:schemeClr val="dk1"/>
+            </a:lnRef>
+            <a:fillRef idx="1">
+              <a:schemeClr val="lt1"/>
+            </a:fillRef>
+            <a:effectRef idx="0">
+              <a:schemeClr val="dk1"/>
+            </a:effectRef>
+            <a:fontRef idx="minor">
+              <a:schemeClr val="dk1"/>
+            </a:fontRef>
+          </p:style>
+          <p:txBody>
+            <a:bodyPr rtlCol="0" anchor="ctr"/>
+            <a:lstStyle/>
+            <a:p>
+              <a:pPr algn="ctr"/>
+              <a:endParaRPr lang="de-DE"/>
+            </a:p>
+          </p:txBody>
+        </p:sp>
+        <p:sp>
+          <p:nvSpPr>
+            <p:cNvPr id="12" name="Abgerundetes Rechteck 11"/>
+            <p:cNvSpPr/>
+            <p:nvPr/>
+          </p:nvSpPr>
+          <p:spPr>
+            <a:xfrm rot="10800000">
+              <a:off x="6212125" y="2973610"/>
+              <a:ext cx="422038" cy="281573"/>
+            </a:xfrm>
+            <a:prstGeom prst="roundRect">
+              <a:avLst/>
+            </a:prstGeom>
+            <a:solidFill>
+              <a:srgbClr val="0070C0"/>
+            </a:solidFill>
+            <a:ln>
+              <a:solidFill>
+                <a:srgbClr val="0070C0"/>
+              </a:solidFill>
+            </a:ln>
+          </p:spPr>
+          <p:style>
+            <a:lnRef idx="1">
+              <a:schemeClr val="accent1"/>
+            </a:lnRef>
+            <a:fillRef idx="3">
+              <a:schemeClr val="accent1"/>
+            </a:fillRef>
+            <a:effectRef idx="2">
+              <a:schemeClr val="accent1"/>
+            </a:effectRef>
+            <a:fontRef idx="minor">
+              <a:schemeClr val="lt1"/>
+            </a:fontRef>
+          </p:style>
+          <p:txBody>
+            <a:bodyPr rtlCol="0" anchor="ctr"/>
+            <a:lstStyle/>
+            <a:p>
+              <a:pPr algn="ctr"/>
+              <a:endParaRPr lang="de-DE" dirty="0"/>
+            </a:p>
+          </p:txBody>
+        </p:sp>
+        <p:sp>
+          <p:nvSpPr>
+            <p:cNvPr id="13" name="Pfeil nach rechts 12"/>
+            <p:cNvSpPr/>
+            <p:nvPr/>
+          </p:nvSpPr>
+          <p:spPr>
+            <a:xfrm>
+              <a:off x="6300783" y="3090580"/>
+              <a:ext cx="219075" cy="45719"/>
+            </a:xfrm>
+            <a:prstGeom prst="rightArrow">
+              <a:avLst/>
+            </a:prstGeom>
+            <a:solidFill>
+              <a:schemeClr val="bg1"/>
+            </a:solidFill>
+            <a:ln>
+              <a:solidFill>
+                <a:schemeClr val="bg1"/>
+              </a:solidFill>
+            </a:ln>
+          </p:spPr>
+          <p:style>
+            <a:lnRef idx="2">
+              <a:schemeClr val="dk1"/>
+            </a:lnRef>
+            <a:fillRef idx="1">
+              <a:schemeClr val="lt1"/>
+            </a:fillRef>
+            <a:effectRef idx="0">
+              <a:schemeClr val="dk1"/>
+            </a:effectRef>
+            <a:fontRef idx="minor">
+              <a:schemeClr val="dk1"/>
+            </a:fontRef>
+          </p:style>
+          <p:txBody>
+            <a:bodyPr rtlCol="0" anchor="ctr"/>
+            <a:lstStyle/>
+            <a:p>
+              <a:pPr algn="ctr"/>
+              <a:endParaRPr lang="de-DE"/>
+            </a:p>
+          </p:txBody>
+        </p:sp>
+      </p:grpSp>
     </p:spTree>
     <p:extLst>
       <p:ext uri="{BB962C8B-B14F-4D97-AF65-F5344CB8AC3E}">
-        <p14:creationId xmlns:p14="http://schemas.microsoft.com/office/powerpoint/2010/main" val="1597402663"/>
+        <p14:creationId xmlns:p14="http://schemas.microsoft.com/office/powerpoint/2010/main" val="3993068824"/>
       </p:ext>
     </p:extLst>
   </p:cSld>
@@ -3826,6 +5200,776 @@
           </a:bodyPr>
           <a:lstStyle/>
           <a:p>
+            <a:endParaRPr lang="en-US" sz="2400" dirty="0"/>
+          </a:p>
+          <a:p>
+            <a:r>
+              <a:rPr lang="en-US" sz="2400" dirty="0"/>
+              <a:t>In addition to the visual task, there will be an auditory task as well. Therefore, </a:t>
+            </a:r>
+            <a:r>
+              <a:rPr lang="en-US" sz="2400" b="1" dirty="0"/>
+              <a:t>a tone</a:t>
+            </a:r>
+            <a:r>
+              <a:rPr lang="en-US" sz="2400" dirty="0"/>
+              <a:t> will occur during or shortly after the visual image.</a:t>
+            </a:r>
+          </a:p>
+          <a:p>
+            <a:endParaRPr lang="en-US" sz="2400" dirty="0"/>
+          </a:p>
+          <a:p>
+            <a:r>
+              <a:rPr lang="en-US" sz="2400" dirty="0"/>
+              <a:t>Your task will be to discriminate </a:t>
+            </a:r>
+            <a:r>
+              <a:rPr lang="en-US" sz="2400" b="1" dirty="0"/>
+              <a:t>“high” and “low” pitches </a:t>
+            </a:r>
+            <a:r>
+              <a:rPr lang="en-US" sz="2400" dirty="0"/>
+              <a:t>of the tone. Use </a:t>
+            </a:r>
+            <a:r>
+              <a:rPr lang="en-US" sz="2400" dirty="0" smtClean="0"/>
+              <a:t>the </a:t>
+            </a:r>
+            <a:r>
+              <a:rPr lang="en-US" sz="2400" b="1" dirty="0" smtClean="0"/>
+              <a:t>green</a:t>
+            </a:r>
+            <a:r>
+              <a:rPr lang="en-US" sz="2400" b="1" dirty="0" smtClean="0"/>
+              <a:t> button </a:t>
+            </a:r>
+            <a:r>
+              <a:rPr lang="en-US" sz="2400" dirty="0" smtClean="0"/>
+              <a:t>to </a:t>
+            </a:r>
+            <a:r>
+              <a:rPr lang="en-US" sz="2400" dirty="0"/>
+              <a:t>respond to </a:t>
+            </a:r>
+            <a:r>
+              <a:rPr lang="en-US" sz="2400" b="1" dirty="0" smtClean="0"/>
+              <a:t>high tone </a:t>
+            </a:r>
+            <a:r>
+              <a:rPr lang="en-US" sz="2400" dirty="0"/>
+              <a:t>and the </a:t>
+            </a:r>
+            <a:r>
+              <a:rPr lang="en-US" sz="2400" b="1" dirty="0" smtClean="0"/>
+              <a:t>blue button for </a:t>
+            </a:r>
+            <a:r>
+              <a:rPr lang="en-US" sz="2400" b="1" dirty="0" smtClean="0"/>
+              <a:t>low tones</a:t>
+            </a:r>
+            <a:r>
+              <a:rPr lang="en-US" sz="2400" dirty="0" smtClean="0"/>
+              <a:t>. </a:t>
+            </a:r>
+          </a:p>
+          <a:p>
+            <a:r>
+              <a:rPr lang="en-US" sz="2400" dirty="0" smtClean="0"/>
+              <a:t>Please </a:t>
+            </a:r>
+            <a:r>
+              <a:rPr lang="en-US" sz="2400" dirty="0"/>
+              <a:t>respond as quickly and as accurately as possible. Always respond </a:t>
+            </a:r>
+            <a:r>
+              <a:rPr lang="en-US" sz="2400" b="1" dirty="0"/>
+              <a:t>first to the visual</a:t>
+            </a:r>
+            <a:r>
+              <a:rPr lang="en-US" sz="2400" dirty="0"/>
+              <a:t> and then to the auditory task.</a:t>
+            </a:r>
+          </a:p>
+          <a:p>
+            <a:endParaRPr lang="en-US" sz="2400" dirty="0" smtClean="0"/>
+          </a:p>
+          <a:p>
+            <a:endParaRPr lang="en-US" sz="2400" dirty="0"/>
+          </a:p>
+          <a:p>
+            <a:r>
+              <a:rPr lang="en-US" sz="2400" dirty="0"/>
+              <a:t>  </a:t>
+            </a:r>
+          </a:p>
+          <a:p>
+            <a:endParaRPr lang="en-US" sz="2400" dirty="0"/>
+          </a:p>
+          <a:p>
+            <a:pPr algn="ctr"/>
+            <a:r>
+              <a:rPr lang="en-US" sz="2400" dirty="0"/>
+              <a:t>Press the </a:t>
+            </a:r>
+            <a:r>
+              <a:rPr lang="en-US" sz="2400" b="1" dirty="0"/>
+              <a:t>right arrow key </a:t>
+            </a:r>
+            <a:r>
+              <a:rPr lang="en-US" sz="2400" dirty="0"/>
+              <a:t>to </a:t>
+            </a:r>
+            <a:r>
+              <a:rPr lang="en-US" sz="2400" b="1" dirty="0"/>
+              <a:t>proceed</a:t>
+            </a:r>
+            <a:r>
+              <a:rPr lang="en-US" sz="2400" dirty="0"/>
+              <a:t> or the </a:t>
+            </a:r>
+            <a:r>
+              <a:rPr lang="en-US" sz="2400" b="1" dirty="0"/>
+              <a:t>left arrow key</a:t>
+            </a:r>
+            <a:r>
+              <a:rPr lang="en-US" sz="2400" dirty="0"/>
+              <a:t> to return to the </a:t>
+            </a:r>
+            <a:r>
+              <a:rPr lang="en-US" sz="2400" b="1" dirty="0"/>
+              <a:t>previous slide</a:t>
+            </a:r>
+          </a:p>
+          <a:p>
+            <a:endParaRPr lang="en-US" sz="2400" dirty="0"/>
+          </a:p>
+        </p:txBody>
+      </p:sp>
+      <p:grpSp>
+        <p:nvGrpSpPr>
+          <p:cNvPr id="3" name="Gruppieren 2"/>
+          <p:cNvGrpSpPr/>
+          <p:nvPr/>
+        </p:nvGrpSpPr>
+        <p:grpSpPr>
+          <a:xfrm>
+            <a:off x="5411310" y="4279935"/>
+            <a:ext cx="1395446" cy="1219279"/>
+            <a:chOff x="1866122" y="1498567"/>
+            <a:chExt cx="5075854" cy="3250713"/>
+          </a:xfrm>
+        </p:grpSpPr>
+        <p:pic>
+          <p:nvPicPr>
+            <p:cNvPr id="5" name="Grafik 4"/>
+            <p:cNvPicPr/>
+            <p:nvPr/>
+          </p:nvPicPr>
+          <p:blipFill rotWithShape="1">
+            <a:blip r:embed="rId2" cstate="hqprint">
+              <a:extLst>
+                <a:ext uri="{28A0092B-C50C-407E-A947-70E740481C1C}">
+                  <a14:useLocalDpi xmlns:a14="http://schemas.microsoft.com/office/drawing/2010/main" val="0"/>
+                </a:ext>
+              </a:extLst>
+            </a:blip>
+            <a:srcRect/>
+            <a:stretch/>
+          </p:blipFill>
+          <p:spPr bwMode="auto">
+            <a:xfrm>
+              <a:off x="1866122" y="1498567"/>
+              <a:ext cx="5075854" cy="3250713"/>
+            </a:xfrm>
+            <a:prstGeom prst="rect">
+              <a:avLst/>
+            </a:prstGeom>
+            <a:ln>
+              <a:noFill/>
+            </a:ln>
+            <a:extLst>
+              <a:ext uri="{53640926-AAD7-44D8-BBD7-CCE9431645EC}">
+                <a14:shadowObscured xmlns:a14="http://schemas.microsoft.com/office/drawing/2010/main"/>
+              </a:ext>
+            </a:extLst>
+          </p:spPr>
+        </p:pic>
+        <p:sp>
+          <p:nvSpPr>
+            <p:cNvPr id="6" name="Abgerundetes Rechteck 5"/>
+            <p:cNvSpPr/>
+            <p:nvPr/>
+          </p:nvSpPr>
+          <p:spPr>
+            <a:xfrm>
+              <a:off x="3290888" y="2271713"/>
+              <a:ext cx="623887" cy="442912"/>
+            </a:xfrm>
+            <a:prstGeom prst="roundRect">
+              <a:avLst/>
+            </a:prstGeom>
+            <a:solidFill>
+              <a:srgbClr val="00B050"/>
+            </a:solidFill>
+            <a:ln>
+              <a:solidFill>
+                <a:srgbClr val="00B050"/>
+              </a:solidFill>
+            </a:ln>
+          </p:spPr>
+          <p:style>
+            <a:lnRef idx="1">
+              <a:schemeClr val="accent1"/>
+            </a:lnRef>
+            <a:fillRef idx="3">
+              <a:schemeClr val="accent1"/>
+            </a:fillRef>
+            <a:effectRef idx="2">
+              <a:schemeClr val="accent1"/>
+            </a:effectRef>
+            <a:fontRef idx="minor">
+              <a:schemeClr val="lt1"/>
+            </a:fontRef>
+          </p:style>
+          <p:txBody>
+            <a:bodyPr rtlCol="0" anchor="ctr"/>
+            <a:lstStyle/>
+            <a:p>
+              <a:pPr algn="ctr"/>
+              <a:endParaRPr lang="de-DE"/>
+            </a:p>
+          </p:txBody>
+        </p:sp>
+        <p:sp>
+          <p:nvSpPr>
+            <p:cNvPr id="7" name="Abgerundetes Rechteck 6"/>
+            <p:cNvSpPr/>
+            <p:nvPr/>
+          </p:nvSpPr>
+          <p:spPr>
+            <a:xfrm>
+              <a:off x="4919663" y="2271713"/>
+              <a:ext cx="623887" cy="442912"/>
+            </a:xfrm>
+            <a:prstGeom prst="roundRect">
+              <a:avLst/>
+            </a:prstGeom>
+            <a:solidFill>
+              <a:srgbClr val="C00000"/>
+            </a:solidFill>
+            <a:ln>
+              <a:solidFill>
+                <a:srgbClr val="C00000"/>
+              </a:solidFill>
+            </a:ln>
+          </p:spPr>
+          <p:style>
+            <a:lnRef idx="1">
+              <a:schemeClr val="accent1"/>
+            </a:lnRef>
+            <a:fillRef idx="3">
+              <a:schemeClr val="accent1"/>
+            </a:fillRef>
+            <a:effectRef idx="2">
+              <a:schemeClr val="accent1"/>
+            </a:effectRef>
+            <a:fontRef idx="minor">
+              <a:schemeClr val="lt1"/>
+            </a:fontRef>
+          </p:style>
+          <p:txBody>
+            <a:bodyPr rtlCol="0" anchor="ctr"/>
+            <a:lstStyle/>
+            <a:p>
+              <a:pPr algn="ctr"/>
+              <a:endParaRPr lang="de-DE"/>
+            </a:p>
+          </p:txBody>
+        </p:sp>
+        <p:sp>
+          <p:nvSpPr>
+            <p:cNvPr id="8" name="Abgerundetes Rechteck 7"/>
+            <p:cNvSpPr/>
+            <p:nvPr/>
+          </p:nvSpPr>
+          <p:spPr>
+            <a:xfrm>
+              <a:off x="3290887" y="3676065"/>
+              <a:ext cx="623887" cy="442912"/>
+            </a:xfrm>
+            <a:prstGeom prst="roundRect">
+              <a:avLst/>
+            </a:prstGeom>
+            <a:solidFill>
+              <a:srgbClr val="0070C0"/>
+            </a:solidFill>
+            <a:ln>
+              <a:solidFill>
+                <a:srgbClr val="0070C0"/>
+              </a:solidFill>
+            </a:ln>
+          </p:spPr>
+          <p:style>
+            <a:lnRef idx="1">
+              <a:schemeClr val="accent1"/>
+            </a:lnRef>
+            <a:fillRef idx="3">
+              <a:schemeClr val="accent1"/>
+            </a:fillRef>
+            <a:effectRef idx="2">
+              <a:schemeClr val="accent1"/>
+            </a:effectRef>
+            <a:fontRef idx="minor">
+              <a:schemeClr val="lt1"/>
+            </a:fontRef>
+          </p:style>
+          <p:txBody>
+            <a:bodyPr rtlCol="0" anchor="ctr"/>
+            <a:lstStyle/>
+            <a:p>
+              <a:pPr algn="ctr"/>
+              <a:endParaRPr lang="de-DE"/>
+            </a:p>
+          </p:txBody>
+        </p:sp>
+        <p:sp>
+          <p:nvSpPr>
+            <p:cNvPr id="9" name="Abgerundetes Rechteck 8"/>
+            <p:cNvSpPr/>
+            <p:nvPr/>
+          </p:nvSpPr>
+          <p:spPr>
+            <a:xfrm>
+              <a:off x="4919663" y="3676065"/>
+              <a:ext cx="623887" cy="442912"/>
+            </a:xfrm>
+            <a:prstGeom prst="roundRect">
+              <a:avLst/>
+            </a:prstGeom>
+            <a:solidFill>
+              <a:srgbClr val="FFFF00"/>
+            </a:solidFill>
+            <a:ln>
+              <a:solidFill>
+                <a:srgbClr val="FFFF00"/>
+              </a:solidFill>
+            </a:ln>
+          </p:spPr>
+          <p:style>
+            <a:lnRef idx="1">
+              <a:schemeClr val="accent1"/>
+            </a:lnRef>
+            <a:fillRef idx="3">
+              <a:schemeClr val="accent1"/>
+            </a:fillRef>
+            <a:effectRef idx="2">
+              <a:schemeClr val="accent1"/>
+            </a:effectRef>
+            <a:fontRef idx="minor">
+              <a:schemeClr val="lt1"/>
+            </a:fontRef>
+          </p:style>
+          <p:txBody>
+            <a:bodyPr rtlCol="0" anchor="ctr"/>
+            <a:lstStyle/>
+            <a:p>
+              <a:pPr algn="ctr"/>
+              <a:endParaRPr lang="de-DE"/>
+            </a:p>
+          </p:txBody>
+        </p:sp>
+        <p:sp>
+          <p:nvSpPr>
+            <p:cNvPr id="10" name="Abgerundetes Rechteck 9"/>
+            <p:cNvSpPr/>
+            <p:nvPr/>
+          </p:nvSpPr>
+          <p:spPr>
+            <a:xfrm>
+              <a:off x="2225913" y="2973610"/>
+              <a:ext cx="422038" cy="281573"/>
+            </a:xfrm>
+            <a:prstGeom prst="roundRect">
+              <a:avLst/>
+            </a:prstGeom>
+            <a:solidFill>
+              <a:srgbClr val="0070C0"/>
+            </a:solidFill>
+            <a:ln>
+              <a:solidFill>
+                <a:srgbClr val="0070C0"/>
+              </a:solidFill>
+            </a:ln>
+          </p:spPr>
+          <p:style>
+            <a:lnRef idx="1">
+              <a:schemeClr val="accent1"/>
+            </a:lnRef>
+            <a:fillRef idx="3">
+              <a:schemeClr val="accent1"/>
+            </a:fillRef>
+            <a:effectRef idx="2">
+              <a:schemeClr val="accent1"/>
+            </a:effectRef>
+            <a:fontRef idx="minor">
+              <a:schemeClr val="lt1"/>
+            </a:fontRef>
+          </p:style>
+          <p:txBody>
+            <a:bodyPr rtlCol="0" anchor="ctr"/>
+            <a:lstStyle/>
+            <a:p>
+              <a:pPr algn="ctr"/>
+              <a:endParaRPr lang="de-DE" dirty="0"/>
+            </a:p>
+          </p:txBody>
+        </p:sp>
+        <p:sp>
+          <p:nvSpPr>
+            <p:cNvPr id="11" name="Pfeil nach rechts 10"/>
+            <p:cNvSpPr/>
+            <p:nvPr/>
+          </p:nvSpPr>
+          <p:spPr>
+            <a:xfrm rot="10800000">
+              <a:off x="2314571" y="3090580"/>
+              <a:ext cx="219075" cy="45719"/>
+            </a:xfrm>
+            <a:prstGeom prst="rightArrow">
+              <a:avLst/>
+            </a:prstGeom>
+            <a:solidFill>
+              <a:schemeClr val="bg1"/>
+            </a:solidFill>
+            <a:ln>
+              <a:solidFill>
+                <a:schemeClr val="bg1"/>
+              </a:solidFill>
+            </a:ln>
+          </p:spPr>
+          <p:style>
+            <a:lnRef idx="2">
+              <a:schemeClr val="dk1"/>
+            </a:lnRef>
+            <a:fillRef idx="1">
+              <a:schemeClr val="lt1"/>
+            </a:fillRef>
+            <a:effectRef idx="0">
+              <a:schemeClr val="dk1"/>
+            </a:effectRef>
+            <a:fontRef idx="minor">
+              <a:schemeClr val="dk1"/>
+            </a:fontRef>
+          </p:style>
+          <p:txBody>
+            <a:bodyPr rtlCol="0" anchor="ctr"/>
+            <a:lstStyle/>
+            <a:p>
+              <a:pPr algn="ctr"/>
+              <a:endParaRPr lang="de-DE"/>
+            </a:p>
+          </p:txBody>
+        </p:sp>
+        <p:sp>
+          <p:nvSpPr>
+            <p:cNvPr id="12" name="Abgerundetes Rechteck 11"/>
+            <p:cNvSpPr/>
+            <p:nvPr/>
+          </p:nvSpPr>
+          <p:spPr>
+            <a:xfrm rot="10800000">
+              <a:off x="6212125" y="2973610"/>
+              <a:ext cx="422038" cy="281573"/>
+            </a:xfrm>
+            <a:prstGeom prst="roundRect">
+              <a:avLst/>
+            </a:prstGeom>
+            <a:solidFill>
+              <a:srgbClr val="0070C0"/>
+            </a:solidFill>
+            <a:ln>
+              <a:solidFill>
+                <a:srgbClr val="0070C0"/>
+              </a:solidFill>
+            </a:ln>
+          </p:spPr>
+          <p:style>
+            <a:lnRef idx="1">
+              <a:schemeClr val="accent1"/>
+            </a:lnRef>
+            <a:fillRef idx="3">
+              <a:schemeClr val="accent1"/>
+            </a:fillRef>
+            <a:effectRef idx="2">
+              <a:schemeClr val="accent1"/>
+            </a:effectRef>
+            <a:fontRef idx="minor">
+              <a:schemeClr val="lt1"/>
+            </a:fontRef>
+          </p:style>
+          <p:txBody>
+            <a:bodyPr rtlCol="0" anchor="ctr"/>
+            <a:lstStyle/>
+            <a:p>
+              <a:pPr algn="ctr"/>
+              <a:endParaRPr lang="de-DE" dirty="0"/>
+            </a:p>
+          </p:txBody>
+        </p:sp>
+        <p:sp>
+          <p:nvSpPr>
+            <p:cNvPr id="13" name="Pfeil nach rechts 12"/>
+            <p:cNvSpPr/>
+            <p:nvPr/>
+          </p:nvSpPr>
+          <p:spPr>
+            <a:xfrm>
+              <a:off x="6300783" y="3090580"/>
+              <a:ext cx="219075" cy="45719"/>
+            </a:xfrm>
+            <a:prstGeom prst="rightArrow">
+              <a:avLst/>
+            </a:prstGeom>
+            <a:solidFill>
+              <a:schemeClr val="bg1"/>
+            </a:solidFill>
+            <a:ln>
+              <a:solidFill>
+                <a:schemeClr val="bg1"/>
+              </a:solidFill>
+            </a:ln>
+          </p:spPr>
+          <p:style>
+            <a:lnRef idx="2">
+              <a:schemeClr val="dk1"/>
+            </a:lnRef>
+            <a:fillRef idx="1">
+              <a:schemeClr val="lt1"/>
+            </a:fillRef>
+            <a:effectRef idx="0">
+              <a:schemeClr val="dk1"/>
+            </a:effectRef>
+            <a:fontRef idx="minor">
+              <a:schemeClr val="dk1"/>
+            </a:fontRef>
+          </p:style>
+          <p:txBody>
+            <a:bodyPr rtlCol="0" anchor="ctr"/>
+            <a:lstStyle/>
+            <a:p>
+              <a:pPr algn="ctr"/>
+              <a:endParaRPr lang="de-DE"/>
+            </a:p>
+          </p:txBody>
+        </p:sp>
+      </p:grpSp>
+    </p:spTree>
+    <p:extLst>
+      <p:ext uri="{BB962C8B-B14F-4D97-AF65-F5344CB8AC3E}">
+        <p14:creationId xmlns:p14="http://schemas.microsoft.com/office/powerpoint/2010/main" val="3832710868"/>
+      </p:ext>
+    </p:extLst>
+  </p:cSld>
+  <p:clrMapOvr>
+    <a:masterClrMapping/>
+  </p:clrMapOvr>
+</p:sld>
+</file>
+
+<file path=ppt/slides/slide6.xml><?xml version="1.0" encoding="utf-8"?>
+<p:sld xmlns:a="http://schemas.openxmlformats.org/drawingml/2006/main" xmlns:r="http://schemas.openxmlformats.org/officeDocument/2006/relationships" xmlns:p="http://schemas.openxmlformats.org/presentationml/2006/main">
+  <p:cSld>
+    <p:spTree>
+      <p:nvGrpSpPr>
+        <p:cNvPr id="1" name=""/>
+        <p:cNvGrpSpPr/>
+        <p:nvPr/>
+      </p:nvGrpSpPr>
+      <p:grpSpPr>
+        <a:xfrm>
+          <a:off x="0" y="0"/>
+          <a:ext cx="0" cy="0"/>
+          <a:chOff x="0" y="0"/>
+          <a:chExt cx="0" cy="0"/>
+        </a:xfrm>
+      </p:grpSpPr>
+      <p:sp>
+        <p:nvSpPr>
+          <p:cNvPr id="4" name="TextBox 3"/>
+          <p:cNvSpPr txBox="1"/>
+          <p:nvPr/>
+        </p:nvSpPr>
+        <p:spPr>
+          <a:xfrm>
+            <a:off x="2178287" y="294605"/>
+            <a:ext cx="7774486" cy="7109639"/>
+          </a:xfrm>
+          <a:prstGeom prst="rect">
+            <a:avLst/>
+          </a:prstGeom>
+          <a:noFill/>
+        </p:spPr>
+        <p:txBody>
+          <a:bodyPr wrap="square" rtlCol="0">
+            <a:spAutoFit/>
+          </a:bodyPr>
+          <a:lstStyle/>
+          <a:p>
+            <a:endParaRPr lang="en-US" sz="2400" dirty="0"/>
+          </a:p>
+          <a:p>
+            <a:r>
+              <a:rPr lang="en-US" sz="2400" dirty="0"/>
+              <a:t>Each sequence will last about </a:t>
+            </a:r>
+            <a:r>
+              <a:rPr lang="en-US" sz="2400" dirty="0" smtClean="0"/>
+              <a:t>2min. </a:t>
+            </a:r>
+            <a:r>
+              <a:rPr lang="en-US" sz="2400" dirty="0"/>
+              <a:t>You will be able to rest between sequences. The sequence will only begin after you press the </a:t>
+            </a:r>
+            <a:r>
+              <a:rPr lang="en-US" sz="2400" dirty="0" smtClean="0"/>
+              <a:t>right arrow key.</a:t>
+            </a:r>
+            <a:endParaRPr lang="en-US" sz="2400" dirty="0"/>
+          </a:p>
+          <a:p>
+            <a:endParaRPr lang="en-US" sz="2400" dirty="0"/>
+          </a:p>
+          <a:p>
+            <a:r>
+              <a:rPr lang="en-US" sz="2400" dirty="0"/>
+              <a:t>Please do your best to remain focused and alert, and keep your eyes fixed on the center of the screen. </a:t>
+            </a:r>
+          </a:p>
+          <a:p>
+            <a:endParaRPr lang="en-US" sz="2400" dirty="0"/>
+          </a:p>
+          <a:p>
+            <a:r>
+              <a:rPr lang="en-US" sz="2400" dirty="0"/>
+              <a:t>If you need a break, or have any questions, do not hesitate to ask the experimenter.</a:t>
+            </a:r>
+          </a:p>
+          <a:p>
+            <a:endParaRPr lang="en-US" sz="2400" dirty="0"/>
+          </a:p>
+          <a:p>
+            <a:r>
+              <a:rPr lang="en-US" sz="2400" dirty="0"/>
+              <a:t>We will start with a few practice trials, and you will have a chance to ask questions before starting the experiment.</a:t>
+            </a:r>
+          </a:p>
+          <a:p>
+            <a:r>
+              <a:rPr lang="en-US" sz="2400" b="1" dirty="0"/>
+              <a:t>Good luck!</a:t>
+            </a:r>
+            <a:endParaRPr lang="en-US" sz="2400" dirty="0"/>
+          </a:p>
+          <a:p>
+            <a:pPr algn="ctr"/>
+            <a:endParaRPr lang="en-US" sz="2400" dirty="0"/>
+          </a:p>
+          <a:p>
+            <a:pPr algn="ctr"/>
+            <a:r>
+              <a:rPr lang="en-US" sz="2400" dirty="0"/>
+              <a:t>Press the </a:t>
+            </a:r>
+            <a:r>
+              <a:rPr lang="en-US" sz="2400" b="1" dirty="0"/>
+              <a:t>right arrow key </a:t>
+            </a:r>
+            <a:r>
+              <a:rPr lang="en-US" sz="2400" dirty="0"/>
+              <a:t>to </a:t>
+            </a:r>
+            <a:r>
+              <a:rPr lang="en-US" sz="2400" b="1" dirty="0"/>
+              <a:t>proceed</a:t>
+            </a:r>
+            <a:r>
+              <a:rPr lang="en-US" sz="2400" dirty="0"/>
+              <a:t> or the </a:t>
+            </a:r>
+            <a:r>
+              <a:rPr lang="en-US" sz="2400" b="1" dirty="0"/>
+              <a:t>left arrow key</a:t>
+            </a:r>
+            <a:r>
+              <a:rPr lang="en-US" sz="2400" dirty="0"/>
+              <a:t> to return to the </a:t>
+            </a:r>
+            <a:r>
+              <a:rPr lang="en-US" sz="2400" b="1" dirty="0"/>
+              <a:t>previous slide</a:t>
+            </a:r>
+          </a:p>
+          <a:p>
+            <a:endParaRPr lang="en-US" sz="2400" dirty="0"/>
+          </a:p>
+          <a:p>
+            <a:endParaRPr lang="en-US" sz="2400" dirty="0"/>
+          </a:p>
+        </p:txBody>
+      </p:sp>
+    </p:spTree>
+    <p:extLst>
+      <p:ext uri="{BB962C8B-B14F-4D97-AF65-F5344CB8AC3E}">
+        <p14:creationId xmlns:p14="http://schemas.microsoft.com/office/powerpoint/2010/main" val="1597402663"/>
+      </p:ext>
+    </p:extLst>
+  </p:cSld>
+  <p:clrMapOvr>
+    <a:masterClrMapping/>
+  </p:clrMapOvr>
+</p:sld>
+</file>
+
+<file path=ppt/slides/slide7.xml><?xml version="1.0" encoding="utf-8"?>
+<p:sld xmlns:a="http://schemas.openxmlformats.org/drawingml/2006/main" xmlns:r="http://schemas.openxmlformats.org/officeDocument/2006/relationships" xmlns:p="http://schemas.openxmlformats.org/presentationml/2006/main">
+  <p:cSld>
+    <p:spTree>
+      <p:nvGrpSpPr>
+        <p:cNvPr id="1" name=""/>
+        <p:cNvGrpSpPr/>
+        <p:nvPr/>
+      </p:nvGrpSpPr>
+      <p:grpSpPr>
+        <a:xfrm>
+          <a:off x="0" y="0"/>
+          <a:ext cx="0" cy="0"/>
+          <a:chOff x="0" y="0"/>
+          <a:chExt cx="0" cy="0"/>
+        </a:xfrm>
+      </p:grpSpPr>
+      <p:sp>
+        <p:nvSpPr>
+          <p:cNvPr id="4" name="TextBox 3"/>
+          <p:cNvSpPr txBox="1"/>
+          <p:nvPr/>
+        </p:nvSpPr>
+        <p:spPr>
+          <a:xfrm>
+            <a:off x="2178287" y="315672"/>
+            <a:ext cx="7774486" cy="6740307"/>
+          </a:xfrm>
+          <a:prstGeom prst="rect">
+            <a:avLst/>
+          </a:prstGeom>
+          <a:noFill/>
+        </p:spPr>
+        <p:txBody>
+          <a:bodyPr wrap="square" rtlCol="0">
+            <a:spAutoFit/>
+          </a:bodyPr>
+          <a:lstStyle/>
+          <a:p>
             <a:endParaRPr lang="en-US" sz="2400" dirty="0" smtClean="0"/>
           </a:p>
           <a:p>
@@ -4015,7 +6159,7 @@
 </p:sld>
 </file>
 
-<file path=ppt/slides/slide6.xml><?xml version="1.0" encoding="utf-8"?>
+<file path=ppt/slides/slide8.xml><?xml version="1.0" encoding="utf-8"?>
 <p:sld xmlns:a="http://schemas.openxmlformats.org/drawingml/2006/main" xmlns:r="http://schemas.openxmlformats.org/officeDocument/2006/relationships" xmlns:p="http://schemas.openxmlformats.org/presentationml/2006/main">
   <p:cSld>
     <p:spTree>
@@ -4342,7 +6486,7 @@
 </p:sld>
 </file>
 
-<file path=ppt/slides/slide7.xml><?xml version="1.0" encoding="utf-8"?>
+<file path=ppt/slides/slide9.xml><?xml version="1.0" encoding="utf-8"?>
 <p:sld xmlns:a="http://schemas.openxmlformats.org/drawingml/2006/main" xmlns:r="http://schemas.openxmlformats.org/officeDocument/2006/relationships" xmlns:p="http://schemas.openxmlformats.org/presentationml/2006/main">
   <p:cSld>
     <p:spTree>
@@ -4390,11 +6534,7 @@
             </a:r>
             <a:r>
               <a:rPr lang="en-US" sz="2400" dirty="0" smtClean="0"/>
-              <a:t>4 </a:t>
-            </a:r>
-            <a:r>
-              <a:rPr lang="en-US" sz="2400" dirty="0" smtClean="0"/>
-              <a:t>min. </a:t>
+              <a:t>4 min. </a:t>
             </a:r>
             <a:r>
               <a:rPr lang="en-US" sz="2400" dirty="0"/>

--- a/instructions/Instructions.pptx
+++ b/instructions/Instructions.pptx
@@ -310,7 +310,7 @@
           <a:p>
             <a:fld id="{9D7C6ACB-8DF6-1449-BE97-CA8D947F79D3}" type="datetimeFigureOut">
               <a:rPr lang="en-US" smtClean="0"/>
-              <a:t>3/30/2023</a:t>
+              <a:t>4/12/2023</a:t>
             </a:fld>
             <a:endParaRPr lang="en-US"/>
           </a:p>
@@ -478,7 +478,7 @@
           <a:p>
             <a:fld id="{9D7C6ACB-8DF6-1449-BE97-CA8D947F79D3}" type="datetimeFigureOut">
               <a:rPr lang="en-US" smtClean="0"/>
-              <a:t>3/30/2023</a:t>
+              <a:t>4/12/2023</a:t>
             </a:fld>
             <a:endParaRPr lang="en-US"/>
           </a:p>
@@ -656,7 +656,7 @@
           <a:p>
             <a:fld id="{9D7C6ACB-8DF6-1449-BE97-CA8D947F79D3}" type="datetimeFigureOut">
               <a:rPr lang="en-US" smtClean="0"/>
-              <a:t>3/30/2023</a:t>
+              <a:t>4/12/2023</a:t>
             </a:fld>
             <a:endParaRPr lang="en-US"/>
           </a:p>
@@ -824,7 +824,7 @@
           <a:p>
             <a:fld id="{9D7C6ACB-8DF6-1449-BE97-CA8D947F79D3}" type="datetimeFigureOut">
               <a:rPr lang="en-US" smtClean="0"/>
-              <a:t>3/30/2023</a:t>
+              <a:t>4/12/2023</a:t>
             </a:fld>
             <a:endParaRPr lang="en-US"/>
           </a:p>
@@ -1069,7 +1069,7 @@
           <a:p>
             <a:fld id="{9D7C6ACB-8DF6-1449-BE97-CA8D947F79D3}" type="datetimeFigureOut">
               <a:rPr lang="en-US" smtClean="0"/>
-              <a:t>3/30/2023</a:t>
+              <a:t>4/12/2023</a:t>
             </a:fld>
             <a:endParaRPr lang="en-US"/>
           </a:p>
@@ -1354,7 +1354,7 @@
           <a:p>
             <a:fld id="{9D7C6ACB-8DF6-1449-BE97-CA8D947F79D3}" type="datetimeFigureOut">
               <a:rPr lang="en-US" smtClean="0"/>
-              <a:t>3/30/2023</a:t>
+              <a:t>4/12/2023</a:t>
             </a:fld>
             <a:endParaRPr lang="en-US"/>
           </a:p>
@@ -1773,7 +1773,7 @@
           <a:p>
             <a:fld id="{9D7C6ACB-8DF6-1449-BE97-CA8D947F79D3}" type="datetimeFigureOut">
               <a:rPr lang="en-US" smtClean="0"/>
-              <a:t>3/30/2023</a:t>
+              <a:t>4/12/2023</a:t>
             </a:fld>
             <a:endParaRPr lang="en-US"/>
           </a:p>
@@ -1890,7 +1890,7 @@
           <a:p>
             <a:fld id="{9D7C6ACB-8DF6-1449-BE97-CA8D947F79D3}" type="datetimeFigureOut">
               <a:rPr lang="en-US" smtClean="0"/>
-              <a:t>3/30/2023</a:t>
+              <a:t>4/12/2023</a:t>
             </a:fld>
             <a:endParaRPr lang="en-US"/>
           </a:p>
@@ -1985,7 +1985,7 @@
           <a:p>
             <a:fld id="{9D7C6ACB-8DF6-1449-BE97-CA8D947F79D3}" type="datetimeFigureOut">
               <a:rPr lang="en-US" smtClean="0"/>
-              <a:t>3/30/2023</a:t>
+              <a:t>4/12/2023</a:t>
             </a:fld>
             <a:endParaRPr lang="en-US"/>
           </a:p>
@@ -2260,7 +2260,7 @@
           <a:p>
             <a:fld id="{9D7C6ACB-8DF6-1449-BE97-CA8D947F79D3}" type="datetimeFigureOut">
               <a:rPr lang="en-US" smtClean="0"/>
-              <a:t>3/30/2023</a:t>
+              <a:t>4/12/2023</a:t>
             </a:fld>
             <a:endParaRPr lang="en-US"/>
           </a:p>
@@ -2512,7 +2512,7 @@
           <a:p>
             <a:fld id="{9D7C6ACB-8DF6-1449-BE97-CA8D947F79D3}" type="datetimeFigureOut">
               <a:rPr lang="en-US" smtClean="0"/>
-              <a:t>3/30/2023</a:t>
+              <a:t>4/12/2023</a:t>
             </a:fld>
             <a:endParaRPr lang="en-US"/>
           </a:p>
@@ -2726,7 +2726,7 @@
           <a:p>
             <a:fld id="{9D7C6ACB-8DF6-1449-BE97-CA8D947F79D3}" type="datetimeFigureOut">
               <a:rPr lang="en-US" smtClean="0"/>
-              <a:t>3/30/2023</a:t>
+              <a:t>4/12/2023</a:t>
             </a:fld>
             <a:endParaRPr lang="en-US"/>
           </a:p>
@@ -3382,7 +3382,7 @@
             </a:r>
             <a:r>
               <a:rPr lang="en-US" sz="2400" b="1" dirty="0" smtClean="0"/>
-              <a:t>green </a:t>
+              <a:t>red </a:t>
             </a:r>
             <a:r>
               <a:rPr lang="en-US" sz="2400" b="1" dirty="0"/>
@@ -3390,11 +3390,7 @@
             </a:r>
             <a:r>
               <a:rPr lang="en-US" sz="2400" dirty="0"/>
-              <a:t>whenever </a:t>
-            </a:r>
-            <a:r>
-              <a:rPr lang="en-US" sz="2400" dirty="0"/>
-              <a:t>you see a </a:t>
+              <a:t>whenever you see a </a:t>
             </a:r>
             <a:r>
               <a:rPr lang="en-US" sz="2400" b="1" dirty="0"/>
@@ -3506,7 +3502,7 @@
         </p:nvGrpSpPr>
         <p:grpSpPr>
           <a:xfrm>
-            <a:off x="5121520" y="3837626"/>
+            <a:off x="5121520" y="3895458"/>
             <a:ext cx="1888019" cy="1599765"/>
             <a:chOff x="1866122" y="1498567"/>
             <a:chExt cx="5075854" cy="3250713"/>
@@ -3699,13 +3695,9 @@
             <a:prstGeom prst="roundRect">
               <a:avLst/>
             </a:prstGeom>
-            <a:solidFill>
-              <a:srgbClr val="FFFF00"/>
-            </a:solidFill>
+            <a:noFill/>
             <a:ln>
-              <a:solidFill>
-                <a:srgbClr val="FFFF00"/>
-              </a:solidFill>
+              <a:noFill/>
             </a:ln>
           </p:spPr>
           <p:style>
@@ -3746,11 +3738,11 @@
               <a:avLst/>
             </a:prstGeom>
             <a:solidFill>
-              <a:srgbClr val="0070C0"/>
+              <a:schemeClr val="bg1"/>
             </a:solidFill>
             <a:ln>
               <a:solidFill>
-                <a:srgbClr val="0070C0"/>
+                <a:schemeClr val="bg1"/>
               </a:solidFill>
             </a:ln>
           </p:spPr>
@@ -3792,11 +3784,11 @@
               <a:avLst/>
             </a:prstGeom>
             <a:solidFill>
-              <a:schemeClr val="bg1"/>
+              <a:schemeClr val="tx1"/>
             </a:solidFill>
             <a:ln>
               <a:solidFill>
-                <a:schemeClr val="bg1"/>
+                <a:schemeClr val="tx1"/>
               </a:solidFill>
             </a:ln>
           </p:spPr>
@@ -3819,7 +3811,11 @@
             <a:lstStyle/>
             <a:p>
               <a:pPr algn="ctr"/>
-              <a:endParaRPr lang="de-DE"/>
+              <a:endParaRPr lang="de-DE">
+                <a:solidFill>
+                  <a:schemeClr val="tx1"/>
+                </a:solidFill>
+              </a:endParaRPr>
             </a:p>
           </p:txBody>
         </p:sp>
@@ -3838,11 +3834,11 @@
               <a:avLst/>
             </a:prstGeom>
             <a:solidFill>
-              <a:srgbClr val="0070C0"/>
+              <a:schemeClr val="bg1"/>
             </a:solidFill>
             <a:ln>
               <a:solidFill>
-                <a:srgbClr val="0070C0"/>
+                <a:schemeClr val="bg1"/>
               </a:solidFill>
             </a:ln>
           </p:spPr>
@@ -3884,11 +3880,11 @@
               <a:avLst/>
             </a:prstGeom>
             <a:solidFill>
-              <a:schemeClr val="bg1"/>
+              <a:schemeClr val="tx1"/>
             </a:solidFill>
             <a:ln>
               <a:solidFill>
-                <a:schemeClr val="bg1"/>
+                <a:schemeClr val="tx1"/>
               </a:solidFill>
             </a:ln>
           </p:spPr>
@@ -3911,7 +3907,11 @@
             <a:lstStyle/>
             <a:p>
               <a:pPr algn="ctr"/>
-              <a:endParaRPr lang="de-DE"/>
+              <a:endParaRPr lang="de-DE">
+                <a:solidFill>
+                  <a:schemeClr val="tx1"/>
+                </a:solidFill>
+              </a:endParaRPr>
             </a:p>
           </p:txBody>
         </p:sp>
@@ -4014,11 +4014,7 @@
             </a:r>
             <a:r>
               <a:rPr lang="en-US" sz="2400" dirty="0"/>
-              <a:t>whenever </a:t>
-            </a:r>
-            <a:r>
-              <a:rPr lang="en-US" sz="2400" dirty="0"/>
-              <a:t>you see a </a:t>
+              <a:t>whenever you see a </a:t>
             </a:r>
             <a:r>
               <a:rPr lang="en-US" sz="2400" b="1" dirty="0"/>
@@ -4124,13 +4120,13 @@
       </p:sp>
       <p:grpSp>
         <p:nvGrpSpPr>
-          <p:cNvPr id="13" name="Gruppieren 12"/>
+          <p:cNvPr id="14" name="Gruppieren 13"/>
           <p:cNvGrpSpPr/>
           <p:nvPr/>
         </p:nvGrpSpPr>
         <p:grpSpPr>
           <a:xfrm>
-            <a:off x="5121520" y="3837626"/>
+            <a:off x="5121520" y="3916052"/>
             <a:ext cx="1888019" cy="1599765"/>
             <a:chOff x="1866122" y="1498567"/>
             <a:chExt cx="5075854" cy="3250713"/>
@@ -4138,7 +4134,7 @@
         </p:grpSpPr>
         <p:pic>
           <p:nvPicPr>
-            <p:cNvPr id="5" name="Grafik 4"/>
+            <p:cNvPr id="15" name="Grafik 14"/>
             <p:cNvPicPr/>
             <p:nvPr/>
           </p:nvPicPr>
@@ -4173,7 +4169,7 @@
         </p:pic>
         <p:sp>
           <p:nvSpPr>
-            <p:cNvPr id="2" name="Abgerundetes Rechteck 1"/>
+            <p:cNvPr id="16" name="Abgerundetes Rechteck 15"/>
             <p:cNvSpPr/>
             <p:nvPr/>
           </p:nvSpPr>
@@ -4219,7 +4215,7 @@
         </p:sp>
         <p:sp>
           <p:nvSpPr>
-            <p:cNvPr id="6" name="Abgerundetes Rechteck 5"/>
+            <p:cNvPr id="17" name="Abgerundetes Rechteck 16"/>
             <p:cNvSpPr/>
             <p:nvPr/>
           </p:nvSpPr>
@@ -4265,7 +4261,7 @@
         </p:sp>
         <p:sp>
           <p:nvSpPr>
-            <p:cNvPr id="7" name="Abgerundetes Rechteck 6"/>
+            <p:cNvPr id="18" name="Abgerundetes Rechteck 17"/>
             <p:cNvSpPr/>
             <p:nvPr/>
           </p:nvSpPr>
@@ -4311,7 +4307,7 @@
         </p:sp>
         <p:sp>
           <p:nvSpPr>
-            <p:cNvPr id="8" name="Abgerundetes Rechteck 7"/>
+            <p:cNvPr id="19" name="Abgerundetes Rechteck 18"/>
             <p:cNvSpPr/>
             <p:nvPr/>
           </p:nvSpPr>
@@ -4323,13 +4319,9 @@
             <a:prstGeom prst="roundRect">
               <a:avLst/>
             </a:prstGeom>
-            <a:solidFill>
-              <a:srgbClr val="FFFF00"/>
-            </a:solidFill>
+            <a:noFill/>
             <a:ln>
-              <a:solidFill>
-                <a:srgbClr val="FFFF00"/>
-              </a:solidFill>
+              <a:noFill/>
             </a:ln>
           </p:spPr>
           <p:style>
@@ -4357,7 +4349,7 @@
         </p:sp>
         <p:sp>
           <p:nvSpPr>
-            <p:cNvPr id="9" name="Abgerundetes Rechteck 8"/>
+            <p:cNvPr id="20" name="Abgerundetes Rechteck 19"/>
             <p:cNvSpPr/>
             <p:nvPr/>
           </p:nvSpPr>
@@ -4370,11 +4362,11 @@
               <a:avLst/>
             </a:prstGeom>
             <a:solidFill>
-              <a:srgbClr val="0070C0"/>
+              <a:schemeClr val="bg1"/>
             </a:solidFill>
             <a:ln>
               <a:solidFill>
-                <a:srgbClr val="0070C0"/>
+                <a:schemeClr val="bg1"/>
               </a:solidFill>
             </a:ln>
           </p:spPr>
@@ -4403,7 +4395,7 @@
         </p:sp>
         <p:sp>
           <p:nvSpPr>
-            <p:cNvPr id="10" name="Pfeil nach rechts 9"/>
+            <p:cNvPr id="21" name="Pfeil nach rechts 20"/>
             <p:cNvSpPr/>
             <p:nvPr/>
           </p:nvSpPr>
@@ -4416,11 +4408,11 @@
               <a:avLst/>
             </a:prstGeom>
             <a:solidFill>
-              <a:schemeClr val="bg1"/>
+              <a:schemeClr val="tx1"/>
             </a:solidFill>
             <a:ln>
               <a:solidFill>
-                <a:schemeClr val="bg1"/>
+                <a:schemeClr val="tx1"/>
               </a:solidFill>
             </a:ln>
           </p:spPr>
@@ -4443,13 +4435,17 @@
             <a:lstStyle/>
             <a:p>
               <a:pPr algn="ctr"/>
-              <a:endParaRPr lang="de-DE"/>
+              <a:endParaRPr lang="de-DE">
+                <a:solidFill>
+                  <a:schemeClr val="tx1"/>
+                </a:solidFill>
+              </a:endParaRPr>
             </a:p>
           </p:txBody>
         </p:sp>
         <p:sp>
           <p:nvSpPr>
-            <p:cNvPr id="11" name="Abgerundetes Rechteck 10"/>
+            <p:cNvPr id="22" name="Abgerundetes Rechteck 21"/>
             <p:cNvSpPr/>
             <p:nvPr/>
           </p:nvSpPr>
@@ -4462,11 +4458,11 @@
               <a:avLst/>
             </a:prstGeom>
             <a:solidFill>
-              <a:srgbClr val="0070C0"/>
+              <a:schemeClr val="bg1"/>
             </a:solidFill>
             <a:ln>
               <a:solidFill>
-                <a:srgbClr val="0070C0"/>
+                <a:schemeClr val="bg1"/>
               </a:solidFill>
             </a:ln>
           </p:spPr>
@@ -4495,7 +4491,7 @@
         </p:sp>
         <p:sp>
           <p:nvSpPr>
-            <p:cNvPr id="12" name="Pfeil nach rechts 11"/>
+            <p:cNvPr id="23" name="Pfeil nach rechts 22"/>
             <p:cNvSpPr/>
             <p:nvPr/>
           </p:nvSpPr>
@@ -4508,11 +4504,11 @@
               <a:avLst/>
             </a:prstGeom>
             <a:solidFill>
-              <a:schemeClr val="bg1"/>
+              <a:schemeClr val="tx1"/>
             </a:solidFill>
             <a:ln>
               <a:solidFill>
-                <a:schemeClr val="bg1"/>
+                <a:schemeClr val="tx1"/>
               </a:solidFill>
             </a:ln>
           </p:spPr>
@@ -4535,7 +4531,11 @@
             <a:lstStyle/>
             <a:p>
               <a:pPr algn="ctr"/>
-              <a:endParaRPr lang="de-DE"/>
+              <a:endParaRPr lang="de-DE">
+                <a:solidFill>
+                  <a:schemeClr val="tx1"/>
+                </a:solidFill>
+              </a:endParaRPr>
             </a:p>
           </p:txBody>
         </p:sp>
@@ -4646,11 +4646,11 @@
             </a:r>
             <a:r>
               <a:rPr lang="en-US" sz="2400" b="1" dirty="0" smtClean="0"/>
-              <a:t>yellow button for </a:t>
+              <a:t>white </a:t>
             </a:r>
             <a:r>
               <a:rPr lang="en-US" sz="2400" b="1" dirty="0" smtClean="0"/>
-              <a:t>low tones</a:t>
+              <a:t>button for low tones</a:t>
             </a:r>
             <a:r>
               <a:rPr lang="en-US" sz="2400" dirty="0" smtClean="0"/>
@@ -4732,21 +4732,21 @@
       </p:sp>
       <p:grpSp>
         <p:nvGrpSpPr>
-          <p:cNvPr id="3" name="Gruppieren 2"/>
+          <p:cNvPr id="14" name="Gruppieren 13"/>
           <p:cNvGrpSpPr/>
           <p:nvPr/>
         </p:nvGrpSpPr>
         <p:grpSpPr>
           <a:xfrm>
-            <a:off x="5411310" y="4279935"/>
-            <a:ext cx="1395446" cy="1219279"/>
+            <a:off x="5340033" y="4347652"/>
+            <a:ext cx="1446939" cy="1219279"/>
             <a:chOff x="1866122" y="1498567"/>
             <a:chExt cx="5075854" cy="3250713"/>
           </a:xfrm>
         </p:grpSpPr>
         <p:pic>
           <p:nvPicPr>
-            <p:cNvPr id="5" name="Grafik 4"/>
+            <p:cNvPr id="15" name="Grafik 14"/>
             <p:cNvPicPr/>
             <p:nvPr/>
           </p:nvPicPr>
@@ -4781,7 +4781,7 @@
         </p:pic>
         <p:sp>
           <p:nvSpPr>
-            <p:cNvPr id="6" name="Abgerundetes Rechteck 5"/>
+            <p:cNvPr id="16" name="Abgerundetes Rechteck 15"/>
             <p:cNvSpPr/>
             <p:nvPr/>
           </p:nvSpPr>
@@ -4827,7 +4827,7 @@
         </p:sp>
         <p:sp>
           <p:nvSpPr>
-            <p:cNvPr id="7" name="Abgerundetes Rechteck 6"/>
+            <p:cNvPr id="17" name="Abgerundetes Rechteck 16"/>
             <p:cNvSpPr/>
             <p:nvPr/>
           </p:nvSpPr>
@@ -4873,7 +4873,7 @@
         </p:sp>
         <p:sp>
           <p:nvSpPr>
-            <p:cNvPr id="8" name="Abgerundetes Rechteck 7"/>
+            <p:cNvPr id="18" name="Abgerundetes Rechteck 17"/>
             <p:cNvSpPr/>
             <p:nvPr/>
           </p:nvSpPr>
@@ -4919,7 +4919,7 @@
         </p:sp>
         <p:sp>
           <p:nvSpPr>
-            <p:cNvPr id="9" name="Abgerundetes Rechteck 8"/>
+            <p:cNvPr id="19" name="Abgerundetes Rechteck 18"/>
             <p:cNvSpPr/>
             <p:nvPr/>
           </p:nvSpPr>
@@ -4931,13 +4931,9 @@
             <a:prstGeom prst="roundRect">
               <a:avLst/>
             </a:prstGeom>
-            <a:solidFill>
-              <a:srgbClr val="FFFF00"/>
-            </a:solidFill>
+            <a:noFill/>
             <a:ln>
-              <a:solidFill>
-                <a:srgbClr val="FFFF00"/>
-              </a:solidFill>
+              <a:noFill/>
             </a:ln>
           </p:spPr>
           <p:style>
@@ -4965,7 +4961,7 @@
         </p:sp>
         <p:sp>
           <p:nvSpPr>
-            <p:cNvPr id="10" name="Abgerundetes Rechteck 9"/>
+            <p:cNvPr id="20" name="Abgerundetes Rechteck 19"/>
             <p:cNvSpPr/>
             <p:nvPr/>
           </p:nvSpPr>
@@ -4978,11 +4974,11 @@
               <a:avLst/>
             </a:prstGeom>
             <a:solidFill>
-              <a:srgbClr val="0070C0"/>
+              <a:schemeClr val="bg1"/>
             </a:solidFill>
             <a:ln>
               <a:solidFill>
-                <a:srgbClr val="0070C0"/>
+                <a:schemeClr val="bg1"/>
               </a:solidFill>
             </a:ln>
           </p:spPr>
@@ -5011,7 +5007,7 @@
         </p:sp>
         <p:sp>
           <p:nvSpPr>
-            <p:cNvPr id="11" name="Pfeil nach rechts 10"/>
+            <p:cNvPr id="21" name="Pfeil nach rechts 20"/>
             <p:cNvSpPr/>
             <p:nvPr/>
           </p:nvSpPr>
@@ -5024,11 +5020,11 @@
               <a:avLst/>
             </a:prstGeom>
             <a:solidFill>
-              <a:schemeClr val="bg1"/>
+              <a:schemeClr val="tx1"/>
             </a:solidFill>
             <a:ln>
               <a:solidFill>
-                <a:schemeClr val="bg1"/>
+                <a:schemeClr val="tx1"/>
               </a:solidFill>
             </a:ln>
           </p:spPr>
@@ -5051,13 +5047,17 @@
             <a:lstStyle/>
             <a:p>
               <a:pPr algn="ctr"/>
-              <a:endParaRPr lang="de-DE"/>
+              <a:endParaRPr lang="de-DE">
+                <a:solidFill>
+                  <a:schemeClr val="tx1"/>
+                </a:solidFill>
+              </a:endParaRPr>
             </a:p>
           </p:txBody>
         </p:sp>
         <p:sp>
           <p:nvSpPr>
-            <p:cNvPr id="12" name="Abgerundetes Rechteck 11"/>
+            <p:cNvPr id="22" name="Abgerundetes Rechteck 21"/>
             <p:cNvSpPr/>
             <p:nvPr/>
           </p:nvSpPr>
@@ -5070,11 +5070,11 @@
               <a:avLst/>
             </a:prstGeom>
             <a:solidFill>
-              <a:srgbClr val="0070C0"/>
+              <a:schemeClr val="bg1"/>
             </a:solidFill>
             <a:ln>
               <a:solidFill>
-                <a:srgbClr val="0070C0"/>
+                <a:schemeClr val="bg1"/>
               </a:solidFill>
             </a:ln>
           </p:spPr>
@@ -5103,7 +5103,7 @@
         </p:sp>
         <p:sp>
           <p:nvSpPr>
-            <p:cNvPr id="13" name="Pfeil nach rechts 12"/>
+            <p:cNvPr id="23" name="Pfeil nach rechts 22"/>
             <p:cNvSpPr/>
             <p:nvPr/>
           </p:nvSpPr>
@@ -5116,11 +5116,11 @@
               <a:avLst/>
             </a:prstGeom>
             <a:solidFill>
-              <a:schemeClr val="bg1"/>
+              <a:schemeClr val="tx1"/>
             </a:solidFill>
             <a:ln>
               <a:solidFill>
-                <a:schemeClr val="bg1"/>
+                <a:schemeClr val="tx1"/>
               </a:solidFill>
             </a:ln>
           </p:spPr>
@@ -5143,7 +5143,11 @@
             <a:lstStyle/>
             <a:p>
               <a:pPr algn="ctr"/>
-              <a:endParaRPr lang="de-DE"/>
+              <a:endParaRPr lang="de-DE">
+                <a:solidFill>
+                  <a:schemeClr val="tx1"/>
+                </a:solidFill>
+              </a:endParaRPr>
             </a:p>
           </p:txBody>
         </p:sp>
@@ -5238,11 +5242,7 @@
             </a:r>
             <a:r>
               <a:rPr lang="en-US" sz="2400" b="1" dirty="0" smtClean="0"/>
-              <a:t>green</a:t>
-            </a:r>
-            <a:r>
-              <a:rPr lang="en-US" sz="2400" b="1" dirty="0" smtClean="0"/>
-              <a:t> button </a:t>
+              <a:t>green button </a:t>
             </a:r>
             <a:r>
               <a:rPr lang="en-US" sz="2400" dirty="0" smtClean="0"/>
@@ -5262,11 +5262,7 @@
             </a:r>
             <a:r>
               <a:rPr lang="en-US" sz="2400" b="1" dirty="0" smtClean="0"/>
-              <a:t>blue button for </a:t>
-            </a:r>
-            <a:r>
-              <a:rPr lang="en-US" sz="2400" b="1" dirty="0" smtClean="0"/>
-              <a:t>low tones</a:t>
+              <a:t>blue button for low tones</a:t>
             </a:r>
             <a:r>
               <a:rPr lang="en-US" sz="2400" dirty="0" smtClean="0"/>
@@ -5348,21 +5344,21 @@
       </p:sp>
       <p:grpSp>
         <p:nvGrpSpPr>
-          <p:cNvPr id="3" name="Gruppieren 2"/>
+          <p:cNvPr id="14" name="Gruppieren 13"/>
           <p:cNvGrpSpPr/>
           <p:nvPr/>
         </p:nvGrpSpPr>
         <p:grpSpPr>
           <a:xfrm>
-            <a:off x="5411310" y="4279935"/>
-            <a:ext cx="1395446" cy="1219279"/>
+            <a:off x="5340033" y="4347652"/>
+            <a:ext cx="1446939" cy="1219279"/>
             <a:chOff x="1866122" y="1498567"/>
             <a:chExt cx="5075854" cy="3250713"/>
           </a:xfrm>
         </p:grpSpPr>
         <p:pic>
           <p:nvPicPr>
-            <p:cNvPr id="5" name="Grafik 4"/>
+            <p:cNvPr id="15" name="Grafik 14"/>
             <p:cNvPicPr/>
             <p:nvPr/>
           </p:nvPicPr>
@@ -5397,7 +5393,7 @@
         </p:pic>
         <p:sp>
           <p:nvSpPr>
-            <p:cNvPr id="6" name="Abgerundetes Rechteck 5"/>
+            <p:cNvPr id="16" name="Abgerundetes Rechteck 15"/>
             <p:cNvSpPr/>
             <p:nvPr/>
           </p:nvSpPr>
@@ -5443,7 +5439,7 @@
         </p:sp>
         <p:sp>
           <p:nvSpPr>
-            <p:cNvPr id="7" name="Abgerundetes Rechteck 6"/>
+            <p:cNvPr id="17" name="Abgerundetes Rechteck 16"/>
             <p:cNvSpPr/>
             <p:nvPr/>
           </p:nvSpPr>
@@ -5489,7 +5485,7 @@
         </p:sp>
         <p:sp>
           <p:nvSpPr>
-            <p:cNvPr id="8" name="Abgerundetes Rechteck 7"/>
+            <p:cNvPr id="18" name="Abgerundetes Rechteck 17"/>
             <p:cNvSpPr/>
             <p:nvPr/>
           </p:nvSpPr>
@@ -5535,7 +5531,7 @@
         </p:sp>
         <p:sp>
           <p:nvSpPr>
-            <p:cNvPr id="9" name="Abgerundetes Rechteck 8"/>
+            <p:cNvPr id="19" name="Abgerundetes Rechteck 18"/>
             <p:cNvSpPr/>
             <p:nvPr/>
           </p:nvSpPr>
@@ -5547,13 +5543,9 @@
             <a:prstGeom prst="roundRect">
               <a:avLst/>
             </a:prstGeom>
-            <a:solidFill>
-              <a:srgbClr val="FFFF00"/>
-            </a:solidFill>
+            <a:noFill/>
             <a:ln>
-              <a:solidFill>
-                <a:srgbClr val="FFFF00"/>
-              </a:solidFill>
+              <a:noFill/>
             </a:ln>
           </p:spPr>
           <p:style>
@@ -5581,7 +5573,7 @@
         </p:sp>
         <p:sp>
           <p:nvSpPr>
-            <p:cNvPr id="10" name="Abgerundetes Rechteck 9"/>
+            <p:cNvPr id="20" name="Abgerundetes Rechteck 19"/>
             <p:cNvSpPr/>
             <p:nvPr/>
           </p:nvSpPr>
@@ -5594,11 +5586,11 @@
               <a:avLst/>
             </a:prstGeom>
             <a:solidFill>
-              <a:srgbClr val="0070C0"/>
+              <a:schemeClr val="bg1"/>
             </a:solidFill>
             <a:ln>
               <a:solidFill>
-                <a:srgbClr val="0070C0"/>
+                <a:schemeClr val="bg1"/>
               </a:solidFill>
             </a:ln>
           </p:spPr>
@@ -5627,7 +5619,7 @@
         </p:sp>
         <p:sp>
           <p:nvSpPr>
-            <p:cNvPr id="11" name="Pfeil nach rechts 10"/>
+            <p:cNvPr id="21" name="Pfeil nach rechts 20"/>
             <p:cNvSpPr/>
             <p:nvPr/>
           </p:nvSpPr>
@@ -5640,11 +5632,11 @@
               <a:avLst/>
             </a:prstGeom>
             <a:solidFill>
-              <a:schemeClr val="bg1"/>
+              <a:schemeClr val="tx1"/>
             </a:solidFill>
             <a:ln>
               <a:solidFill>
-                <a:schemeClr val="bg1"/>
+                <a:schemeClr val="tx1"/>
               </a:solidFill>
             </a:ln>
           </p:spPr>
@@ -5667,13 +5659,17 @@
             <a:lstStyle/>
             <a:p>
               <a:pPr algn="ctr"/>
-              <a:endParaRPr lang="de-DE"/>
+              <a:endParaRPr lang="de-DE">
+                <a:solidFill>
+                  <a:schemeClr val="tx1"/>
+                </a:solidFill>
+              </a:endParaRPr>
             </a:p>
           </p:txBody>
         </p:sp>
         <p:sp>
           <p:nvSpPr>
-            <p:cNvPr id="12" name="Abgerundetes Rechteck 11"/>
+            <p:cNvPr id="22" name="Abgerundetes Rechteck 21"/>
             <p:cNvSpPr/>
             <p:nvPr/>
           </p:nvSpPr>
@@ -5686,11 +5682,11 @@
               <a:avLst/>
             </a:prstGeom>
             <a:solidFill>
-              <a:srgbClr val="0070C0"/>
+              <a:schemeClr val="bg1"/>
             </a:solidFill>
             <a:ln>
               <a:solidFill>
-                <a:srgbClr val="0070C0"/>
+                <a:schemeClr val="bg1"/>
               </a:solidFill>
             </a:ln>
           </p:spPr>
@@ -5719,7 +5715,7 @@
         </p:sp>
         <p:sp>
           <p:nvSpPr>
-            <p:cNvPr id="13" name="Pfeil nach rechts 12"/>
+            <p:cNvPr id="23" name="Pfeil nach rechts 22"/>
             <p:cNvSpPr/>
             <p:nvPr/>
           </p:nvSpPr>
@@ -5732,11 +5728,11 @@
               <a:avLst/>
             </a:prstGeom>
             <a:solidFill>
-              <a:schemeClr val="bg1"/>
+              <a:schemeClr val="tx1"/>
             </a:solidFill>
             <a:ln>
               <a:solidFill>
-                <a:schemeClr val="bg1"/>
+                <a:schemeClr val="tx1"/>
               </a:solidFill>
             </a:ln>
           </p:spPr>
@@ -5759,7 +5755,11 @@
             <a:lstStyle/>
             <a:p>
               <a:pPr algn="ctr"/>
-              <a:endParaRPr lang="de-DE"/>
+              <a:endParaRPr lang="de-DE">
+                <a:solidFill>
+                  <a:schemeClr val="tx1"/>
+                </a:solidFill>
+              </a:endParaRPr>
             </a:p>
           </p:txBody>
         </p:sp>

--- a/instructions/Instructions.pptx
+++ b/instructions/Instructions.pptx
@@ -8,12 +8,14 @@
     <p:sldId id="256" r:id="rId2"/>
     <p:sldId id="264" r:id="rId3"/>
     <p:sldId id="265" r:id="rId4"/>
-    <p:sldId id="259" r:id="rId5"/>
-    <p:sldId id="266" r:id="rId6"/>
-    <p:sldId id="262" r:id="rId7"/>
-    <p:sldId id="260" r:id="rId8"/>
-    <p:sldId id="261" r:id="rId9"/>
-    <p:sldId id="258" r:id="rId10"/>
+    <p:sldId id="267" r:id="rId5"/>
+    <p:sldId id="268" r:id="rId6"/>
+    <p:sldId id="259" r:id="rId7"/>
+    <p:sldId id="266" r:id="rId8"/>
+    <p:sldId id="262" r:id="rId9"/>
+    <p:sldId id="260" r:id="rId10"/>
+    <p:sldId id="261" r:id="rId11"/>
+    <p:sldId id="258" r:id="rId12"/>
   </p:sldIdLst>
   <p:sldSz cx="12192000" cy="6858000"/>
   <p:notesSz cx="6858000" cy="9144000"/>
@@ -310,7 +312,7 @@
           <a:p>
             <a:fld id="{9D7C6ACB-8DF6-1449-BE97-CA8D947F79D3}" type="datetimeFigureOut">
               <a:rPr lang="en-US" smtClean="0"/>
-              <a:t>4/12/2023</a:t>
+              <a:t>5/15/2023</a:t>
             </a:fld>
             <a:endParaRPr lang="en-US"/>
           </a:p>
@@ -478,7 +480,7 @@
           <a:p>
             <a:fld id="{9D7C6ACB-8DF6-1449-BE97-CA8D947F79D3}" type="datetimeFigureOut">
               <a:rPr lang="en-US" smtClean="0"/>
-              <a:t>4/12/2023</a:t>
+              <a:t>5/15/2023</a:t>
             </a:fld>
             <a:endParaRPr lang="en-US"/>
           </a:p>
@@ -656,7 +658,7 @@
           <a:p>
             <a:fld id="{9D7C6ACB-8DF6-1449-BE97-CA8D947F79D3}" type="datetimeFigureOut">
               <a:rPr lang="en-US" smtClean="0"/>
-              <a:t>4/12/2023</a:t>
+              <a:t>5/15/2023</a:t>
             </a:fld>
             <a:endParaRPr lang="en-US"/>
           </a:p>
@@ -824,7 +826,7 @@
           <a:p>
             <a:fld id="{9D7C6ACB-8DF6-1449-BE97-CA8D947F79D3}" type="datetimeFigureOut">
               <a:rPr lang="en-US" smtClean="0"/>
-              <a:t>4/12/2023</a:t>
+              <a:t>5/15/2023</a:t>
             </a:fld>
             <a:endParaRPr lang="en-US"/>
           </a:p>
@@ -1069,7 +1071,7 @@
           <a:p>
             <a:fld id="{9D7C6ACB-8DF6-1449-BE97-CA8D947F79D3}" type="datetimeFigureOut">
               <a:rPr lang="en-US" smtClean="0"/>
-              <a:t>4/12/2023</a:t>
+              <a:t>5/15/2023</a:t>
             </a:fld>
             <a:endParaRPr lang="en-US"/>
           </a:p>
@@ -1354,7 +1356,7 @@
           <a:p>
             <a:fld id="{9D7C6ACB-8DF6-1449-BE97-CA8D947F79D3}" type="datetimeFigureOut">
               <a:rPr lang="en-US" smtClean="0"/>
-              <a:t>4/12/2023</a:t>
+              <a:t>5/15/2023</a:t>
             </a:fld>
             <a:endParaRPr lang="en-US"/>
           </a:p>
@@ -1773,7 +1775,7 @@
           <a:p>
             <a:fld id="{9D7C6ACB-8DF6-1449-BE97-CA8D947F79D3}" type="datetimeFigureOut">
               <a:rPr lang="en-US" smtClean="0"/>
-              <a:t>4/12/2023</a:t>
+              <a:t>5/15/2023</a:t>
             </a:fld>
             <a:endParaRPr lang="en-US"/>
           </a:p>
@@ -1890,7 +1892,7 @@
           <a:p>
             <a:fld id="{9D7C6ACB-8DF6-1449-BE97-CA8D947F79D3}" type="datetimeFigureOut">
               <a:rPr lang="en-US" smtClean="0"/>
-              <a:t>4/12/2023</a:t>
+              <a:t>5/15/2023</a:t>
             </a:fld>
             <a:endParaRPr lang="en-US"/>
           </a:p>
@@ -1985,7 +1987,7 @@
           <a:p>
             <a:fld id="{9D7C6ACB-8DF6-1449-BE97-CA8D947F79D3}" type="datetimeFigureOut">
               <a:rPr lang="en-US" smtClean="0"/>
-              <a:t>4/12/2023</a:t>
+              <a:t>5/15/2023</a:t>
             </a:fld>
             <a:endParaRPr lang="en-US"/>
           </a:p>
@@ -2260,7 +2262,7 @@
           <a:p>
             <a:fld id="{9D7C6ACB-8DF6-1449-BE97-CA8D947F79D3}" type="datetimeFigureOut">
               <a:rPr lang="en-US" smtClean="0"/>
-              <a:t>4/12/2023</a:t>
+              <a:t>5/15/2023</a:t>
             </a:fld>
             <a:endParaRPr lang="en-US"/>
           </a:p>
@@ -2512,7 +2514,7 @@
           <a:p>
             <a:fld id="{9D7C6ACB-8DF6-1449-BE97-CA8D947F79D3}" type="datetimeFigureOut">
               <a:rPr lang="en-US" smtClean="0"/>
-              <a:t>4/12/2023</a:t>
+              <a:t>5/15/2023</a:t>
             </a:fld>
             <a:endParaRPr lang="en-US"/>
           </a:p>
@@ -2726,7 +2728,7 @@
           <a:p>
             <a:fld id="{9D7C6ACB-8DF6-1449-BE97-CA8D947F79D3}" type="datetimeFigureOut">
               <a:rPr lang="en-US" smtClean="0"/>
-              <a:t>4/12/2023</a:t>
+              <a:t>5/15/2023</a:t>
             </a:fld>
             <a:endParaRPr lang="en-US"/>
           </a:p>
@@ -3296,6 +3298,578 @@
     <p:extLst>
       <p:ext uri="{BB962C8B-B14F-4D97-AF65-F5344CB8AC3E}">
         <p14:creationId xmlns:p14="http://schemas.microsoft.com/office/powerpoint/2010/main" val="3993129042"/>
+      </p:ext>
+    </p:extLst>
+  </p:cSld>
+  <p:clrMapOvr>
+    <a:masterClrMapping/>
+  </p:clrMapOvr>
+</p:sld>
+</file>
+
+<file path=ppt/slides/slide10.xml><?xml version="1.0" encoding="utf-8"?>
+<p:sld xmlns:a="http://schemas.openxmlformats.org/drawingml/2006/main" xmlns:r="http://schemas.openxmlformats.org/officeDocument/2006/relationships" xmlns:p="http://schemas.openxmlformats.org/presentationml/2006/main">
+  <p:cSld>
+    <p:spTree>
+      <p:nvGrpSpPr>
+        <p:cNvPr id="1" name=""/>
+        <p:cNvGrpSpPr/>
+        <p:nvPr/>
+      </p:nvGrpSpPr>
+      <p:grpSpPr>
+        <a:xfrm>
+          <a:off x="0" y="0"/>
+          <a:ext cx="0" cy="0"/>
+          <a:chOff x="0" y="0"/>
+          <a:chExt cx="0" cy="0"/>
+        </a:xfrm>
+      </p:grpSpPr>
+      <p:sp>
+        <p:nvSpPr>
+          <p:cNvPr id="4" name="TextBox 3"/>
+          <p:cNvSpPr txBox="1"/>
+          <p:nvPr/>
+        </p:nvSpPr>
+        <p:spPr>
+          <a:xfrm>
+            <a:off x="2178287" y="315672"/>
+            <a:ext cx="7774486" cy="6740307"/>
+          </a:xfrm>
+          <a:prstGeom prst="rect">
+            <a:avLst/>
+          </a:prstGeom>
+          <a:noFill/>
+        </p:spPr>
+        <p:txBody>
+          <a:bodyPr wrap="square" rtlCol="0">
+            <a:spAutoFit/>
+          </a:bodyPr>
+          <a:lstStyle/>
+          <a:p>
+            <a:endParaRPr lang="en-US" sz="2400" dirty="0" smtClean="0"/>
+          </a:p>
+          <a:p>
+            <a:r>
+              <a:rPr lang="en-US" sz="2400" dirty="0" smtClean="0"/>
+              <a:t>The screen for your time estimation will look like this:</a:t>
+            </a:r>
+          </a:p>
+          <a:p>
+            <a:endParaRPr lang="en-US" sz="2400" dirty="0"/>
+          </a:p>
+          <a:p>
+            <a:endParaRPr lang="en-US" sz="2400" dirty="0" smtClean="0"/>
+          </a:p>
+          <a:p>
+            <a:endParaRPr lang="en-US" sz="2400" dirty="0"/>
+          </a:p>
+          <a:p>
+            <a:endParaRPr lang="en-US" sz="2400" dirty="0"/>
+          </a:p>
+          <a:p>
+            <a:endParaRPr lang="en-US" sz="2400" dirty="0" smtClean="0"/>
+          </a:p>
+          <a:p>
+            <a:endParaRPr lang="en-US" sz="2400" dirty="0"/>
+          </a:p>
+          <a:p>
+            <a:endParaRPr lang="en-US" sz="2400" dirty="0" smtClean="0"/>
+          </a:p>
+          <a:p>
+            <a:r>
+              <a:rPr lang="en-US" sz="2400" dirty="0" smtClean="0"/>
+              <a:t>By </a:t>
+            </a:r>
+            <a:r>
+              <a:rPr lang="en-US" sz="2400" b="1" dirty="0" smtClean="0"/>
+              <a:t>turning the knob</a:t>
+            </a:r>
+            <a:r>
+              <a:rPr lang="en-US" sz="2400" dirty="0" smtClean="0"/>
+              <a:t> you can change the value and move the pointer on the scale. Select your final answer by </a:t>
+            </a:r>
+            <a:r>
+              <a:rPr lang="en-US" sz="2400" b="1" dirty="0" smtClean="0"/>
+              <a:t>pressing the knob</a:t>
+            </a:r>
+            <a:r>
+              <a:rPr lang="en-US" sz="2400" dirty="0" smtClean="0"/>
+              <a:t>.</a:t>
+            </a:r>
+          </a:p>
+          <a:p>
+            <a:endParaRPr lang="en-US" sz="2400" dirty="0" smtClean="0"/>
+          </a:p>
+          <a:p>
+            <a:pPr algn="ctr"/>
+            <a:endParaRPr lang="en-US" sz="2400" dirty="0" smtClean="0"/>
+          </a:p>
+          <a:p>
+            <a:pPr algn="ctr"/>
+            <a:endParaRPr lang="en-US" sz="2400" dirty="0"/>
+          </a:p>
+          <a:p>
+            <a:pPr algn="ctr"/>
+            <a:r>
+              <a:rPr lang="en-US" sz="2400" dirty="0" smtClean="0"/>
+              <a:t>Press </a:t>
+            </a:r>
+            <a:r>
+              <a:rPr lang="en-US" sz="2400" dirty="0" smtClean="0"/>
+              <a:t>the </a:t>
+            </a:r>
+            <a:r>
+              <a:rPr lang="en-US" sz="2400" b="1" dirty="0" smtClean="0"/>
+              <a:t>right arrow key </a:t>
+            </a:r>
+            <a:r>
+              <a:rPr lang="en-US" sz="2400" dirty="0" smtClean="0"/>
+              <a:t>to </a:t>
+            </a:r>
+            <a:r>
+              <a:rPr lang="en-US" sz="2400" b="1" dirty="0" smtClean="0"/>
+              <a:t>proceed</a:t>
+            </a:r>
+            <a:r>
+              <a:rPr lang="en-US" sz="2400" dirty="0" smtClean="0"/>
+              <a:t> or the </a:t>
+            </a:r>
+            <a:r>
+              <a:rPr lang="en-US" sz="2400" b="1" dirty="0" smtClean="0"/>
+              <a:t>left arrow key</a:t>
+            </a:r>
+            <a:r>
+              <a:rPr lang="en-US" sz="2400" dirty="0" smtClean="0"/>
+              <a:t> to return to the </a:t>
+            </a:r>
+            <a:r>
+              <a:rPr lang="en-US" sz="2400" b="1" dirty="0" smtClean="0"/>
+              <a:t>previous slide</a:t>
+            </a:r>
+          </a:p>
+          <a:p>
+            <a:endParaRPr lang="en-US" sz="2400" dirty="0"/>
+          </a:p>
+        </p:txBody>
+      </p:sp>
+      <p:sp>
+        <p:nvSpPr>
+          <p:cNvPr id="5" name="AutoShape 6" descr="data:image/png;base64,iVBORw0KGgoAAAANSUhEUgAAAZsAAAERCAYAAACtswpGAAAAAXNSR0IArs4c6QAAIABJREFUeF7tnXeUFcX2tkslKkGiBJEgWRABRRBUEBQlKAqYRUyY4xVEf5e/THiNmLOigogiiIogkkQFJCogSpYoGUQkCXzrqW/VWT09Z2ZOn+mG9vDWWixmznRXVT9Vvd/au3b3OeLRay49UKNSKVPy7IsM5cCB3Wbt2m2mQsVyZuO6NaZU6ePMtq0bTYmSpcyRR+43u3fvM39u3WUqHl/W/LNzq9m080hT5tgiZtumHeaAMaZsuWPNls3bTMmSRcyOHftN8RKFzMZ1m0zpsmXNjr+2meIlS5otG7eaUmVLmQ1r15siJYub4kcfY9tOtezdvdPsNAVNicIFUj1Fx4mACIiACBxCAkf069cPjVARAREQAREQgcgISGwiQ6uKRUAEREAEHAGJjeaCCIiACIhA5AQkNpEjVgMiIAIiIAISG80BERABERCByAlIbCJHrAZEQAREQAQkNpoDIiACIiACkROQ2ESOWA2IgAiIgAhIbDQHREAEREAEIicgsYkcsRoQAREQARGQ2GgOiIAIiIAIRE5AYhM5YjUgAiIgAiIgsdEcEAEREAERiJyAxCZyxGpABERABERAYqM5IAIiIAIiEDkBiU3kiNWACIiACIiAxEZzQAREQAREIHICEpvIEasBERABERABiY3mgAiIgAiIQOQEJDaRI1YDIiACIiACEhvNAREQAREQgcgJSGwiR6wGREAEREAEJDaaAyIgAiIgApETkNhEjlgNiIAIiIAISGw0B0RABERABCInILGJHLEaEAEREAERkNhoDoiACIiACEROQGITOWI1IAIiIAIiILHRHBABERABEYicgMQmcsRqQAREQAREQGKjOSACIiACIhA5AYlN5IjVgAiIgAiIgMRGc0AEREAERCByAhKbyBGrAREQAREQAYmN5oAIiIAIiEDkBCQ2kSNWAyIgAiIgAhIbzQEREAEREIHICUhsIkecdwP79u0z06ZNM/xfuHBh06xZszxP+ueff8yPP/5ozznmmGNMo0aNzNy5c82OHTtMvXr1TOnSpfOs41AdsGzZMrNq1SpTuXJlU6NGjZS6wXXBpkCBAikdH9ZBs2fPNn/99Zc56aSTImX6/fffm/3795szzjjDHHXUUWF1P5R6mGPwL168uDniiCMSdS5atMj88ccfpmrVquaEE04Ipa1UK4HVpk2bzJw5c8y8efPsGDE3ypYta++fWrVqmaOPPjrV6nTcQSAgsTkIkFNpYtKkSebbb7+1hub66683FSpUyPW0JUuWmI8++siKTdeuXc2JJ55oBg0aZNatW2d/r127dirNHpJjvvnmGzNlyhTTvHlzc+655+bZhzVr1pivvvrKXHTRRdaYHMzyxhtvWIN6+eWXWwMWRTlw4IDp37+/YQHRt29fU7BgwSiaSavOv//+24wZM8bOyw4dOmQR+y+++MIgxmeffbY566yz0qo/3ZN+/fVXOycQGX9BEBE/5kvJkiXTbULnhUxAYhMy0HSrw6C99dZbdnXbrl0706JFi1yrGjdunPnhhx9M0aJFzY033miKFStmPZ3t27ebxo0bm/Lly6fblcjPCyo2Tz/9tMHo3XzzzQf9ug53sUFMRo0aZRcz3bp1yyI2eNIrV660C5uaNWtGPm9cA4jya6+9ZjZv3mznfZMmTezChUUJ98DSpUutcOMltm3b9qD1Sw3lTkBiE5MZsmfPHuupLF++3N7Y3bt3z3GFy430zjvv2BV33bp1zcUXX3zQw0v5wSaxyUovzp5NbmKTnzmQn3MXLFhghg0bZuB21VVXmerVqyfCe9wbEyZMMFOnTrVhz1tvvdUceeSR+WlO54ZEQGITEsgwquEm+e6776xw3HXXXXYvJllZv369XdlRzjvvPHP66afbnwmpcQMS8vDG1rkBWfW5kAOxbMJ07IF4j6MOjqUk2xvB6+IfN6//BubzjRs3mm3bthmEkz7QDvsy/j2IIGJDf5577jmzc+dOc8MNN1jPxn99tM0qd8uWLbZtrom2q1SpknT/A0awWLt2rdm7d6+91nLlypljjz0223Xl5Nk4FrBKxiOn+cAYrVixwl4P4bKKFSvacU4WRnPjmVP9ycbK9QtGzBO4FClSxO6ruDHjmK1bt9q/7d69O8GrUqVKplChQomuU/9PP/1kRo8ebffWunTpYv/uxjO3/tHGhg0b7JhwHB44oa1k88pbD2PHIorz6C98SpQokWWeDh061LBfdNxxx1mv3l+Yh6+88or9+KGHHordHlgYtuLfWIfEJkaj5r1J2rRpY1q1apWtdxjKTz/91Pzyyy/2xkeUuJExGv49G46dP3++3R/hBvYWbmA2Uv3huocfftge1q9fvyzHUxciwYqRcwj1uYLRJq5PSMVfEIfOnTsbDJkrqYoNRuixxx7LVucVV1yRCNtgNAnzEDqhj95CvJ59Bm+IByNG+JGNZQyiKxg2jrvsssuy1JFMbDhvxIgRdgwQivPPP98mZeRVSIxgn4GNbVcYB0I9n3/+ebY9G7cn0rp1a3PmmWdmqz7ZWE2cONFMnjzZ7lcgEswLihszFgP0YfHixdl40ReupU6dOvYcFjQIlreweMCbYKGS057N6tWrDWHe33//Pcu5LACY16ecckoWUf/kk08M3grzcdeuXTbRxY0l48Jiij0hJ4T8DZbMLcJo/sK+5euvv26Pv//++yU2eU3Mg/R3ic1BAp1KM9xE7NtgvLmZ+/Tpk+00soKeeeYZ+zkZaBdeeKH9OZnYsHLlpmP1Tn1lypSxq1xEgc9YWV9yySVZkgmCig2CQH8wEqxKWW1iABA3+so1lSpVytxxxx2hiw11P/vss7YdCt4JAsOK+s8//7Rt+zm6RAyMGMaVhAOMPyJEYSXtXS0nE5sBAwbYvTHqZx+DUKbfQ/QPHJ7Uiy++aLnjGSC+9Jt2OdcJnzdBID9iwwIELw9xYD4RToINK34WNRSuHW/OeaRcDwb6P//5j/VA0hEb9tZefvll67nBGEFAZNyc47Mrr7zShr5ccWIDF+YT4S/+IVaO16WXXprSvhDeGMJNhlrDhg2t6OY1Nqncmzom/wQkNvlnGGoNCAQ3Kzc+q/KmTZtmqZ9VK6tXjMI999xjjWlOYkNIjtAcBocbHKGh4A0QisDItm/f3m6wuhJUbAizjBw50vYDr4BwDQXjyd8wmNzs//3vfwOLjTshpwQBQilDhgyxhhHRdCtyznN/42evl/bkk09aYSQkhDFyBW8HVnDt3bt34nOv2BAGYq+ATEAENVWPhsrYYyPdGzHG00PUKN6sQn4PS2zo37XXXmuNNoKG4LMf+P7771ux4/rr16+fuE76AUvG7fbbb0+keee2Z5PMs6EO2CNiF1xwQRYPlOPxSJgrd955p/XIKU5s+J2w8Mknn2w/Z9EwePBgu3DwhotzuuEYV+6NGTNm2HFkIZBqan2oN7EqS0pAYhOzieH1bho0aGBXZi7WziqPENrChQttGi5JBC5+nsyzcXtArGA51ps2TDiF+jBKToRAEVRsMGSE6TAuZP94C9fyyCOP2I+8Bj/VMFpeYoN3gaDSf9Jv/ftIya7l0UcftQaVECWhGe/+A0LP795nlLxiA09CNIgbK20MWSqrZjyHgQMH2tU+KdT+zC34wSRMseG5IOaOd78Mr4P0ejzaZFlaL7zwgl2I3HLLLdZLpAQRGxYv7733nt0Po20nGm4cEYOXXnrJZhZ26tTJZk16xYaFFQssb3Hidc4555iWLVvmeLcyn1n0IKgIjVv4pDI+MTMBGdsdiU0Mh9bF3XmIjtUpq1IKRoswGyLBSs/78GcysWGFiQeDcXXPHpCmSggHg5os3h1UbBw+hIU+EAZBBDCsxPu//vrryMTGO3SubQwdxgzDx16OX+ic8eJz9ltOPfVUG+ohxAhn/wa2Exs+dxvyqaSme/vG3g57PPC++uqrsz0cCjtEkP/D8mww5B07dsxRDL28GCvmFmLKz+mKDftAeCkYe64zWfo9GZcslti3wcPzik2yfUrnPeW0h+k4s2dI2jNjSmj5YKZix9CExLJLEpsYDgv7HawQibl7V8KzZs0yX375pb2Z2QPxZqslExtEBkPHDYtAucLKFrEhW4ubOD+eDXWyYuUJeGLsXrHxbsBH4dnQNu2RtPDbb7/Zn9kHQWz42RVv26yASaTwbtIjxAg7q3mExGskndhQF8chCOxB9OrVy56TSsE7YNzYp2DF7Rc06nz88cdtn8MSG0SUMJa/eHkxPm5h4OWVrtiwyY+oEiokicOFybx9YJ6MHz/eJlQQ5vKKDSFd/9szUhEbvBnGlOtx94s8mlRm5sE9RmJzcHmn1BoraIwcq01uXAwbn7ERj6hgtFg5+lf2Ob1BgNg34SZEjJU/IuaEwJtkQH25eTZjx461r9XxZqMRdmEjmToJY2FI+UdcHmNMmq/fuwgrjMa1sL/l0ncRUdpGjPEi2CPxt+2YYfRYYRMG5HzntWCkSLF2eypObPB6CD3hdTIuhHzYs0nlGQ6v2BB+878hIKfnbHJLEGD88Ib81+e84mRigwi/+eabNj2d6/TzIkTIoiRdseGp/uHDh6ckNuwX8aaLMMSG7Dr2ady9ktJNpoMOOgGJzUFHnlqDrNQJgWHMevbsaTdJCVHw+2233ZYIrbnaknk2/pY4BoOCsWEVShv+zXsnNmTCueQD6sG4IWasIp3Y8NnHH39sjTbGmae4WfXjKbGHg9FnxR6F2GCgCZ1Mnz7dhsDYg8HTYzWNyPEvJ+H0coEHgglfBBkB8z557s9GgxvjgKhdc8015vjjj89zQJ0Rhgfn+MNLXAsp3vBM5tmwV8Gehbe4+RFEbAhpslhAONnjYqwcL8SZ55m4/nTFhvRz5gNzlMWQE2xvv0lQYA55xdAlCKTr2Xz22Wfm559/tns6fk55Do4OOGgEJDYHDXXwhlwWFvFtwkPswfAw5k033ZStMr/YkEDAsyRkWbGKJFzmLXgiTzzxRDYhYEMf40e835ulRqiMlF/Oc2KDN4AA4UGwIUxCg7eQ7vruu+/aj8hGc6GNMDwb+siGMEYm2eYxAsKGt79twpM84PrAAw9k289wcf/cxIb6uCb3TJFflJONMkLGXhuGnDCa9711XAf8HCev2BB6I3TqT8emDWegg4gNySU8d5WMFwsQUrMRPO9rgYIkCHCdZN3xP/smeM3egteEd84c8mYD5ldsgt9ZOuNQEJDYHArqKbbpssnYX8FQky3FngIehL8kExserCPTiZU0BobUXbwVwims0NlAZ4X+4IMPJqojW4h2WLFjMGgbQ0Scnf0fjKNfbDC8CBMPH7JSZpOZ/Rvqpy0KK/pq1arZn4OKDQYKsSWM5TLevGLDcy7sT7A6RxQJFxKCcs/OELpyadF4EOxPkImGMcQDwwhiIBEvDL93hZzsORtE9u2337ZeYqrhNPYyeFgR74sVPP2hH3iFrMzdQ4xesXFZangKZG+xaEAMCE3SV8fWuyeVWxiNEBfPnyB2LCboC/PGPZRLuJXiTblnwYLoMYfYh/EmlSRLfXbXyTxgrtJnwnU86Em4i7GhXdKrneecX7GBA9eBp+b1xlO8zXTYQSIgsTlIoNNpxoUlWAlSCE+xAcrGfl5ig0FhJf38889bo+Z/5Yl7RYh/z4aMHlb4FPdaGGcIadcbRuMYwiaEiRBDb5otRtGdx/9s/GJk0xEb9hkwiK4NDC/PyLiwULK23Wt1+B/DjuBQSCZg74lzYOK8LfoIE37nrdvujQc5va4GjwMx5XgeAmW/ILdCP3gAFcPo7a83icIfRuN3wpAum9Dx5XfEnX0KSqpiw4KBvSqKN0nBveIGHvyMV8w8o7hMOthwDtfJ3zDsycSG8/EoEW//dfI3roEQm/crCfIrNjzEiZCzGHGvbkrnftM50RKQ2ETLN1+1s4ImVdc98Y0BdEbTXzGCRJiE1SmrVvcwG0KAUWLFTn0YVYwKq0sMNiLgzarCi8EYk8bKih+DwZ4InhEreYwsq3n3+hTqxOiwQnevRsEo4RnhgRH64288WMqzPhQeTJ05c6Y1mKm8mp5VMQ9TurcCuFAixovVMgYRj8YJJAaR68JDIwzEtbrQI+E1eBB+wwNzhpw+80Aq5/EiVFcIE8KUMKH3qXf+zp4aITm8Pzy3vDKgGEdeIYMnCDeOJwMOrwzvBoPOit+bQMC14a3gpdFX+om3gHC/+uqrtps83OsKYVMWDDzjkmz/gvbxbrh2xwuvhTGFIXs6vFmhR48eti3EEY/IZRqy78QDwiw88FCpC0/Xa+ThzkLAvQGAOUddbm+NTDQvKzwn5gmeMSFjb3Ft4NHm9D1PLI7w1JmT/oeg83UD6uRQCUhsQsUZfmXeNF5u2GTppLTKDY0BcS899K5cESLq4Rj+caPz95xSd73HUzcGxoVc+Bu/e8MVtIkX5TwD6qefHINgYcScwFEfopSsntzokaLrxJLVsfueEq4HEXJtUwceIO3zmfMk/M8UuXMcD/rMNfozxQjfYeSpz5+yzDU4gU01DZrjGSfn9cEIL4Hro9BPryHmOK6BtrwLBfrpzvG27djyd29Ku2NLHY4ln9FWMl6wcP2gTjd/XJo4LBhXxtc/H6jXP+cYf45L9oVm8GBsYeF9ESj1uDaS/c1dUyrHhH9nqsagBCQ2QYnpeBEQAREQgcAEJDaBkekEERABERCBoAQkNkGJ6XgREAEREIHABCQ2gZHpBBEQAREQgaAEJDZBiel4ERABERCBwAQkNoGR6QQREAEREIGgBCQ2QYnpeBEQAREQgcAEJDaBkekEERABERCBoAQkNkGJ6XgREAEREIHABCQ2gZHpBBEQAREQgaAEJDZBiel4ERABERCBwAQkNoGR6QQREAEREIGgBCQ2QYnpeBEQAREQgcAEJDaBkekEERABERCBoAQkNkGJ6XgREAEREIHABCQ2gZHpBBEQAREQgaAEJDZBiel4ERABERCBwAQkNoGR6QQREAEREIGgBCQ2QYnpeBEQAREQgcAEJDaBkekEERABERCBoAQkNkGJ6XgREAEREIHABCQ2gZHpBBEQAREQgaAEJDZBiel4ERABERCBwAQkNoGR6QQREAEREIGgBCQ2QYnpeBEQAREQgcAEJDaBkekEERABERCBoAQkNkGJ6XgREAEREIHABCQ2gZHpBBEQAREQgaAEJDZBiel4ERABERCBwAQkNoGR6QQREAEREIGgBCQ2QYnpeBEQAREQgcAEJDaBkekEERABERCBoAQkNkGJ6XgREAEREIHABCQ2gZHpBBEQAREQgaAEJDZBiel4ERABERCBwAQkNoGR6QQREAEREIGgBCQ2SYjt2bPHHDhwwP6lYMGC5sgjj8yVqzv+iCOOsMfzv0pWAvCEE2wKFSp0WOLZvXu3ve7ChQvn+/r37t1r9u/fbwoUKGCOOuqofNd3sCoIk0FYfXZ9Yl7q3g2LavZ6JDZJ2M6bN8988803duKdffbZ5pRTTslxBDZt2mQ++OADK04nn3yyOeecc6IbrX9JzZs3bzZLly41p556aqLH69atMx9++KEpVqyYufHGG2N1Jbt27TKffvqpufLKKyPt14svvmj++ecfc9ttt+VbcIcPH25+//130759e1OvXr1I+x20ckRwwYIFpnLlyubYY4/Ncvpzzz1nf7/nnnuCVhvZ8a5PN910kznmmGMia+dwr1hik2QG7Nixw7z77rsGo1m2bFnTs2dPU7Ro0WxHYqTeeOMNs3XrVrvCxFhVrVr1sJ5T33//vZkwYYJp1aqVad26dYLFH3/8YZkiNnfccUdsGNGvgQMH2vG96667Iu1X//79DR7JAw88kG+xGTRokBX0iy66yC5y4lQYf+bBrbfeasqUKZOlazCg9O3bNzZddn1iXjI/VaIhILFJwhUvZc6cOeaLL76wf23atKnp0KFDtiMnTpxoJk+ebD9nhdmsWbNoRulfUivcxowZY6ZPn27OPPPMLGKDkcULJCRZvnz52FzRqlWrzDvvvGNKliwpsQlpVF544QW7AMOD84sN4k6pUKFCSK3lvxrXJ+ZlXiHz/Ld2+NYgscll7N977z0bqqB06dLFNGzYMHH0+vXrzfvvv2/+/vtvU61aNevV+GPn+/btSxzPJI4iHoyBJ2xBCdIG53Au/+hXXuf6j0+2T5Cb2KRyi7lrcX3ytpHb35LV7e2vY5PMkKQiNv62Ha/crinZ2Kfr2XjH2LUdlWfj+p1sPqQ6Z3ITm9yYpcOZ+rzn0e8wBcPxoI2w607lnsikYyQ2uYwm4bS3337brtIqVapkLr/8chvT5aYj9IKhwiDyeY0aNRI1EV774YcfDILkEg2KFClivZ+jjz46S4us9gk78Lnfe2JDnb/t3LnThqUI6VHcOYRQ5s+fb+PjGKETTzzRnHbaaXnOz5UrV5off/zRbti7Urp0aXPWWWdlCxfSf+qfO3duQtRoCw7nnXdeYrObTdbPP//csErcsmWL7Wu5cuVM9erVrWfIZ+PGjbP1d+zY0Ta7aNEi89NPP5kqVapYr3DSpEn2fCc27EU0atTI/v7rr7/aYx1P6md/LJnocX3Tpk2zIStXMBR169a19bkCW8Zw+fLlNrGjZs2almPXrl0Tx3BdX3/9tWEuuLYJmcKZRYa/cAysfvnll8TxcIDtM888EziMtm3bNoMHzaLGiWbLli0tK38YjesdNWqUbePCCy/MFqqDCWwIu9WuXTvR9U8++cTy57q+/fZb22/4nnvuufYY9pmYz2vXrk3MAT5nLNu0aWO9QgosmVcLFy60fWA+sulOPe4Y2qJ069YtCzrm+HfffWc2btyY+Jz64cbc9Bb6M2LECPsRi0DmFSFvx+ekk04yDRo0yPM+cAe4PnXq1Mlwn1K4x/HQly1blhhH5gbeD32ClbfMmDHDziPajtseWsogIj5QYpMH4FmzZpmvvvrKTj5uSG4cjBQ3H5OPzzC6rvz11192bwLj6ia/8yD4HYHAQ3JeTm4ra25AQjzbt283V1xxhTnhhBNsnRgM2uCG5UbBkNIGiQzcMDkVrgEjxU1NoQ/8c/0jS+qWW24xJUqUSFSBkacNJwAc7zwpNn/x6AiVYAyffvrpbE03btzY9glD9eabb5rixYsnNoenTp1qxo4da+rUqWMFdcWKFQkurj2MCYb7t99+S1ynM/okb3Dju8LnCB6ilOz6+Ix9JEJ8FNjC31tg+X//93/2I/720Ucf2Wvzs+L3q666yoqpt33En8171z7/0y+EDGOEoUx1zwYD+sorr1jebr5QF4abfjLHvHs2LHKef/55g0Def//92RYOJEHQv3bt2pkWLVok+v3www+btm3bWlFzY0uYi0QOxoVxY8GVbD4j0mysMwdYlHDtXq+Oc26++eZE6JS2KP369Uu0/+eff5pXX33V9jtZGz169LBz3zFgkfTEE0/YY5k7yebGxRdfnLLguD7de++9ds8GxtzzM2fOzDKPHBtElAWJN6tw5MiRdt5551e2m+Ew/0Bik8cEYGKTRYUhZBWNgWP1hqiwIid5wBVulsGDB1sjxYqOlTcrIAwMNzkigbG9/vrrEwY9P2JD3WT8IF4YRFarrKJzKqyEMTisOhEBF6Omf6zMNmzYYG/q7t27W0+L45566inb//r161vDipHD8MCA68VoYbw4hpsTcYIVnl6tWrUS3k1uYuNSoVklY7wwVngHsKGPGF2MCu27/bTVq1dbtg8++GDicmkXcaBfeB6woL/8Tt/wCI8//ngrkBgKRIw2WPG7VTQGzXmHLozKOTCmPQzO4sWL7eqdwiIA40NxQkMfGQuun5/pF39zIpmK2GCAmXd4xxhyFjXMP8Zk/PjxCa8tLLGhbgwt40k/WUhwDVOmTLGeA7yaN29u5y8MmP9wQ+DwtBg7xG/JkiV2QeO8cTxg2LkEG7/Y4DF+/PHH9t7gWBYCzAHmEws9shhZ/MDZ7fV5xQZPxPWLc9hDpW9cCwkKzlPJ7Tb3iw3eDGFK5gL94Zr5mbniFjLcI17vkHsLr4y5QhREJTsBiU2Ks8LF293hGMhLL700y8oWg/LZZ5/ZiXnNNdfYiecKN9WAAQOsIcXVvuSSS+yf8iM2nI/YIXqplNdee80aL0JyGAdvwYgRa0e0brjhBlOxYkUbOiL0g6FgpewtrILxTDDoHE/Jbc8mN7HhXOrw3qQYOdLPKV5e/I5Refzxx+3fvCtkBJCQF14EoU1vQbwYG8SHrCPnveXE361UMfRsdPsLRg0GhKQIWTHmbh+FEA4ra29h5Y6YU1IRG/YKETvY40ExHq6Qms+1YPTDEhvq9ie5UD9eDQYfAT7//POzXNPo0aNtqIkUd/7mPI/c9mz8YgN/QtKIHZ46Y+cKvGCKZ0/04PTTT7d/8oqN30tjfpMh6jyuUqVK5Xlr+MUGb5u5fcYZZ1iPz1veeustO458nkrIOs/GD6MDJDYpDjYrfwyZCxG48JD3dFZ0xLyJ5V922WXZYuasrompe413fsQGwcNwpVJYgT755JO27TvvvDPpKRhrDCj7GhhQFxrDiLB6RVgwBrSbbBM2XbFhFUqoxJu5xCqREBJt33fffVn2umjnkUceySY2GCWMNB4I+zPegoHi+jGgpDh79xmSZaMhsojttddea4477rhsvNhbwotFtOg73hOGkXMQGn/cfs2aNQZDlarYELokLIWnSf3e5BJvan6YYuPCSN6LxRuEKSn93vFhDJgrhGTZk7vgggvSEhsyPmfPnm2z0/D4/XtwhLO49/BqCMf5xYbndfA8XMELJsTMgoQFjD8bLtnE94sN10SoHMFi3nPtiD3zKookn1Tu30w4RmKT4ihirEkW4ObDOGKw/ZuErMRZkTtj7a+a8BOrPopbkedHbDD+7LGkUrgJX3rpJXuzJHtmiDowIIQ/3Gqe31klsrKlYAgIpxDuIGbNcV7RSVdsEAYz/ItnAAAazElEQVRWtd4bGU8Lb5I2MYL+PieL/TsO9IPzMcoYDkI0XJfbZA8iNoRhcspuok7+hhEkdEPYCyHGE0kmUI8++qgVu1Q8G7xgQmmsoFlh+wtzkVBimGLz3//+N0djSr8x4ITK8OpgisDCOT9igzBQVzLPiWsmiWTIkCGWs9tL83o2/j5zj+Ep0bd0xYZr4kFP7nkKosM/BIc9ROaiRCcVq5P1GIlNAGavv/66NbzeVZb3dOd+sxrK6U0CycIIOT3nkVeCQE79SHZJuP6Ecpxo5HbZiMndd99tD8FAE7NnL8bdfO5cjuM63RsW0hUb9oO8GWDUn47YuMw5xgFD7S0uEYLPgohNXinh1NerVy/bHmKDALNhnixLLkjqszuWcfAmbLhrSpb6nJ8EAe8CyMsN480eBiEzxCZZyY/YsJjBS7zuuuuyhJ297fjvGa/YeMOonBOG2FAPizOiEOy3+RMe2CclczROzwoFMGOH7FCJTQD0eYmN82yShdhoBoPEihXDx4qMkh/PJojY4JG9/PLLdsOUsExuBUPp0qw5DiPO+RgzQoneFFjvmxMOtdiwl8FeC8YBkcDLIG2WkBab+Ow/BA2jOQ8uN14IDOOI2MAXzybZg6uPPfaY7Vsqns2zzz5rvSXvXoW3D6zeMYSpejaMDckhJEUky0ZLJjawYvPeJUMwLwhZYWTZP4E3oeH8iI3LCPQ/BOyulY13hBXPwr114GCIDe3jHZF6jgeJh8zPLskDDmTr6Y0DqRtQiU3qrExeYuPeKMC+BskD/tUt3gE3L6GoPn36ZBEbJi/ZM950SlJlhw4daid4stTnIGLDjUJaLH3ybpB7L5/VHIJCeM5lheER8bM/9k2mEPtT7JOQKcb1HmqxcRvTbFizh+AtZEkhBvQxiGdDeC/ZcxNwYl8Jr4N/eLzs4eCNkvzh3zOiXcJo/J+K2FAXfWb/7+qrr84StqEOhBOPICexYS55FwwsdHiHH4uGVMUGYcTDQnRIX2cR5S0sPMhIy4/YkCqNaJFMw/6YP2TpFnAsGm6//XbbfNRiQ/iV+4Vx9YsJ14zA4uWRBJTsWasAJuWwOlRiE2C48xKbn3/+2T7nwYqa9FrcbVcIR3E+xplVtnvpIxvHxK0RAdIpvQ+HciMTEsLY51dsMBwYY9rHeLJi9++RuOeDSCXl+RUycljRsZlOaMhfSDNm1Ythpe+HWmxIGnDC7M1q4jP3vi6uIRWxwTATPiIFnFCWf3+OsaFOjCQsGSMEgs10xBce3mdj2AjnFUiUVMTGPd/E4sM/l1jtk0DAytsrNvyO94pH5H/eg3mGN4SRDCI2eGPJ+ox4sZeCyDZp0sSGldLJRmNPhgUVfEmq8Rpv9odgyiLIG5qOWmzI9OPZHXcf+Oe9Sx6R2AQwnjzX169fv///Ln2VPAnkJTasarmh8Qa4eYhD8z/7D3gBGGaEiFRal0HDSpPX3iACZL24FFJuYkJCrCrDEBsujmcEMHrUyTMgGCT6hxCRwkpWEP2j33hNXA8PamKs2fAmQ815PIRj2CjGwLhnTbxiw7MVpFizmcreTm6pz2Ht2ZAAgWEigwuOCDjGFY4uySEnsWEFiwcBD5cu+7///c8adP5GfTCBFV4N40xhY5uUYTjg7RHnhwOLBvcEPinxvJgyyHM2XkOL2DtPmetxokF9XrHhb4ScCK+xKme8mGfMP8JVFPofRGxgQL14i/zjOqmPtGz3Bgq4sBnvBNmNA2nhzAGe2XFevn//xfs8EfMEYXXPppGJRniS0CRzzD1KELXYsJDAg3Hji5i6ucTeFXz99zF7RSwo4e3NjsvTqBxGB0hsAgx2XmJDVWTW8CoN98S1t3puVDbUiXe7mw/DzwR2Tyt7jyerjVAaRj+/ng31Ug+b/YhKskL/MA78c4YDkXSvMPGfw/FkSrlkCIwfYQ88IldcZt7BEBvnWbonvb39RdBIJaaPhBGdoLg9M3esN52cZ3MYG39ihDuW55tIc3Zp1HyOAJMC74TFHcsDqW6zORXPhvMYe7wH72t3+BwhgT2hHv9bn90LZP3t4zFwDt5aqmJDHd43Mnh5Mj9YgLCfATMyBt3Due5NBe54r5eVLIsQLlyne4OA/57p3LmzfTDUhdiiFhvad55tsvsEb5MwrfddiXqDQN6GVGKTN6PEEUxA4vTEwlkF51S4GRAcjIW76d0TzTml0fK2ZPfuL45hw5QsL0JVhEVIuXRhOQw3n7OPgisftHBzEyt3RhQjxKqS5xySpUVjxL3PGNEexoaVu//19hhGVrbOcPCUNQbZfZ8N7biQnNv34Rj/e+FYTfP9L4gyx/ufBM/pe1EQRlam3peTsqeAIMIYwfH2gWvBoOKpUWDfu3fvLEjJmHLv3uIP7k0SOT3Uh5gjuq4PeKzs41APfIJ8nw2rZQyxeyDUPfxIGzl9nw3jRfjVZY8RUiTUh6dAeIi5BRNX8vqOGbwlRMXNZeYIc4U5zbNQjDWLIZfuzT3C3qTLCGSeuu8wyqkt5uKwYcOytIOI83Cu/ztx3Byj//7vxaFNwnLcg/QplYc6c/o+G97UwCLQu3ghrMrekj9DkPuDOcTi63B/+3tO9khiE9RS63gREAEREIHABCQ2gZHpBBEQAREQgaAEJDZBiel4ERABERCBwAQkNoGR6QQREAEREIGgBCQ2QYnpeBEQAREQgcAEJDaBkekEERABERCBoAQkNkGJ6XgREAEREIHABCQ2gZHpBBEQAREQgaAEJDZBiel4ERABERCBwAQkNoGR6QQREAEREIGgBCQ2QYnpeBEQAREQgcAEJDaBkekEERABERCBoAQkNkGJ6XgREAEREIHABCQ2gZHpBBEQAREQgaAEJDZBiel4ERABERCBwAQkNoGR6QQREAEREIGgBCQ2QYnpeBEQAREQgcAEJDaBkemEQ0Vgx44dZt++fYnm+YbR3L7vnW+W5JsuvefwTZx8Uyfn5lX4pku+Sptvx+QbGlVEQATSJyCxSZ+dzjyIBCZNmmRmzJhhxcOVggULmlNPPdX+8391MMeMGzfO8BXJfK22K4UKFTINGjQwHTt2zLP3tPndd9+ZE044Ia2v386zAR0gAocRAYnNYTTY/9ZLHTlypPnpp59s970eCZ4L5eyzzzZnnXVWlsv78ssvzaxZs7KdwwecV69ePdOtW7cckXDMI488Yv9erVo1ic2/dfKo37EhILGJzVCoI8kIbNy40bz99ttmz549pnHjxgmPBDGYN2+eGTFihBWgPn36GLwWytatW82gQYPM5s2bTe3atc1ll12WqHrNmjXmo48+MoTkrrvuOlO5cuUszVLv+PHjzbRp0xLhN4mN5qYI5J+AxCb/DFVDhAQw+mPHjrVhsh49epgSJUpkae3hhx+2vz/wwAMJsVm0aJEZMmSIKV++vLnhhhtMgQIFspxDKO7pp582xx13nOnVq1fib0uWLDF4UQgRooNQLVy4UJ5NhOOrqg8fAhKbw2esM+5KXajL79k4salQoYK56aabkl63E6l+/fol/j5mzBjz448/muOPP95ceeWVVmjwnNLxbFz9Dz30kBk9erSZPXu2FTBK2bJlzeWXX26KFStm/zZnzpxEH4oUKWLOOecc07Rp0yz9/uWXX8w333xjtm3blvicZIfTTjvNNGnSxNapIgJxJiCxifPoqG85Eti9e7dBHNjLQRzwesgao6QrNghNlSpVrBdVtGhRM3fu3HyLDWG61atXZ7sOBAyRXL58eUKE3EFcR+/evQ0JEBSSHD7//HOzf//+pDzo89VXX53Ng9P0EYE4EZDYxGk01Jc8CaxYscJ88MEHif0UUp/Z6EdwXMkrjIZ38Pzzz9vDvZ6Nv/EwxAbhIPOtUaNGtvpvv/3WkOVG4W+dO3c2DRs2tL8jPIT/9u7da4+/8MIL7ed4P9OnTzfVq1e3HpELCxJiZH+J0rVrVxv2UxGBuBKQ2MR1ZNSvpAQWL15sPvzww8Tf2MMhs6xdu3aGsJIz2u4YhKhWrVpZ6ho4cKBBtA6G2NA+/fOWRx991HopeD0kKXgz7IYNG2YImXlDd6NGjTIzZ840zZs3t9fpjidpYtWqVYbngQgZ+vezNIVEIE4EJDZxGg31JRAB9kHYx9i1a5epW7eu6d69e+J8Ms7Yc6Gwn9G6dWsbziIdGuPsHvSM2rMhS65w4cJZrqt///7We+nQoUO2vRky7IYPH26qVq1qQ4MUEiSmTp1qf6auli1bmvr169uf9bBpoCmjgw8hAYnNIYSvpvNPYOnSpTaVGQHBS3DhNFKmCT8tW7YsSyPsxbABz3M4B8OzIUHA7SW5jjixSSZEycRmw4YN1pvzJgfg3ZQrV84+cFqnTh1To0aN/MNUDSIQIQGJTYRwVXX0BBAZnqkhLMaKHyFxhewvPJkpU6bYdGZCU+xtsOeRLBvN39sw9mzCEBvXL/Zt2KPBK/O+gofr6dKlS7ZwXfT01YIIpE5AYpM6Kx15CAggGOzTYFxr1qyZLeOKvQ/Sk+fPn29atGhh9zTyKggT+zZke/Xt2zfHw+MmNnQUDps2bbL7Otu3bzcLFiwwZOZVrFjR3HjjjXlduv4uAoeMgMTmkKFXw6kQwDMhxZm3AxAmK126dJbTMLQDBgywBrd9+/amWbNmNquLVGGeY7n44ouzvTfttddeM+vXrzcnn3yyueiii2IvNoTW4NC2bdssbzxAaMm8Gzp0qL2G3PafUmGtY0QgSgISmyjpqu58E1i3bp1599137etq2OQ/88wzE3XyWhpW9iQJIEbsgbCXwWtqBg8ebF9b06pVK3ueK7wlgA14wm89e/a0WVw5lTh4NiQ/cC0kN/AC0U6dOiWev+EaeFHo5MmTraDeeeed+eatCkQgKgISm6jIqt7QCLgn+6mQV9CwR4Go8DZnNs352f+eM5eNxrFko7FJj3HesmWLFS6y1y655JJsm/feTsdBbOjPxIkTraCQ2o1nR/iPn7kOrofrYq+KPSsVEYgrAYlNXEdG/UoQYN9mwoQJNpTE98t4C8+WtGnTxobEvIUQ0/vvv289Au9mOh4QacWXXnpp4rmcOHs29I1rQTxXrlxpw4XeQvozwkkatf8dcJpCIhAnAhKbOI2G+pIjAQRn7dq1dlPcvWPMrfTLlCmT9MvQ3EOPPNPCOXhApD6THu0eAM0NOZ4TezucwwZ8kEJKNoWn/v1f1EY6Nv0hO87fD9cm70irVKlSokkEB+HkJaLu+qmXL4Lj4dBUvgwuSP91rAiETUBiEzZR1ScCIiACIpCNgMRGk0IEREAERCByAhKbyBGrAREQAREQAYmN5oAIiIAIiEDkBCQ2kSNWAyIgAiIgAhIbzQEREAEREIHICUhsIkesBkRABERABCQ2mgMiIAIiIAKRE5DYRI5YDYiACIiACEhsNAdEQAREQAQiJyCxiRyxGhABERABEZDYaA6IgAiIgAhETkBiEzliNSACIiACIiCx0RwQAREQARGInIDEJnLEakAEREAEREBiozkgAiIgAiIQOQGJTeSI1YAIiIAIiIDERnNABERABEQgcgISm8gRqwEREAEREAGJjeaACIiACIhA5AQkNpEjVgMiIAIiIAISG80BERABERCByAlIbCJHrAZEQAREQAQkNpoDIiACIiACkROQ2ESOWA2IgAiIgAhIbDQHREAEREAEIicgsYkcsRoQAREQARGQ2GgOiIAIiIAIRE5AYhM5YjUgAiIgAiIgsdEcEAEREAERiJyAxCZyxGpABERABERAYqM5IAIiIAIiEDkBiU3kiNWACIiACIiAxEZzQAREQAREIHICEpvIEasBERABERABiY3mgAiIgAiIQOQEJDaRI1YDIiACIiACEhvNAREQAREQgcgJSGwiR6wGREAEREAEJDaaAyIgAiIgApETkNhEjlgNiIAIiIAISGw0B0RABERABCInILGJHLEaEAEREAERkNhoDoiACIiACEROQGITOWI1IAIiIAIiILHRHBABERABEYicgMQmcsRqQAREQAREQGKjOSACIiACIhA5AYlN5IjVgAiIgAiIgMRGc0AEREAERCByAhKbyBGrAREQAREQAYmN5oAIiIAIiEDkBCQ2kSNWAyIgAiIgAhIbzQEREAEREIHICUhsIkesBkRABERABCQ2mgMZR+CLL77Ick2dOnXKuGvUBYnAv42AxObfNmLqb54EFi1aZIYMGWKPK1mypLnrrrvyPEcHiIAIREtAYhMtX9V+CAjs2LHDfPDBB2b9+vWmQ4cOpmnTpoegF2pSBETAS0Bio/mQkQQ+++wzs3r1atOzZ09z9NFHZ+Q16qJE4N9EQGLzbxot9TUQge+//960bNky0Dk6WAREIBoCEptouKpWERABERABDwGJjaaDCIiACIhA5AQkNpEjVgMiIAIiIAISG80BERABERCByAlIbCJHrAZEQAREQAQkNpoDIiACIiACkROQ2ESOWA2IgAiIgAhIbGIyB9auXWu2bt1q6tWrF1qP5s+fb+vjSfrNmzebMmXK2P/TbWP58uVm3759Zvbs2aZ+/fpmwYIFpmbNmmbDhg2mXbt2afV78uTJpkCBAmbFihW2X/S5cePG5qijjjK1atVKq87p06ebcuXKmQMHDtj/6V/p0qXtq2vSKfTtt99+M61btzarVq0yVatWNbCoVKmSKVKkSOAqN23aZK/z77//tn1atmyZqVy5sh2n7t27B66PExhX+rZlyxZTpUoVM3PmTNOwYUOzceNG06pVq7TqhGPZsmXNrl27TIkSJcxff/1lH5CtUKGCKViwYFp1MmeOPfZY299SpUol/uf6g5YZM2aYatWq2WukX7w5omjRovb/Y445xo45/VaJBwGJTTzGwRoKbhhukLDKn3/+aYoXL262b99udu/ebQ3E/v3789XGnDlzDMbylFNOMYMGDTJdunQxCMZVV12VdrcxjNTRrVs3M3jwYNOrVy+zdOlS06RJk7TqfPHFFw0v38QQhVEwtn/88UeW+v755x/Dv3TEhoXF4sWLrZFEGMaPH29OO+00K9633XZb2l1GHPbu3WuaNWtmXn75ZXPttddarum+iBRBZD4eccQRVhS3bdtmf0fECxcunFY/mecsWBAF/qewsChfvnzg+jgfcWVu069169aZihUrWvFmocLijQWWSjwISGziMQ52hTd16lT7Lq+wCitRVni8mHLJkiXmpJNOMvPmzUu7DYwhK3y8BYSsdu3aVhTwctJZmXKdnI/ngJfw+++/W4OOIebJ/3RXpdSJsM6aNcu+Fw0xo4/pekqIAm8jaNu2rRk3bpzp2LGjGTVqlGnfvn1aRhfjOGXKFHvNeF14DxjGYsWK2TFKtzAmGGAEpm7dunbMGzRoYAUtnTJ69OiEx8VY0G/KGWecYY488sh0qrTcWrRoYaZNm2YaNWpkfv75Z1OnTp20FwbcN7/++qsVwEKFCtl5yfxE1PC2+UwlHgQkNvEYB/VCBERABDKagMQmpsM7YMAAu/JjnyCMwup80qRJpmvXrmFUZ+uYO3euXY1Xr149lDpXrlxpvxqgd+/eodRHJSNHjrRhlbvvvju0Op988klz77332r2mMAqr8rFjx5pzzz3XhqzCKM8++6x9CSn7ImEUvOPhw4ebPn36hFGdrWPgwIHWO2QPKKzy0ksvmWuuuSZtrzisfqie7AQkNjGdFc8884zdKG/Tpk0oPSRcM3HixLQ3oJN1ghAIYlOjRo1Q+ojYsA/Ut2/fUOqjkhEjRthQ3X333Rdanf379zf3339/qGIzZswYa3jDEpunnnrKXH/99fnan/MCW7hwoRk2bJh58MEHQ+P4zjvvmPPPP9/us4RVXnjhBdOjR4+0k0HC6ofqkdj8a+YAYkP8PZ0N6GQXSV1sdLOHE1bZs2ePjd2HtcJnw51MonSzxpJdFxlfbJqHWScb5WHWR7937txpN83DKvSR5JB091b8/YChy54Lq4/sKXLNJAiEWSQ2YdIMry55NuGxDLUmxIa04rC++IsNaDbK2eQOq7CRj7FINznA3w+yiVjhYyzCKoQO16xZY6644oqwqjTvvfeezb4Ly0gSRmPD/PTTTw/Ns8FD7Ny5c2jhJJI4JkyYYDPcwip8fTfJAmFmjH366afybMIaoJDrkdiEDDSs6hRGC4ekwmjhpNIrjBbOfDyca5HYxHT0P/zwQ5taLM8mfwP0b/FsSHtv3ry5PJv8DbcZOnSoTe1nL1ElXgQkNvEaD/VGBERABDKSgMQmI4dVFyUCIiAC8SIgsYnXeKg3IiACIpCRBCQ2GTmsuigREAERiBcBiU28xkO9EQEREIGMJCCxychh1UWJgAiIQLwISGziNR7qjQiIgAhkJAGJTUYOqy5KBERABOJFQGITr/FQb0RABEQgIwlIbDJyWHVRIiACIhAvAhKbeI2HeiMCIiACGUlAYpORw6qLEgEREIF4EZDYxGs81BsREAERyEgCEpuMHFZdlAiIgAjEi4DEJl7jod6IgAiIQEYSkNhk5LDqokRABEQgXgQkNvEaD/VGBERABDKSgMQmI4dVFyUCIiAC8SIgsYnXeKg3IiACIpCRBCQ2GTmsuigREAERiBcBiU28xkO9EQEREIGMJCCxychh1UWJgAiIQLwISGziNR7qjQiIgAhkJAGJTUYOqy5KBERABOJFQGITr/FQb0RABEQgIwlIbDJyWHVRIiACIhAvAhKbeI2HeiMCIiACGUlAYpORw6qLEgEREIF4EZDYxGs81BsREAERyEgCEpuMHFZdlAiIgAjEi4DEJl7jod6IgAiIQEYSkNhk5LDqokRABEQgXgQkNvEaD/VGBERABDKSgMQmI4dVFyUCIiAC8SIgsYnXeKg3IiACIpCRBCQ2GTmsuigREAERiBcBiU28xkO9EQEREIGMJCCxychh1UWJgAiIQLwISGziNR7qjQiIgAhkJAGJTUYOqy5KBERABOJFQGITr/FQb0RABEQgIwlIbDJyWHVRIiACIhAvAhKbeI2HeiMCIiACGUlAYpORw6qLEgEREIF4EZDYxGs81BsREAERyEgCEpuMHFZdlAiIgAjEi4DEJl7jod6IgAiIQEYSkNhk5LDqokRABEQgXgQkNvEaD/VGBERABDKSgMQmI4dVFyUCIiAC8SIgsYnXeKg3IiACIpCRBP4f+Vwgr9TMZycAAAAASUVORK5CYII="/>
+          <p:cNvSpPr>
+            <a:spLocks noChangeAspect="1" noChangeArrowheads="1"/>
+          </p:cNvSpPr>
+          <p:nvPr/>
+        </p:nvSpPr>
+        <p:spPr bwMode="auto">
+          <a:xfrm>
+            <a:off x="155575" y="-1241425"/>
+            <a:ext cx="3914775" cy="2600325"/>
+          </a:xfrm>
+          <a:prstGeom prst="rect">
+            <a:avLst/>
+          </a:prstGeom>
+          <a:noFill/>
+          <a:extLst>
+            <a:ext uri="{909E8E84-426E-40DD-AFC4-6F175D3DCCD1}">
+              <a14:hiddenFill xmlns:a14="http://schemas.microsoft.com/office/drawing/2010/main">
+                <a:solidFill>
+                  <a:srgbClr val="FFFFFF"/>
+                </a:solidFill>
+              </a14:hiddenFill>
+            </a:ext>
+          </a:extLst>
+        </p:spPr>
+        <p:txBody>
+          <a:bodyPr vert="horz" wrap="square" lIns="91440" tIns="45720" rIns="91440" bIns="45720" numCol="1" anchor="t" anchorCtr="0" compatLnSpc="1">
+            <a:prstTxWarp prst="textNoShape">
+              <a:avLst/>
+            </a:prstTxWarp>
+          </a:bodyPr>
+          <a:lstStyle/>
+          <a:p>
+            <a:endParaRPr lang="de-DE"/>
+          </a:p>
+        </p:txBody>
+      </p:sp>
+      <p:sp>
+        <p:nvSpPr>
+          <p:cNvPr id="6" name="AutoShape 8" descr="data:image/png;base64,iVBORw0KGgoAAAANSUhEUgAAAZsAAAERCAYAAACtswpGAAAAAXNSR0IArs4c6QAAIABJREFUeF7tnXeUFcX2tkslKkGiBJEgWRABRRBUEBQlKAqYRUyY4xVEf5e/THiNmLOigogiiIogkkQFJCogSpYoGUQkCXzrqW/VWT09Z2ZOn+mG9vDWWixmznRXVT9Vvd/au3b3OeLRay49UKNSKVPy7IsM5cCB3Wbt2m2mQsVyZuO6NaZU6ePMtq0bTYmSpcyRR+43u3fvM39u3WUqHl/W/LNzq9m080hT5tgiZtumHeaAMaZsuWPNls3bTMmSRcyOHftN8RKFzMZ1m0zpsmXNjr+2meIlS5otG7eaUmVLmQ1r15siJYub4kcfY9tOtezdvdPsNAVNicIFUj1Fx4mACIiACBxCAkf069cPjVARAREQAREQgcgISGwiQ6uKRUAEREAEHAGJjeaCCIiACIhA5AQkNpEjVgMiIAIiIAISG80BERABERCByAlIbCJHrAZEQAREQAQkNpoDIiACIiACkROQ2ESOWA2IgAiIgAhIbDQHREAEREAEIicgsYkcsRoQAREQARGQ2GgOiIAIiIAIRE5AYhM5YjUgAiIgAiIgsdEcEAEREAERiJyAxCZyxGpABERABERAYqM5IAIiIAIiEDkBiU3kiNWACIiACIiAxEZzQAREQAREIHICEpvIEasBERABERABiY3mgAiIgAiIQOQEJDaRI1YDIiACIiACEhvNAREQAREQgcgJSGwiR6wGREAEREAEJDaaAyIgAiIgApETkNhEjlgNiIAIiIAISGw0B0RABERABCInILGJHLEaEAEREAERkNhoDoiACIiACEROQGITOWI1IAIiIAIiILHRHBABERABEYicgMQmcsRqQAREQAREQGKjOSACIiACIhA5AYlN5IjVgAiIgAiIgMRGc0AEREAERCByAhKbyBGrAREQAREQAYmN5oAIiIAIiEDkBCQ2kSNWAyIgAiIgAhIbzQEREAEREIHICUhsIkecdwP79u0z06ZNM/xfuHBh06xZszxP+ueff8yPP/5ozznmmGNMo0aNzNy5c82OHTtMvXr1TOnSpfOs41AdsGzZMrNq1SpTuXJlU6NGjZS6wXXBpkCBAikdH9ZBs2fPNn/99Zc56aSTImX6/fffm/3795szzjjDHHXUUWF1P5R6mGPwL168uDniiCMSdS5atMj88ccfpmrVquaEE04Ipa1UK4HVpk2bzJw5c8y8efPsGDE3ypYta++fWrVqmaOPPjrV6nTcQSAgsTkIkFNpYtKkSebbb7+1hub66683FSpUyPW0JUuWmI8++siKTdeuXc2JJ55oBg0aZNatW2d/r127dirNHpJjvvnmGzNlyhTTvHlzc+655+bZhzVr1pivvvrKXHTRRdaYHMzyxhtvWIN6+eWXWwMWRTlw4IDp37+/YQHRt29fU7BgwSiaSavOv//+24wZM8bOyw4dOmQR+y+++MIgxmeffbY566yz0qo/3ZN+/fVXOycQGX9BEBE/5kvJkiXTbULnhUxAYhMy0HSrw6C99dZbdnXbrl0706JFi1yrGjdunPnhhx9M0aJFzY033miKFStmPZ3t27ebxo0bm/Lly6fblcjPCyo2Tz/9tMHo3XzzzQf9ug53sUFMRo0aZRcz3bp1yyI2eNIrV660C5uaNWtGPm9cA4jya6+9ZjZv3mznfZMmTezChUUJ98DSpUutcOMltm3b9qD1Sw3lTkBiE5MZsmfPHuupLF++3N7Y3bt3z3GFy430zjvv2BV33bp1zcUXX3zQw0v5wSaxyUovzp5NbmKTnzmQn3MXLFhghg0bZuB21VVXmerVqyfCe9wbEyZMMFOnTrVhz1tvvdUceeSR+WlO54ZEQGITEsgwquEm+e6776xw3HXXXXYvJllZv369XdlRzjvvPHP66afbnwmpcQMS8vDG1rkBWfW5kAOxbMJ07IF4j6MOjqUk2xvB6+IfN6//BubzjRs3mm3bthmEkz7QDvsy/j2IIGJDf5577jmzc+dOc8MNN1jPxn99tM0qd8uWLbZtrom2q1SpknT/A0awWLt2rdm7d6+91nLlypljjz0223Xl5Nk4FrBKxiOn+cAYrVixwl4P4bKKFSvacU4WRnPjmVP9ycbK9QtGzBO4FClSxO6ruDHjmK1bt9q/7d69O8GrUqVKplChQomuU/9PP/1kRo8ebffWunTpYv/uxjO3/tHGhg0b7JhwHB44oa1k88pbD2PHIorz6C98SpQokWWeDh061LBfdNxxx1mv3l+Yh6+88or9+KGHHordHlgYtuLfWIfEJkaj5r1J2rRpY1q1apWtdxjKTz/91Pzyyy/2xkeUuJExGv49G46dP3++3R/hBvYWbmA2Uv3huocfftge1q9fvyzHUxciwYqRcwj1uYLRJq5PSMVfEIfOnTsbDJkrqYoNRuixxx7LVucVV1yRCNtgNAnzEDqhj95CvJ59Bm+IByNG+JGNZQyiKxg2jrvsssuy1JFMbDhvxIgRdgwQivPPP98mZeRVSIxgn4GNbVcYB0I9n3/+ebY9G7cn0rp1a3PmmWdmqz7ZWE2cONFMnjzZ7lcgEswLihszFgP0YfHixdl40ReupU6dOvYcFjQIlreweMCbYKGS057N6tWrDWHe33//Pcu5LACY16ecckoWUf/kk08M3grzcdeuXTbRxY0l48Jiij0hJ4T8DZbMLcJo/sK+5euvv26Pv//++yU2eU3Mg/R3ic1BAp1KM9xE7NtgvLmZ+/Tpk+00soKeeeYZ+zkZaBdeeKH9OZnYsHLlpmP1Tn1lypSxq1xEgc9YWV9yySVZkgmCig2CQH8wEqxKWW1iABA3+so1lSpVytxxxx2hiw11P/vss7YdCt4JAsOK+s8//7Rt+zm6RAyMGMaVhAOMPyJEYSXtXS0nE5sBAwbYvTHqZx+DUKbfQ/QPHJ7Uiy++aLnjGSC+9Jt2OdcJnzdBID9iwwIELw9xYD4RToINK34WNRSuHW/OeaRcDwb6P//5j/VA0hEb9tZefvll67nBGEFAZNyc47Mrr7zShr5ccWIDF+YT4S/+IVaO16WXXprSvhDeGMJNhlrDhg2t6OY1Nqncmzom/wQkNvlnGGoNCAQ3Kzc+q/KmTZtmqZ9VK6tXjMI999xjjWlOYkNIjtAcBocbHKGh4A0QisDItm/f3m6wuhJUbAizjBw50vYDr4BwDQXjyd8wmNzs//3vfwOLjTshpwQBQilDhgyxhhHRdCtyznN/42evl/bkk09aYSQkhDFyBW8HVnDt3bt34nOv2BAGYq+ATEAENVWPhsrYYyPdGzHG00PUKN6sQn4PS2zo37XXXmuNNoKG4LMf+P7771ux4/rr16+fuE76AUvG7fbbb0+keee2Z5PMs6EO2CNiF1xwQRYPlOPxSJgrd955p/XIKU5s+J2w8Mknn2w/Z9EwePBgu3DwhotzuuEYV+6NGTNm2HFkIZBqan2oN7EqS0pAYhOzieH1bho0aGBXZi7WziqPENrChQttGi5JBC5+nsyzcXtArGA51ps2TDiF+jBKToRAEVRsMGSE6TAuZP94C9fyyCOP2I+8Bj/VMFpeYoN3gaDSf9Jv/ftIya7l0UcftQaVECWhGe/+A0LP795nlLxiA09CNIgbK20MWSqrZjyHgQMH2tU+KdT+zC34wSRMseG5IOaOd78Mr4P0ejzaZFlaL7zwgl2I3HLLLdZLpAQRGxYv7733nt0Po20nGm4cEYOXXnrJZhZ26tTJZk16xYaFFQssb3Hidc4555iWLVvmeLcyn1n0IKgIjVv4pDI+MTMBGdsdiU0Mh9bF3XmIjtUpq1IKRoswGyLBSs/78GcysWGFiQeDcXXPHpCmSggHg5os3h1UbBw+hIU+EAZBBDCsxPu//vrryMTGO3SubQwdxgzDx16OX+ic8eJz9ltOPfVUG+ohxAhn/wa2Exs+dxvyqaSme/vG3g57PPC++uqrsz0cCjtEkP/D8mww5B07dsxRDL28GCvmFmLKz+mKDftAeCkYe64zWfo9GZcslti3wcPzik2yfUrnPeW0h+k4s2dI2jNjSmj5YKZix9CExLJLEpsYDgv7HawQibl7V8KzZs0yX375pb2Z2QPxZqslExtEBkPHDYtAucLKFrEhW4ubOD+eDXWyYuUJeGLsXrHxbsBH4dnQNu2RtPDbb7/Zn9kHQWz42RVv26yASaTwbtIjxAg7q3mExGskndhQF8chCOxB9OrVy56TSsE7YNzYp2DF7Rc06nz88cdtn8MSG0SUMJa/eHkxPm5h4OWVrtiwyY+oEiokicOFybx9YJ6MHz/eJlQQ5vKKDSFd/9szUhEbvBnGlOtx94s8mlRm5sE9RmJzcHmn1BoraIwcq01uXAwbn7ERj6hgtFg5+lf2Ob1BgNg34SZEjJU/IuaEwJtkQH25eTZjx461r9XxZqMRdmEjmToJY2FI+UdcHmNMmq/fuwgrjMa1sL/l0ncRUdpGjPEi2CPxt+2YYfRYYRMG5HzntWCkSLF2eypObPB6CD3hdTIuhHzYs0nlGQ6v2BB+878hIKfnbHJLEGD88Ib81+e84mRigwi/+eabNj2d6/TzIkTIoiRdseGp/uHDh6ckNuwX8aaLMMSG7Dr2ady9ktJNpoMOOgGJzUFHnlqDrNQJgWHMevbsaTdJCVHw+2233ZYIrbnaknk2/pY4BoOCsWEVShv+zXsnNmTCueQD6sG4IWasIp3Y8NnHH39sjTbGmae4WfXjKbGHg9FnxR6F2GCgCZ1Mnz7dhsDYg8HTYzWNyPEvJ+H0coEHgglfBBkB8z557s9GgxvjgKhdc8015vjjj89zQJ0Rhgfn+MNLXAsp3vBM5tmwV8Gehbe4+RFEbAhpslhAONnjYqwcL8SZ55m4/nTFhvRz5gNzlMWQE2xvv0lQYA55xdAlCKTr2Xz22Wfm559/tns6fk55Do4OOGgEJDYHDXXwhlwWFvFtwkPswfAw5k033ZStMr/YkEDAsyRkWbGKJFzmLXgiTzzxRDYhYEMf40e835ulRqiMlF/Oc2KDN4AA4UGwIUxCg7eQ7vruu+/aj8hGc6GNMDwb+siGMEYm2eYxAsKGt79twpM84PrAAw9k289wcf/cxIb6uCb3TJFflJONMkLGXhuGnDCa9711XAf8HCev2BB6I3TqT8emDWegg4gNySU8d5WMFwsQUrMRPO9rgYIkCHCdZN3xP/smeM3egteEd84c8mYD5ldsgt9ZOuNQEJDYHArqKbbpssnYX8FQky3FngIehL8kExserCPTiZU0BobUXbwVwims0NlAZ4X+4IMPJqojW4h2WLFjMGgbQ0Scnf0fjKNfbDC8CBMPH7JSZpOZ/Rvqpy0KK/pq1arZn4OKDQYKsSWM5TLevGLDcy7sT7A6RxQJFxKCcs/OELpyadF4EOxPkImGMcQDwwhiIBEvDL93hZzsORtE9u2337ZeYqrhNPYyeFgR74sVPP2hH3iFrMzdQ4xesXFZangKZG+xaEAMCE3SV8fWuyeVWxiNEBfPnyB2LCboC/PGPZRLuJXiTblnwYLoMYfYh/EmlSRLfXbXyTxgrtJnwnU86Em4i7GhXdKrneecX7GBA9eBp+b1xlO8zXTYQSIgsTlIoNNpxoUlWAlSCE+xAcrGfl5ig0FhJf38889bo+Z/5Yl7RYh/z4aMHlb4FPdaGGcIadcbRuMYwiaEiRBDb5otRtGdx/9s/GJk0xEb9hkwiK4NDC/PyLiwULK23Wt1+B/DjuBQSCZg74lzYOK8LfoIE37nrdvujQc5va4GjwMx5XgeAmW/ILdCP3gAFcPo7a83icIfRuN3wpAum9Dx5XfEnX0KSqpiw4KBvSqKN0nBveIGHvyMV8w8o7hMOthwDtfJ3zDsycSG8/EoEW//dfI3roEQm/crCfIrNjzEiZCzGHGvbkrnftM50RKQ2ETLN1+1s4ImVdc98Y0BdEbTXzGCRJiE1SmrVvcwG0KAUWLFTn0YVYwKq0sMNiLgzarCi8EYk8bKih+DwZ4InhEreYwsq3n3+hTqxOiwQnevRsEo4RnhgRH64288WMqzPhQeTJ05c6Y1mKm8mp5VMQ9TurcCuFAixovVMgYRj8YJJAaR68JDIwzEtbrQI+E1eBB+wwNzhpw+80Aq5/EiVFcIE8KUMKH3qXf+zp4aITm8Pzy3vDKgGEdeIYMnCDeOJwMOrwzvBoPOit+bQMC14a3gpdFX+om3gHC/+uqrtps83OsKYVMWDDzjkmz/gvbxbrh2xwuvhTGFIXs6vFmhR48eti3EEY/IZRqy78QDwiw88FCpC0/Xa+ThzkLAvQGAOUddbm+NTDQvKzwn5gmeMSFjb3Ft4NHm9D1PLI7w1JmT/oeg83UD6uRQCUhsQsUZfmXeNF5u2GTppLTKDY0BcS899K5cESLq4Rj+caPz95xSd73HUzcGxoVc+Bu/e8MVtIkX5TwD6qefHINgYcScwFEfopSsntzokaLrxJLVsfueEq4HEXJtUwceIO3zmfMk/M8UuXMcD/rMNfozxQjfYeSpz5+yzDU4gU01DZrjGSfn9cEIL4Hro9BPryHmOK6BtrwLBfrpzvG27djyd29Ku2NLHY4ln9FWMl6wcP2gTjd/XJo4LBhXxtc/H6jXP+cYf45L9oVm8GBsYeF9ESj1uDaS/c1dUyrHhH9nqsagBCQ2QYnpeBEQAREQgcAEJDaBkekEERABERCBoAQkNkGJ6XgREAEREIHABCQ2gZHpBBEQAREQgaAEJDZBiel4ERABERCBwAQkNoGR6QQREAEREIGgBCQ2QYnpeBEQAREQgcAEJDaBkekEERABERCBoAQkNkGJ6XgREAEREIHABCQ2gZHpBBEQAREQgaAEJDZBiel4ERABERCBwAQkNoGR6QQREAEREIGgBCQ2QYnpeBEQAREQgcAEJDaBkekEERABERCBoAQkNkGJ6XgREAEREIHABCQ2gZHpBBEQAREQgaAEJDZBiel4ERABERCBwAQkNoGR6QQREAEREIGgBCQ2QYnpeBEQAREQgcAEJDaBkekEERABERCBoAQkNkGJ6XgREAEREIHABCQ2gZHpBBEQAREQgaAEJDZBiel4ERABERCBwAQkNoGR6QQREAEREIGgBCQ2QYnpeBEQAREQgcAEJDaBkekEERABERCBoAQkNkGJ6XgREAEREIHABCQ2gZHpBBEQAREQgaAEJDZBiel4ERABERCBwAQkNoGR6QQREAEREIGgBCQ2QYnpeBEQAREQgcAEJDaBkekEERABERCBoAQkNkGJ6XgREAEREIHABCQ2gZHpBBEQAREQgaAEJDZBiel4ERABERCBwAQkNoGR6QQREAEREIGgBCQ2SYjt2bPHHDhwwP6lYMGC5sgjj8yVqzv+iCOOsMfzv0pWAvCEE2wKFSp0WOLZvXu3ve7ChQvn+/r37t1r9u/fbwoUKGCOOuqofNd3sCoIk0FYfXZ9Yl7q3g2LavZ6JDZJ2M6bN8988803duKdffbZ5pRTTslxBDZt2mQ++OADK04nn3yyOeecc6IbrX9JzZs3bzZLly41p556aqLH69atMx9++KEpVqyYufHGG2N1Jbt27TKffvqpufLKKyPt14svvmj++ecfc9ttt+VbcIcPH25+//130759e1OvXr1I+x20ckRwwYIFpnLlyubYY4/Ncvpzzz1nf7/nnnuCVhvZ8a5PN910kznmmGMia+dwr1hik2QG7Nixw7z77rsGo1m2bFnTs2dPU7Ro0WxHYqTeeOMNs3XrVrvCxFhVrVr1sJ5T33//vZkwYYJp1aqVad26dYLFH3/8YZkiNnfccUdsGNGvgQMH2vG96667Iu1X//79DR7JAw88kG+xGTRokBX0iy66yC5y4lQYf+bBrbfeasqUKZOlazCg9O3bNzZddn1iXjI/VaIhILFJwhUvZc6cOeaLL76wf23atKnp0KFDtiMnTpxoJk+ebD9nhdmsWbNoRulfUivcxowZY6ZPn27OPPPMLGKDkcULJCRZvnz52FzRqlWrzDvvvGNKliwpsQlpVF544QW7AMOD84sN4k6pUKFCSK3lvxrXJ+ZlXiHz/Ld2+NYgscll7N977z0bqqB06dLFNGzYMHH0+vXrzfvvv2/+/vtvU61aNevV+GPn+/btSxzPJI4iHoyBJ2xBCdIG53Au/+hXXuf6j0+2T5Cb2KRyi7lrcX3ytpHb35LV7e2vY5PMkKQiNv62Ha/crinZ2Kfr2XjH2LUdlWfj+p1sPqQ6Z3ITm9yYpcOZ+rzn0e8wBcPxoI2w607lnsikYyQ2uYwm4bS3337brtIqVapkLr/8chvT5aYj9IKhwiDyeY0aNRI1EV774YcfDILkEg2KFClivZ+jjz46S4us9gk78Lnfe2JDnb/t3LnThqUI6VHcOYRQ5s+fb+PjGKETTzzRnHbaaXnOz5UrV5off/zRbti7Urp0aXPWWWdlCxfSf+qfO3duQtRoCw7nnXdeYrObTdbPP//csErcsmWL7Wu5cuVM9erVrWfIZ+PGjbP1d+zY0Ta7aNEi89NPP5kqVapYr3DSpEn2fCc27EU0atTI/v7rr7/aYx1P6md/LJnocX3Tpk2zIStXMBR169a19bkCW8Zw+fLlNrGjZs2almPXrl0Tx3BdX3/9tWEuuLYJmcKZRYa/cAysfvnll8TxcIDtM888EziMtm3bNoMHzaLGiWbLli0tK38YjesdNWqUbePCCy/MFqqDCWwIu9WuXTvR9U8++cTy57q+/fZb22/4nnvuufYY9pmYz2vXrk3MAT5nLNu0aWO9QgosmVcLFy60fWA+sulOPe4Y2qJ069YtCzrm+HfffWc2btyY+Jz64cbc9Bb6M2LECPsRi0DmFSFvx+ekk04yDRo0yPM+cAe4PnXq1Mlwn1K4x/HQly1blhhH5gbeD32ClbfMmDHDziPajtseWsogIj5QYpMH4FmzZpmvvvrKTj5uSG4cjBQ3H5OPzzC6rvz11192bwLj6ia/8yD4HYHAQ3JeTm4ra25AQjzbt283V1xxhTnhhBNsnRgM2uCG5UbBkNIGiQzcMDkVrgEjxU1NoQ/8c/0jS+qWW24xJUqUSFSBkacNJwAc7zwpNn/x6AiVYAyffvrpbE03btzY9glD9eabb5rixYsnNoenTp1qxo4da+rUqWMFdcWKFQkurj2MCYb7t99+S1ynM/okb3Dju8LnCB6ilOz6+Ix9JEJ8FNjC31tg+X//93/2I/720Ucf2Wvzs+L3q666yoqpt33En8171z7/0y+EDGOEoUx1zwYD+sorr1jebr5QF4abfjLHvHs2LHKef/55g0Def//92RYOJEHQv3bt2pkWLVok+v3www+btm3bWlFzY0uYi0QOxoVxY8GVbD4j0mysMwdYlHDtXq+Oc26++eZE6JS2KP369Uu0/+eff5pXX33V9jtZGz169LBz3zFgkfTEE0/YY5k7yebGxRdfnLLguD7de++9ds8GxtzzM2fOzDKPHBtElAWJN6tw5MiRdt5551e2m+Ew/0Bik8cEYGKTRYUhZBWNgWP1hqiwIid5wBVulsGDB1sjxYqOlTcrIAwMNzkigbG9/vrrEwY9P2JD3WT8IF4YRFarrKJzKqyEMTisOhEBF6Omf6zMNmzYYG/q7t27W0+L45566inb//r161vDipHD8MCA68VoYbw4hpsTcYIVnl6tWrUS3k1uYuNSoVklY7wwVngHsKGPGF2MCu27/bTVq1dbtg8++GDicmkXcaBfeB6woL/8Tt/wCI8//ngrkBgKRIw2WPG7VTQGzXmHLozKOTCmPQzO4sWL7eqdwiIA40NxQkMfGQuun5/pF39zIpmK2GCAmXd4xxhyFjXMP8Zk/PjxCa8tLLGhbgwt40k/WUhwDVOmTLGeA7yaN29u5y8MmP9wQ+DwtBg7xG/JkiV2QeO8cTxg2LkEG7/Y4DF+/PHH9t7gWBYCzAHmEws9shhZ/MDZ7fV5xQZPxPWLc9hDpW9cCwkKzlPJ7Tb3iw3eDGFK5gL94Zr5mbniFjLcI17vkHsLr4y5QhREJTsBiU2Ks8LF293hGMhLL700y8oWg/LZZ5/ZiXnNNdfYiecKN9WAAQOsIcXVvuSSS+yf8iM2nI/YIXqplNdee80aL0JyGAdvwYgRa0e0brjhBlOxYkUbOiL0g6FgpewtrILxTDDoHE/Jbc8mN7HhXOrw3qQYOdLPKV5e/I5Refzxx+3fvCtkBJCQF14EoU1vQbwYG8SHrCPnveXE361UMfRsdPsLRg0GhKQIWTHmbh+FEA4ra29h5Y6YU1IRG/YKETvY40ExHq6Qms+1YPTDEhvq9ie5UD9eDQYfAT7//POzXNPo0aNtqIkUd/7mPI/c9mz8YgN/QtKIHZ46Y+cKvGCKZ0/04PTTT7d/8oqN30tjfpMh6jyuUqVK5Xlr+MUGb5u5fcYZZ1iPz1veeustO458nkrIOs/GD6MDJDYpDjYrfwyZCxG48JD3dFZ0xLyJ5V922WXZYuasrompe413fsQGwcNwpVJYgT755JO27TvvvDPpKRhrDCj7GhhQFxrDiLB6RVgwBrSbbBM2XbFhFUqoxJu5xCqREBJt33fffVn2umjnkUceySY2GCWMNB4I+zPegoHi+jGgpDh79xmSZaMhsojttddea4477rhsvNhbwotFtOg73hOGkXMQGn/cfs2aNQZDlarYELokLIWnSf3e5BJvan6YYuPCSN6LxRuEKSn93vFhDJgrhGTZk7vgggvSEhsyPmfPnm2z0/D4/XtwhLO49/BqCMf5xYbndfA8XMELJsTMgoQFjD8bLtnE94sN10SoHMFi3nPtiD3zKookn1Tu30w4RmKT4ihirEkW4ObDOGKw/ZuErMRZkTtj7a+a8BOrPopbkedHbDD+7LGkUrgJX3rpJXuzJHtmiDowIIQ/3Gqe31klsrKlYAgIpxDuIGbNcV7RSVdsEAYz/ItnAAAazElEQVRWtd4bGU8Lb5I2MYL+PieL/TsO9IPzMcoYDkI0XJfbZA8iNoRhcspuok7+hhEkdEPYCyHGE0kmUI8++qgVu1Q8G7xgQmmsoFlh+wtzkVBimGLz3//+N0djSr8x4ITK8OpgisDCOT9igzBQVzLPiWsmiWTIkCGWs9tL83o2/j5zj+Ep0bd0xYZr4kFP7nkKosM/BIc9ROaiRCcVq5P1GIlNAGavv/66NbzeVZb3dOd+sxrK6U0CycIIOT3nkVeCQE79SHZJuP6Ecpxo5HbZiMndd99tD8FAE7NnL8bdfO5cjuM63RsW0hUb9oO8GWDUn47YuMw5xgFD7S0uEYLPgohNXinh1NerVy/bHmKDALNhnixLLkjqszuWcfAmbLhrSpb6nJ8EAe8CyMsN480eBiEzxCZZyY/YsJjBS7zuuuuyhJ297fjvGa/YeMOonBOG2FAPizOiEOy3+RMe2CclczROzwoFMGOH7FCJTQD0eYmN82yShdhoBoPEihXDx4qMkh/PJojY4JG9/PLLdsOUsExuBUPp0qw5DiPO+RgzQoneFFjvmxMOtdiwl8FeC8YBkcDLIG2WkBab+Ow/BA2jOQ8uN14IDOOI2MAXzybZg6uPPfaY7Vsqns2zzz5rvSXvXoW3D6zeMYSpejaMDckhJEUky0ZLJjawYvPeJUMwLwhZYWTZP4E3oeH8iI3LCPQ/BOyulY13hBXPwr114GCIDe3jHZF6jgeJh8zPLskDDmTr6Y0DqRtQiU3qrExeYuPeKMC+BskD/tUt3gE3L6GoPn36ZBEbJi/ZM950SlJlhw4daid4stTnIGLDjUJaLH3ybpB7L5/VHIJCeM5lheER8bM/9k2mEPtT7JOQKcb1HmqxcRvTbFizh+AtZEkhBvQxiGdDeC/ZcxNwYl8Jr4N/eLzs4eCNkvzh3zOiXcJo/J+K2FAXfWb/7+qrr84StqEOhBOPICexYS55FwwsdHiHH4uGVMUGYcTDQnRIX2cR5S0sPMhIy4/YkCqNaJFMw/6YP2TpFnAsGm6//XbbfNRiQ/iV+4Vx9YsJ14zA4uWRBJTsWasAJuWwOlRiE2C48xKbn3/+2T7nwYqa9FrcbVcIR3E+xplVtnvpIxvHxK0RAdIpvQ+HciMTEsLY51dsMBwYY9rHeLJi9++RuOeDSCXl+RUycljRsZlOaMhfSDNm1Ythpe+HWmxIGnDC7M1q4jP3vi6uIRWxwTATPiIFnFCWf3+OsaFOjCQsGSMEgs10xBce3mdj2AjnFUiUVMTGPd/E4sM/l1jtk0DAytsrNvyO94pH5H/eg3mGN4SRDCI2eGPJ+ox4sZeCyDZp0sSGldLJRmNPhgUVfEmq8Rpv9odgyiLIG5qOWmzI9OPZHXcf+Oe9Sx6R2AQwnjzX169fv///Ln2VPAnkJTasarmh8Qa4eYhD8z/7D3gBGGaEiFRal0HDSpPX3iACZL24FFJuYkJCrCrDEBsujmcEMHrUyTMgGCT6hxCRwkpWEP2j33hNXA8PamKs2fAmQ815PIRj2CjGwLhnTbxiw7MVpFizmcreTm6pz2Ht2ZAAgWEigwuOCDjGFY4uySEnsWEFiwcBD5cu+7///c8adP5GfTCBFV4N40xhY5uUYTjg7RHnhwOLBvcEPinxvJgyyHM2XkOL2DtPmetxokF9XrHhb4ScCK+xKme8mGfMP8JVFPofRGxgQL14i/zjOqmPtGz3Bgq4sBnvBNmNA2nhzAGe2XFevn//xfs8EfMEYXXPppGJRniS0CRzzD1KELXYsJDAg3Hji5i6ucTeFXz99zF7RSwo4e3NjsvTqBxGB0hsAgx2XmJDVWTW8CoN98S1t3puVDbUiXe7mw/DzwR2Tyt7jyerjVAaRj+/ng31Ug+b/YhKskL/MA78c4YDkXSvMPGfw/FkSrlkCIwfYQ88IldcZt7BEBvnWbonvb39RdBIJaaPhBGdoLg9M3esN52cZ3MYG39ihDuW55tIc3Zp1HyOAJMC74TFHcsDqW6zORXPhvMYe7wH72t3+BwhgT2hHv9bn90LZP3t4zFwDt5aqmJDHd43Mnh5Mj9YgLCfATMyBt3Due5NBe54r5eVLIsQLlyne4OA/57p3LmzfTDUhdiiFhvad55tsvsEb5MwrfddiXqDQN6GVGKTN6PEEUxA4vTEwlkF51S4GRAcjIW76d0TzTml0fK2ZPfuL45hw5QsL0JVhEVIuXRhOQw3n7OPgisftHBzEyt3RhQjxKqS5xySpUVjxL3PGNEexoaVu//19hhGVrbOcPCUNQbZfZ8N7biQnNv34Rj/e+FYTfP9L4gyx/ufBM/pe1EQRlam3peTsqeAIMIYwfH2gWvBoOKpUWDfu3fvLEjJmHLv3uIP7k0SOT3Uh5gjuq4PeKzs41APfIJ8nw2rZQyxeyDUPfxIGzl9nw3jRfjVZY8RUiTUh6dAeIi5BRNX8vqOGbwlRMXNZeYIc4U5zbNQjDWLIZfuzT3C3qTLCGSeuu8wyqkt5uKwYcOytIOI83Cu/ztx3Byj//7vxaFNwnLcg/QplYc6c/o+G97UwCLQu3ghrMrekj9DkPuDOcTi63B/+3tO9khiE9RS63gREAEREIHABCQ2gZHpBBEQAREQgaAEJDZBiel4ERABERCBwAQkNoGR6QQREAEREIGgBCQ2QYnpeBEQAREQgcAEJDaBkekEERABERCBoAQkNkGJ6XgREAEREIHABCQ2gZHpBBEQAREQgaAEJDZBiel4ERABERCBwAQkNoGR6QQREAEREIGgBCQ2QYnpeBEQAREQgcAEJDaBkekEERABERCBoAQkNkGJ6XgREAEREIHABCQ2gZHpBBEQAREQgaAEJDZBiel4ERABERCBwAQkNoGR6QQREAEREIGgBCQ2QYnpeBEQAREQgcAEJDaBkemEQ0Vgx44dZt++fYnm+YbR3L7vnW+W5JsuvefwTZx8Uyfn5lX4pku+Sptvx+QbGlVEQATSJyCxSZ+dzjyIBCZNmmRmzJhhxcOVggULmlNPPdX+8391MMeMGzfO8BXJfK22K4UKFTINGjQwHTt2zLP3tPndd9+ZE044Ia2v386zAR0gAocRAYnNYTTY/9ZLHTlypPnpp59s970eCZ4L5eyzzzZnnXVWlsv78ssvzaxZs7KdwwecV69ePdOtW7cckXDMI488Yv9erVo1ic2/dfKo37EhILGJzVCoI8kIbNy40bz99ttmz549pnHjxgmPBDGYN2+eGTFihBWgPn36GLwWytatW82gQYPM5s2bTe3atc1ll12WqHrNmjXmo48+MoTkrrvuOlO5cuUszVLv+PHjzbRp0xLhN4mN5qYI5J+AxCb/DFVDhAQw+mPHjrVhsh49epgSJUpkae3hhx+2vz/wwAMJsVm0aJEZMmSIKV++vLnhhhtMgQIFspxDKO7pp582xx13nOnVq1fib0uWLDF4UQgRooNQLVy4UJ5NhOOrqg8fAhKbw2esM+5KXajL79k4salQoYK56aabkl63E6l+/fol/j5mzBjz448/muOPP95ceeWVVmjwnNLxbFz9Dz30kBk9erSZPXu2FTBK2bJlzeWXX26KFStm/zZnzpxEH4oUKWLOOecc07Rp0yz9/uWXX8w333xjtm3blvicZIfTTjvNNGnSxNapIgJxJiCxifPoqG85Eti9e7dBHNjLQRzwesgao6QrNghNlSpVrBdVtGhRM3fu3HyLDWG61atXZ7sOBAyRXL58eUKE3EFcR+/evQ0JEBSSHD7//HOzf//+pDzo89VXX53Ng9P0EYE4EZDYxGk01Jc8CaxYscJ88MEHif0UUp/Z6EdwXMkrjIZ38Pzzz9vDvZ6Nv/EwxAbhIPOtUaNGtvpvv/3WkOVG4W+dO3c2DRs2tL8jPIT/9u7da4+/8MIL7ed4P9OnTzfVq1e3HpELCxJiZH+J0rVrVxv2UxGBuBKQ2MR1ZNSvpAQWL15sPvzww8Tf2MMhs6xdu3aGsJIz2u4YhKhWrVpZ6ho4cKBBtA6G2NA+/fOWRx991HopeD0kKXgz7IYNG2YImXlDd6NGjTIzZ840zZs3t9fpjidpYtWqVYbngQgZ+vezNIVEIE4EJDZxGg31JRAB9kHYx9i1a5epW7eu6d69e+J8Ms7Yc6Gwn9G6dWsbziIdGuPsHvSM2rMhS65w4cJZrqt///7We+nQoUO2vRky7IYPH26qVq1qQ4MUEiSmTp1qf6auli1bmvr169uf9bBpoCmjgw8hAYnNIYSvpvNPYOnSpTaVGQHBS3DhNFKmCT8tW7YsSyPsxbABz3M4B8OzIUHA7SW5jjixSSZEycRmw4YN1pvzJgfg3ZQrV84+cFqnTh1To0aN/MNUDSIQIQGJTYRwVXX0BBAZnqkhLMaKHyFxhewvPJkpU6bYdGZCU+xtsOeRLBvN39sw9mzCEBvXL/Zt2KPBK/O+gofr6dKlS7ZwXfT01YIIpE5AYpM6Kx15CAggGOzTYFxr1qyZLeOKvQ/Sk+fPn29atGhh9zTyKggT+zZke/Xt2zfHw+MmNnQUDps2bbL7Otu3bzcLFiwwZOZVrFjR3HjjjXlduv4uAoeMgMTmkKFXw6kQwDMhxZm3AxAmK126dJbTMLQDBgywBrd9+/amWbNmNquLVGGeY7n44ouzvTfttddeM+vXrzcnn3yyueiii2IvNoTW4NC2bdssbzxAaMm8Gzp0qL2G3PafUmGtY0QgSgISmyjpqu58E1i3bp1599137etq2OQ/88wzE3XyWhpW9iQJIEbsgbCXwWtqBg8ebF9b06pVK3ueK7wlgA14wm89e/a0WVw5lTh4NiQ/cC0kN/AC0U6dOiWev+EaeFHo5MmTraDeeeed+eatCkQgKgISm6jIqt7QCLgn+6mQV9CwR4Go8DZnNs352f+eM5eNxrFko7FJj3HesmWLFS6y1y655JJsm/feTsdBbOjPxIkTraCQ2o1nR/iPn7kOrofrYq+KPSsVEYgrAYlNXEdG/UoQYN9mwoQJNpTE98t4C8+WtGnTxobEvIUQ0/vvv289Au9mOh4QacWXXnpp4rmcOHs29I1rQTxXrlxpw4XeQvozwkkatf8dcJpCIhAnAhKbOI2G+pIjAQRn7dq1dlPcvWPMrfTLlCmT9MvQ3EOPPNPCOXhApD6THu0eAM0NOZ4TezucwwZ8kEJKNoWn/v1f1EY6Nv0hO87fD9cm70irVKlSokkEB+HkJaLu+qmXL4Lj4dBUvgwuSP91rAiETUBiEzZR1ScCIiACIpCNgMRGk0IEREAERCByAhKbyBGrAREQAREQAYmN5oAIiIAIiEDkBCQ2kSNWAyIgAiIgAhIbzQEREAEREIHICUhsIkesBkRABERABCQ2mgMiIAIiIAKRE5DYRI5YDYiACIiACEhsNAdEQAREQAQiJyCxiRyxGhABERABEZDYaA6IgAiIgAhETkBiEzliNSACIiACIiCx0RwQAREQARGInIDEJnLEakAEREAEREBiozkgAiIgAiIQOQGJTeSI1YAIiIAIiIDERnNABERABEQgcgISm8gRqwEREAEREAGJjeaACIiACIhA5AQkNpEjVgMiIAIiIAISG80BERABERCByAlIbCJHrAZEQAREQAQkNpoDIiACIiACkROQ2ESOWA2IgAiIgAhIbDQHREAEREAEIicgsYkcsRoQAREQARGQ2GgOiIAIiIAIRE5AYhM5YjUgAiIgAiIgsdEcEAEREAERiJyAxCZyxGpABERABERAYqM5IAIiIAIiEDkBiU3kiNWACIiACIiAxEZzQAREQAREIHICEpvIEasBERABERABiY3mgAiIgAiIQOQEJDaRI1YDIiACIiACEhvNAREQAREQgcgJSGwiR6wGREAEREAEJDaaAyIgAiIgApETkNhEjlgNiIAIiIAISGw0B0RABERABCInILGJHLEaEAEREAERkNhoDoiACIiACEROQGITOWI1IAIiIAIiILHRHBABERABEYicgMQmcsRqQAREQAREQGKjOSACIiACIhA5AYlN5IjVgAiIgAiIgMRGc0AEREAERCByAhKbyBGrAREQAREQAYmN5oAIiIAIiEDkBCQ2kSNWAyIgAiIgAhIbzQEREAEREIHICUhsIkesBkRABERABCQ2mgMZR+CLL77Ick2dOnXKuGvUBYnAv42AxObfNmLqb54EFi1aZIYMGWKPK1mypLnrrrvyPEcHiIAIREtAYhMtX9V+CAjs2LHDfPDBB2b9+vWmQ4cOpmnTpoegF2pSBETAS0Bio/mQkQQ+++wzs3r1atOzZ09z9NFHZ+Q16qJE4N9EQGLzbxot9TUQge+//960bNky0Dk6WAREIBoCEptouKpWERABERABDwGJjaaDCIiACIhA5AQkNpEjVgMiIAIiIAISG80BERABERCByAlIbCJHrAZEQAREQAQkNpoDIiACIiACkROQ2ESOWA2IgAiIgAhIbGIyB9auXWu2bt1q6tWrF1qP5s+fb+vjSfrNmzebMmXK2P/TbWP58uVm3759Zvbs2aZ+/fpmwYIFpmbNmmbDhg2mXbt2afV78uTJpkCBAmbFihW2X/S5cePG5qijjjK1atVKq87p06ebcuXKmQMHDtj/6V/p0qXtq2vSKfTtt99+M61btzarVq0yVatWNbCoVKmSKVKkSOAqN23aZK/z77//tn1atmyZqVy5sh2n7t27B66PExhX+rZlyxZTpUoVM3PmTNOwYUOzceNG06pVq7TqhGPZsmXNrl27TIkSJcxff/1lH5CtUKGCKViwYFp1MmeOPfZY299SpUol/uf6g5YZM2aYatWq2WukX7w5omjRovb/Y445xo45/VaJBwGJTTzGwRoKbhhukLDKn3/+aYoXL262b99udu/ebQ3E/v3789XGnDlzDMbylFNOMYMGDTJdunQxCMZVV12VdrcxjNTRrVs3M3jwYNOrVy+zdOlS06RJk7TqfPHFFw0v38QQhVEwtn/88UeW+v755x/Dv3TEhoXF4sWLrZFEGMaPH29OO+00K9633XZb2l1GHPbu3WuaNWtmXn75ZXPttddarum+iBRBZD4eccQRVhS3bdtmf0fECxcunFY/mecsWBAF/qewsChfvnzg+jgfcWVu069169aZihUrWvFmocLijQWWSjwISGziMQ52hTd16lT7Lq+wCitRVni8mHLJkiXmpJNOMvPmzUu7DYwhK3y8BYSsdu3aVhTwctJZmXKdnI/ngJfw+++/W4OOIebJ/3RXpdSJsM6aNcu+Fw0xo4/pekqIAm8jaNu2rRk3bpzp2LGjGTVqlGnfvn1aRhfjOGXKFHvNeF14DxjGYsWK2TFKtzAmGGAEpm7dunbMGzRoYAUtnTJ69OiEx8VY0G/KGWecYY488sh0qrTcWrRoYaZNm2YaNWpkfv75Z1OnTp20FwbcN7/++qsVwEKFCtl5yfxE1PC2+UwlHgQkNvEYB/VCBERABDKagMQmpsM7YMAAu/JjnyCMwup80qRJpmvXrmFUZ+uYO3euXY1Xr149lDpXrlxpvxqgd+/eodRHJSNHjrRhlbvvvju0Op988klz77332r2mMAqr8rFjx5pzzz3XhqzCKM8++6x9CSn7ImEUvOPhw4ebPn36hFGdrWPgwIHWO2QPKKzy0ksvmWuuuSZtrzisfqie7AQkNjGdFc8884zdKG/Tpk0oPSRcM3HixLQ3oJN1ghAIYlOjRo1Q+ojYsA/Ut2/fUOqjkhEjRthQ3X333Rdanf379zf3339/qGIzZswYa3jDEpunnnrKXH/99fnan/MCW7hwoRk2bJh58MEHQ+P4zjvvmPPPP9/us4RVXnjhBdOjR4+0k0HC6ofqkdj8a+YAYkP8PZ0N6GQXSV1sdLOHE1bZs2ePjd2HtcJnw51MonSzxpJdFxlfbJqHWScb5WHWR7937txpN83DKvSR5JB091b8/YChy54Lq4/sKXLNJAiEWSQ2YdIMry55NuGxDLUmxIa04rC++IsNaDbK2eQOq7CRj7FINznA3w+yiVjhYyzCKoQO16xZY6644oqwqjTvvfeezb4Ly0gSRmPD/PTTTw/Ns8FD7Ny5c2jhJJI4JkyYYDPcwip8fTfJAmFmjH366afybMIaoJDrkdiEDDSs6hRGC4ekwmjhpNIrjBbOfDyca5HYxHT0P/zwQ5taLM8mfwP0b/FsSHtv3ry5PJv8DbcZOnSoTe1nL1ElXgQkNvEaD/VGBERABDKSgMQmI4dVFyUCIiAC8SIgsYnXeKg3IiACIpCRBCQ2GTmsuigREAERiBcBiU28xkO9EQEREIGMJCCxychh1UWJgAiIQLwISGziNR7qjQiIgAhkJAGJTUYOqy5KBERABOJFQGITr/FQb0RABEQgIwlIbDJyWHVRIiACIhAvAhKbeI2HeiMCIiACGUlAYpORw6qLEgEREIF4EZDYxGs81BsREAERyEgCEpuMHFZdlAiIgAjEi4DEJl7jod6IgAiIQEYSkNhk5LDqokRABEQgXgQkNvEaD/VGBERABDKSgMQmI4dVFyUCIiAC8SIgsYnXeKg3IiACIpCRBCQ2GTmsuigREAERiBcBiU28xkO9EQEREIGMJCCxychh1UWJgAiIQLwISGziNR7qjQiIgAhkJAGJTUYOqy5KBERABOJFQGITr/FQb0RABEQgIwlIbDJyWHVRIiACIhAvAhKbeI2HeiMCIiACGUlAYpORw6qLEgEREIF4EZDYxGs81BsREAERyEgCEpuMHFZdlAiIgAjEi4DEJl7jod6IgAiIQEYSkNhk5LDqokRABEQgXgQkNvEaD/VGBERABDKSgMQmI4dVFyUCIiAC8SIgsYnXeKg3IiACIpCRBCQ2GTmsuigREAERiBcBiU28xkO9EQEREIGMJCCxychh1UWJgAiIQLwISGziNR7qjQiIgAhkJAGJTUYOqy5KBERABOJFQGITr/FQb0RABEQgIwlIbDJyWHVRIiACIhAvAhKbeI2HeiMCIiACGUlAYpORw6qLEgEREIF4EZDYxGs81BsREAERyEgCEpuMHFZdlAiIgAjEi4DEJl7jod6IgAiIQEYSkNhk5LDqokRABEQgXgQkNvEaD/VGBERABDKSgMQmI4dVFyUCIiAC8SIgsYnXeKg3IiACIpCRBP4f+Vwgr9TMZycAAAAASUVORK5CYII="/>
+          <p:cNvSpPr>
+            <a:spLocks noChangeAspect="1" noChangeArrowheads="1"/>
+          </p:cNvSpPr>
+          <p:nvPr/>
+        </p:nvSpPr>
+        <p:spPr bwMode="auto">
+          <a:xfrm>
+            <a:off x="307975" y="-1089025"/>
+            <a:ext cx="3914775" cy="2600325"/>
+          </a:xfrm>
+          <a:prstGeom prst="rect">
+            <a:avLst/>
+          </a:prstGeom>
+          <a:noFill/>
+          <a:extLst>
+            <a:ext uri="{909E8E84-426E-40DD-AFC4-6F175D3DCCD1}">
+              <a14:hiddenFill xmlns:a14="http://schemas.microsoft.com/office/drawing/2010/main">
+                <a:solidFill>
+                  <a:srgbClr val="FFFFFF"/>
+                </a:solidFill>
+              </a14:hiddenFill>
+            </a:ext>
+          </a:extLst>
+        </p:spPr>
+        <p:txBody>
+          <a:bodyPr vert="horz" wrap="square" lIns="91440" tIns="45720" rIns="91440" bIns="45720" numCol="1" anchor="t" anchorCtr="0" compatLnSpc="1">
+            <a:prstTxWarp prst="textNoShape">
+              <a:avLst/>
+            </a:prstTxWarp>
+          </a:bodyPr>
+          <a:lstStyle/>
+          <a:p>
+            <a:endParaRPr lang="de-DE"/>
+          </a:p>
+        </p:txBody>
+      </p:sp>
+      <p:pic>
+        <p:nvPicPr>
+          <p:cNvPr id="7" name="Grafik 6"/>
+          <p:cNvPicPr>
+            <a:picLocks noChangeAspect="1"/>
+          </p:cNvPicPr>
+          <p:nvPr/>
+        </p:nvPicPr>
+        <p:blipFill rotWithShape="1">
+          <a:blip r:embed="rId2"/>
+          <a:srcRect t="-1" b="63014"/>
+          <a:stretch/>
+        </p:blipFill>
+        <p:spPr bwMode="auto">
+          <a:xfrm>
+            <a:off x="3844212" y="1286785"/>
+            <a:ext cx="4310132" cy="1094189"/>
+          </a:xfrm>
+          <a:prstGeom prst="rect">
+            <a:avLst/>
+          </a:prstGeom>
+        </p:spPr>
+      </p:pic>
+      <p:pic>
+        <p:nvPicPr>
+          <p:cNvPr id="8" name="Grafik 7"/>
+          <p:cNvPicPr>
+            <a:picLocks noChangeAspect="1"/>
+          </p:cNvPicPr>
+          <p:nvPr/>
+        </p:nvPicPr>
+        <p:blipFill rotWithShape="1">
+          <a:blip r:embed="rId2"/>
+          <a:srcRect t="66989"/>
+          <a:stretch/>
+        </p:blipFill>
+        <p:spPr bwMode="auto">
+          <a:xfrm>
+            <a:off x="3844212" y="2333613"/>
+            <a:ext cx="4310132" cy="975013"/>
+          </a:xfrm>
+          <a:prstGeom prst="rect">
+            <a:avLst/>
+          </a:prstGeom>
+        </p:spPr>
+      </p:pic>
+    </p:spTree>
+    <p:extLst>
+      <p:ext uri="{BB962C8B-B14F-4D97-AF65-F5344CB8AC3E}">
+        <p14:creationId xmlns:p14="http://schemas.microsoft.com/office/powerpoint/2010/main" val="1554016153"/>
+      </p:ext>
+    </p:extLst>
+  </p:cSld>
+  <p:clrMapOvr>
+    <a:masterClrMapping/>
+  </p:clrMapOvr>
+  <p:timing>
+    <p:tnLst>
+      <p:par>
+        <p:cTn id="1" dur="indefinite" restart="never" nodeType="tmRoot">
+          <p:childTnLst>
+            <p:seq concurrent="1" nextAc="seek">
+              <p:cTn id="2" dur="indefinite" nodeType="mainSeq">
+                <p:childTnLst>
+                  <p:par>
+                    <p:cTn id="3" fill="hold">
+                      <p:stCondLst>
+                        <p:cond delay="indefinite"/>
+                      </p:stCondLst>
+                      <p:childTnLst>
+                        <p:par>
+                          <p:cTn id="4" fill="hold">
+                            <p:stCondLst>
+                              <p:cond delay="0"/>
+                            </p:stCondLst>
+                            <p:childTnLst>
+                              <p:par>
+                                <p:cTn id="5" presetID="1" presetClass="entr" presetSubtype="0" fill="hold" nodeType="clickEffect">
+                                  <p:stCondLst>
+                                    <p:cond delay="0"/>
+                                  </p:stCondLst>
+                                  <p:childTnLst>
+                                    <p:set>
+                                      <p:cBhvr>
+                                        <p:cTn id="6" dur="1" fill="hold">
+                                          <p:stCondLst>
+                                            <p:cond delay="0"/>
+                                          </p:stCondLst>
+                                        </p:cTn>
+                                        <p:tgtEl>
+                                          <p:spTgt spid="7"/>
+                                        </p:tgtEl>
+                                        <p:attrNameLst>
+                                          <p:attrName>style.visibility</p:attrName>
+                                        </p:attrNameLst>
+                                      </p:cBhvr>
+                                      <p:to>
+                                        <p:strVal val="visible"/>
+                                      </p:to>
+                                    </p:set>
+                                  </p:childTnLst>
+                                </p:cTn>
+                              </p:par>
+                            </p:childTnLst>
+                          </p:cTn>
+                        </p:par>
+                      </p:childTnLst>
+                    </p:cTn>
+                  </p:par>
+                  <p:par>
+                    <p:cTn id="7" fill="hold">
+                      <p:stCondLst>
+                        <p:cond delay="indefinite"/>
+                      </p:stCondLst>
+                      <p:childTnLst>
+                        <p:par>
+                          <p:cTn id="8" fill="hold">
+                            <p:stCondLst>
+                              <p:cond delay="0"/>
+                            </p:stCondLst>
+                            <p:childTnLst>
+                              <p:par>
+                                <p:cTn id="9" presetID="1" presetClass="entr" presetSubtype="0" fill="hold" nodeType="clickEffect">
+                                  <p:stCondLst>
+                                    <p:cond delay="0"/>
+                                  </p:stCondLst>
+                                  <p:childTnLst>
+                                    <p:set>
+                                      <p:cBhvr>
+                                        <p:cTn id="10" dur="1" fill="hold">
+                                          <p:stCondLst>
+                                            <p:cond delay="0"/>
+                                          </p:stCondLst>
+                                        </p:cTn>
+                                        <p:tgtEl>
+                                          <p:spTgt spid="8"/>
+                                        </p:tgtEl>
+                                        <p:attrNameLst>
+                                          <p:attrName>style.visibility</p:attrName>
+                                        </p:attrNameLst>
+                                      </p:cBhvr>
+                                      <p:to>
+                                        <p:strVal val="visible"/>
+                                      </p:to>
+                                    </p:set>
+                                  </p:childTnLst>
+                                </p:cTn>
+                              </p:par>
+                            </p:childTnLst>
+                          </p:cTn>
+                        </p:par>
+                      </p:childTnLst>
+                    </p:cTn>
+                  </p:par>
+                </p:childTnLst>
+              </p:cTn>
+              <p:prevCondLst>
+                <p:cond evt="onPrev" delay="0">
+                  <p:tgtEl>
+                    <p:sldTgt/>
+                  </p:tgtEl>
+                </p:cond>
+              </p:prevCondLst>
+              <p:nextCondLst>
+                <p:cond evt="onNext" delay="0">
+                  <p:tgtEl>
+                    <p:sldTgt/>
+                  </p:tgtEl>
+                </p:cond>
+              </p:nextCondLst>
+            </p:seq>
+          </p:childTnLst>
+        </p:cTn>
+      </p:par>
+    </p:tnLst>
+  </p:timing>
+</p:sld>
+</file>
+
+<file path=ppt/slides/slide11.xml><?xml version="1.0" encoding="utf-8"?>
+<p:sld xmlns:a="http://schemas.openxmlformats.org/drawingml/2006/main" xmlns:r="http://schemas.openxmlformats.org/officeDocument/2006/relationships" xmlns:p="http://schemas.openxmlformats.org/presentationml/2006/main">
+  <p:cSld>
+    <p:spTree>
+      <p:nvGrpSpPr>
+        <p:cNvPr id="1" name=""/>
+        <p:cNvGrpSpPr/>
+        <p:nvPr/>
+      </p:nvGrpSpPr>
+      <p:grpSpPr>
+        <a:xfrm>
+          <a:off x="0" y="0"/>
+          <a:ext cx="0" cy="0"/>
+          <a:chOff x="0" y="0"/>
+          <a:chExt cx="0" cy="0"/>
+        </a:xfrm>
+      </p:grpSpPr>
+      <p:sp>
+        <p:nvSpPr>
+          <p:cNvPr id="4" name="TextBox 3"/>
+          <p:cNvSpPr txBox="1"/>
+          <p:nvPr/>
+        </p:nvSpPr>
+        <p:spPr>
+          <a:xfrm>
+            <a:off x="2178287" y="294605"/>
+            <a:ext cx="7774486" cy="7109639"/>
+          </a:xfrm>
+          <a:prstGeom prst="rect">
+            <a:avLst/>
+          </a:prstGeom>
+          <a:noFill/>
+        </p:spPr>
+        <p:txBody>
+          <a:bodyPr wrap="square" rtlCol="0">
+            <a:spAutoFit/>
+          </a:bodyPr>
+          <a:lstStyle/>
+          <a:p>
+            <a:endParaRPr lang="en-US" sz="2400" dirty="0"/>
+          </a:p>
+          <a:p>
+            <a:r>
+              <a:rPr lang="en-US" sz="2400" dirty="0"/>
+              <a:t>Each sequence will last about </a:t>
+            </a:r>
+            <a:r>
+              <a:rPr lang="en-US" sz="2400" dirty="0"/>
+              <a:t>3</a:t>
+            </a:r>
+            <a:r>
+              <a:rPr lang="en-US" sz="2400" dirty="0" smtClean="0"/>
+              <a:t> </a:t>
+            </a:r>
+            <a:r>
+              <a:rPr lang="en-US" sz="2400" dirty="0" smtClean="0"/>
+              <a:t>min. </a:t>
+            </a:r>
+            <a:r>
+              <a:rPr lang="en-US" sz="2400" dirty="0"/>
+              <a:t>You will be able to rest between sequences. The sequence will only begin after you press the space bar.</a:t>
+            </a:r>
+          </a:p>
+          <a:p>
+            <a:endParaRPr lang="en-US" sz="2400" dirty="0"/>
+          </a:p>
+          <a:p>
+            <a:r>
+              <a:rPr lang="en-US" sz="2400" dirty="0"/>
+              <a:t>Please do your best to remain focused and alert, and keep your eyes fixed on the center of the screen. </a:t>
+            </a:r>
+            <a:r>
+              <a:rPr lang="en-US" sz="2400" dirty="0" smtClean="0"/>
+              <a:t>If </a:t>
+            </a:r>
+            <a:r>
+              <a:rPr lang="en-US" sz="2400" dirty="0"/>
+              <a:t>you need a break, or have any questions, do not hesitate to ask the experimenter.</a:t>
+            </a:r>
+          </a:p>
+          <a:p>
+            <a:endParaRPr lang="en-US" sz="2400" dirty="0"/>
+          </a:p>
+          <a:p>
+            <a:r>
+              <a:rPr lang="en-US" sz="2400" dirty="0"/>
+              <a:t>We will start with </a:t>
+            </a:r>
+            <a:r>
+              <a:rPr lang="en-US" sz="2400" dirty="0" smtClean="0"/>
+              <a:t>a calibration task in which you can practice time estimation, followed by a </a:t>
+            </a:r>
+            <a:r>
+              <a:rPr lang="en-US" sz="2400" dirty="0"/>
+              <a:t>few practice trials, and you will have a chance to ask questions before starting the </a:t>
+            </a:r>
+            <a:r>
+              <a:rPr lang="en-US" sz="2400" dirty="0" smtClean="0"/>
+              <a:t>experiment. </a:t>
+            </a:r>
+            <a:r>
+              <a:rPr lang="en-US" sz="2400" b="1" dirty="0" smtClean="0"/>
+              <a:t>Good </a:t>
+            </a:r>
+            <a:r>
+              <a:rPr lang="en-US" sz="2400" b="1" dirty="0"/>
+              <a:t>luck!</a:t>
+            </a:r>
+            <a:endParaRPr lang="en-US" sz="2400" dirty="0"/>
+          </a:p>
+          <a:p>
+            <a:pPr algn="ctr"/>
+            <a:endParaRPr lang="en-US" sz="2400" dirty="0"/>
+          </a:p>
+          <a:p>
+            <a:pPr algn="ctr"/>
+            <a:r>
+              <a:rPr lang="en-US" sz="2400" dirty="0"/>
+              <a:t>Press the </a:t>
+            </a:r>
+            <a:r>
+              <a:rPr lang="en-US" sz="2400" b="1" dirty="0"/>
+              <a:t>right arrow key </a:t>
+            </a:r>
+            <a:r>
+              <a:rPr lang="en-US" sz="2400" dirty="0"/>
+              <a:t>to </a:t>
+            </a:r>
+            <a:r>
+              <a:rPr lang="en-US" sz="2400" b="1" dirty="0"/>
+              <a:t>proceed</a:t>
+            </a:r>
+            <a:r>
+              <a:rPr lang="en-US" sz="2400" dirty="0"/>
+              <a:t> or the </a:t>
+            </a:r>
+            <a:r>
+              <a:rPr lang="en-US" sz="2400" b="1" dirty="0"/>
+              <a:t>left arrow key</a:t>
+            </a:r>
+            <a:r>
+              <a:rPr lang="en-US" sz="2400" dirty="0"/>
+              <a:t> to return to the </a:t>
+            </a:r>
+            <a:r>
+              <a:rPr lang="en-US" sz="2400" b="1" dirty="0"/>
+              <a:t>previous slide</a:t>
+            </a:r>
+          </a:p>
+          <a:p>
+            <a:endParaRPr lang="en-US" sz="2400" dirty="0"/>
+          </a:p>
+          <a:p>
+            <a:endParaRPr lang="en-US" sz="2400" dirty="0"/>
+          </a:p>
+        </p:txBody>
+      </p:sp>
+    </p:spTree>
+    <p:extLst>
+      <p:ext uri="{BB962C8B-B14F-4D97-AF65-F5344CB8AC3E}">
+        <p14:creationId xmlns:p14="http://schemas.microsoft.com/office/powerpoint/2010/main" val="735242250"/>
       </p:ext>
     </p:extLst>
   </p:cSld>
@@ -4578,6 +5152,1464 @@
         </p:nvSpPr>
         <p:spPr>
           <a:xfrm>
+            <a:off x="2178287" y="315671"/>
+            <a:ext cx="7774486" cy="7478970"/>
+          </a:xfrm>
+          <a:prstGeom prst="rect">
+            <a:avLst/>
+          </a:prstGeom>
+          <a:noFill/>
+        </p:spPr>
+        <p:txBody>
+          <a:bodyPr wrap="square" rtlCol="0">
+            <a:spAutoFit/>
+          </a:bodyPr>
+          <a:lstStyle/>
+          <a:p>
+            <a:endParaRPr lang="en-US" sz="2400" dirty="0"/>
+          </a:p>
+          <a:p>
+            <a:r>
+              <a:rPr lang="en-US" sz="2400" dirty="0"/>
+              <a:t>At the beginning of each sequence, we will show you </a:t>
+            </a:r>
+            <a:r>
+              <a:rPr lang="en-US" sz="2400" b="1" dirty="0"/>
+              <a:t>two specific “target” images </a:t>
+            </a:r>
+            <a:r>
+              <a:rPr lang="en-US" sz="2400" dirty="0"/>
+              <a:t>that you will need to remember and be on the lookout for. </a:t>
+            </a:r>
+          </a:p>
+          <a:p>
+            <a:endParaRPr lang="en-US" sz="2400" dirty="0"/>
+          </a:p>
+          <a:p>
+            <a:r>
+              <a:rPr lang="en-US" sz="2400" dirty="0"/>
+              <a:t>Your main task will be to attentively look at each image for as long as it’s on the screen, </a:t>
+            </a:r>
+            <a:r>
+              <a:rPr lang="en-US" sz="2400" dirty="0" smtClean="0"/>
+              <a:t>and </a:t>
+            </a:r>
+            <a:r>
+              <a:rPr lang="en-US" sz="2400" b="1" dirty="0" smtClean="0"/>
+              <a:t>press the</a:t>
+            </a:r>
+            <a:r>
+              <a:rPr lang="en-US" sz="2400" b="1" dirty="0"/>
+              <a:t> </a:t>
+            </a:r>
+            <a:r>
+              <a:rPr lang="en-US" sz="2400" b="1" dirty="0" smtClean="0"/>
+              <a:t>little orange </a:t>
+            </a:r>
+            <a:r>
+              <a:rPr lang="en-US" sz="2400" b="1" dirty="0" smtClean="0"/>
+              <a:t>button </a:t>
+            </a:r>
+            <a:r>
+              <a:rPr lang="en-US" sz="2400" dirty="0"/>
+              <a:t>whenever you see a </a:t>
+            </a:r>
+            <a:r>
+              <a:rPr lang="en-US" sz="2400" b="1" dirty="0"/>
+              <a:t>target </a:t>
+            </a:r>
+            <a:r>
+              <a:rPr lang="en-US" sz="2400" b="1" dirty="0" smtClean="0"/>
+              <a:t>image </a:t>
+            </a:r>
+            <a:r>
+              <a:rPr lang="en-US" sz="2400" dirty="0" smtClean="0"/>
+              <a:t>in </a:t>
+            </a:r>
+            <a:r>
+              <a:rPr lang="en-US" sz="2400" dirty="0"/>
+              <a:t>any view (front or side).</a:t>
+            </a:r>
+          </a:p>
+          <a:p>
+            <a:r>
+              <a:rPr lang="en-US" sz="2400" dirty="0" smtClean="0"/>
+              <a:t>Please respond</a:t>
+            </a:r>
+            <a:r>
+              <a:rPr lang="en-US" sz="2400" dirty="0"/>
+              <a:t> as quickly and as accurately as </a:t>
+            </a:r>
+            <a:r>
+              <a:rPr lang="en-US" sz="2400" dirty="0" smtClean="0"/>
+              <a:t>possible.</a:t>
+            </a:r>
+            <a:endParaRPr lang="en-US" sz="2400" dirty="0"/>
+          </a:p>
+          <a:p>
+            <a:endParaRPr lang="en-US" sz="2400" dirty="0"/>
+          </a:p>
+          <a:p>
+            <a:endParaRPr lang="en-US" sz="2400" dirty="0" smtClean="0"/>
+          </a:p>
+          <a:p>
+            <a:endParaRPr lang="en-US" sz="2400" dirty="0" smtClean="0"/>
+          </a:p>
+          <a:p>
+            <a:endParaRPr lang="en-US" sz="2400" dirty="0"/>
+          </a:p>
+          <a:p>
+            <a:endParaRPr lang="en-US" sz="2400" dirty="0"/>
+          </a:p>
+          <a:p>
+            <a:pPr algn="ctr"/>
+            <a:endParaRPr lang="en-US" sz="2400" dirty="0" smtClean="0"/>
+          </a:p>
+          <a:p>
+            <a:pPr algn="ctr"/>
+            <a:r>
+              <a:rPr lang="en-US" sz="2400" dirty="0" smtClean="0"/>
+              <a:t>Press </a:t>
+            </a:r>
+            <a:r>
+              <a:rPr lang="en-US" sz="2400" dirty="0"/>
+              <a:t>the </a:t>
+            </a:r>
+            <a:r>
+              <a:rPr lang="en-US" sz="2400" b="1" dirty="0"/>
+              <a:t>right arrow key </a:t>
+            </a:r>
+            <a:r>
+              <a:rPr lang="en-US" sz="2400" dirty="0"/>
+              <a:t>to </a:t>
+            </a:r>
+            <a:r>
+              <a:rPr lang="en-US" sz="2400" b="1" dirty="0"/>
+              <a:t>proceed</a:t>
+            </a:r>
+            <a:r>
+              <a:rPr lang="en-US" sz="2400" dirty="0"/>
+              <a:t> or the </a:t>
+            </a:r>
+            <a:r>
+              <a:rPr lang="en-US" sz="2400" b="1" dirty="0"/>
+              <a:t>left arrow key</a:t>
+            </a:r>
+            <a:r>
+              <a:rPr lang="en-US" sz="2400" dirty="0"/>
+              <a:t> to return to the </a:t>
+            </a:r>
+            <a:r>
+              <a:rPr lang="en-US" sz="2400" b="1" dirty="0"/>
+              <a:t>previous slide</a:t>
+            </a:r>
+          </a:p>
+          <a:p>
+            <a:pPr algn="ctr"/>
+            <a:endParaRPr lang="en-US" sz="2400" dirty="0"/>
+          </a:p>
+          <a:p>
+            <a:endParaRPr lang="en-US" sz="2400" dirty="0"/>
+          </a:p>
+          <a:p>
+            <a:endParaRPr lang="en-US" sz="2400" dirty="0"/>
+          </a:p>
+        </p:txBody>
+      </p:sp>
+      <p:grpSp>
+        <p:nvGrpSpPr>
+          <p:cNvPr id="2" name="Gruppieren 1"/>
+          <p:cNvGrpSpPr/>
+          <p:nvPr/>
+        </p:nvGrpSpPr>
+        <p:grpSpPr>
+          <a:xfrm>
+            <a:off x="5121520" y="3916052"/>
+            <a:ext cx="1888019" cy="1599765"/>
+            <a:chOff x="5121520" y="3916052"/>
+            <a:chExt cx="1888019" cy="1599765"/>
+          </a:xfrm>
+        </p:grpSpPr>
+        <p:grpSp>
+          <p:nvGrpSpPr>
+            <p:cNvPr id="14" name="Gruppieren 13"/>
+            <p:cNvGrpSpPr/>
+            <p:nvPr/>
+          </p:nvGrpSpPr>
+          <p:grpSpPr>
+            <a:xfrm>
+              <a:off x="5121520" y="3916052"/>
+              <a:ext cx="1888019" cy="1599765"/>
+              <a:chOff x="1866122" y="1498567"/>
+              <a:chExt cx="5075854" cy="3250713"/>
+            </a:xfrm>
+          </p:grpSpPr>
+          <p:pic>
+            <p:nvPicPr>
+              <p:cNvPr id="15" name="Grafik 14"/>
+              <p:cNvPicPr/>
+              <p:nvPr/>
+            </p:nvPicPr>
+            <p:blipFill rotWithShape="1">
+              <a:blip r:embed="rId2" cstate="hqprint">
+                <a:extLst>
+                  <a:ext uri="{28A0092B-C50C-407E-A947-70E740481C1C}">
+                    <a14:useLocalDpi xmlns:a14="http://schemas.microsoft.com/office/drawing/2010/main" val="0"/>
+                  </a:ext>
+                </a:extLst>
+              </a:blip>
+              <a:srcRect/>
+              <a:stretch/>
+            </p:blipFill>
+            <p:spPr bwMode="auto">
+              <a:xfrm>
+                <a:off x="1866122" y="1498567"/>
+                <a:ext cx="5075854" cy="3250713"/>
+              </a:xfrm>
+              <a:prstGeom prst="rect">
+                <a:avLst/>
+              </a:prstGeom>
+              <a:ln>
+                <a:noFill/>
+              </a:ln>
+              <a:extLst>
+                <a:ext uri="{53640926-AAD7-44D8-BBD7-CCE9431645EC}">
+                  <a14:shadowObscured xmlns:a14="http://schemas.microsoft.com/office/drawing/2010/main"/>
+                </a:ext>
+              </a:extLst>
+            </p:spPr>
+          </p:pic>
+          <p:sp>
+            <p:nvSpPr>
+              <p:cNvPr id="16" name="Abgerundetes Rechteck 15"/>
+              <p:cNvSpPr/>
+              <p:nvPr/>
+            </p:nvSpPr>
+            <p:spPr>
+              <a:xfrm>
+                <a:off x="3290888" y="2271713"/>
+                <a:ext cx="623887" cy="442912"/>
+              </a:xfrm>
+              <a:prstGeom prst="roundRect">
+                <a:avLst/>
+              </a:prstGeom>
+              <a:solidFill>
+                <a:srgbClr val="00B050"/>
+              </a:solidFill>
+              <a:ln>
+                <a:solidFill>
+                  <a:srgbClr val="00B050"/>
+                </a:solidFill>
+              </a:ln>
+            </p:spPr>
+            <p:style>
+              <a:lnRef idx="1">
+                <a:schemeClr val="accent1"/>
+              </a:lnRef>
+              <a:fillRef idx="3">
+                <a:schemeClr val="accent1"/>
+              </a:fillRef>
+              <a:effectRef idx="2">
+                <a:schemeClr val="accent1"/>
+              </a:effectRef>
+              <a:fontRef idx="minor">
+                <a:schemeClr val="lt1"/>
+              </a:fontRef>
+            </p:style>
+            <p:txBody>
+              <a:bodyPr rtlCol="0" anchor="ctr"/>
+              <a:lstStyle/>
+              <a:p>
+                <a:pPr algn="ctr"/>
+                <a:endParaRPr lang="de-DE"/>
+              </a:p>
+            </p:txBody>
+          </p:sp>
+          <p:sp>
+            <p:nvSpPr>
+              <p:cNvPr id="17" name="Abgerundetes Rechteck 16"/>
+              <p:cNvSpPr/>
+              <p:nvPr/>
+            </p:nvSpPr>
+            <p:spPr>
+              <a:xfrm>
+                <a:off x="4919663" y="2271713"/>
+                <a:ext cx="623887" cy="442912"/>
+              </a:xfrm>
+              <a:prstGeom prst="roundRect">
+                <a:avLst/>
+              </a:prstGeom>
+              <a:solidFill>
+                <a:srgbClr val="C00000"/>
+              </a:solidFill>
+              <a:ln>
+                <a:solidFill>
+                  <a:srgbClr val="C00000"/>
+                </a:solidFill>
+              </a:ln>
+            </p:spPr>
+            <p:style>
+              <a:lnRef idx="1">
+                <a:schemeClr val="accent1"/>
+              </a:lnRef>
+              <a:fillRef idx="3">
+                <a:schemeClr val="accent1"/>
+              </a:fillRef>
+              <a:effectRef idx="2">
+                <a:schemeClr val="accent1"/>
+              </a:effectRef>
+              <a:fontRef idx="minor">
+                <a:schemeClr val="lt1"/>
+              </a:fontRef>
+            </p:style>
+            <p:txBody>
+              <a:bodyPr rtlCol="0" anchor="ctr"/>
+              <a:lstStyle/>
+              <a:p>
+                <a:pPr algn="ctr"/>
+                <a:endParaRPr lang="de-DE"/>
+              </a:p>
+            </p:txBody>
+          </p:sp>
+          <p:sp>
+            <p:nvSpPr>
+              <p:cNvPr id="18" name="Abgerundetes Rechteck 17"/>
+              <p:cNvSpPr/>
+              <p:nvPr/>
+            </p:nvSpPr>
+            <p:spPr>
+              <a:xfrm>
+                <a:off x="3290887" y="3676065"/>
+                <a:ext cx="623887" cy="442912"/>
+              </a:xfrm>
+              <a:prstGeom prst="roundRect">
+                <a:avLst/>
+              </a:prstGeom>
+              <a:solidFill>
+                <a:srgbClr val="0070C0"/>
+              </a:solidFill>
+              <a:ln>
+                <a:solidFill>
+                  <a:srgbClr val="0070C0"/>
+                </a:solidFill>
+              </a:ln>
+            </p:spPr>
+            <p:style>
+              <a:lnRef idx="1">
+                <a:schemeClr val="accent1"/>
+              </a:lnRef>
+              <a:fillRef idx="3">
+                <a:schemeClr val="accent1"/>
+              </a:fillRef>
+              <a:effectRef idx="2">
+                <a:schemeClr val="accent1"/>
+              </a:effectRef>
+              <a:fontRef idx="minor">
+                <a:schemeClr val="lt1"/>
+              </a:fontRef>
+            </p:style>
+            <p:txBody>
+              <a:bodyPr rtlCol="0" anchor="ctr"/>
+              <a:lstStyle/>
+              <a:p>
+                <a:pPr algn="ctr"/>
+                <a:endParaRPr lang="de-DE"/>
+              </a:p>
+            </p:txBody>
+          </p:sp>
+          <p:sp>
+            <p:nvSpPr>
+              <p:cNvPr id="19" name="Abgerundetes Rechteck 18"/>
+              <p:cNvSpPr/>
+              <p:nvPr/>
+            </p:nvSpPr>
+            <p:spPr>
+              <a:xfrm>
+                <a:off x="4919663" y="3676065"/>
+                <a:ext cx="623887" cy="442912"/>
+              </a:xfrm>
+              <a:prstGeom prst="roundRect">
+                <a:avLst/>
+              </a:prstGeom>
+              <a:noFill/>
+              <a:ln>
+                <a:noFill/>
+              </a:ln>
+            </p:spPr>
+            <p:style>
+              <a:lnRef idx="1">
+                <a:schemeClr val="accent1"/>
+              </a:lnRef>
+              <a:fillRef idx="3">
+                <a:schemeClr val="accent1"/>
+              </a:fillRef>
+              <a:effectRef idx="2">
+                <a:schemeClr val="accent1"/>
+              </a:effectRef>
+              <a:fontRef idx="minor">
+                <a:schemeClr val="lt1"/>
+              </a:fontRef>
+            </p:style>
+            <p:txBody>
+              <a:bodyPr rtlCol="0" anchor="ctr"/>
+              <a:lstStyle/>
+              <a:p>
+                <a:pPr algn="ctr"/>
+                <a:endParaRPr lang="de-DE"/>
+              </a:p>
+            </p:txBody>
+          </p:sp>
+          <p:sp>
+            <p:nvSpPr>
+              <p:cNvPr id="20" name="Abgerundetes Rechteck 19"/>
+              <p:cNvSpPr/>
+              <p:nvPr/>
+            </p:nvSpPr>
+            <p:spPr>
+              <a:xfrm>
+                <a:off x="2225913" y="2973610"/>
+                <a:ext cx="422038" cy="281573"/>
+              </a:xfrm>
+              <a:prstGeom prst="roundRect">
+                <a:avLst/>
+              </a:prstGeom>
+              <a:solidFill>
+                <a:schemeClr val="bg1"/>
+              </a:solidFill>
+              <a:ln>
+                <a:solidFill>
+                  <a:schemeClr val="bg1"/>
+                </a:solidFill>
+              </a:ln>
+            </p:spPr>
+            <p:style>
+              <a:lnRef idx="1">
+                <a:schemeClr val="accent1"/>
+              </a:lnRef>
+              <a:fillRef idx="3">
+                <a:schemeClr val="accent1"/>
+              </a:fillRef>
+              <a:effectRef idx="2">
+                <a:schemeClr val="accent1"/>
+              </a:effectRef>
+              <a:fontRef idx="minor">
+                <a:schemeClr val="lt1"/>
+              </a:fontRef>
+            </p:style>
+            <p:txBody>
+              <a:bodyPr rtlCol="0" anchor="ctr"/>
+              <a:lstStyle/>
+              <a:p>
+                <a:pPr algn="ctr"/>
+                <a:endParaRPr lang="de-DE" dirty="0"/>
+              </a:p>
+            </p:txBody>
+          </p:sp>
+          <p:sp>
+            <p:nvSpPr>
+              <p:cNvPr id="21" name="Pfeil nach rechts 20"/>
+              <p:cNvSpPr/>
+              <p:nvPr/>
+            </p:nvSpPr>
+            <p:spPr>
+              <a:xfrm rot="10800000">
+                <a:off x="2314571" y="3090580"/>
+                <a:ext cx="219075" cy="45719"/>
+              </a:xfrm>
+              <a:prstGeom prst="rightArrow">
+                <a:avLst/>
+              </a:prstGeom>
+              <a:solidFill>
+                <a:schemeClr val="tx1"/>
+              </a:solidFill>
+              <a:ln>
+                <a:solidFill>
+                  <a:schemeClr val="tx1"/>
+                </a:solidFill>
+              </a:ln>
+            </p:spPr>
+            <p:style>
+              <a:lnRef idx="2">
+                <a:schemeClr val="dk1"/>
+              </a:lnRef>
+              <a:fillRef idx="1">
+                <a:schemeClr val="lt1"/>
+              </a:fillRef>
+              <a:effectRef idx="0">
+                <a:schemeClr val="dk1"/>
+              </a:effectRef>
+              <a:fontRef idx="minor">
+                <a:schemeClr val="dk1"/>
+              </a:fontRef>
+            </p:style>
+            <p:txBody>
+              <a:bodyPr rtlCol="0" anchor="ctr"/>
+              <a:lstStyle/>
+              <a:p>
+                <a:pPr algn="ctr"/>
+                <a:endParaRPr lang="de-DE">
+                  <a:solidFill>
+                    <a:schemeClr val="tx1"/>
+                  </a:solidFill>
+                </a:endParaRPr>
+              </a:p>
+            </p:txBody>
+          </p:sp>
+          <p:sp>
+            <p:nvSpPr>
+              <p:cNvPr id="22" name="Abgerundetes Rechteck 21"/>
+              <p:cNvSpPr/>
+              <p:nvPr/>
+            </p:nvSpPr>
+            <p:spPr>
+              <a:xfrm rot="10800000">
+                <a:off x="6212125" y="2973610"/>
+                <a:ext cx="422038" cy="281573"/>
+              </a:xfrm>
+              <a:prstGeom prst="roundRect">
+                <a:avLst/>
+              </a:prstGeom>
+              <a:solidFill>
+                <a:schemeClr val="bg1"/>
+              </a:solidFill>
+              <a:ln>
+                <a:solidFill>
+                  <a:schemeClr val="bg1"/>
+                </a:solidFill>
+              </a:ln>
+            </p:spPr>
+            <p:style>
+              <a:lnRef idx="1">
+                <a:schemeClr val="accent1"/>
+              </a:lnRef>
+              <a:fillRef idx="3">
+                <a:schemeClr val="accent1"/>
+              </a:fillRef>
+              <a:effectRef idx="2">
+                <a:schemeClr val="accent1"/>
+              </a:effectRef>
+              <a:fontRef idx="minor">
+                <a:schemeClr val="lt1"/>
+              </a:fontRef>
+            </p:style>
+            <p:txBody>
+              <a:bodyPr rtlCol="0" anchor="ctr"/>
+              <a:lstStyle/>
+              <a:p>
+                <a:pPr algn="ctr"/>
+                <a:endParaRPr lang="de-DE" dirty="0"/>
+              </a:p>
+            </p:txBody>
+          </p:sp>
+          <p:sp>
+            <p:nvSpPr>
+              <p:cNvPr id="23" name="Pfeil nach rechts 22"/>
+              <p:cNvSpPr/>
+              <p:nvPr/>
+            </p:nvSpPr>
+            <p:spPr>
+              <a:xfrm>
+                <a:off x="6300783" y="3090580"/>
+                <a:ext cx="219075" cy="45719"/>
+              </a:xfrm>
+              <a:prstGeom prst="rightArrow">
+                <a:avLst/>
+              </a:prstGeom>
+              <a:solidFill>
+                <a:schemeClr val="tx1"/>
+              </a:solidFill>
+              <a:ln>
+                <a:solidFill>
+                  <a:schemeClr val="tx1"/>
+                </a:solidFill>
+              </a:ln>
+            </p:spPr>
+            <p:style>
+              <a:lnRef idx="2">
+                <a:schemeClr val="dk1"/>
+              </a:lnRef>
+              <a:fillRef idx="1">
+                <a:schemeClr val="lt1"/>
+              </a:fillRef>
+              <a:effectRef idx="0">
+                <a:schemeClr val="dk1"/>
+              </a:effectRef>
+              <a:fontRef idx="minor">
+                <a:schemeClr val="dk1"/>
+              </a:fontRef>
+            </p:style>
+            <p:txBody>
+              <a:bodyPr rtlCol="0" anchor="ctr"/>
+              <a:lstStyle/>
+              <a:p>
+                <a:pPr algn="ctr"/>
+                <a:endParaRPr lang="de-DE">
+                  <a:solidFill>
+                    <a:schemeClr val="tx1"/>
+                  </a:solidFill>
+                </a:endParaRPr>
+              </a:p>
+            </p:txBody>
+          </p:sp>
+        </p:grpSp>
+        <p:sp>
+          <p:nvSpPr>
+            <p:cNvPr id="24" name="Abgerundetes Rechteck 23"/>
+            <p:cNvSpPr/>
+            <p:nvPr/>
+          </p:nvSpPr>
+          <p:spPr>
+            <a:xfrm>
+              <a:off x="5261417" y="4347739"/>
+              <a:ext cx="149721" cy="101629"/>
+            </a:xfrm>
+            <a:prstGeom prst="roundRect">
+              <a:avLst/>
+            </a:prstGeom>
+            <a:solidFill>
+              <a:schemeClr val="accent6"/>
+            </a:solidFill>
+            <a:ln>
+              <a:solidFill>
+                <a:schemeClr val="accent6"/>
+              </a:solidFill>
+            </a:ln>
+          </p:spPr>
+          <p:style>
+            <a:lnRef idx="1">
+              <a:schemeClr val="accent1"/>
+            </a:lnRef>
+            <a:fillRef idx="3">
+              <a:schemeClr val="accent1"/>
+            </a:fillRef>
+            <a:effectRef idx="2">
+              <a:schemeClr val="accent1"/>
+            </a:effectRef>
+            <a:fontRef idx="minor">
+              <a:schemeClr val="lt1"/>
+            </a:fontRef>
+          </p:style>
+          <p:txBody>
+            <a:bodyPr rtlCol="0" anchor="ctr"/>
+            <a:lstStyle/>
+            <a:p>
+              <a:pPr algn="ctr"/>
+              <a:endParaRPr lang="de-DE"/>
+            </a:p>
+          </p:txBody>
+        </p:sp>
+        <p:sp>
+          <p:nvSpPr>
+            <p:cNvPr id="25" name="Abgerundetes Rechteck 24"/>
+            <p:cNvSpPr/>
+            <p:nvPr/>
+          </p:nvSpPr>
+          <p:spPr>
+            <a:xfrm>
+              <a:off x="6733033" y="4347309"/>
+              <a:ext cx="149721" cy="101629"/>
+            </a:xfrm>
+            <a:prstGeom prst="roundRect">
+              <a:avLst/>
+            </a:prstGeom>
+            <a:solidFill>
+              <a:srgbClr val="FFFF00"/>
+            </a:solidFill>
+            <a:ln>
+              <a:solidFill>
+                <a:srgbClr val="FFFF00"/>
+              </a:solidFill>
+            </a:ln>
+          </p:spPr>
+          <p:style>
+            <a:lnRef idx="1">
+              <a:schemeClr val="accent1"/>
+            </a:lnRef>
+            <a:fillRef idx="3">
+              <a:schemeClr val="accent1"/>
+            </a:fillRef>
+            <a:effectRef idx="2">
+              <a:schemeClr val="accent1"/>
+            </a:effectRef>
+            <a:fontRef idx="minor">
+              <a:schemeClr val="lt1"/>
+            </a:fontRef>
+          </p:style>
+          <p:txBody>
+            <a:bodyPr rtlCol="0" anchor="ctr"/>
+            <a:lstStyle/>
+            <a:p>
+              <a:pPr algn="ctr"/>
+              <a:endParaRPr lang="de-DE"/>
+            </a:p>
+          </p:txBody>
+        </p:sp>
+      </p:grpSp>
+    </p:spTree>
+    <p:extLst>
+      <p:ext uri="{BB962C8B-B14F-4D97-AF65-F5344CB8AC3E}">
+        <p14:creationId xmlns:p14="http://schemas.microsoft.com/office/powerpoint/2010/main" val="3737660239"/>
+      </p:ext>
+    </p:extLst>
+  </p:cSld>
+  <p:clrMapOvr>
+    <a:masterClrMapping/>
+  </p:clrMapOvr>
+</p:sld>
+</file>
+
+<file path=ppt/slides/slide5.xml><?xml version="1.0" encoding="utf-8"?>
+<p:sld xmlns:a="http://schemas.openxmlformats.org/drawingml/2006/main" xmlns:r="http://schemas.openxmlformats.org/officeDocument/2006/relationships" xmlns:p="http://schemas.openxmlformats.org/presentationml/2006/main">
+  <p:cSld>
+    <p:spTree>
+      <p:nvGrpSpPr>
+        <p:cNvPr id="1" name=""/>
+        <p:cNvGrpSpPr/>
+        <p:nvPr/>
+      </p:nvGrpSpPr>
+      <p:grpSpPr>
+        <a:xfrm>
+          <a:off x="0" y="0"/>
+          <a:ext cx="0" cy="0"/>
+          <a:chOff x="0" y="0"/>
+          <a:chExt cx="0" cy="0"/>
+        </a:xfrm>
+      </p:grpSpPr>
+      <p:sp>
+        <p:nvSpPr>
+          <p:cNvPr id="4" name="TextBox 3"/>
+          <p:cNvSpPr txBox="1"/>
+          <p:nvPr/>
+        </p:nvSpPr>
+        <p:spPr>
+          <a:xfrm>
+            <a:off x="2178287" y="315671"/>
+            <a:ext cx="7774486" cy="7478970"/>
+          </a:xfrm>
+          <a:prstGeom prst="rect">
+            <a:avLst/>
+          </a:prstGeom>
+          <a:noFill/>
+        </p:spPr>
+        <p:txBody>
+          <a:bodyPr wrap="square" rtlCol="0">
+            <a:spAutoFit/>
+          </a:bodyPr>
+          <a:lstStyle/>
+          <a:p>
+            <a:endParaRPr lang="en-US" sz="2400" dirty="0"/>
+          </a:p>
+          <a:p>
+            <a:r>
+              <a:rPr lang="en-US" sz="2400" dirty="0"/>
+              <a:t>At the beginning of each sequence, we will show you </a:t>
+            </a:r>
+            <a:r>
+              <a:rPr lang="en-US" sz="2400" b="1" dirty="0"/>
+              <a:t>two specific “target” images </a:t>
+            </a:r>
+            <a:r>
+              <a:rPr lang="en-US" sz="2400" dirty="0"/>
+              <a:t>that you will need to remember and be on the lookout for. </a:t>
+            </a:r>
+          </a:p>
+          <a:p>
+            <a:endParaRPr lang="en-US" sz="2400" dirty="0"/>
+          </a:p>
+          <a:p>
+            <a:r>
+              <a:rPr lang="en-US" sz="2400" dirty="0"/>
+              <a:t>Your main task will be to attentively look at each image for as long as it’s on the screen, </a:t>
+            </a:r>
+            <a:r>
+              <a:rPr lang="en-US" sz="2400" dirty="0" smtClean="0"/>
+              <a:t>and </a:t>
+            </a:r>
+            <a:r>
+              <a:rPr lang="en-US" sz="2400" b="1" dirty="0" smtClean="0"/>
+              <a:t>press the</a:t>
+            </a:r>
+            <a:r>
+              <a:rPr lang="en-US" sz="2400" b="1" dirty="0"/>
+              <a:t> </a:t>
+            </a:r>
+            <a:r>
+              <a:rPr lang="en-US" sz="2400" b="1" dirty="0" smtClean="0"/>
+              <a:t>little yellow button </a:t>
+            </a:r>
+            <a:r>
+              <a:rPr lang="en-US" sz="2400" dirty="0"/>
+              <a:t>whenever you see a </a:t>
+            </a:r>
+            <a:r>
+              <a:rPr lang="en-US" sz="2400" b="1" dirty="0"/>
+              <a:t>target </a:t>
+            </a:r>
+            <a:r>
+              <a:rPr lang="en-US" sz="2400" b="1" dirty="0" smtClean="0"/>
+              <a:t>image </a:t>
+            </a:r>
+            <a:r>
+              <a:rPr lang="en-US" sz="2400" dirty="0" smtClean="0"/>
+              <a:t>in </a:t>
+            </a:r>
+            <a:r>
+              <a:rPr lang="en-US" sz="2400" dirty="0"/>
+              <a:t>any view (front or side).</a:t>
+            </a:r>
+          </a:p>
+          <a:p>
+            <a:r>
+              <a:rPr lang="en-US" sz="2400" dirty="0" smtClean="0"/>
+              <a:t>Please respond</a:t>
+            </a:r>
+            <a:r>
+              <a:rPr lang="en-US" sz="2400" dirty="0"/>
+              <a:t> as quickly and as accurately as </a:t>
+            </a:r>
+            <a:r>
+              <a:rPr lang="en-US" sz="2400" dirty="0" smtClean="0"/>
+              <a:t>possible.</a:t>
+            </a:r>
+            <a:endParaRPr lang="en-US" sz="2400" dirty="0"/>
+          </a:p>
+          <a:p>
+            <a:endParaRPr lang="en-US" sz="2400" dirty="0"/>
+          </a:p>
+          <a:p>
+            <a:endParaRPr lang="en-US" sz="2400" dirty="0" smtClean="0"/>
+          </a:p>
+          <a:p>
+            <a:endParaRPr lang="en-US" sz="2400" dirty="0" smtClean="0"/>
+          </a:p>
+          <a:p>
+            <a:endParaRPr lang="en-US" sz="2400" dirty="0"/>
+          </a:p>
+          <a:p>
+            <a:endParaRPr lang="en-US" sz="2400" dirty="0"/>
+          </a:p>
+          <a:p>
+            <a:pPr algn="ctr"/>
+            <a:endParaRPr lang="en-US" sz="2400" dirty="0" smtClean="0"/>
+          </a:p>
+          <a:p>
+            <a:pPr algn="ctr"/>
+            <a:r>
+              <a:rPr lang="en-US" sz="2400" dirty="0" smtClean="0"/>
+              <a:t>Press </a:t>
+            </a:r>
+            <a:r>
+              <a:rPr lang="en-US" sz="2400" dirty="0"/>
+              <a:t>the </a:t>
+            </a:r>
+            <a:r>
+              <a:rPr lang="en-US" sz="2400" b="1" dirty="0"/>
+              <a:t>right arrow key </a:t>
+            </a:r>
+            <a:r>
+              <a:rPr lang="en-US" sz="2400" dirty="0"/>
+              <a:t>to </a:t>
+            </a:r>
+            <a:r>
+              <a:rPr lang="en-US" sz="2400" b="1" dirty="0"/>
+              <a:t>proceed</a:t>
+            </a:r>
+            <a:r>
+              <a:rPr lang="en-US" sz="2400" dirty="0"/>
+              <a:t> or the </a:t>
+            </a:r>
+            <a:r>
+              <a:rPr lang="en-US" sz="2400" b="1" dirty="0"/>
+              <a:t>left arrow key</a:t>
+            </a:r>
+            <a:r>
+              <a:rPr lang="en-US" sz="2400" dirty="0"/>
+              <a:t> to return to the </a:t>
+            </a:r>
+            <a:r>
+              <a:rPr lang="en-US" sz="2400" b="1" dirty="0"/>
+              <a:t>previous slide</a:t>
+            </a:r>
+          </a:p>
+          <a:p>
+            <a:pPr algn="ctr"/>
+            <a:endParaRPr lang="en-US" sz="2400" dirty="0"/>
+          </a:p>
+          <a:p>
+            <a:endParaRPr lang="en-US" sz="2400" dirty="0"/>
+          </a:p>
+          <a:p>
+            <a:endParaRPr lang="en-US" sz="2400" dirty="0"/>
+          </a:p>
+        </p:txBody>
+      </p:sp>
+      <p:grpSp>
+        <p:nvGrpSpPr>
+          <p:cNvPr id="13" name="Gruppieren 12"/>
+          <p:cNvGrpSpPr/>
+          <p:nvPr/>
+        </p:nvGrpSpPr>
+        <p:grpSpPr>
+          <a:xfrm>
+            <a:off x="5121520" y="3935931"/>
+            <a:ext cx="1888019" cy="1599765"/>
+            <a:chOff x="5121520" y="3916052"/>
+            <a:chExt cx="1888019" cy="1599765"/>
+          </a:xfrm>
+        </p:grpSpPr>
+        <p:grpSp>
+          <p:nvGrpSpPr>
+            <p:cNvPr id="24" name="Gruppieren 23"/>
+            <p:cNvGrpSpPr/>
+            <p:nvPr/>
+          </p:nvGrpSpPr>
+          <p:grpSpPr>
+            <a:xfrm>
+              <a:off x="5121520" y="3916052"/>
+              <a:ext cx="1888019" cy="1599765"/>
+              <a:chOff x="1866122" y="1498567"/>
+              <a:chExt cx="5075854" cy="3250713"/>
+            </a:xfrm>
+          </p:grpSpPr>
+          <p:pic>
+            <p:nvPicPr>
+              <p:cNvPr id="27" name="Grafik 26"/>
+              <p:cNvPicPr/>
+              <p:nvPr/>
+            </p:nvPicPr>
+            <p:blipFill rotWithShape="1">
+              <a:blip r:embed="rId2" cstate="hqprint">
+                <a:extLst>
+                  <a:ext uri="{28A0092B-C50C-407E-A947-70E740481C1C}">
+                    <a14:useLocalDpi xmlns:a14="http://schemas.microsoft.com/office/drawing/2010/main" val="0"/>
+                  </a:ext>
+                </a:extLst>
+              </a:blip>
+              <a:srcRect/>
+              <a:stretch/>
+            </p:blipFill>
+            <p:spPr bwMode="auto">
+              <a:xfrm>
+                <a:off x="1866122" y="1498567"/>
+                <a:ext cx="5075854" cy="3250713"/>
+              </a:xfrm>
+              <a:prstGeom prst="rect">
+                <a:avLst/>
+              </a:prstGeom>
+              <a:ln>
+                <a:noFill/>
+              </a:ln>
+              <a:extLst>
+                <a:ext uri="{53640926-AAD7-44D8-BBD7-CCE9431645EC}">
+                  <a14:shadowObscured xmlns:a14="http://schemas.microsoft.com/office/drawing/2010/main"/>
+                </a:ext>
+              </a:extLst>
+            </p:spPr>
+          </p:pic>
+          <p:sp>
+            <p:nvSpPr>
+              <p:cNvPr id="28" name="Abgerundetes Rechteck 27"/>
+              <p:cNvSpPr/>
+              <p:nvPr/>
+            </p:nvSpPr>
+            <p:spPr>
+              <a:xfrm>
+                <a:off x="3290888" y="2271713"/>
+                <a:ext cx="623887" cy="442912"/>
+              </a:xfrm>
+              <a:prstGeom prst="roundRect">
+                <a:avLst/>
+              </a:prstGeom>
+              <a:solidFill>
+                <a:srgbClr val="00B050"/>
+              </a:solidFill>
+              <a:ln>
+                <a:solidFill>
+                  <a:srgbClr val="00B050"/>
+                </a:solidFill>
+              </a:ln>
+            </p:spPr>
+            <p:style>
+              <a:lnRef idx="1">
+                <a:schemeClr val="accent1"/>
+              </a:lnRef>
+              <a:fillRef idx="3">
+                <a:schemeClr val="accent1"/>
+              </a:fillRef>
+              <a:effectRef idx="2">
+                <a:schemeClr val="accent1"/>
+              </a:effectRef>
+              <a:fontRef idx="minor">
+                <a:schemeClr val="lt1"/>
+              </a:fontRef>
+            </p:style>
+            <p:txBody>
+              <a:bodyPr rtlCol="0" anchor="ctr"/>
+              <a:lstStyle/>
+              <a:p>
+                <a:pPr algn="ctr"/>
+                <a:endParaRPr lang="de-DE"/>
+              </a:p>
+            </p:txBody>
+          </p:sp>
+          <p:sp>
+            <p:nvSpPr>
+              <p:cNvPr id="29" name="Abgerundetes Rechteck 28"/>
+              <p:cNvSpPr/>
+              <p:nvPr/>
+            </p:nvSpPr>
+            <p:spPr>
+              <a:xfrm>
+                <a:off x="4919663" y="2271713"/>
+                <a:ext cx="623887" cy="442912"/>
+              </a:xfrm>
+              <a:prstGeom prst="roundRect">
+                <a:avLst/>
+              </a:prstGeom>
+              <a:solidFill>
+                <a:srgbClr val="C00000"/>
+              </a:solidFill>
+              <a:ln>
+                <a:solidFill>
+                  <a:srgbClr val="C00000"/>
+                </a:solidFill>
+              </a:ln>
+            </p:spPr>
+            <p:style>
+              <a:lnRef idx="1">
+                <a:schemeClr val="accent1"/>
+              </a:lnRef>
+              <a:fillRef idx="3">
+                <a:schemeClr val="accent1"/>
+              </a:fillRef>
+              <a:effectRef idx="2">
+                <a:schemeClr val="accent1"/>
+              </a:effectRef>
+              <a:fontRef idx="minor">
+                <a:schemeClr val="lt1"/>
+              </a:fontRef>
+            </p:style>
+            <p:txBody>
+              <a:bodyPr rtlCol="0" anchor="ctr"/>
+              <a:lstStyle/>
+              <a:p>
+                <a:pPr algn="ctr"/>
+                <a:endParaRPr lang="de-DE"/>
+              </a:p>
+            </p:txBody>
+          </p:sp>
+          <p:sp>
+            <p:nvSpPr>
+              <p:cNvPr id="30" name="Abgerundetes Rechteck 29"/>
+              <p:cNvSpPr/>
+              <p:nvPr/>
+            </p:nvSpPr>
+            <p:spPr>
+              <a:xfrm>
+                <a:off x="3290887" y="3676065"/>
+                <a:ext cx="623887" cy="442912"/>
+              </a:xfrm>
+              <a:prstGeom prst="roundRect">
+                <a:avLst/>
+              </a:prstGeom>
+              <a:solidFill>
+                <a:srgbClr val="0070C0"/>
+              </a:solidFill>
+              <a:ln>
+                <a:solidFill>
+                  <a:srgbClr val="0070C0"/>
+                </a:solidFill>
+              </a:ln>
+            </p:spPr>
+            <p:style>
+              <a:lnRef idx="1">
+                <a:schemeClr val="accent1"/>
+              </a:lnRef>
+              <a:fillRef idx="3">
+                <a:schemeClr val="accent1"/>
+              </a:fillRef>
+              <a:effectRef idx="2">
+                <a:schemeClr val="accent1"/>
+              </a:effectRef>
+              <a:fontRef idx="minor">
+                <a:schemeClr val="lt1"/>
+              </a:fontRef>
+            </p:style>
+            <p:txBody>
+              <a:bodyPr rtlCol="0" anchor="ctr"/>
+              <a:lstStyle/>
+              <a:p>
+                <a:pPr algn="ctr"/>
+                <a:endParaRPr lang="de-DE"/>
+              </a:p>
+            </p:txBody>
+          </p:sp>
+          <p:sp>
+            <p:nvSpPr>
+              <p:cNvPr id="31" name="Abgerundetes Rechteck 30"/>
+              <p:cNvSpPr/>
+              <p:nvPr/>
+            </p:nvSpPr>
+            <p:spPr>
+              <a:xfrm>
+                <a:off x="4919663" y="3676065"/>
+                <a:ext cx="623887" cy="442912"/>
+              </a:xfrm>
+              <a:prstGeom prst="roundRect">
+                <a:avLst/>
+              </a:prstGeom>
+              <a:noFill/>
+              <a:ln>
+                <a:noFill/>
+              </a:ln>
+            </p:spPr>
+            <p:style>
+              <a:lnRef idx="1">
+                <a:schemeClr val="accent1"/>
+              </a:lnRef>
+              <a:fillRef idx="3">
+                <a:schemeClr val="accent1"/>
+              </a:fillRef>
+              <a:effectRef idx="2">
+                <a:schemeClr val="accent1"/>
+              </a:effectRef>
+              <a:fontRef idx="minor">
+                <a:schemeClr val="lt1"/>
+              </a:fontRef>
+            </p:style>
+            <p:txBody>
+              <a:bodyPr rtlCol="0" anchor="ctr"/>
+              <a:lstStyle/>
+              <a:p>
+                <a:pPr algn="ctr"/>
+                <a:endParaRPr lang="de-DE"/>
+              </a:p>
+            </p:txBody>
+          </p:sp>
+          <p:sp>
+            <p:nvSpPr>
+              <p:cNvPr id="32" name="Abgerundetes Rechteck 31"/>
+              <p:cNvSpPr/>
+              <p:nvPr/>
+            </p:nvSpPr>
+            <p:spPr>
+              <a:xfrm>
+                <a:off x="2225913" y="2973610"/>
+                <a:ext cx="422038" cy="281573"/>
+              </a:xfrm>
+              <a:prstGeom prst="roundRect">
+                <a:avLst/>
+              </a:prstGeom>
+              <a:solidFill>
+                <a:schemeClr val="bg1"/>
+              </a:solidFill>
+              <a:ln>
+                <a:solidFill>
+                  <a:schemeClr val="bg1"/>
+                </a:solidFill>
+              </a:ln>
+            </p:spPr>
+            <p:style>
+              <a:lnRef idx="1">
+                <a:schemeClr val="accent1"/>
+              </a:lnRef>
+              <a:fillRef idx="3">
+                <a:schemeClr val="accent1"/>
+              </a:fillRef>
+              <a:effectRef idx="2">
+                <a:schemeClr val="accent1"/>
+              </a:effectRef>
+              <a:fontRef idx="minor">
+                <a:schemeClr val="lt1"/>
+              </a:fontRef>
+            </p:style>
+            <p:txBody>
+              <a:bodyPr rtlCol="0" anchor="ctr"/>
+              <a:lstStyle/>
+              <a:p>
+                <a:pPr algn="ctr"/>
+                <a:endParaRPr lang="de-DE" dirty="0"/>
+              </a:p>
+            </p:txBody>
+          </p:sp>
+          <p:sp>
+            <p:nvSpPr>
+              <p:cNvPr id="33" name="Pfeil nach rechts 32"/>
+              <p:cNvSpPr/>
+              <p:nvPr/>
+            </p:nvSpPr>
+            <p:spPr>
+              <a:xfrm rot="10800000">
+                <a:off x="2314571" y="3090580"/>
+                <a:ext cx="219075" cy="45719"/>
+              </a:xfrm>
+              <a:prstGeom prst="rightArrow">
+                <a:avLst/>
+              </a:prstGeom>
+              <a:solidFill>
+                <a:schemeClr val="tx1"/>
+              </a:solidFill>
+              <a:ln>
+                <a:solidFill>
+                  <a:schemeClr val="tx1"/>
+                </a:solidFill>
+              </a:ln>
+            </p:spPr>
+            <p:style>
+              <a:lnRef idx="2">
+                <a:schemeClr val="dk1"/>
+              </a:lnRef>
+              <a:fillRef idx="1">
+                <a:schemeClr val="lt1"/>
+              </a:fillRef>
+              <a:effectRef idx="0">
+                <a:schemeClr val="dk1"/>
+              </a:effectRef>
+              <a:fontRef idx="minor">
+                <a:schemeClr val="dk1"/>
+              </a:fontRef>
+            </p:style>
+            <p:txBody>
+              <a:bodyPr rtlCol="0" anchor="ctr"/>
+              <a:lstStyle/>
+              <a:p>
+                <a:pPr algn="ctr"/>
+                <a:endParaRPr lang="de-DE">
+                  <a:solidFill>
+                    <a:schemeClr val="tx1"/>
+                  </a:solidFill>
+                </a:endParaRPr>
+              </a:p>
+            </p:txBody>
+          </p:sp>
+          <p:sp>
+            <p:nvSpPr>
+              <p:cNvPr id="34" name="Abgerundetes Rechteck 33"/>
+              <p:cNvSpPr/>
+              <p:nvPr/>
+            </p:nvSpPr>
+            <p:spPr>
+              <a:xfrm rot="10800000">
+                <a:off x="6212125" y="2973610"/>
+                <a:ext cx="422038" cy="281573"/>
+              </a:xfrm>
+              <a:prstGeom prst="roundRect">
+                <a:avLst/>
+              </a:prstGeom>
+              <a:solidFill>
+                <a:schemeClr val="bg1"/>
+              </a:solidFill>
+              <a:ln>
+                <a:solidFill>
+                  <a:schemeClr val="bg1"/>
+                </a:solidFill>
+              </a:ln>
+            </p:spPr>
+            <p:style>
+              <a:lnRef idx="1">
+                <a:schemeClr val="accent1"/>
+              </a:lnRef>
+              <a:fillRef idx="3">
+                <a:schemeClr val="accent1"/>
+              </a:fillRef>
+              <a:effectRef idx="2">
+                <a:schemeClr val="accent1"/>
+              </a:effectRef>
+              <a:fontRef idx="minor">
+                <a:schemeClr val="lt1"/>
+              </a:fontRef>
+            </p:style>
+            <p:txBody>
+              <a:bodyPr rtlCol="0" anchor="ctr"/>
+              <a:lstStyle/>
+              <a:p>
+                <a:pPr algn="ctr"/>
+                <a:endParaRPr lang="de-DE" dirty="0"/>
+              </a:p>
+            </p:txBody>
+          </p:sp>
+          <p:sp>
+            <p:nvSpPr>
+              <p:cNvPr id="35" name="Pfeil nach rechts 34"/>
+              <p:cNvSpPr/>
+              <p:nvPr/>
+            </p:nvSpPr>
+            <p:spPr>
+              <a:xfrm>
+                <a:off x="6300783" y="3090580"/>
+                <a:ext cx="219075" cy="45719"/>
+              </a:xfrm>
+              <a:prstGeom prst="rightArrow">
+                <a:avLst/>
+              </a:prstGeom>
+              <a:solidFill>
+                <a:schemeClr val="tx1"/>
+              </a:solidFill>
+              <a:ln>
+                <a:solidFill>
+                  <a:schemeClr val="tx1"/>
+                </a:solidFill>
+              </a:ln>
+            </p:spPr>
+            <p:style>
+              <a:lnRef idx="2">
+                <a:schemeClr val="dk1"/>
+              </a:lnRef>
+              <a:fillRef idx="1">
+                <a:schemeClr val="lt1"/>
+              </a:fillRef>
+              <a:effectRef idx="0">
+                <a:schemeClr val="dk1"/>
+              </a:effectRef>
+              <a:fontRef idx="minor">
+                <a:schemeClr val="dk1"/>
+              </a:fontRef>
+            </p:style>
+            <p:txBody>
+              <a:bodyPr rtlCol="0" anchor="ctr"/>
+              <a:lstStyle/>
+              <a:p>
+                <a:pPr algn="ctr"/>
+                <a:endParaRPr lang="de-DE">
+                  <a:solidFill>
+                    <a:schemeClr val="tx1"/>
+                  </a:solidFill>
+                </a:endParaRPr>
+              </a:p>
+            </p:txBody>
+          </p:sp>
+        </p:grpSp>
+        <p:sp>
+          <p:nvSpPr>
+            <p:cNvPr id="25" name="Abgerundetes Rechteck 24"/>
+            <p:cNvSpPr/>
+            <p:nvPr/>
+          </p:nvSpPr>
+          <p:spPr>
+            <a:xfrm>
+              <a:off x="5261417" y="4347739"/>
+              <a:ext cx="149721" cy="101629"/>
+            </a:xfrm>
+            <a:prstGeom prst="roundRect">
+              <a:avLst/>
+            </a:prstGeom>
+            <a:solidFill>
+              <a:schemeClr val="accent6"/>
+            </a:solidFill>
+            <a:ln>
+              <a:solidFill>
+                <a:schemeClr val="accent6"/>
+              </a:solidFill>
+            </a:ln>
+          </p:spPr>
+          <p:style>
+            <a:lnRef idx="1">
+              <a:schemeClr val="accent1"/>
+            </a:lnRef>
+            <a:fillRef idx="3">
+              <a:schemeClr val="accent1"/>
+            </a:fillRef>
+            <a:effectRef idx="2">
+              <a:schemeClr val="accent1"/>
+            </a:effectRef>
+            <a:fontRef idx="minor">
+              <a:schemeClr val="lt1"/>
+            </a:fontRef>
+          </p:style>
+          <p:txBody>
+            <a:bodyPr rtlCol="0" anchor="ctr"/>
+            <a:lstStyle/>
+            <a:p>
+              <a:pPr algn="ctr"/>
+              <a:endParaRPr lang="de-DE"/>
+            </a:p>
+          </p:txBody>
+        </p:sp>
+        <p:sp>
+          <p:nvSpPr>
+            <p:cNvPr id="26" name="Abgerundetes Rechteck 25"/>
+            <p:cNvSpPr/>
+            <p:nvPr/>
+          </p:nvSpPr>
+          <p:spPr>
+            <a:xfrm>
+              <a:off x="6733033" y="4347309"/>
+              <a:ext cx="149721" cy="101629"/>
+            </a:xfrm>
+            <a:prstGeom prst="roundRect">
+              <a:avLst/>
+            </a:prstGeom>
+            <a:solidFill>
+              <a:srgbClr val="FFFF00"/>
+            </a:solidFill>
+            <a:ln>
+              <a:solidFill>
+                <a:srgbClr val="FFFF00"/>
+              </a:solidFill>
+            </a:ln>
+          </p:spPr>
+          <p:style>
+            <a:lnRef idx="1">
+              <a:schemeClr val="accent1"/>
+            </a:lnRef>
+            <a:fillRef idx="3">
+              <a:schemeClr val="accent1"/>
+            </a:fillRef>
+            <a:effectRef idx="2">
+              <a:schemeClr val="accent1"/>
+            </a:effectRef>
+            <a:fontRef idx="minor">
+              <a:schemeClr val="lt1"/>
+            </a:fontRef>
+          </p:style>
+          <p:txBody>
+            <a:bodyPr rtlCol="0" anchor="ctr"/>
+            <a:lstStyle/>
+            <a:p>
+              <a:pPr algn="ctr"/>
+              <a:endParaRPr lang="de-DE"/>
+            </a:p>
+          </p:txBody>
+        </p:sp>
+      </p:grpSp>
+    </p:spTree>
+    <p:extLst>
+      <p:ext uri="{BB962C8B-B14F-4D97-AF65-F5344CB8AC3E}">
+        <p14:creationId xmlns:p14="http://schemas.microsoft.com/office/powerpoint/2010/main" val="1672981800"/>
+      </p:ext>
+    </p:extLst>
+  </p:cSld>
+  <p:clrMapOvr>
+    <a:masterClrMapping/>
+  </p:clrMapOvr>
+</p:sld>
+</file>
+
+<file path=ppt/slides/slide6.xml><?xml version="1.0" encoding="utf-8"?>
+<p:sld xmlns:a="http://schemas.openxmlformats.org/drawingml/2006/main" xmlns:r="http://schemas.openxmlformats.org/officeDocument/2006/relationships" xmlns:p="http://schemas.openxmlformats.org/presentationml/2006/main">
+  <p:cSld>
+    <p:spTree>
+      <p:nvGrpSpPr>
+        <p:cNvPr id="1" name=""/>
+        <p:cNvGrpSpPr/>
+        <p:nvPr/>
+      </p:nvGrpSpPr>
+      <p:grpSpPr>
+        <a:xfrm>
+          <a:off x="0" y="0"/>
+          <a:ext cx="0" cy="0"/>
+          <a:chOff x="0" y="0"/>
+          <a:chExt cx="0" cy="0"/>
+        </a:xfrm>
+      </p:grpSpPr>
+      <p:sp>
+        <p:nvSpPr>
+          <p:cNvPr id="4" name="TextBox 3"/>
+          <p:cNvSpPr txBox="1"/>
+          <p:nvPr/>
+        </p:nvSpPr>
+        <p:spPr>
+          <a:xfrm>
             <a:off x="2178287" y="315672"/>
             <a:ext cx="7774486" cy="6740307"/>
           </a:xfrm>
@@ -4646,11 +6678,7 @@
             </a:r>
             <a:r>
               <a:rPr lang="en-US" sz="2400" b="1" dirty="0" smtClean="0"/>
-              <a:t>white </a:t>
-            </a:r>
-            <a:r>
-              <a:rPr lang="en-US" sz="2400" b="1" dirty="0" smtClean="0"/>
-              <a:t>button for low tones</a:t>
+              <a:t>white button for low tones</a:t>
             </a:r>
             <a:r>
               <a:rPr lang="en-US" sz="2400" dirty="0" smtClean="0"/>
@@ -5165,7 +7193,7 @@
 </p:sld>
 </file>
 
-<file path=ppt/slides/slide5.xml><?xml version="1.0" encoding="utf-8"?>
+<file path=ppt/slides/slide7.xml><?xml version="1.0" encoding="utf-8"?>
 <p:sld xmlns:a="http://schemas.openxmlformats.org/drawingml/2006/main" xmlns:r="http://schemas.openxmlformats.org/officeDocument/2006/relationships" xmlns:p="http://schemas.openxmlformats.org/presentationml/2006/main">
   <p:cSld>
     <p:spTree>
@@ -5777,7 +7805,7 @@
 </p:sld>
 </file>
 
-<file path=ppt/slides/slide6.xml><?xml version="1.0" encoding="utf-8"?>
+<file path=ppt/slides/slide8.xml><?xml version="1.0" encoding="utf-8"?>
 <p:sld xmlns:a="http://schemas.openxmlformats.org/drawingml/2006/main" xmlns:r="http://schemas.openxmlformats.org/officeDocument/2006/relationships" xmlns:p="http://schemas.openxmlformats.org/presentationml/2006/main">
   <p:cSld>
     <p:spTree>
@@ -5931,7 +7959,7 @@
 </p:sld>
 </file>
 
-<file path=ppt/slides/slide7.xml><?xml version="1.0" encoding="utf-8"?>
+<file path=ppt/slides/slide9.xml><?xml version="1.0" encoding="utf-8"?>
 <p:sld xmlns:a="http://schemas.openxmlformats.org/drawingml/2006/main" xmlns:r="http://schemas.openxmlformats.org/officeDocument/2006/relationships" xmlns:p="http://schemas.openxmlformats.org/presentationml/2006/main">
   <p:cSld>
     <p:spTree>
@@ -6150,495 +8178,6 @@
     <p:extLst>
       <p:ext uri="{BB962C8B-B14F-4D97-AF65-F5344CB8AC3E}">
         <p14:creationId xmlns:p14="http://schemas.microsoft.com/office/powerpoint/2010/main" val="1194465973"/>
-      </p:ext>
-    </p:extLst>
-  </p:cSld>
-  <p:clrMapOvr>
-    <a:masterClrMapping/>
-  </p:clrMapOvr>
-</p:sld>
-</file>
-
-<file path=ppt/slides/slide8.xml><?xml version="1.0" encoding="utf-8"?>
-<p:sld xmlns:a="http://schemas.openxmlformats.org/drawingml/2006/main" xmlns:r="http://schemas.openxmlformats.org/officeDocument/2006/relationships" xmlns:p="http://schemas.openxmlformats.org/presentationml/2006/main">
-  <p:cSld>
-    <p:spTree>
-      <p:nvGrpSpPr>
-        <p:cNvPr id="1" name=""/>
-        <p:cNvGrpSpPr/>
-        <p:nvPr/>
-      </p:nvGrpSpPr>
-      <p:grpSpPr>
-        <a:xfrm>
-          <a:off x="0" y="0"/>
-          <a:ext cx="0" cy="0"/>
-          <a:chOff x="0" y="0"/>
-          <a:chExt cx="0" cy="0"/>
-        </a:xfrm>
-      </p:grpSpPr>
-      <p:sp>
-        <p:nvSpPr>
-          <p:cNvPr id="4" name="TextBox 3"/>
-          <p:cNvSpPr txBox="1"/>
-          <p:nvPr/>
-        </p:nvSpPr>
-        <p:spPr>
-          <a:xfrm>
-            <a:off x="2178287" y="315672"/>
-            <a:ext cx="7774486" cy="6740307"/>
-          </a:xfrm>
-          <a:prstGeom prst="rect">
-            <a:avLst/>
-          </a:prstGeom>
-          <a:noFill/>
-        </p:spPr>
-        <p:txBody>
-          <a:bodyPr wrap="square" rtlCol="0">
-            <a:spAutoFit/>
-          </a:bodyPr>
-          <a:lstStyle/>
-          <a:p>
-            <a:endParaRPr lang="en-US" sz="2400" dirty="0" smtClean="0"/>
-          </a:p>
-          <a:p>
-            <a:r>
-              <a:rPr lang="en-US" sz="2400" dirty="0" smtClean="0"/>
-              <a:t>The screen for your time estimation will look like this:</a:t>
-            </a:r>
-          </a:p>
-          <a:p>
-            <a:endParaRPr lang="en-US" sz="2400" dirty="0"/>
-          </a:p>
-          <a:p>
-            <a:endParaRPr lang="en-US" sz="2400" dirty="0" smtClean="0"/>
-          </a:p>
-          <a:p>
-            <a:endParaRPr lang="en-US" sz="2400" dirty="0"/>
-          </a:p>
-          <a:p>
-            <a:endParaRPr lang="en-US" sz="2400" dirty="0"/>
-          </a:p>
-          <a:p>
-            <a:endParaRPr lang="en-US" sz="2400" dirty="0" smtClean="0"/>
-          </a:p>
-          <a:p>
-            <a:endParaRPr lang="en-US" sz="2400" dirty="0"/>
-          </a:p>
-          <a:p>
-            <a:endParaRPr lang="en-US" sz="2400" dirty="0" smtClean="0"/>
-          </a:p>
-          <a:p>
-            <a:endParaRPr lang="en-US" sz="2400" dirty="0"/>
-          </a:p>
-          <a:p>
-            <a:endParaRPr lang="en-US" sz="2400" dirty="0" smtClean="0"/>
-          </a:p>
-          <a:p>
-            <a:r>
-              <a:rPr lang="en-US" sz="2400" dirty="0" smtClean="0"/>
-              <a:t>By </a:t>
-            </a:r>
-            <a:r>
-              <a:rPr lang="en-US" sz="2400" b="1" dirty="0" smtClean="0"/>
-              <a:t>turning the knob</a:t>
-            </a:r>
-            <a:r>
-              <a:rPr lang="en-US" sz="2400" dirty="0" smtClean="0"/>
-              <a:t> you can change the value and move the pointer on the scale. Select your final answer by </a:t>
-            </a:r>
-            <a:r>
-              <a:rPr lang="en-US" sz="2400" b="1" dirty="0" smtClean="0"/>
-              <a:t>pressing the knob</a:t>
-            </a:r>
-            <a:r>
-              <a:rPr lang="en-US" sz="2400" dirty="0" smtClean="0"/>
-              <a:t>.</a:t>
-            </a:r>
-          </a:p>
-          <a:p>
-            <a:endParaRPr lang="en-US" sz="2400" dirty="0" smtClean="0"/>
-          </a:p>
-          <a:p>
-            <a:pPr algn="ctr"/>
-            <a:r>
-              <a:rPr lang="en-US" sz="2400" dirty="0" smtClean="0"/>
-              <a:t>Press the </a:t>
-            </a:r>
-            <a:r>
-              <a:rPr lang="en-US" sz="2400" b="1" dirty="0" smtClean="0"/>
-              <a:t>right arrow key </a:t>
-            </a:r>
-            <a:r>
-              <a:rPr lang="en-US" sz="2400" dirty="0" smtClean="0"/>
-              <a:t>to </a:t>
-            </a:r>
-            <a:r>
-              <a:rPr lang="en-US" sz="2400" b="1" dirty="0" smtClean="0"/>
-              <a:t>proceed</a:t>
-            </a:r>
-            <a:r>
-              <a:rPr lang="en-US" sz="2400" dirty="0" smtClean="0"/>
-              <a:t> or the </a:t>
-            </a:r>
-            <a:r>
-              <a:rPr lang="en-US" sz="2400" b="1" dirty="0" smtClean="0"/>
-              <a:t>left arrow key</a:t>
-            </a:r>
-            <a:r>
-              <a:rPr lang="en-US" sz="2400" dirty="0" smtClean="0"/>
-              <a:t> to return to the </a:t>
-            </a:r>
-            <a:r>
-              <a:rPr lang="en-US" sz="2400" b="1" dirty="0" smtClean="0"/>
-              <a:t>previous slide</a:t>
-            </a:r>
-          </a:p>
-          <a:p>
-            <a:endParaRPr lang="en-US" sz="2400" dirty="0"/>
-          </a:p>
-        </p:txBody>
-      </p:sp>
-      <p:sp>
-        <p:nvSpPr>
-          <p:cNvPr id="5" name="AutoShape 6" descr="data:image/png;base64,iVBORw0KGgoAAAANSUhEUgAAAZsAAAERCAYAAACtswpGAAAAAXNSR0IArs4c6QAAIABJREFUeF7tnXeUFcX2tkslKkGiBJEgWRABRRBUEBQlKAqYRUyY4xVEf5e/THiNmLOigogiiIogkkQFJCogSpYoGUQkCXzrqW/VWT09Z2ZOn+mG9vDWWixmznRXVT9Vvd/au3b3OeLRay49UKNSKVPy7IsM5cCB3Wbt2m2mQsVyZuO6NaZU6ePMtq0bTYmSpcyRR+43u3fvM39u3WUqHl/W/LNzq9m080hT5tgiZtumHeaAMaZsuWPNls3bTMmSRcyOHftN8RKFzMZ1m0zpsmXNjr+2meIlS5otG7eaUmVLmQ1r15siJYub4kcfY9tOtezdvdPsNAVNicIFUj1Fx4mACIiACBxCAkf069cPjVARAREQAREQgcgISGwiQ6uKRUAEREAEHAGJjeaCCIiACIhA5AQkNpEjVgMiIAIiIAISG80BERABERCByAlIbCJHrAZEQAREQAQkNpoDIiACIiACkROQ2ESOWA2IgAiIgAhIbDQHREAEREAEIicgsYkcsRoQAREQARGQ2GgOiIAIiIAIRE5AYhM5YjUgAiIgAiIgsdEcEAEREAERiJyAxCZyxGpABERABERAYqM5IAIiIAIiEDkBiU3kiNWACIiACIiAxEZzQAREQAREIHICEpvIEasBERABERABiY3mgAiIgAiIQOQEJDaRI1YDIiACIiACEhvNAREQAREQgcgJSGwiR6wGREAEREAEJDaaAyIgAiIgApETkNhEjlgNiIAIiIAISGw0B0RABERABCInILGJHLEaEAEREAERkNhoDoiACIiACEROQGITOWI1IAIiIAIiILHRHBABERABEYicgMQmcsRqQAREQAREQGKjOSACIiACIhA5AYlN5IjVgAiIgAiIgMRGc0AEREAERCByAhKbyBGrAREQAREQAYmN5oAIiIAIiEDkBCQ2kSNWAyIgAiIgAhIbzQEREAEREIHICUhsIkecdwP79u0z06ZNM/xfuHBh06xZszxP+ueff8yPP/5ozznmmGNMo0aNzNy5c82OHTtMvXr1TOnSpfOs41AdsGzZMrNq1SpTuXJlU6NGjZS6wXXBpkCBAikdH9ZBs2fPNn/99Zc56aSTImX6/fffm/3795szzjjDHHXUUWF1P5R6mGPwL168uDniiCMSdS5atMj88ccfpmrVquaEE04Ipa1UK4HVpk2bzJw5c8y8efPsGDE3ypYta++fWrVqmaOPPjrV6nTcQSAgsTkIkFNpYtKkSebbb7+1hub66683FSpUyPW0JUuWmI8++siKTdeuXc2JJ55oBg0aZNatW2d/r127dirNHpJjvvnmGzNlyhTTvHlzc+655+bZhzVr1pivvvrKXHTRRdaYHMzyxhtvWIN6+eWXWwMWRTlw4IDp37+/YQHRt29fU7BgwSiaSavOv//+24wZM8bOyw4dOmQR+y+++MIgxmeffbY566yz0qo/3ZN+/fVXOycQGX9BEBE/5kvJkiXTbULnhUxAYhMy0HSrw6C99dZbdnXbrl0706JFi1yrGjdunPnhhx9M0aJFzY033miKFStmPZ3t27ebxo0bm/Lly6fblcjPCyo2Tz/9tMHo3XzzzQf9ug53sUFMRo0aZRcz3bp1yyI2eNIrV660C5uaNWtGPm9cA4jya6+9ZjZv3mznfZMmTezChUUJ98DSpUutcOMltm3b9qD1Sw3lTkBiE5MZsmfPHuupLF++3N7Y3bt3z3GFy430zjvv2BV33bp1zcUXX3zQw0v5wSaxyUovzp5NbmKTnzmQn3MXLFhghg0bZuB21VVXmerVqyfCe9wbEyZMMFOnTrVhz1tvvdUceeSR+WlO54ZEQGITEsgwquEm+e6776xw3HXXXXYvJllZv369XdlRzjvvPHP66afbnwmpcQMS8vDG1rkBWfW5kAOxbMJ07IF4j6MOjqUk2xvB6+IfN6//BubzjRs3mm3bthmEkz7QDvsy/j2IIGJDf5577jmzc+dOc8MNN1jPxn99tM0qd8uWLbZtrom2q1SpknT/A0awWLt2rdm7d6+91nLlypljjz0223Xl5Nk4FrBKxiOn+cAYrVixwl4P4bKKFSvacU4WRnPjmVP9ycbK9QtGzBO4FClSxO6ruDHjmK1bt9q/7d69O8GrUqVKplChQomuU/9PP/1kRo8ebffWunTpYv/uxjO3/tHGhg0b7JhwHB44oa1k88pbD2PHIorz6C98SpQokWWeDh061LBfdNxxx1mv3l+Yh6+88or9+KGHHordHlgYtuLfWIfEJkaj5r1J2rRpY1q1apWtdxjKTz/91Pzyyy/2xkeUuJExGv49G46dP3++3R/hBvYWbmA2Uv3huocfftge1q9fvyzHUxciwYqRcwj1uYLRJq5PSMVfEIfOnTsbDJkrqYoNRuixxx7LVucVV1yRCNtgNAnzEDqhj95CvJ59Bm+IByNG+JGNZQyiKxg2jrvsssuy1JFMbDhvxIgRdgwQivPPP98mZeRVSIxgn4GNbVcYB0I9n3/+ebY9G7cn0rp1a3PmmWdmqz7ZWE2cONFMnjzZ7lcgEswLihszFgP0YfHixdl40ReupU6dOvYcFjQIlreweMCbYKGS057N6tWrDWHe33//Pcu5LACY16ecckoWUf/kk08M3grzcdeuXTbRxY0l48Jiij0hJ4T8DZbMLcJo/sK+5euvv26Pv//++yU2eU3Mg/R3ic1BAp1KM9xE7NtgvLmZ+/Tpk+00soKeeeYZ+zkZaBdeeKH9OZnYsHLlpmP1Tn1lypSxq1xEgc9YWV9yySVZkgmCig2CQH8wEqxKWW1iABA3+so1lSpVytxxxx2hiw11P/vss7YdCt4JAsOK+s8//7Rt+zm6RAyMGMaVhAOMPyJEYSXtXS0nE5sBAwbYvTHqZx+DUKbfQ/QPHJ7Uiy++aLnjGSC+9Jt2OdcJnzdBID9iwwIELw9xYD4RToINK34WNRSuHW/OeaRcDwb6P//5j/VA0hEb9tZefvll67nBGEFAZNyc47Mrr7zShr5ccWIDF+YT4S/+IVaO16WXXprSvhDeGMJNhlrDhg2t6OY1Nqncmzom/wQkNvlnGGoNCAQ3Kzc+q/KmTZtmqZ9VK6tXjMI999xjjWlOYkNIjtAcBocbHKGh4A0QisDItm/f3m6wuhJUbAizjBw50vYDr4BwDQXjyd8wmNzs//3vfwOLjTshpwQBQilDhgyxhhHRdCtyznN/42evl/bkk09aYSQkhDFyBW8HVnDt3bt34nOv2BAGYq+ATEAENVWPhsrYYyPdGzHG00PUKN6sQn4PS2zo37XXXmuNNoKG4LMf+P7771ux4/rr16+fuE76AUvG7fbbb0+keee2Z5PMs6EO2CNiF1xwQRYPlOPxSJgrd955p/XIKU5s+J2w8Mknn2w/Z9EwePBgu3DwhotzuuEYV+6NGTNm2HFkIZBqan2oN7EqS0pAYhOzieH1bho0aGBXZi7WziqPENrChQttGi5JBC5+nsyzcXtArGA51ps2TDiF+jBKToRAEVRsMGSE6TAuZP94C9fyyCOP2I+8Bj/VMFpeYoN3gaDSf9Jv/ftIya7l0UcftQaVECWhGe/+A0LP795nlLxiA09CNIgbK20MWSqrZjyHgQMH2tU+KdT+zC34wSRMseG5IOaOd78Mr4P0ejzaZFlaL7zwgl2I3HLLLdZLpAQRGxYv7733nt0Po20nGm4cEYOXXnrJZhZ26tTJZk16xYaFFQssb3Hidc4555iWLVvmeLcyn1n0IKgIjVv4pDI+MTMBGdsdiU0Mh9bF3XmIjtUpq1IKRoswGyLBSs/78GcysWGFiQeDcXXPHpCmSggHg5os3h1UbBw+hIU+EAZBBDCsxPu//vrryMTGO3SubQwdxgzDx16OX+ic8eJz9ltOPfVUG+ohxAhn/wa2Exs+dxvyqaSme/vG3g57PPC++uqrsz0cCjtEkP/D8mww5B07dsxRDL28GCvmFmLKz+mKDftAeCkYe64zWfo9GZcslti3wcPzik2yfUrnPeW0h+k4s2dI2jNjSmj5YKZix9CExLJLEpsYDgv7HawQibl7V8KzZs0yX375pb2Z2QPxZqslExtEBkPHDYtAucLKFrEhW4ubOD+eDXWyYuUJeGLsXrHxbsBH4dnQNu2RtPDbb7/Zn9kHQWz42RVv26yASaTwbtIjxAg7q3mExGskndhQF8chCOxB9OrVy56TSsE7YNzYp2DF7Rc06nz88cdtn8MSG0SUMJa/eHkxPm5h4OWVrtiwyY+oEiokicOFybx9YJ6MHz/eJlQQ5vKKDSFd/9szUhEbvBnGlOtx94s8mlRm5sE9RmJzcHmn1BoraIwcq01uXAwbn7ERj6hgtFg5+lf2Ob1BgNg34SZEjJU/IuaEwJtkQH25eTZjx461r9XxZqMRdmEjmToJY2FI+UdcHmNMmq/fuwgrjMa1sL/l0ncRUdpGjPEi2CPxt+2YYfRYYRMG5HzntWCkSLF2eypObPB6CD3hdTIuhHzYs0nlGQ6v2BB+878hIKfnbHJLEGD88Ib81+e84mRigwi/+eabNj2d6/TzIkTIoiRdseGp/uHDh6ckNuwX8aaLMMSG7Dr2ady9ktJNpoMOOgGJzUFHnlqDrNQJgWHMevbsaTdJCVHw+2233ZYIrbnaknk2/pY4BoOCsWEVShv+zXsnNmTCueQD6sG4IWasIp3Y8NnHH39sjTbGmae4WfXjKbGHg9FnxR6F2GCgCZ1Mnz7dhsDYg8HTYzWNyPEvJ+H0coEHgglfBBkB8z557s9GgxvjgKhdc8015vjjj89zQJ0Rhgfn+MNLXAsp3vBM5tmwV8Gehbe4+RFEbAhpslhAONnjYqwcL8SZ55m4/nTFhvRz5gNzlMWQE2xvv0lQYA55xdAlCKTr2Xz22Wfm559/tns6fk55Do4OOGgEJDYHDXXwhlwWFvFtwkPswfAw5k033ZStMr/YkEDAsyRkWbGKJFzmLXgiTzzxRDYhYEMf40e835ulRqiMlF/Oc2KDN4AA4UGwIUxCg7eQ7vruu+/aj8hGc6GNMDwb+siGMEYm2eYxAsKGt79twpM84PrAAw9k289wcf/cxIb6uCb3TJFflJONMkLGXhuGnDCa9711XAf8HCev2BB6I3TqT8emDWegg4gNySU8d5WMFwsQUrMRPO9rgYIkCHCdZN3xP/smeM3egteEd84c8mYD5ldsgt9ZOuNQEJDYHArqKbbpssnYX8FQky3FngIehL8kExserCPTiZU0BobUXbwVwims0NlAZ4X+4IMPJqojW4h2WLFjMGgbQ0Scnf0fjKNfbDC8CBMPH7JSZpOZ/Rvqpy0KK/pq1arZn4OKDQYKsSWM5TLevGLDcy7sT7A6RxQJFxKCcs/OELpyadF4EOxPkImGMcQDwwhiIBEvDL93hZzsORtE9u2337ZeYqrhNPYyeFgR74sVPP2hH3iFrMzdQ4xesXFZangKZG+xaEAMCE3SV8fWuyeVWxiNEBfPnyB2LCboC/PGPZRLuJXiTblnwYLoMYfYh/EmlSRLfXbXyTxgrtJnwnU86Em4i7GhXdKrneecX7GBA9eBp+b1xlO8zXTYQSIgsTlIoNNpxoUlWAlSCE+xAcrGfl5ig0FhJf38889bo+Z/5Yl7RYh/z4aMHlb4FPdaGGcIadcbRuMYwiaEiRBDb5otRtGdx/9s/GJk0xEb9hkwiK4NDC/PyLiwULK23Wt1+B/DjuBQSCZg74lzYOK8LfoIE37nrdvujQc5va4GjwMx5XgeAmW/ILdCP3gAFcPo7a83icIfRuN3wpAum9Dx5XfEnX0KSqpiw4KBvSqKN0nBveIGHvyMV8w8o7hMOthwDtfJ3zDsycSG8/EoEW//dfI3roEQm/crCfIrNjzEiZCzGHGvbkrnftM50RKQ2ETLN1+1s4ImVdc98Y0BdEbTXzGCRJiE1SmrVvcwG0KAUWLFTn0YVYwKq0sMNiLgzarCi8EYk8bKih+DwZ4InhEreYwsq3n3+hTqxOiwQnevRsEo4RnhgRH64288WMqzPhQeTJ05c6Y1mKm8mp5VMQ9TurcCuFAixovVMgYRj8YJJAaR68JDIwzEtbrQI+E1eBB+wwNzhpw+80Aq5/EiVFcIE8KUMKH3qXf+zp4aITm8Pzy3vDKgGEdeIYMnCDeOJwMOrwzvBoPOit+bQMC14a3gpdFX+om3gHC/+uqrtps83OsKYVMWDDzjkmz/gvbxbrh2xwuvhTGFIXs6vFmhR48eti3EEY/IZRqy78QDwiw88FCpC0/Xa+ThzkLAvQGAOUddbm+NTDQvKzwn5gmeMSFjb3Ft4NHm9D1PLI7w1JmT/oeg83UD6uRQCUhsQsUZfmXeNF5u2GTppLTKDY0BcS899K5cESLq4Rj+caPz95xSd73HUzcGxoVc+Bu/e8MVtIkX5TwD6qefHINgYcScwFEfopSsntzokaLrxJLVsfueEq4HEXJtUwceIO3zmfMk/M8UuXMcD/rMNfozxQjfYeSpz5+yzDU4gU01DZrjGSfn9cEIL4Hro9BPryHmOK6BtrwLBfrpzvG27djyd29Ku2NLHY4ln9FWMl6wcP2gTjd/XJo4LBhXxtc/H6jXP+cYf45L9oVm8GBsYeF9ESj1uDaS/c1dUyrHhH9nqsagBCQ2QYnpeBEQAREQgcAEJDaBkekEERABERCBoAQkNkGJ6XgREAEREIHABCQ2gZHpBBEQAREQgaAEJDZBiel4ERABERCBwAQkNoGR6QQREAEREIGgBCQ2QYnpeBEQAREQgcAEJDaBkekEERABERCBoAQkNkGJ6XgREAEREIHABCQ2gZHpBBEQAREQgaAEJDZBiel4ERABERCBwAQkNoGR6QQREAEREIGgBCQ2QYnpeBEQAREQgcAEJDaBkekEERABERCBoAQkNkGJ6XgREAEREIHABCQ2gZHpBBEQAREQgaAEJDZBiel4ERABERCBwAQkNoGR6QQREAEREIGgBCQ2QYnpeBEQAREQgcAEJDaBkekEERABERCBoAQkNkGJ6XgREAEREIHABCQ2gZHpBBEQAREQgaAEJDZBiel4ERABERCBwAQkNoGR6QQREAEREIGgBCQ2QYnpeBEQAREQgcAEJDaBkekEERABERCBoAQkNkGJ6XgREAEREIHABCQ2gZHpBBEQAREQgaAEJDZBiel4ERABERCBwAQkNoGR6QQREAEREIGgBCQ2QYnpeBEQAREQgcAEJDaBkekEERABERCBoAQkNkGJ6XgREAEREIHABCQ2gZHpBBEQAREQgaAEJDZBiel4ERABERCBwAQkNoGR6QQREAEREIGgBCQ2SYjt2bPHHDhwwP6lYMGC5sgjj8yVqzv+iCOOsMfzv0pWAvCEE2wKFSp0WOLZvXu3ve7ChQvn+/r37t1r9u/fbwoUKGCOOuqofNd3sCoIk0FYfXZ9Yl7q3g2LavZ6JDZJ2M6bN8988803duKdffbZ5pRTTslxBDZt2mQ++OADK04nn3yyOeecc6IbrX9JzZs3bzZLly41p556aqLH69atMx9++KEpVqyYufHGG2N1Jbt27TKffvqpufLKKyPt14svvmj++ecfc9ttt+VbcIcPH25+//130759e1OvXr1I+x20ckRwwYIFpnLlyubYY4/Ncvpzzz1nf7/nnnuCVhvZ8a5PN910kznmmGMia+dwr1hik2QG7Nixw7z77rsGo1m2bFnTs2dPU7Ro0WxHYqTeeOMNs3XrVrvCxFhVrVr1sJ5T33//vZkwYYJp1aqVad26dYLFH3/8YZkiNnfccUdsGNGvgQMH2vG96667Iu1X//79DR7JAw88kG+xGTRokBX0iy66yC5y4lQYf+bBrbfeasqUKZOlazCg9O3bNzZddn1iXjI/VaIhILFJwhUvZc6cOeaLL76wf23atKnp0KFDtiMnTpxoJk+ebD9nhdmsWbNoRulfUivcxowZY6ZPn27OPPPMLGKDkcULJCRZvnz52FzRqlWrzDvvvGNKliwpsQlpVF544QW7AMOD84sN4k6pUKFCSK3lvxrXJ+ZlXiHz/Ld2+NYgscll7N977z0bqqB06dLFNGzYMHH0+vXrzfvvv2/+/vtvU61aNevV+GPn+/btSxzPJI4iHoyBJ2xBCdIG53Au/+hXXuf6j0+2T5Cb2KRyi7lrcX3ytpHb35LV7e2vY5PMkKQiNv62Ha/crinZ2Kfr2XjH2LUdlWfj+p1sPqQ6Z3ITm9yYpcOZ+rzn0e8wBcPxoI2w607lnsikYyQ2uYwm4bS3337brtIqVapkLr/8chvT5aYj9IKhwiDyeY0aNRI1EV774YcfDILkEg2KFClivZ+jjz46S4us9gk78Lnfe2JDnb/t3LnThqUI6VHcOYRQ5s+fb+PjGKETTzzRnHbaaXnOz5UrV5off/zRbti7Urp0aXPWWWdlCxfSf+qfO3duQtRoCw7nnXdeYrObTdbPP//csErcsmWL7Wu5cuVM9erVrWfIZ+PGjbP1d+zY0Ta7aNEi89NPP5kqVapYr3DSpEn2fCc27EU0atTI/v7rr7/aYx1P6md/LJnocX3Tpk2zIStXMBR169a19bkCW8Zw+fLlNrGjZs2almPXrl0Tx3BdX3/9tWEuuLYJmcKZRYa/cAysfvnll8TxcIDtM888EziMtm3bNoMHzaLGiWbLli0tK38YjesdNWqUbePCCy/MFqqDCWwIu9WuXTvR9U8++cTy57q+/fZb22/4nnvuufYY9pmYz2vXrk3MAT5nLNu0aWO9QgosmVcLFy60fWA+sulOPe4Y2qJ069YtCzrm+HfffWc2btyY+Jz64cbc9Bb6M2LECPsRi0DmFSFvx+ekk04yDRo0yPM+cAe4PnXq1Mlwn1K4x/HQly1blhhH5gbeD32ClbfMmDHDziPajtseWsogIj5QYpMH4FmzZpmvvvrKTj5uSG4cjBQ3H5OPzzC6rvz11192bwLj6ia/8yD4HYHAQ3JeTm4ra25AQjzbt283V1xxhTnhhBNsnRgM2uCG5UbBkNIGiQzcMDkVrgEjxU1NoQ/8c/0jS+qWW24xJUqUSFSBkacNJwAc7zwpNn/x6AiVYAyffvrpbE03btzY9glD9eabb5rixYsnNoenTp1qxo4da+rUqWMFdcWKFQkurj2MCYb7t99+S1ynM/okb3Dju8LnCB6ilOz6+Ix9JEJ8FNjC31tg+X//93/2I/720Ucf2Wvzs+L3q666yoqpt33En8171z7/0y+EDGOEoUx1zwYD+sorr1jebr5QF4abfjLHvHs2LHKef/55g0Def//92RYOJEHQv3bt2pkWLVok+v3www+btm3bWlFzY0uYi0QOxoVxY8GVbD4j0mysMwdYlHDtXq+Oc26++eZE6JS2KP369Uu0/+eff5pXX33V9jtZGz169LBz3zFgkfTEE0/YY5k7yebGxRdfnLLguD7de++9ds8GxtzzM2fOzDKPHBtElAWJN6tw5MiRdt5551e2m+Ew/0Bik8cEYGKTRYUhZBWNgWP1hqiwIid5wBVulsGDB1sjxYqOlTcrIAwMNzkigbG9/vrrEwY9P2JD3WT8IF4YRFarrKJzKqyEMTisOhEBF6Omf6zMNmzYYG/q7t27W0+L45566inb//r161vDipHD8MCA68VoYbw4hpsTcYIVnl6tWrUS3k1uYuNSoVklY7wwVngHsKGPGF2MCu27/bTVq1dbtg8++GDicmkXcaBfeB6woL/8Tt/wCI8//ngrkBgKRIw2WPG7VTQGzXmHLozKOTCmPQzO4sWL7eqdwiIA40NxQkMfGQuun5/pF39zIpmK2GCAmXd4xxhyFjXMP8Zk/PjxCa8tLLGhbgwt40k/WUhwDVOmTLGeA7yaN29u5y8MmP9wQ+DwtBg7xG/JkiV2QeO8cTxg2LkEG7/Y4DF+/PHH9t7gWBYCzAHmEws9shhZ/MDZ7fV5xQZPxPWLc9hDpW9cCwkKzlPJ7Tb3iw3eDGFK5gL94Zr5mbniFjLcI17vkHsLr4y5QhREJTsBiU2Ks8LF293hGMhLL700y8oWg/LZZ5/ZiXnNNdfYiecKN9WAAQOsIcXVvuSSS+yf8iM2nI/YIXqplNdee80aL0JyGAdvwYgRa0e0brjhBlOxYkUbOiL0g6FgpewtrILxTDDoHE/Jbc8mN7HhXOrw3qQYOdLPKV5e/I5Refzxx+3fvCtkBJCQF14EoU1vQbwYG8SHrCPnveXE361UMfRsdPsLRg0GhKQIWTHmbh+FEA4ra29h5Y6YU1IRG/YKETvY40ExHq6Qms+1YPTDEhvq9ie5UD9eDQYfAT7//POzXNPo0aNtqIkUd/7mPI/c9mz8YgN/QtKIHZ46Y+cKvGCKZ0/04PTTT7d/8oqN30tjfpMh6jyuUqVK5Xlr+MUGb5u5fcYZZ1iPz1veeustO458nkrIOs/GD6MDJDYpDjYrfwyZCxG48JD3dFZ0xLyJ5V922WXZYuasrompe413fsQGwcNwpVJYgT755JO27TvvvDPpKRhrDCj7GhhQFxrDiLB6RVgwBrSbbBM2XbFhFUqoxJu5xCqREBJt33fffVn2umjnkUceySY2GCWMNB4I+zPegoHi+jGgpDh79xmSZaMhsojttddea4477rhsvNhbwotFtOg73hOGkXMQGn/cfs2aNQZDlarYELokLIWnSf3e5BJvan6YYuPCSN6LxRuEKSn93vFhDJgrhGTZk7vgggvSEhsyPmfPnm2z0/D4/XtwhLO49/BqCMf5xYbndfA8XMELJsTMgoQFjD8bLtnE94sN10SoHMFi3nPtiD3zKookn1Tu30w4RmKT4ihirEkW4ObDOGKw/ZuErMRZkTtj7a+a8BOrPopbkedHbDD+7LGkUrgJX3rpJXuzJHtmiDowIIQ/3Gqe31klsrKlYAgIpxDuIGbNcV7RSVdsEAYz/ItnAAAazElEQVRWtd4bGU8Lb5I2MYL+PieL/TsO9IPzMcoYDkI0XJfbZA8iNoRhcspuok7+hhEkdEPYCyHGE0kmUI8++qgVu1Q8G7xgQmmsoFlh+wtzkVBimGLz3//+N0djSr8x4ITK8OpgisDCOT9igzBQVzLPiWsmiWTIkCGWs9tL83o2/j5zj+Ep0bd0xYZr4kFP7nkKosM/BIc9ROaiRCcVq5P1GIlNAGavv/66NbzeVZb3dOd+sxrK6U0CycIIOT3nkVeCQE79SHZJuP6Ecpxo5HbZiMndd99tD8FAE7NnL8bdfO5cjuM63RsW0hUb9oO8GWDUn47YuMw5xgFD7S0uEYLPgohNXinh1NerVy/bHmKDALNhnixLLkjqszuWcfAmbLhrSpb6nJ8EAe8CyMsN480eBiEzxCZZyY/YsJjBS7zuuuuyhJ297fjvGa/YeMOonBOG2FAPizOiEOy3+RMe2CclczROzwoFMGOH7FCJTQD0eYmN82yShdhoBoPEihXDx4qMkh/PJojY4JG9/PLLdsOUsExuBUPp0qw5DiPO+RgzQoneFFjvmxMOtdiwl8FeC8YBkcDLIG2WkBab+Ow/BA2jOQ8uN14IDOOI2MAXzybZg6uPPfaY7Vsqns2zzz5rvSXvXoW3D6zeMYSpejaMDckhJEUky0ZLJjawYvPeJUMwLwhZYWTZP4E3oeH8iI3LCPQ/BOyulY13hBXPwr114GCIDe3jHZF6jgeJh8zPLskDDmTr6Y0DqRtQiU3qrExeYuPeKMC+BskD/tUt3gE3L6GoPn36ZBEbJi/ZM950SlJlhw4daid4stTnIGLDjUJaLH3ybpB7L5/VHIJCeM5lheER8bM/9k2mEPtT7JOQKcb1HmqxcRvTbFizh+AtZEkhBvQxiGdDeC/ZcxNwYl8Jr4N/eLzs4eCNkvzh3zOiXcJo/J+K2FAXfWb/7+qrr84StqEOhBOPICexYS55FwwsdHiHH4uGVMUGYcTDQnRIX2cR5S0sPMhIy4/YkCqNaJFMw/6YP2TpFnAsGm6//XbbfNRiQ/iV+4Vx9YsJ14zA4uWRBJTsWasAJuWwOlRiE2C48xKbn3/+2T7nwYqa9FrcbVcIR3E+xplVtnvpIxvHxK0RAdIpvQ+HciMTEsLY51dsMBwYY9rHeLJi9++RuOeDSCXl+RUycljRsZlOaMhfSDNm1Ythpe+HWmxIGnDC7M1q4jP3vi6uIRWxwTATPiIFnFCWf3+OsaFOjCQsGSMEgs10xBce3mdj2AjnFUiUVMTGPd/E4sM/l1jtk0DAytsrNvyO94pH5H/eg3mGN4SRDCI2eGPJ+ox4sZeCyDZp0sSGldLJRmNPhgUVfEmq8Rpv9odgyiLIG5qOWmzI9OPZHXcf+Oe9Sx6R2AQwnjzX169fv///Ln2VPAnkJTasarmh8Qa4eYhD8z/7D3gBGGaEiFRal0HDSpPX3iACZL24FFJuYkJCrCrDEBsujmcEMHrUyTMgGCT6hxCRwkpWEP2j33hNXA8PamKs2fAmQ815PIRj2CjGwLhnTbxiw7MVpFizmcreTm6pz2Ht2ZAAgWEigwuOCDjGFY4uySEnsWEFiwcBD5cu+7///c8adP5GfTCBFV4N40xhY5uUYTjg7RHnhwOLBvcEPinxvJgyyHM2XkOL2DtPmetxokF9XrHhb4ScCK+xKme8mGfMP8JVFPofRGxgQL14i/zjOqmPtGz3Bgq4sBnvBNmNA2nhzAGe2XFevn//xfs8EfMEYXXPppGJRniS0CRzzD1KELXYsJDAg3Hji5i6ucTeFXz99zF7RSwo4e3NjsvTqBxGB0hsAgx2XmJDVWTW8CoN98S1t3puVDbUiXe7mw/DzwR2Tyt7jyerjVAaRj+/ng31Ug+b/YhKskL/MA78c4YDkXSvMPGfw/FkSrlkCIwfYQ88IldcZt7BEBvnWbonvb39RdBIJaaPhBGdoLg9M3esN52cZ3MYG39ihDuW55tIc3Zp1HyOAJMC74TFHcsDqW6zORXPhvMYe7wH72t3+BwhgT2hHv9bn90LZP3t4zFwDt5aqmJDHd43Mnh5Mj9YgLCfATMyBt3Due5NBe54r5eVLIsQLlyne4OA/57p3LmzfTDUhdiiFhvad55tsvsEb5MwrfddiXqDQN6GVGKTN6PEEUxA4vTEwlkF51S4GRAcjIW76d0TzTml0fK2ZPfuL45hw5QsL0JVhEVIuXRhOQw3n7OPgisftHBzEyt3RhQjxKqS5xySpUVjxL3PGNEexoaVu//19hhGVrbOcPCUNQbZfZ8N7biQnNv34Rj/e+FYTfP9L4gyx/ufBM/pe1EQRlam3peTsqeAIMIYwfH2gWvBoOKpUWDfu3fvLEjJmHLv3uIP7k0SOT3Uh5gjuq4PeKzs41APfIJ8nw2rZQyxeyDUPfxIGzl9nw3jRfjVZY8RUiTUh6dAeIi5BRNX8vqOGbwlRMXNZeYIc4U5zbNQjDWLIZfuzT3C3qTLCGSeuu8wyqkt5uKwYcOytIOI83Cu/ztx3Byj//7vxaFNwnLcg/QplYc6c/o+G97UwCLQu3ghrMrekj9DkPuDOcTi63B/+3tO9khiE9RS63gREAEREIHABCQ2gZHpBBEQAREQgaAEJDZBiel4ERABERCBwAQkNoGR6QQREAEREIGgBCQ2QYnpeBEQAREQgcAEJDaBkekEERABERCBoAQkNkGJ6XgREAEREIHABCQ2gZHpBBEQAREQgaAEJDZBiel4ERABERCBwAQkNoGR6QQREAEREIGgBCQ2QYnpeBEQAREQgcAEJDaBkekEERABERCBoAQkNkGJ6XgREAEREIHABCQ2gZHpBBEQAREQgaAEJDZBiel4ERABERCBwAQkNoGR6QQREAEREIGgBCQ2QYnpeBEQAREQgcAEJDaBkemEQ0Vgx44dZt++fYnm+YbR3L7vnW+W5JsuvefwTZx8Uyfn5lX4pku+Sptvx+QbGlVEQATSJyCxSZ+dzjyIBCZNmmRmzJhhxcOVggULmlNPPdX+8391MMeMGzfO8BXJfK22K4UKFTINGjQwHTt2zLP3tPndd9+ZE044Ia2v386zAR0gAocRAYnNYTTY/9ZLHTlypPnpp59s970eCZ4L5eyzzzZnnXVWlsv78ssvzaxZs7KdwwecV69ePdOtW7cckXDMI488Yv9erVo1ic2/dfKo37EhILGJzVCoI8kIbNy40bz99ttmz549pnHjxgmPBDGYN2+eGTFihBWgPn36GLwWytatW82gQYPM5s2bTe3atc1ll12WqHrNmjXmo48+MoTkrrvuOlO5cuUszVLv+PHjzbRp0xLhN4mN5qYI5J+AxCb/DFVDhAQw+mPHjrVhsh49epgSJUpkae3hhx+2vz/wwAMJsVm0aJEZMmSIKV++vLnhhhtMgQIFspxDKO7pp582xx13nOnVq1fib0uWLDF4UQgRooNQLVy4UJ5NhOOrqg8fAhKbw2esM+5KXajL79k4salQoYK56aabkl63E6l+/fol/j5mzBjz448/muOPP95ceeWVVmjwnNLxbFz9Dz30kBk9erSZPXu2FTBK2bJlzeWXX26KFStm/zZnzpxEH4oUKWLOOecc07Rp0yz9/uWXX8w333xjtm3blvicZIfTTjvNNGnSxNapIgJxJiCxifPoqG85Eti9e7dBHNjLQRzwesgao6QrNghNlSpVrBdVtGhRM3fu3HyLDWG61atXZ7sOBAyRXL58eUKE3EFcR+/evQ0JEBSSHD7//HOzf//+pDzo89VXX53Ng9P0EYE4EZDYxGk01Jc8CaxYscJ88MEHif0UUp/Z6EdwXMkrjIZ38Pzzz9vDvZ6Nv/EwxAbhIPOtUaNGtvpvv/3WkOVG4W+dO3c2DRs2tL8jPIT/9u7da4+/8MIL7ed4P9OnTzfVq1e3HpELCxJiZH+J0rVrVxv2UxGBuBKQ2MR1ZNSvpAQWL15sPvzww8Tf2MMhs6xdu3aGsJIz2u4YhKhWrVpZ6ho4cKBBtA6G2NA+/fOWRx991HopeD0kKXgz7IYNG2YImXlDd6NGjTIzZ840zZs3t9fpjidpYtWqVYbngQgZ+vezNIVEIE4EJDZxGg31JRAB9kHYx9i1a5epW7eu6d69e+J8Ms7Yc6Gwn9G6dWsbziIdGuPsHvSM2rMhS65w4cJZrqt///7We+nQoUO2vRky7IYPH26qVq1qQ4MUEiSmTp1qf6auli1bmvr169uf9bBpoCmjgw8hAYnNIYSvpvNPYOnSpTaVGQHBS3DhNFKmCT8tW7YsSyPsxbABz3M4B8OzIUHA7SW5jjixSSZEycRmw4YN1pvzJgfg3ZQrV84+cFqnTh1To0aN/MNUDSIQIQGJTYRwVXX0BBAZnqkhLMaKHyFxhewvPJkpU6bYdGZCU+xtsOeRLBvN39sw9mzCEBvXL/Zt2KPBK/O+gofr6dKlS7ZwXfT01YIIpE5AYpM6Kx15CAggGOzTYFxr1qyZLeOKvQ/Sk+fPn29atGhh9zTyKggT+zZke/Xt2zfHw+MmNnQUDps2bbL7Otu3bzcLFiwwZOZVrFjR3HjjjXlduv4uAoeMgMTmkKFXw6kQwDMhxZm3AxAmK126dJbTMLQDBgywBrd9+/amWbNmNquLVGGeY7n44ouzvTfttddeM+vXrzcnn3yyueiii2IvNoTW4NC2bdssbzxAaMm8Gzp0qL2G3PafUmGtY0QgSgISmyjpqu58E1i3bp1599137etq2OQ/88wzE3XyWhpW9iQJIEbsgbCXwWtqBg8ebF9b06pVK3ueK7wlgA14wm89e/a0WVw5lTh4NiQ/cC0kN/AC0U6dOiWev+EaeFHo5MmTraDeeeed+eatCkQgKgISm6jIqt7QCLgn+6mQV9CwR4Go8DZnNs352f+eM5eNxrFko7FJj3HesmWLFS6y1y655JJsm/feTsdBbOjPxIkTraCQ2o1nR/iPn7kOrofrYq+KPSsVEYgrAYlNXEdG/UoQYN9mwoQJNpTE98t4C8+WtGnTxobEvIUQ0/vvv289Au9mOh4QacWXXnpp4rmcOHs29I1rQTxXrlxpw4XeQvozwkkatf8dcJpCIhAnAhKbOI2G+pIjAQRn7dq1dlPcvWPMrfTLlCmT9MvQ3EOPPNPCOXhApD6THu0eAM0NOZ4TezucwwZ8kEJKNoWn/v1f1EY6Nv0hO87fD9cm70irVKlSokkEB+HkJaLu+qmXL4Lj4dBUvgwuSP91rAiETUBiEzZR1ScCIiACIpCNgMRGk0IEREAERCByAhKbyBGrAREQAREQAYmN5oAIiIAIiEDkBCQ2kSNWAyIgAiIgAhIbzQEREAEREIHICUhsIkesBkRABERABCQ2mgMiIAIiIAKRE5DYRI5YDYiACIiACEhsNAdEQAREQAQiJyCxiRyxGhABERABEZDYaA6IgAiIgAhETkBiEzliNSACIiACIiCx0RwQAREQARGInIDEJnLEakAEREAEREBiozkgAiIgAiIQOQGJTeSI1YAIiIAIiIDERnNABERABEQgcgISm8gRqwEREAEREAGJjeaACIiACIhA5AQkNpEjVgMiIAIiIAISG80BERABERCByAlIbCJHrAZEQAREQAQkNpoDIiACIiACkROQ2ESOWA2IgAiIgAhIbDQHREAEREAEIicgsYkcsRoQAREQARGQ2GgOiIAIiIAIRE5AYhM5YjUgAiIgAiIgsdEcEAEREAERiJyAxCZyxGpABERABERAYqM5IAIiIAIiEDkBiU3kiNWACIiACIiAxEZzQAREQAREIHICEpvIEasBERABERABiY3mgAiIgAiIQOQEJDaRI1YDIiACIiACEhvNAREQAREQgcgJSGwiR6wGREAEREAEJDaaAyIgAiIgApETkNhEjlgNiIAIiIAISGw0B0RABERABCInILGJHLEaEAEREAERkNhoDoiACIiACEROQGITOWI1IAIiIAIiILHRHBABERABEYicgMQmcsRqQAREQAREQGKjOSACIiACIhA5AYlN5IjVgAiIgAiIgMRGc0AEREAERCByAhKbyBGrAREQAREQAYmN5oAIiIAIiEDkBCQ2kSNWAyIgAiIgAhIbzQEREAEREIHICUhsIkesBkRABERABCQ2mgMZR+CLL77Ick2dOnXKuGvUBYnAv42AxObfNmLqb54EFi1aZIYMGWKPK1mypLnrrrvyPEcHiIAIREtAYhMtX9V+CAjs2LHDfPDBB2b9+vWmQ4cOpmnTpoegF2pSBETAS0Bio/mQkQQ+++wzs3r1atOzZ09z9NFHZ+Q16qJE4N9EQGLzbxot9TUQge+//960bNky0Dk6WAREIBoCEptouKpWERABERABDwGJjaaDCIiACIhA5AQkNpEjVgMiIAIiIAISG80BERABERCByAlIbCJHrAZEQAREQAQkNpoDIiACIiACkROQ2ESOWA2IgAiIgAhIbGIyB9auXWu2bt1q6tWrF1qP5s+fb+vjSfrNmzebMmXK2P/TbWP58uVm3759Zvbs2aZ+/fpmwYIFpmbNmmbDhg2mXbt2afV78uTJpkCBAmbFihW2X/S5cePG5qijjjK1atVKq87p06ebcuXKmQMHDtj/6V/p0qXtq2vSKfTtt99+M61btzarVq0yVatWNbCoVKmSKVKkSOAqN23aZK/z77//tn1atmyZqVy5sh2n7t27B66PExhX+rZlyxZTpUoVM3PmTNOwYUOzceNG06pVq7TqhGPZsmXNrl27TIkSJcxff/1lH5CtUKGCKViwYFp1MmeOPfZY299SpUol/uf6g5YZM2aYatWq2WukX7w5omjRovb/Y445xo45/VaJBwGJTTzGwRoKbhhukLDKn3/+aYoXL262b99udu/ebQ3E/v3789XGnDlzDMbylFNOMYMGDTJdunQxCMZVV12VdrcxjNTRrVs3M3jwYNOrVy+zdOlS06RJk7TqfPHFFw0v38QQhVEwtn/88UeW+v755x/Dv3TEhoXF4sWLrZFEGMaPH29OO+00K9633XZb2l1GHPbu3WuaNWtmXn75ZXPttddarum+iBRBZD4eccQRVhS3bdtmf0fECxcunFY/mecsWBAF/qewsChfvnzg+jgfcWVu069169aZihUrWvFmocLijQWWSjwISGziMQ52hTd16lT7Lq+wCitRVni8mHLJkiXmpJNOMvPmzUu7DYwhK3y8BYSsdu3aVhTwctJZmXKdnI/ngJfw+++/W4OOIebJ/3RXpdSJsM6aNcu+Fw0xo4/pekqIAm8jaNu2rRk3bpzp2LGjGTVqlGnfvn1aRhfjOGXKFHvNeF14DxjGYsWK2TFKtzAmGGAEpm7dunbMGzRoYAUtnTJ69OiEx8VY0G/KGWecYY488sh0qrTcWrRoYaZNm2YaNWpkfv75Z1OnTp20FwbcN7/++qsVwEKFCtl5yfxE1PC2+UwlHgQkNvEYB/VCBERABDKagMQmpsM7YMAAu/JjnyCMwup80qRJpmvXrmFUZ+uYO3euXY1Xr149lDpXrlxpvxqgd+/eodRHJSNHjrRhlbvvvju0Op988klz77332r2mMAqr8rFjx5pzzz3XhqzCKM8++6x9CSn7ImEUvOPhw4ebPn36hFGdrWPgwIHWO2QPKKzy0ksvmWuuuSZtrzisfqie7AQkNjGdFc8884zdKG/Tpk0oPSRcM3HixLQ3oJN1ghAIYlOjRo1Q+ojYsA/Ut2/fUOqjkhEjRthQ3X333Rdanf379zf3339/qGIzZswYa3jDEpunnnrKXH/99fnan/MCW7hwoRk2bJh58MEHQ+P4zjvvmPPPP9/us4RVXnjhBdOjR4+0k0HC6ofqkdj8a+YAYkP8PZ0N6GQXSV1sdLOHE1bZs2ePjd2HtcJnw51MonSzxpJdFxlfbJqHWScb5WHWR7937txpN83DKvSR5JB091b8/YChy54Lq4/sKXLNJAiEWSQ2YdIMry55NuGxDLUmxIa04rC++IsNaDbK2eQOq7CRj7FINznA3w+yiVjhYyzCKoQO16xZY6644oqwqjTvvfeezb4Ly0gSRmPD/PTTTw/Ns8FD7Ny5c2jhJJI4JkyYYDPcwip8fTfJAmFmjH366afybMIaoJDrkdiEDDSs6hRGC4ekwmjhpNIrjBbOfDyca5HYxHT0P/zwQ5taLM8mfwP0b/FsSHtv3ry5PJv8DbcZOnSoTe1nL1ElXgQkNvEaD/VGBERABDKSgMQmI4dVFyUCIiAC8SIgsYnXeKg3IiACIpCRBCQ2GTmsuigREAERiBcBiU28xkO9EQEREIGMJCCxychh1UWJgAiIQLwISGziNR7qjQiIgAhkJAGJTUYOqy5KBERABOJFQGITr/FQb0RABEQgIwlIbDJyWHVRIiACIhAvAhKbeI2HeiMCIiACGUlAYpORw6qLEgEREIF4EZDYxGs81BsREAERyEgCEpuMHFZdlAiIgAjEi4DEJl7jod6IgAiIQEYSkNhk5LDqokRABEQgXgQkNvEaD/VGBERABDKSgMQmI4dVFyUCIiAC8SIgsYnXeKg3IiACIpCRBCQ2GTmsuigREAERiBcBiU28xkO9EQEREIGMJCCxychh1UWJgAiIQLwISGziNR7qjQiIgAhkJAGJTUYOqy5KBERABOJFQGITr/FQb0RABEQgIwlIbDJyWHVRIiACIhAvAhKbeI2HeiMCIiACGUlAYpORw6qLEgEREIF4EZDYxGs81BsREAERyEgCEpuMHFZdlAiIgAjEi4DEJl7jod6IgAiIQEYSkNhk5LDqokRABEQgXgQkNvEaD/VGBERABDKSgMQmI4dVFyUCIiAC8SIgsYnXeKg3IiACIpCRBCQ2GTmsuigREAERiBcBiU28xkO9EQEREIGMJCCxychh1UWJgAiIQLwISGziNR7qjQiIgAhkJAGJTUYOqy5KBERABOJFQGITr/FQb0RABEQgIwlIbDJyWHVRIiACIhAvAhKbeI2HeiMCIiACGUlAYpORw6qLEgEREIF4EZDYxGs81BsREAERyEgCEpuMHFZdlAiIgAjEi4DEJl7jod6IgAiIQEYSkNhk5LDqokRABEQgXgQkNvEaD/VGBERABDKSgMQmI4dVFyUCIiAC8SIgsYnXeKg3IiACIpCRBP4f+Vwgr9TMZycAAAAASUVORK5CYII="/>
-          <p:cNvSpPr>
-            <a:spLocks noChangeAspect="1" noChangeArrowheads="1"/>
-          </p:cNvSpPr>
-          <p:nvPr/>
-        </p:nvSpPr>
-        <p:spPr bwMode="auto">
-          <a:xfrm>
-            <a:off x="155575" y="-1241425"/>
-            <a:ext cx="3914775" cy="2600325"/>
-          </a:xfrm>
-          <a:prstGeom prst="rect">
-            <a:avLst/>
-          </a:prstGeom>
-          <a:noFill/>
-          <a:extLst>
-            <a:ext uri="{909E8E84-426E-40DD-AFC4-6F175D3DCCD1}">
-              <a14:hiddenFill xmlns:a14="http://schemas.microsoft.com/office/drawing/2010/main">
-                <a:solidFill>
-                  <a:srgbClr val="FFFFFF"/>
-                </a:solidFill>
-              </a14:hiddenFill>
-            </a:ext>
-          </a:extLst>
-        </p:spPr>
-        <p:txBody>
-          <a:bodyPr vert="horz" wrap="square" lIns="91440" tIns="45720" rIns="91440" bIns="45720" numCol="1" anchor="t" anchorCtr="0" compatLnSpc="1">
-            <a:prstTxWarp prst="textNoShape">
-              <a:avLst/>
-            </a:prstTxWarp>
-          </a:bodyPr>
-          <a:lstStyle/>
-          <a:p>
-            <a:endParaRPr lang="de-DE"/>
-          </a:p>
-        </p:txBody>
-      </p:sp>
-      <p:sp>
-        <p:nvSpPr>
-          <p:cNvPr id="6" name="AutoShape 8" descr="data:image/png;base64,iVBORw0KGgoAAAANSUhEUgAAAZsAAAERCAYAAACtswpGAAAAAXNSR0IArs4c6QAAIABJREFUeF7tnXeUFcX2tkslKkGiBJEgWRABRRBUEBQlKAqYRUyY4xVEf5e/THiNmLOigogiiIogkkQFJCogSpYoGUQkCXzrqW/VWT09Z2ZOn+mG9vDWWixmznRXVT9Vvd/au3b3OeLRay49UKNSKVPy7IsM5cCB3Wbt2m2mQsVyZuO6NaZU6ePMtq0bTYmSpcyRR+43u3fvM39u3WUqHl/W/LNzq9m080hT5tgiZtumHeaAMaZsuWPNls3bTMmSRcyOHftN8RKFzMZ1m0zpsmXNjr+2meIlS5otG7eaUmVLmQ1r15siJYub4kcfY9tOtezdvdPsNAVNicIFUj1Fx4mACIiACBxCAkf069cPjVARAREQAREQgcgISGwiQ6uKRUAEREAEHAGJjeaCCIiACIhA5AQkNpEjVgMiIAIiIAISG80BERABERCByAlIbCJHrAZEQAREQAQkNpoDIiACIiACkROQ2ESOWA2IgAiIgAhIbDQHREAEREAEIicgsYkcsRoQAREQARGQ2GgOiIAIiIAIRE5AYhM5YjUgAiIgAiIgsdEcEAEREAERiJyAxCZyxGpABERABERAYqM5IAIiIAIiEDkBiU3kiNWACIiACIiAxEZzQAREQAREIHICEpvIEasBERABERABiY3mgAiIgAiIQOQEJDaRI1YDIiACIiACEhvNAREQAREQgcgJSGwiR6wGREAEREAEJDaaAyIgAiIgApETkNhEjlgNiIAIiIAISGw0B0RABERABCInILGJHLEaEAEREAERkNhoDoiACIiACEROQGITOWI1IAIiIAIiILHRHBABERABEYicgMQmcsRqQAREQAREQGKjOSACIiACIhA5AYlN5IjVgAiIgAiIgMRGc0AEREAERCByAhKbyBGrAREQAREQAYmN5oAIiIAIiEDkBCQ2kSNWAyIgAiIgAhIbzQEREAEREIHICUhsIkecdwP79u0z06ZNM/xfuHBh06xZszxP+ueff8yPP/5ozznmmGNMo0aNzNy5c82OHTtMvXr1TOnSpfOs41AdsGzZMrNq1SpTuXJlU6NGjZS6wXXBpkCBAikdH9ZBs2fPNn/99Zc56aSTImX6/fffm/3795szzjjDHHXUUWF1P5R6mGPwL168uDniiCMSdS5atMj88ccfpmrVquaEE04Ipa1UK4HVpk2bzJw5c8y8efPsGDE3ypYta++fWrVqmaOPPjrV6nTcQSAgsTkIkFNpYtKkSebbb7+1hub66683FSpUyPW0JUuWmI8++siKTdeuXc2JJ55oBg0aZNatW2d/r127dirNHpJjvvnmGzNlyhTTvHlzc+655+bZhzVr1pivvvrKXHTRRdaYHMzyxhtvWIN6+eWXWwMWRTlw4IDp37+/YQHRt29fU7BgwSiaSavOv//+24wZM8bOyw4dOmQR+y+++MIgxmeffbY566yz0qo/3ZN+/fVXOycQGX9BEBE/5kvJkiXTbULnhUxAYhMy0HSrw6C99dZbdnXbrl0706JFi1yrGjdunPnhhx9M0aJFzY033miKFStmPZ3t27ebxo0bm/Lly6fblcjPCyo2Tz/9tMHo3XzzzQf9ug53sUFMRo0aZRcz3bp1yyI2eNIrV660C5uaNWtGPm9cA4jya6+9ZjZv3mznfZMmTezChUUJ98DSpUutcOMltm3b9qD1Sw3lTkBiE5MZsmfPHuupLF++3N7Y3bt3z3GFy430zjvv2BV33bp1zcUXX3zQw0v5wSaxyUovzp5NbmKTnzmQn3MXLFhghg0bZuB21VVXmerVqyfCe9wbEyZMMFOnTrVhz1tvvdUceeSR+WlO54ZEQGITEsgwquEm+e6776xw3HXXXXYvJllZv369XdlRzjvvPHP66afbnwmpcQMS8vDG1rkBWfW5kAOxbMJ07IF4j6MOjqUk2xvB6+IfN6//BubzjRs3mm3bthmEkz7QDvsy/j2IIGJDf5577jmzc+dOc8MNN1jPxn99tM0qd8uWLbZtrom2q1SpknT/A0awWLt2rdm7d6+91nLlypljjz0223Xl5Nk4FrBKxiOn+cAYrVixwl4P4bKKFSvacU4WRnPjmVP9ycbK9QtGzBO4FClSxO6ruDHjmK1bt9q/7d69O8GrUqVKplChQomuU/9PP/1kRo8ebffWunTpYv/uxjO3/tHGhg0b7JhwHB44oa1k88pbD2PHIorz6C98SpQokWWeDh061LBfdNxxx1mv3l+Yh6+88or9+KGHHordHlgYtuLfWIfEJkaj5r1J2rRpY1q1apWtdxjKTz/91Pzyyy/2xkeUuJExGv49G46dP3++3R/hBvYWbmA2Uv3huocfftge1q9fvyzHUxciwYqRcwj1uYLRJq5PSMVfEIfOnTsbDJkrqYoNRuixxx7LVucVV1yRCNtgNAnzEDqhj95CvJ59Bm+IByNG+JGNZQyiKxg2jrvsssuy1JFMbDhvxIgRdgwQivPPP98mZeRVSIxgn4GNbVcYB0I9n3/+ebY9G7cn0rp1a3PmmWdmqz7ZWE2cONFMnjzZ7lcgEswLihszFgP0YfHixdl40ReupU6dOvYcFjQIlreweMCbYKGS057N6tWrDWHe33//Pcu5LACY16ecckoWUf/kk08M3grzcdeuXTbRxY0l48Jiij0hJ4T8DZbMLcJo/sK+5euvv26Pv//++yU2eU3Mg/R3ic1BAp1KM9xE7NtgvLmZ+/Tpk+00soKeeeYZ+zkZaBdeeKH9OZnYsHLlpmP1Tn1lypSxq1xEgc9YWV9yySVZkgmCig2CQH8wEqxKWW1iABA3+so1lSpVytxxxx2hiw11P/vss7YdCt4JAsOK+s8//7Rt+zm6RAyMGMaVhAOMPyJEYSXtXS0nE5sBAwbYvTHqZx+DUKbfQ/QPHJ7Uiy++aLnjGSC+9Jt2OdcJnzdBID9iwwIELw9xYD4RToINK34WNRSuHW/OeaRcDwb6P//5j/VA0hEb9tZefvll67nBGEFAZNyc47Mrr7zShr5ccWIDF+YT4S/+IVaO16WXXprSvhDeGMJNhlrDhg2t6OY1Nqncmzom/wQkNvlnGGoNCAQ3Kzc+q/KmTZtmqZ9VK6tXjMI999xjjWlOYkNIjtAcBocbHKGh4A0QisDItm/f3m6wuhJUbAizjBw50vYDr4BwDQXjyd8wmNzs//3vfwOLjTshpwQBQilDhgyxhhHRdCtyznN/42evl/bkk09aYSQkhDFyBW8HVnDt3bt34nOv2BAGYq+ATEAENVWPhsrYYyPdGzHG00PUKN6sQn4PS2zo37XXXmuNNoKG4LMf+P7771ux4/rr16+fuE76AUvG7fbbb0+keee2Z5PMs6EO2CNiF1xwQRYPlOPxSJgrd955p/XIKU5s+J2w8Mknn2w/Z9EwePBgu3DwhotzuuEYV+6NGTNm2HFkIZBqan2oN7EqS0pAYhOzieH1bho0aGBXZi7WziqPENrChQttGi5JBC5+nsyzcXtArGA51ps2TDiF+jBKToRAEVRsMGSE6TAuZP94C9fyyCOP2I+8Bj/VMFpeYoN3gaDSf9Jv/ftIya7l0UcftQaVECWhGe/+A0LP795nlLxiA09CNIgbK20MWSqrZjyHgQMH2tU+KdT+zC34wSRMseG5IOaOd78Mr4P0ejzaZFlaL7zwgl2I3HLLLdZLpAQRGxYv7733nt0Po20nGm4cEYOXXnrJZhZ26tTJZk16xYaFFQssb3Hidc4555iWLVvmeLcyn1n0IKgIjVv4pDI+MTMBGdsdiU0Mh9bF3XmIjtUpq1IKRoswGyLBSs/78GcysWGFiQeDcXXPHpCmSggHg5os3h1UbBw+hIU+EAZBBDCsxPu//vrryMTGO3SubQwdxgzDx16OX+ic8eJz9ltOPfVUG+ohxAhn/wa2Exs+dxvyqaSme/vG3g57PPC++uqrsz0cCjtEkP/D8mww5B07dsxRDL28GCvmFmLKz+mKDftAeCkYe64zWfo9GZcslti3wcPzik2yfUrnPeW0h+k4s2dI2jNjSmj5YKZix9CExLJLEpsYDgv7HawQibl7V8KzZs0yX375pb2Z2QPxZqslExtEBkPHDYtAucLKFrEhW4ubOD+eDXWyYuUJeGLsXrHxbsBH4dnQNu2RtPDbb7/Zn9kHQWz42RVv26yASaTwbtIjxAg7q3mExGskndhQF8chCOxB9OrVy56TSsE7YNzYp2DF7Rc06nz88cdtn8MSG0SUMJa/eHkxPm5h4OWVrtiwyY+oEiokicOFybx9YJ6MHz/eJlQQ5vKKDSFd/9szUhEbvBnGlOtx94s8mlRm5sE9RmJzcHmn1BoraIwcq01uXAwbn7ERj6hgtFg5+lf2Ob1BgNg34SZEjJU/IuaEwJtkQH25eTZjx461r9XxZqMRdmEjmToJY2FI+UdcHmNMmq/fuwgrjMa1sL/l0ncRUdpGjPEi2CPxt+2YYfRYYRMG5HzntWCkSLF2eypObPB6CD3hdTIuhHzYs0nlGQ6v2BB+878hIKfnbHJLEGD88Ib81+e84mRigwi/+eabNj2d6/TzIkTIoiRdseGp/uHDh6ckNuwX8aaLMMSG7Dr2ady9ktJNpoMOOgGJzUFHnlqDrNQJgWHMevbsaTdJCVHw+2233ZYIrbnaknk2/pY4BoOCsWEVShv+zXsnNmTCueQD6sG4IWasIp3Y8NnHH39sjTbGmae4WfXjKbGHg9FnxR6F2GCgCZ1Mnz7dhsDYg8HTYzWNyPEvJ+H0coEHgglfBBkB8z557s9GgxvjgKhdc8015vjjj89zQJ0Rhgfn+MNLXAsp3vBM5tmwV8Gehbe4+RFEbAhpslhAONnjYqwcL8SZ55m4/nTFhvRz5gNzlMWQE2xvv0lQYA55xdAlCKTr2Xz22Wfm559/tns6fk55Do4OOGgEJDYHDXXwhlwWFvFtwkPswfAw5k033ZStMr/YkEDAsyRkWbGKJFzmLXgiTzzxRDYhYEMf40e835ulRqiMlF/Oc2KDN4AA4UGwIUxCg7eQ7vruu+/aj8hGc6GNMDwb+siGMEYm2eYxAsKGt79twpM84PrAAw9k289wcf/cxIb6uCb3TJFflJONMkLGXhuGnDCa9711XAf8HCev2BB6I3TqT8emDWegg4gNySU8d5WMFwsQUrMRPO9rgYIkCHCdZN3xP/smeM3egteEd84c8mYD5ldsgt9ZOuNQEJDYHArqKbbpssnYX8FQky3FngIehL8kExserCPTiZU0BobUXbwVwims0NlAZ4X+4IMPJqojW4h2WLFjMGgbQ0Scnf0fjKNfbDC8CBMPH7JSZpOZ/Rvqpy0KK/pq1arZn4OKDQYKsSWM5TLevGLDcy7sT7A6RxQJFxKCcs/OELpyadF4EOxPkImGMcQDwwhiIBEvDL93hZzsORtE9u2337ZeYqrhNPYyeFgR74sVPP2hH3iFrMzdQ4xesXFZangKZG+xaEAMCE3SV8fWuyeVWxiNEBfPnyB2LCboC/PGPZRLuJXiTblnwYLoMYfYh/EmlSRLfXbXyTxgrtJnwnU86Em4i7GhXdKrneecX7GBA9eBp+b1xlO8zXTYQSIgsTlIoNNpxoUlWAlSCE+xAcrGfl5ig0FhJf38889bo+Z/5Yl7RYh/z4aMHlb4FPdaGGcIadcbRuMYwiaEiRBDb5otRtGdx/9s/GJk0xEb9hkwiK4NDC/PyLiwULK23Wt1+B/DjuBQSCZg74lzYOK8LfoIE37nrdvujQc5va4GjwMx5XgeAmW/ILdCP3gAFcPo7a83icIfRuN3wpAum9Dx5XfEnX0KSqpiw4KBvSqKN0nBveIGHvyMV8w8o7hMOthwDtfJ3zDsycSG8/EoEW//dfI3roEQm/crCfIrNjzEiZCzGHGvbkrnftM50RKQ2ETLN1+1s4ImVdc98Y0BdEbTXzGCRJiE1SmrVvcwG0KAUWLFTn0YVYwKq0sMNiLgzarCi8EYk8bKih+DwZ4InhEreYwsq3n3+hTqxOiwQnevRsEo4RnhgRH64288WMqzPhQeTJ05c6Y1mKm8mp5VMQ9TurcCuFAixovVMgYRj8YJJAaR68JDIwzEtbrQI+E1eBB+wwNzhpw+80Aq5/EiVFcIE8KUMKH3qXf+zp4aITm8Pzy3vDKgGEdeIYMnCDeOJwMOrwzvBoPOit+bQMC14a3gpdFX+om3gHC/+uqrtps83OsKYVMWDDzjkmz/gvbxbrh2xwuvhTGFIXs6vFmhR48eti3EEY/IZRqy78QDwiw88FCpC0/Xa+ThzkLAvQGAOUddbm+NTDQvKzwn5gmeMSFjb3Ft4NHm9D1PLI7w1JmT/oeg83UD6uRQCUhsQsUZfmXeNF5u2GTppLTKDY0BcS899K5cESLq4Rj+caPz95xSd73HUzcGxoVc+Bu/e8MVtIkX5TwD6qefHINgYcScwFEfopSsntzokaLrxJLVsfueEq4HEXJtUwceIO3zmfMk/M8UuXMcD/rMNfozxQjfYeSpz5+yzDU4gU01DZrjGSfn9cEIL4Hro9BPryHmOK6BtrwLBfrpzvG27djyd29Ku2NLHY4ln9FWMl6wcP2gTjd/XJo4LBhXxtc/H6jXP+cYf45L9oVm8GBsYeF9ESj1uDaS/c1dUyrHhH9nqsagBCQ2QYnpeBEQAREQgcAEJDaBkekEERABERCBoAQkNkGJ6XgREAEREIHABCQ2gZHpBBEQAREQgaAEJDZBiel4ERABERCBwAQkNoGR6QQREAEREIGgBCQ2QYnpeBEQAREQgcAEJDaBkekEERABERCBoAQkNkGJ6XgREAEREIHABCQ2gZHpBBEQAREQgaAEJDZBiel4ERABERCBwAQkNoGR6QQREAEREIGgBCQ2QYnpeBEQAREQgcAEJDaBkekEERABERCBoAQkNkGJ6XgREAEREIHABCQ2gZHpBBEQAREQgaAEJDZBiel4ERABERCBwAQkNoGR6QQREAEREIGgBCQ2QYnpeBEQAREQgcAEJDaBkekEERABERCBoAQkNkGJ6XgREAEREIHABCQ2gZHpBBEQAREQgaAEJDZBiel4ERABERCBwAQkNoGR6QQREAEREIGgBCQ2QYnpeBEQAREQgcAEJDaBkekEERABERCBoAQkNkGJ6XgREAEREIHABCQ2gZHpBBEQAREQgaAEJDZBiel4ERABERCBwAQkNoGR6QQREAEREIGgBCQ2QYnpeBEQAREQgcAEJDaBkekEERABERCBoAQkNkGJ6XgREAEREIHABCQ2gZHpBBEQAREQgaAEJDZBiel4ERABERCBwAQkNoGR6QQREAEREIGgBCQ2SYjt2bPHHDhwwP6lYMGC5sgjj8yVqzv+iCOOsMfzv0pWAvCEE2wKFSp0WOLZvXu3ve7ChQvn+/r37t1r9u/fbwoUKGCOOuqofNd3sCoIk0FYfXZ9Yl7q3g2LavZ6JDZJ2M6bN8988803duKdffbZ5pRTTslxBDZt2mQ++OADK04nn3yyOeecc6IbrX9JzZs3bzZLly41p556aqLH69atMx9++KEpVqyYufHGG2N1Jbt27TKffvqpufLKKyPt14svvmj++ecfc9ttt+VbcIcPH25+//130759e1OvXr1I+x20ckRwwYIFpnLlyubYY4/Ncvpzzz1nf7/nnnuCVhvZ8a5PN910kznmmGMia+dwr1hik2QG7Nixw7z77rsGo1m2bFnTs2dPU7Ro0WxHYqTeeOMNs3XrVrvCxFhVrVr1sJ5T33//vZkwYYJp1aqVad26dYLFH3/8YZkiNnfccUdsGNGvgQMH2vG96667Iu1X//79DR7JAw88kG+xGTRokBX0iy66yC5y4lQYf+bBrbfeasqUKZOlazCg9O3bNzZddn1iXjI/VaIhILFJwhUvZc6cOeaLL76wf23atKnp0KFDtiMnTpxoJk+ebD9nhdmsWbNoRulfUivcxowZY6ZPn27OPPPMLGKDkcULJCRZvnz52FzRqlWrzDvvvGNKliwpsQlpVF544QW7AMOD84sN4k6pUKFCSK3lvxrXJ+ZlXiHz/Ld2+NYgscll7N977z0bqqB06dLFNGzYMHH0+vXrzfvvv2/+/vtvU61aNevV+GPn+/btSxzPJI4iHoyBJ2xBCdIG53Au/+hXXuf6j0+2T5Cb2KRyi7lrcX3ytpHb35LV7e2vY5PMkKQiNv62Ha/crinZ2Kfr2XjH2LUdlWfj+p1sPqQ6Z3ITm9yYpcOZ+rzn0e8wBcPxoI2w607lnsikYyQ2uYwm4bS3337brtIqVapkLr/8chvT5aYj9IKhwiDyeY0aNRI1EV774YcfDILkEg2KFClivZ+jjz46S4us9gk78Lnfe2JDnb/t3LnThqUI6VHcOYRQ5s+fb+PjGKETTzzRnHbaaXnOz5UrV5off/zRbti7Urp0aXPWWWdlCxfSf+qfO3duQtRoCw7nnXdeYrObTdbPP//csErcsmWL7Wu5cuVM9erVrWfIZ+PGjbP1d+zY0Ta7aNEi89NPP5kqVapYr3DSpEn2fCc27EU0atTI/v7rr7/aYx1P6md/LJnocX3Tpk2zIStXMBR169a19bkCW8Zw+fLlNrGjZs2almPXrl0Tx3BdX3/9tWEuuLYJmcKZRYa/cAysfvnll8TxcIDtM888EziMtm3bNoMHzaLGiWbLli0tK38YjesdNWqUbePCCy/MFqqDCWwIu9WuXTvR9U8++cTy57q+/fZb22/4nnvuufYY9pmYz2vXrk3MAT5nLNu0aWO9QgosmVcLFy60fWA+sulOPe4Y2qJ069YtCzrm+HfffWc2btyY+Jz64cbc9Bb6M2LECPsRi0DmFSFvx+ekk04yDRo0yPM+cAe4PnXq1Mlwn1K4x/HQly1blhhH5gbeD32ClbfMmDHDziPajtseWsogIj5QYpMH4FmzZpmvvvrKTj5uSG4cjBQ3H5OPzzC6rvz11192bwLj6ia/8yD4HYHAQ3JeTm4ra25AQjzbt283V1xxhTnhhBNsnRgM2uCG5UbBkNIGiQzcMDkVrgEjxU1NoQ/8c/0jS+qWW24xJUqUSFSBkacNJwAc7zwpNn/x6AiVYAyffvrpbE03btzY9glD9eabb5rixYsnNoenTp1qxo4da+rUqWMFdcWKFQkurj2MCYb7t99+S1ynM/okb3Dju8LnCB6ilOz6+Ix9JEJ8FNjC31tg+X//93/2I/720Ucf2Wvzs+L3q666yoqpt33En8171z7/0y+EDGOEoUx1zwYD+sorr1jebr5QF4abfjLHvHs2LHKef/55g0Def//92RYOJEHQv3bt2pkWLVok+v3www+btm3bWlFzY0uYi0QOxoVxY8GVbD4j0mysMwdYlHDtXq+Oc26++eZE6JS2KP369Uu0/+eff5pXX33V9jtZGz169LBz3zFgkfTEE0/YY5k7yebGxRdfnLLguD7de++9ds8GxtzzM2fOzDKPHBtElAWJN6tw5MiRdt5551e2m+Ew/0Bik8cEYGKTRYUhZBWNgWP1hqiwIid5wBVulsGDB1sjxYqOlTcrIAwMNzkigbG9/vrrEwY9P2JD3WT8IF4YRFarrKJzKqyEMTisOhEBF6Omf6zMNmzYYG/q7t27W0+L45566inb//r161vDipHD8MCA68VoYbw4hpsTcYIVnl6tWrUS3k1uYuNSoVklY7wwVngHsKGPGF2MCu27/bTVq1dbtg8++GDicmkXcaBfeB6woL/8Tt/wCI8//ngrkBgKRIw2WPG7VTQGzXmHLozKOTCmPQzO4sWL7eqdwiIA40NxQkMfGQuun5/pF39zIpmK2GCAmXd4xxhyFjXMP8Zk/PjxCa8tLLGhbgwt40k/WUhwDVOmTLGeA7yaN29u5y8MmP9wQ+DwtBg7xG/JkiV2QeO8cTxg2LkEG7/Y4DF+/PHH9t7gWBYCzAHmEws9shhZ/MDZ7fV5xQZPxPWLc9hDpW9cCwkKzlPJ7Tb3iw3eDGFK5gL94Zr5mbniFjLcI17vkHsLr4y5QhREJTsBiU2Ks8LF293hGMhLL700y8oWg/LZZ5/ZiXnNNdfYiecKN9WAAQOsIcXVvuSSS+yf8iM2nI/YIXqplNdee80aL0JyGAdvwYgRa0e0brjhBlOxYkUbOiL0g6FgpewtrILxTDDoHE/Jbc8mN7HhXOrw3qQYOdLPKV5e/I5Refzxx+3fvCtkBJCQF14EoU1vQbwYG8SHrCPnveXE361UMfRsdPsLRg0GhKQIWTHmbh+FEA4ra29h5Y6YU1IRG/YKETvY40ExHq6Qms+1YPTDEhvq9ie5UD9eDQYfAT7//POzXNPo0aNtqIkUd/7mPI/c9mz8YgN/QtKIHZ46Y+cKvGCKZ0/04PTTT7d/8oqN30tjfpMh6jyuUqVK5Xlr+MUGb5u5fcYZZ1iPz1veeustO458nkrIOs/GD6MDJDYpDjYrfwyZCxG48JD3dFZ0xLyJ5V922WXZYuasrompe413fsQGwcNwpVJYgT755JO27TvvvDPpKRhrDCj7GhhQFxrDiLB6RVgwBrSbbBM2XbFhFUqoxJu5xCqREBJt33fffVn2umjnkUceySY2GCWMNB4I+zPegoHi+jGgpDh79xmSZaMhsojttddea4477rhsvNhbwotFtOg73hOGkXMQGn/cfs2aNQZDlarYELokLIWnSf3e5BJvan6YYuPCSN6LxRuEKSn93vFhDJgrhGTZk7vgggvSEhsyPmfPnm2z0/D4/XtwhLO49/BqCMf5xYbndfA8XMELJsTMgoQFjD8bLtnE94sN10SoHMFi3nPtiD3zKookn1Tu30w4RmKT4ihirEkW4ObDOGKw/ZuErMRZkTtj7a+a8BOrPopbkedHbDD+7LGkUrgJX3rpJXuzJHtmiDowIIQ/3Gqe31klsrKlYAgIpxDuIGbNcV7RSVdsEAYz/ItnAAAazElEQVRWtd4bGU8Lb5I2MYL+PieL/TsO9IPzMcoYDkI0XJfbZA8iNoRhcspuok7+hhEkdEPYCyHGE0kmUI8++qgVu1Q8G7xgQmmsoFlh+wtzkVBimGLz3//+N0djSr8x4ITK8OpgisDCOT9igzBQVzLPiWsmiWTIkCGWs9tL83o2/j5zj+Ep0bd0xYZr4kFP7nkKosM/BIc9ROaiRCcVq5P1GIlNAGavv/66NbzeVZb3dOd+sxrK6U0CycIIOT3nkVeCQE79SHZJuP6Ecpxo5HbZiMndd99tD8FAE7NnL8bdfO5cjuM63RsW0hUb9oO8GWDUn47YuMw5xgFD7S0uEYLPgohNXinh1NerVy/bHmKDALNhnixLLkjqszuWcfAmbLhrSpb6nJ8EAe8CyMsN480eBiEzxCZZyY/YsJjBS7zuuuuyhJ297fjvGa/YeMOonBOG2FAPizOiEOy3+RMe2CclczROzwoFMGOH7FCJTQD0eYmN82yShdhoBoPEihXDx4qMkh/PJojY4JG9/PLLdsOUsExuBUPp0qw5DiPO+RgzQoneFFjvmxMOtdiwl8FeC8YBkcDLIG2WkBab+Ow/BA2jOQ8uN14IDOOI2MAXzybZg6uPPfaY7Vsqns2zzz5rvSXvXoW3D6zeMYSpejaMDckhJEUky0ZLJjawYvPeJUMwLwhZYWTZP4E3oeH8iI3LCPQ/BOyulY13hBXPwr114GCIDe3jHZF6jgeJh8zPLskDDmTr6Y0DqRtQiU3qrExeYuPeKMC+BskD/tUt3gE3L6GoPn36ZBEbJi/ZM950SlJlhw4daid4stTnIGLDjUJaLH3ybpB7L5/VHIJCeM5lheER8bM/9k2mEPtT7JOQKcb1HmqxcRvTbFizh+AtZEkhBvQxiGdDeC/ZcxNwYl8Jr4N/eLzs4eCNkvzh3zOiXcJo/J+K2FAXfWb/7+qrr84StqEOhBOPICexYS55FwwsdHiHH4uGVMUGYcTDQnRIX2cR5S0sPMhIy4/YkCqNaJFMw/6YP2TpFnAsGm6//XbbfNRiQ/iV+4Vx9YsJ14zA4uWRBJTsWasAJuWwOlRiE2C48xKbn3/+2T7nwYqa9FrcbVcIR3E+xplVtnvpIxvHxK0RAdIpvQ+HciMTEsLY51dsMBwYY9rHeLJi9++RuOeDSCXl+RUycljRsZlOaMhfSDNm1Ythpe+HWmxIGnDC7M1q4jP3vi6uIRWxwTATPiIFnFCWf3+OsaFOjCQsGSMEgs10xBce3mdj2AjnFUiUVMTGPd/E4sM/l1jtk0DAytsrNvyO94pH5H/eg3mGN4SRDCI2eGPJ+ox4sZeCyDZp0sSGldLJRmNPhgUVfEmq8Rpv9odgyiLIG5qOWmzI9OPZHXcf+Oe9Sx6R2AQwnjzX169fv///Ln2VPAnkJTasarmh8Qa4eYhD8z/7D3gBGGaEiFRal0HDSpPX3iACZL24FFJuYkJCrCrDEBsujmcEMHrUyTMgGCT6hxCRwkpWEP2j33hNXA8PamKs2fAmQ815PIRj2CjGwLhnTbxiw7MVpFizmcreTm6pz2Ht2ZAAgWEigwuOCDjGFY4uySEnsWEFiwcBD5cu+7///c8adP5GfTCBFV4N40xhY5uUYTjg7RHnhwOLBvcEPinxvJgyyHM2XkOL2DtPmetxokF9XrHhb4ScCK+xKme8mGfMP8JVFPofRGxgQL14i/zjOqmPtGz3Bgq4sBnvBNmNA2nhzAGe2XFevn//xfs8EfMEYXXPppGJRniS0CRzzD1KELXYsJDAg3Hji5i6ucTeFXz99zF7RSwo4e3NjsvTqBxGB0hsAgx2XmJDVWTW8CoN98S1t3puVDbUiXe7mw/DzwR2Tyt7jyerjVAaRj+/ng31Ug+b/YhKskL/MA78c4YDkXSvMPGfw/FkSrlkCIwfYQ88IldcZt7BEBvnWbonvb39RdBIJaaPhBGdoLg9M3esN52cZ3MYG39ihDuW55tIc3Zp1HyOAJMC74TFHcsDqW6zORXPhvMYe7wH72t3+BwhgT2hHv9bn90LZP3t4zFwDt5aqmJDHd43Mnh5Mj9YgLCfATMyBt3Due5NBe54r5eVLIsQLlyne4OA/57p3LmzfTDUhdiiFhvad55tsvsEb5MwrfddiXqDQN6GVGKTN6PEEUxA4vTEwlkF51S4GRAcjIW76d0TzTml0fK2ZPfuL45hw5QsL0JVhEVIuXRhOQw3n7OPgisftHBzEyt3RhQjxKqS5xySpUVjxL3PGNEexoaVu//19hhGVrbOcPCUNQbZfZ8N7biQnNv34Rj/e+FYTfP9L4gyx/ufBM/pe1EQRlam3peTsqeAIMIYwfH2gWvBoOKpUWDfu3fvLEjJmHLv3uIP7k0SOT3Uh5gjuq4PeKzs41APfIJ8nw2rZQyxeyDUPfxIGzl9nw3jRfjVZY8RUiTUh6dAeIi5BRNX8vqOGbwlRMXNZeYIc4U5zbNQjDWLIZfuzT3C3qTLCGSeuu8wyqkt5uKwYcOytIOI83Cu/ztx3Byj//7vxaFNwnLcg/QplYc6c/o+G97UwCLQu3ghrMrekj9DkPuDOcTi63B/+3tO9khiE9RS63gREAEREIHABCQ2gZHpBBEQAREQgaAEJDZBiel4ERABERCBwAQkNoGR6QQREAEREIGgBCQ2QYnpeBEQAREQgcAEJDaBkekEERABERCBoAQkNkGJ6XgREAEREIHABCQ2gZHpBBEQAREQgaAEJDZBiel4ERABERCBwAQkNoGR6QQREAEREIGgBCQ2QYnpeBEQAREQgcAEJDaBkekEERABERCBoAQkNkGJ6XgREAEREIHABCQ2gZHpBBEQAREQgaAEJDZBiel4ERABERCBwAQkNoGR6QQREAEREIGgBCQ2QYnpeBEQAREQgcAEJDaBkemEQ0Vgx44dZt++fYnm+YbR3L7vnW+W5JsuvefwTZx8Uyfn5lX4pku+Sptvx+QbGlVEQATSJyCxSZ+dzjyIBCZNmmRmzJhhxcOVggULmlNPPdX+8391MMeMGzfO8BXJfK22K4UKFTINGjQwHTt2zLP3tPndd9+ZE044Ia2v386zAR0gAocRAYnNYTTY/9ZLHTlypPnpp59s970eCZ4L5eyzzzZnnXVWlsv78ssvzaxZs7KdwwecV69ePdOtW7cckXDMI488Yv9erVo1ic2/dfKo37EhILGJzVCoI8kIbNy40bz99ttmz549pnHjxgmPBDGYN2+eGTFihBWgPn36GLwWytatW82gQYPM5s2bTe3atc1ll12WqHrNmjXmo48+MoTkrrvuOlO5cuUszVLv+PHjzbRp0xLhN4mN5qYI5J+AxCb/DFVDhAQw+mPHjrVhsh49epgSJUpkae3hhx+2vz/wwAMJsVm0aJEZMmSIKV++vLnhhhtMgQIFspxDKO7pp582xx13nOnVq1fib0uWLDF4UQgRooNQLVy4UJ5NhOOrqg8fAhKbw2esM+5KXajL79k4salQoYK56aabkl63E6l+/fol/j5mzBjz448/muOPP95ceeWVVmjwnNLxbFz9Dz30kBk9erSZPXu2FTBK2bJlzeWXX26KFStm/zZnzpxEH4oUKWLOOecc07Rp0yz9/uWXX8w333xjtm3blvicZIfTTjvNNGnSxNapIgJxJiCxifPoqG85Eti9e7dBHNjLQRzwesgao6QrNghNlSpVrBdVtGhRM3fu3HyLDWG61atXZ7sOBAyRXL58eUKE3EFcR+/evQ0JEBSSHD7//HOzf//+pDzo89VXX53Ng9P0EYE4EZDYxGk01Jc8CaxYscJ88MEHif0UUp/Z6EdwXMkrjIZ38Pzzz9vDvZ6Nv/EwxAbhIPOtUaNGtvpvv/3WkOVG4W+dO3c2DRs2tL8jPIT/9u7da4+/8MIL7ed4P9OnTzfVq1e3HpELCxJiZH+J0rVrVxv2UxGBuBKQ2MR1ZNSvpAQWL15sPvzww8Tf2MMhs6xdu3aGsJIz2u4YhKhWrVpZ6ho4cKBBtA6G2NA+/fOWRx991HopeD0kKXgz7IYNG2YImXlDd6NGjTIzZ840zZs3t9fpjidpYtWqVYbngQgZ+vezNIVEIE4EJDZxGg31JRAB9kHYx9i1a5epW7eu6d69e+J8Ms7Yc6Gwn9G6dWsbziIdGuPsHvSM2rMhS65w4cJZrqt///7We+nQoUO2vRky7IYPH26qVq1qQ4MUEiSmTp1qf6auli1bmvr169uf9bBpoCmjgw8hAYnNIYSvpvNPYOnSpTaVGQHBS3DhNFKmCT8tW7YsSyPsxbABz3M4B8OzIUHA7SW5jjixSSZEycRmw4YN1pvzJgfg3ZQrV84+cFqnTh1To0aN/MNUDSIQIQGJTYRwVXX0BBAZnqkhLMaKHyFxhewvPJkpU6bYdGZCU+xtsOeRLBvN39sw9mzCEBvXL/Zt2KPBK/O+gofr6dKlS7ZwXfT01YIIpE5AYpM6Kx15CAggGOzTYFxr1qyZLeOKvQ/Sk+fPn29atGhh9zTyKggT+zZke/Xt2zfHw+MmNnQUDps2bbL7Otu3bzcLFiwwZOZVrFjR3HjjjXlduv4uAoeMgMTmkKFXw6kQwDMhxZm3AxAmK126dJbTMLQDBgywBrd9+/amWbNmNquLVGGeY7n44ouzvTfttddeM+vXrzcnn3yyueiii2IvNoTW4NC2bdssbzxAaMm8Gzp0qL2G3PafUmGtY0QgSgISmyjpqu58E1i3bp1599137etq2OQ/88wzE3XyWhpW9iQJIEbsgbCXwWtqBg8ebF9b06pVK3ueK7wlgA14wm89e/a0WVw5lTh4NiQ/cC0kN/AC0U6dOiWev+EaeFHo5MmTraDeeeed+eatCkQgKgISm6jIqt7QCLgn+6mQV9CwR4Go8DZnNs352f+eM5eNxrFko7FJj3HesmWLFS6y1y655JJsm/feTsdBbOjPxIkTraCQ2o1nR/iPn7kOrofrYq+KPSsVEYgrAYlNXEdG/UoQYN9mwoQJNpTE98t4C8+WtGnTxobEvIUQ0/vvv289Au9mOh4QacWXXnpp4rmcOHs29I1rQTxXrlxpw4XeQvozwkkatf8dcJpCIhAnAhKbOI2G+pIjAQRn7dq1dlPcvWPMrfTLlCmT9MvQ3EOPPNPCOXhApD6THu0eAM0NOZ4TezucwwZ8kEJKNoWn/v1f1EY6Nv0hO87fD9cm70irVKlSokkEB+HkJaLu+qmXL4Lj4dBUvgwuSP91rAiETUBiEzZR1ScCIiACIpCNgMRGk0IEREAERCByAhKbyBGrAREQAREQAYmN5oAIiIAIiEDkBCQ2kSNWAyIgAiIgAhIbzQEREAEREIHICUhsIkesBkRABERABCQ2mgMiIAIiIAKRE5DYRI5YDYiACIiACEhsNAdEQAREQAQiJyCxiRyxGhABERABEZDYaA6IgAiIgAhETkBiEzliNSACIiACIiCx0RwQAREQARGInIDEJnLEakAEREAEREBiozkgAiIgAiIQOQGJTeSI1YAIiIAIiIDERnNABERABEQgcgISm8gRqwEREAEREAGJjeaACIiACIhA5AQkNpEjVgMiIAIiIAISG80BERABERCByAlIbCJHrAZEQAREQAQkNpoDIiACIiACkROQ2ESOWA2IgAiIgAhIbDQHREAEREAEIicgsYkcsRoQAREQARGQ2GgOiIAIiIAIRE5AYhM5YjUgAiIgAiIgsdEcEAEREAERiJyAxCZyxGpABERABERAYqM5IAIiIAIiEDkBiU3kiNWACIiACIiAxEZzQAREQAREIHICEpvIEasBERABERABiY3mgAiIgAiIQOQEJDaRI1YDIiACIiACEhvNAREQAREQgcgJSGwiR6wGREAEREAEJDaaAyIgAiIgApETkNhEjlgNiIAIiIAISGw0B0RABERABCInILGJHLEaEAEREAERkNhoDoiACIiACEROQGITOWI1IAIiIAIiILHRHBABERABEYicgMQmcsRqQAREQAREQGKjOSACIiACIhA5AYlN5IjVgAiIgAiIgMRGc0AEREAERCByAhKbyBGrAREQAREQAYmN5oAIiIAIiEDkBCQ2kSNWAyIgAiIgAhIbzQEREAEREIHICUhsIkesBkRABERABCQ2mgMZR+CLL77Ick2dOnXKuGvUBYnAv42AxObfNmLqb54EFi1aZIYMGWKPK1mypLnrrrvyPEcHiIAIREtAYhMtX9V+CAjs2LHDfPDBB2b9+vWmQ4cOpmnTpoegF2pSBETAS0Bio/mQkQQ+++wzs3r1atOzZ09z9NFHZ+Q16qJE4N9EQGLzbxot9TUQge+//960bNky0Dk6WAREIBoCEptouKpWERABERABDwGJjaaDCIiACIhA5AQkNpEjVgMiIAIiIAISG80BERABERCByAlIbCJHrAZEQAREQAQkNpoDIiACIiACkROQ2ESOWA2IgAiIgAhIbGIyB9auXWu2bt1q6tWrF1qP5s+fb+vjSfrNmzebMmXK2P/TbWP58uVm3759Zvbs2aZ+/fpmwYIFpmbNmmbDhg2mXbt2afV78uTJpkCBAmbFihW2X/S5cePG5qijjjK1atVKq87p06ebcuXKmQMHDtj/6V/p0qXtq2vSKfTtt99+M61btzarVq0yVatWNbCoVKmSKVKkSOAqN23aZK/z77//tn1atmyZqVy5sh2n7t27B66PExhX+rZlyxZTpUoVM3PmTNOwYUOzceNG06pVq7TqhGPZsmXNrl27TIkSJcxff/1lH5CtUKGCKViwYFp1MmeOPfZY299SpUol/uf6g5YZM2aYatWq2WukX7w5omjRovb/Y445xo45/VaJBwGJTTzGwRoKbhhukLDKn3/+aYoXL262b99udu/ebQ3E/v3789XGnDlzDMbylFNOMYMGDTJdunQxCMZVV12VdrcxjNTRrVs3M3jwYNOrVy+zdOlS06RJk7TqfPHFFw0v38QQhVEwtn/88UeW+v755x/Dv3TEhoXF4sWLrZFEGMaPH29OO+00K9633XZb2l1GHPbu3WuaNWtmXn75ZXPttddarum+iBRBZD4eccQRVhS3bdtmf0fECxcunFY/mecsWBAF/qewsChfvnzg+jgfcWVu069169aZihUrWvFmocLijQWWSjwISGziMQ52hTd16lT7Lq+wCitRVni8mHLJkiXmpJNOMvPmzUu7DYwhK3y8BYSsdu3aVhTwctJZmXKdnI/ngJfw+++/W4OOIebJ/3RXpdSJsM6aNcu+Fw0xo4/pekqIAm8jaNu2rRk3bpzp2LGjGTVqlGnfvn1aRhfjOGXKFHvNeF14DxjGYsWK2TFKtzAmGGAEpm7dunbMGzRoYAUtnTJ69OiEx8VY0G/KGWecYY488sh0qrTcWrRoYaZNm2YaNWpkfv75Z1OnTp20FwbcN7/++qsVwEKFCtl5yfxE1PC2+UwlHgQkNvEYB/VCBERABDKagMQmpsM7YMAAu/JjnyCMwup80qRJpmvXrmFUZ+uYO3euXY1Xr149lDpXrlxpvxqgd+/eodRHJSNHjrRhlbvvvju0Op988klz77332r2mMAqr8rFjx5pzzz3XhqzCKM8++6x9CSn7ImEUvOPhw4ebPn36hFGdrWPgwIHWO2QPKKzy0ksvmWuuuSZtrzisfqie7AQkNjGdFc8884zdKG/Tpk0oPSRcM3HixLQ3oJN1ghAIYlOjRo1Q+ojYsA/Ut2/fUOqjkhEjRthQ3X333Rdanf379zf3339/qGIzZswYa3jDEpunnnrKXH/99fnan/MCW7hwoRk2bJh58MEHQ+P4zjvvmPPPP9/us4RVXnjhBdOjR4+0k0HC6ofqkdj8a+YAYkP8PZ0N6GQXSV1sdLOHE1bZs2ePjd2HtcJnw51MonSzxpJdFxlfbJqHWScb5WHWR7937txpN83DKvSR5JB091b8/YChy54Lq4/sKXLNJAiEWSQ2YdIMry55NuGxDLUmxIa04rC++IsNaDbK2eQOq7CRj7FINznA3w+yiVjhYyzCKoQO16xZY6644oqwqjTvvfeezb4Ly0gSRmPD/PTTTw/Ns8FD7Ny5c2jhJJI4JkyYYDPcwip8fTfJAmFmjH366afybMIaoJDrkdiEDDSs6hRGC4ekwmjhpNIrjBbOfDyca5HYxHT0P/zwQ5taLM8mfwP0b/FsSHtv3ry5PJv8DbcZOnSoTe1nL1ElXgQkNvEaD/VGBERABDKSgMQmI4dVFyUCIiAC8SIgsYnXeKg3IiACIpCRBCQ2GTmsuigREAERiBcBiU28xkO9EQEREIGMJCCxychh1UWJgAiIQLwISGziNR7qjQiIgAhkJAGJTUYOqy5KBERABOJFQGITr/FQb0RABEQgIwlIbDJyWHVRIiACIhAvAhKbeI2HeiMCIiACGUlAYpORw6qLEgEREIF4EZDYxGs81BsREAERyEgCEpuMHFZdlAiIgAjEi4DEJl7jod6IgAiIQEYSkNhk5LDqokRABEQgXgQkNvEaD/VGBERABDKSgMQmI4dVFyUCIiAC8SIgsYnXeKg3IiACIpCRBCQ2GTmsuigREAERiBcBiU28xkO9EQEREIGMJCCxychh1UWJgAiIQLwISGziNR7qjQiIgAhkJAGJTUYOqy5KBERABOJFQGITr/FQb0RABEQgIwlIbDJyWHVRIiACIhAvAhKbeI2HeiMCIiACGUlAYpORw6qLEgEREIF4EZDYxGs81BsREAERyEgCEpuMHFZdlAiIgAjEi4DEJl7jod6IgAiIQEYSkNhk5LDqokRABEQgXgQkNvEaD/VGBERABDKSgMQmI4dVFyUCIiAC8SIgsYnXeKg3IiACIpCRBCQ2GTmsuigREAERiBcBiU28xkO9EQEREIGMJCCxychh1UWJgAiIQLwISGziNR7qjQiIgAhkJAGJTUYOqy5KBERABOJFQGITr/FQb0RABEQgIwlIbDJyWHVRIiACIhAvAhKbeI2HeiMCIiACGUlAYpORw6qLEgEREIF4EZDYxGs81BsREAERyEgCEpuMHFZdlAiIgAjEi4DEJl7jod6IgAiIQEYSkNhk5LDqokRABEQgXgQkNvEaD/VGBERABDKSgMQmI4dVFyUCIiAC8SIgsYnXeKg3IiACIpCRBP4f+Vwgr9TMZycAAAAASUVORK5CYII="/>
-          <p:cNvSpPr>
-            <a:spLocks noChangeAspect="1" noChangeArrowheads="1"/>
-          </p:cNvSpPr>
-          <p:nvPr/>
-        </p:nvSpPr>
-        <p:spPr bwMode="auto">
-          <a:xfrm>
-            <a:off x="307975" y="-1089025"/>
-            <a:ext cx="3914775" cy="2600325"/>
-          </a:xfrm>
-          <a:prstGeom prst="rect">
-            <a:avLst/>
-          </a:prstGeom>
-          <a:noFill/>
-          <a:extLst>
-            <a:ext uri="{909E8E84-426E-40DD-AFC4-6F175D3DCCD1}">
-              <a14:hiddenFill xmlns:a14="http://schemas.microsoft.com/office/drawing/2010/main">
-                <a:solidFill>
-                  <a:srgbClr val="FFFFFF"/>
-                </a:solidFill>
-              </a14:hiddenFill>
-            </a:ext>
-          </a:extLst>
-        </p:spPr>
-        <p:txBody>
-          <a:bodyPr vert="horz" wrap="square" lIns="91440" tIns="45720" rIns="91440" bIns="45720" numCol="1" anchor="t" anchorCtr="0" compatLnSpc="1">
-            <a:prstTxWarp prst="textNoShape">
-              <a:avLst/>
-            </a:prstTxWarp>
-          </a:bodyPr>
-          <a:lstStyle/>
-          <a:p>
-            <a:endParaRPr lang="de-DE"/>
-          </a:p>
-        </p:txBody>
-      </p:sp>
-      <p:pic>
-        <p:nvPicPr>
-          <p:cNvPr id="7" name="Grafik 6"/>
-          <p:cNvPicPr>
-            <a:picLocks noChangeAspect="1"/>
-          </p:cNvPicPr>
-          <p:nvPr/>
-        </p:nvPicPr>
-        <p:blipFill>
-          <a:blip r:embed="rId2"/>
-          <a:stretch/>
-        </p:blipFill>
-        <p:spPr bwMode="auto">
-          <a:xfrm>
-            <a:off x="3844212" y="1286785"/>
-            <a:ext cx="4310132" cy="2953623"/>
-          </a:xfrm>
-          <a:prstGeom prst="rect">
-            <a:avLst/>
-          </a:prstGeom>
-        </p:spPr>
-      </p:pic>
-    </p:spTree>
-    <p:extLst>
-      <p:ext uri="{BB962C8B-B14F-4D97-AF65-F5344CB8AC3E}">
-        <p14:creationId xmlns:p14="http://schemas.microsoft.com/office/powerpoint/2010/main" val="1554016153"/>
-      </p:ext>
-    </p:extLst>
-  </p:cSld>
-  <p:clrMapOvr>
-    <a:masterClrMapping/>
-  </p:clrMapOvr>
-  <p:timing>
-    <p:tnLst>
-      <p:par>
-        <p:cTn id="1" dur="indefinite" restart="never" nodeType="tmRoot">
-          <p:childTnLst>
-            <p:seq concurrent="1" nextAc="seek">
-              <p:cTn id="2" dur="indefinite" nodeType="mainSeq">
-                <p:childTnLst>
-                  <p:par>
-                    <p:cTn id="3" fill="hold">
-                      <p:stCondLst>
-                        <p:cond delay="indefinite"/>
-                      </p:stCondLst>
-                      <p:childTnLst>
-                        <p:par>
-                          <p:cTn id="4" fill="hold">
-                            <p:stCondLst>
-                              <p:cond delay="0"/>
-                            </p:stCondLst>
-                            <p:childTnLst>
-                              <p:par>
-                                <p:cTn id="5" presetID="1" presetClass="entr" presetSubtype="0" fill="hold" nodeType="clickEffect">
-                                  <p:stCondLst>
-                                    <p:cond delay="0"/>
-                                  </p:stCondLst>
-                                  <p:childTnLst>
-                                    <p:set>
-                                      <p:cBhvr>
-                                        <p:cTn id="6" dur="1" fill="hold">
-                                          <p:stCondLst>
-                                            <p:cond delay="0"/>
-                                          </p:stCondLst>
-                                        </p:cTn>
-                                        <p:tgtEl>
-                                          <p:spTgt spid="7"/>
-                                        </p:tgtEl>
-                                        <p:attrNameLst>
-                                          <p:attrName>style.visibility</p:attrName>
-                                        </p:attrNameLst>
-                                      </p:cBhvr>
-                                      <p:to>
-                                        <p:strVal val="visible"/>
-                                      </p:to>
-                                    </p:set>
-                                  </p:childTnLst>
-                                </p:cTn>
-                              </p:par>
-                            </p:childTnLst>
-                          </p:cTn>
-                        </p:par>
-                      </p:childTnLst>
-                    </p:cTn>
-                  </p:par>
-                </p:childTnLst>
-              </p:cTn>
-              <p:prevCondLst>
-                <p:cond evt="onPrev" delay="0">
-                  <p:tgtEl>
-                    <p:sldTgt/>
-                  </p:tgtEl>
-                </p:cond>
-              </p:prevCondLst>
-              <p:nextCondLst>
-                <p:cond evt="onNext" delay="0">
-                  <p:tgtEl>
-                    <p:sldTgt/>
-                  </p:tgtEl>
-                </p:cond>
-              </p:nextCondLst>
-            </p:seq>
-          </p:childTnLst>
-        </p:cTn>
-      </p:par>
-    </p:tnLst>
-  </p:timing>
-</p:sld>
-</file>
-
-<file path=ppt/slides/slide9.xml><?xml version="1.0" encoding="utf-8"?>
-<p:sld xmlns:a="http://schemas.openxmlformats.org/drawingml/2006/main" xmlns:r="http://schemas.openxmlformats.org/officeDocument/2006/relationships" xmlns:p="http://schemas.openxmlformats.org/presentationml/2006/main">
-  <p:cSld>
-    <p:spTree>
-      <p:nvGrpSpPr>
-        <p:cNvPr id="1" name=""/>
-        <p:cNvGrpSpPr/>
-        <p:nvPr/>
-      </p:nvGrpSpPr>
-      <p:grpSpPr>
-        <a:xfrm>
-          <a:off x="0" y="0"/>
-          <a:ext cx="0" cy="0"/>
-          <a:chOff x="0" y="0"/>
-          <a:chExt cx="0" cy="0"/>
-        </a:xfrm>
-      </p:grpSpPr>
-      <p:sp>
-        <p:nvSpPr>
-          <p:cNvPr id="4" name="TextBox 3"/>
-          <p:cNvSpPr txBox="1"/>
-          <p:nvPr/>
-        </p:nvSpPr>
-        <p:spPr>
-          <a:xfrm>
-            <a:off x="2178287" y="294605"/>
-            <a:ext cx="7774486" cy="7109639"/>
-          </a:xfrm>
-          <a:prstGeom prst="rect">
-            <a:avLst/>
-          </a:prstGeom>
-          <a:noFill/>
-        </p:spPr>
-        <p:txBody>
-          <a:bodyPr wrap="square" rtlCol="0">
-            <a:spAutoFit/>
-          </a:bodyPr>
-          <a:lstStyle/>
-          <a:p>
-            <a:endParaRPr lang="en-US" sz="2400" dirty="0"/>
-          </a:p>
-          <a:p>
-            <a:r>
-              <a:rPr lang="en-US" sz="2400" dirty="0"/>
-              <a:t>Each sequence will last about </a:t>
-            </a:r>
-            <a:r>
-              <a:rPr lang="en-US" sz="2400" dirty="0" smtClean="0"/>
-              <a:t>4 min. </a:t>
-            </a:r>
-            <a:r>
-              <a:rPr lang="en-US" sz="2400" dirty="0"/>
-              <a:t>You will be able to rest between sequences. The sequence will only begin after you press the space bar.</a:t>
-            </a:r>
-          </a:p>
-          <a:p>
-            <a:endParaRPr lang="en-US" sz="2400" dirty="0"/>
-          </a:p>
-          <a:p>
-            <a:r>
-              <a:rPr lang="en-US" sz="2400" dirty="0"/>
-              <a:t>Please do your best to remain focused and alert, and keep your eyes fixed on the center of the screen. </a:t>
-            </a:r>
-            <a:r>
-              <a:rPr lang="en-US" sz="2400" dirty="0" smtClean="0"/>
-              <a:t>If </a:t>
-            </a:r>
-            <a:r>
-              <a:rPr lang="en-US" sz="2400" dirty="0"/>
-              <a:t>you need a break, or have any questions, do not hesitate to ask the experimenter.</a:t>
-            </a:r>
-          </a:p>
-          <a:p>
-            <a:endParaRPr lang="en-US" sz="2400" dirty="0"/>
-          </a:p>
-          <a:p>
-            <a:r>
-              <a:rPr lang="en-US" sz="2400" dirty="0"/>
-              <a:t>We will start with </a:t>
-            </a:r>
-            <a:r>
-              <a:rPr lang="en-US" sz="2400" dirty="0" smtClean="0"/>
-              <a:t>a calibration task in which you can practice time estimation, followed by a </a:t>
-            </a:r>
-            <a:r>
-              <a:rPr lang="en-US" sz="2400" dirty="0"/>
-              <a:t>few practice trials, and you will have a chance to ask questions before starting the </a:t>
-            </a:r>
-            <a:r>
-              <a:rPr lang="en-US" sz="2400" dirty="0" smtClean="0"/>
-              <a:t>experiment. </a:t>
-            </a:r>
-            <a:r>
-              <a:rPr lang="en-US" sz="2400" b="1" dirty="0" smtClean="0"/>
-              <a:t>Good </a:t>
-            </a:r>
-            <a:r>
-              <a:rPr lang="en-US" sz="2400" b="1" dirty="0"/>
-              <a:t>luck!</a:t>
-            </a:r>
-            <a:endParaRPr lang="en-US" sz="2400" dirty="0"/>
-          </a:p>
-          <a:p>
-            <a:pPr algn="ctr"/>
-            <a:endParaRPr lang="en-US" sz="2400" dirty="0"/>
-          </a:p>
-          <a:p>
-            <a:pPr algn="ctr"/>
-            <a:r>
-              <a:rPr lang="en-US" sz="2400" dirty="0"/>
-              <a:t>Press the </a:t>
-            </a:r>
-            <a:r>
-              <a:rPr lang="en-US" sz="2400" b="1" dirty="0"/>
-              <a:t>right arrow key </a:t>
-            </a:r>
-            <a:r>
-              <a:rPr lang="en-US" sz="2400" dirty="0"/>
-              <a:t>to </a:t>
-            </a:r>
-            <a:r>
-              <a:rPr lang="en-US" sz="2400" b="1" dirty="0"/>
-              <a:t>proceed</a:t>
-            </a:r>
-            <a:r>
-              <a:rPr lang="en-US" sz="2400" dirty="0"/>
-              <a:t> or the </a:t>
-            </a:r>
-            <a:r>
-              <a:rPr lang="en-US" sz="2400" b="1" dirty="0"/>
-              <a:t>left arrow key</a:t>
-            </a:r>
-            <a:r>
-              <a:rPr lang="en-US" sz="2400" dirty="0"/>
-              <a:t> to return to the </a:t>
-            </a:r>
-            <a:r>
-              <a:rPr lang="en-US" sz="2400" b="1" dirty="0"/>
-              <a:t>previous slide</a:t>
-            </a:r>
-          </a:p>
-          <a:p>
-            <a:endParaRPr lang="en-US" sz="2400" dirty="0"/>
-          </a:p>
-          <a:p>
-            <a:endParaRPr lang="en-US" sz="2400" dirty="0"/>
-          </a:p>
-        </p:txBody>
-      </p:sp>
-    </p:spTree>
-    <p:extLst>
-      <p:ext uri="{BB962C8B-B14F-4D97-AF65-F5344CB8AC3E}">
-        <p14:creationId xmlns:p14="http://schemas.microsoft.com/office/powerpoint/2010/main" val="735242250"/>
       </p:ext>
     </p:extLst>
   </p:cSld>

--- a/instructions/Instructions.pptx
+++ b/instructions/Instructions.pptx
@@ -312,7 +312,7 @@
           <a:p>
             <a:fld id="{9D7C6ACB-8DF6-1449-BE97-CA8D947F79D3}" type="datetimeFigureOut">
               <a:rPr lang="en-US" smtClean="0"/>
-              <a:t>5/15/2023</a:t>
+              <a:t>5/16/2023</a:t>
             </a:fld>
             <a:endParaRPr lang="en-US"/>
           </a:p>
@@ -480,7 +480,7 @@
           <a:p>
             <a:fld id="{9D7C6ACB-8DF6-1449-BE97-CA8D947F79D3}" type="datetimeFigureOut">
               <a:rPr lang="en-US" smtClean="0"/>
-              <a:t>5/15/2023</a:t>
+              <a:t>5/16/2023</a:t>
             </a:fld>
             <a:endParaRPr lang="en-US"/>
           </a:p>
@@ -658,7 +658,7 @@
           <a:p>
             <a:fld id="{9D7C6ACB-8DF6-1449-BE97-CA8D947F79D3}" type="datetimeFigureOut">
               <a:rPr lang="en-US" smtClean="0"/>
-              <a:t>5/15/2023</a:t>
+              <a:t>5/16/2023</a:t>
             </a:fld>
             <a:endParaRPr lang="en-US"/>
           </a:p>
@@ -826,7 +826,7 @@
           <a:p>
             <a:fld id="{9D7C6ACB-8DF6-1449-BE97-CA8D947F79D3}" type="datetimeFigureOut">
               <a:rPr lang="en-US" smtClean="0"/>
-              <a:t>5/15/2023</a:t>
+              <a:t>5/16/2023</a:t>
             </a:fld>
             <a:endParaRPr lang="en-US"/>
           </a:p>
@@ -1071,7 +1071,7 @@
           <a:p>
             <a:fld id="{9D7C6ACB-8DF6-1449-BE97-CA8D947F79D3}" type="datetimeFigureOut">
               <a:rPr lang="en-US" smtClean="0"/>
-              <a:t>5/15/2023</a:t>
+              <a:t>5/16/2023</a:t>
             </a:fld>
             <a:endParaRPr lang="en-US"/>
           </a:p>
@@ -1356,7 +1356,7 @@
           <a:p>
             <a:fld id="{9D7C6ACB-8DF6-1449-BE97-CA8D947F79D3}" type="datetimeFigureOut">
               <a:rPr lang="en-US" smtClean="0"/>
-              <a:t>5/15/2023</a:t>
+              <a:t>5/16/2023</a:t>
             </a:fld>
             <a:endParaRPr lang="en-US"/>
           </a:p>
@@ -1775,7 +1775,7 @@
           <a:p>
             <a:fld id="{9D7C6ACB-8DF6-1449-BE97-CA8D947F79D3}" type="datetimeFigureOut">
               <a:rPr lang="en-US" smtClean="0"/>
-              <a:t>5/15/2023</a:t>
+              <a:t>5/16/2023</a:t>
             </a:fld>
             <a:endParaRPr lang="en-US"/>
           </a:p>
@@ -1892,7 +1892,7 @@
           <a:p>
             <a:fld id="{9D7C6ACB-8DF6-1449-BE97-CA8D947F79D3}" type="datetimeFigureOut">
               <a:rPr lang="en-US" smtClean="0"/>
-              <a:t>5/15/2023</a:t>
+              <a:t>5/16/2023</a:t>
             </a:fld>
             <a:endParaRPr lang="en-US"/>
           </a:p>
@@ -1987,7 +1987,7 @@
           <a:p>
             <a:fld id="{9D7C6ACB-8DF6-1449-BE97-CA8D947F79D3}" type="datetimeFigureOut">
               <a:rPr lang="en-US" smtClean="0"/>
-              <a:t>5/15/2023</a:t>
+              <a:t>5/16/2023</a:t>
             </a:fld>
             <a:endParaRPr lang="en-US"/>
           </a:p>
@@ -2262,7 +2262,7 @@
           <a:p>
             <a:fld id="{9D7C6ACB-8DF6-1449-BE97-CA8D947F79D3}" type="datetimeFigureOut">
               <a:rPr lang="en-US" smtClean="0"/>
-              <a:t>5/15/2023</a:t>
+              <a:t>5/16/2023</a:t>
             </a:fld>
             <a:endParaRPr lang="en-US"/>
           </a:p>
@@ -2514,7 +2514,7 @@
           <a:p>
             <a:fld id="{9D7C6ACB-8DF6-1449-BE97-CA8D947F79D3}" type="datetimeFigureOut">
               <a:rPr lang="en-US" smtClean="0"/>
-              <a:t>5/15/2023</a:t>
+              <a:t>5/16/2023</a:t>
             </a:fld>
             <a:endParaRPr lang="en-US"/>
           </a:p>
@@ -2728,7 +2728,7 @@
           <a:p>
             <a:fld id="{9D7C6ACB-8DF6-1449-BE97-CA8D947F79D3}" type="datetimeFigureOut">
               <a:rPr lang="en-US" smtClean="0"/>
-              <a:t>5/15/2023</a:t>
+              <a:t>5/16/2023</a:t>
             </a:fld>
             <a:endParaRPr lang="en-US"/>
           </a:p>
@@ -3412,11 +3412,7 @@
             <a:pPr algn="ctr"/>
             <a:r>
               <a:rPr lang="en-US" sz="2400" dirty="0" smtClean="0"/>
-              <a:t>Press </a:t>
-            </a:r>
-            <a:r>
-              <a:rPr lang="en-US" sz="2400" dirty="0" smtClean="0"/>
-              <a:t>the </a:t>
+              <a:t>Press the </a:t>
             </a:r>
             <a:r>
               <a:rPr lang="en-US" sz="2400" b="1" dirty="0" smtClean="0"/>
@@ -3540,13 +3536,13 @@
         </p:nvPicPr>
         <p:blipFill rotWithShape="1">
           <a:blip r:embed="rId2"/>
-          <a:srcRect t="-1" b="63014"/>
+          <a:srcRect t="-1" b="79302"/>
           <a:stretch/>
         </p:blipFill>
         <p:spPr bwMode="auto">
           <a:xfrm>
             <a:off x="3844212" y="1286785"/>
-            <a:ext cx="4310132" cy="1094189"/>
+            <a:ext cx="4310132" cy="612353"/>
           </a:xfrm>
           <a:prstGeom prst="rect">
             <a:avLst/>
@@ -3568,7 +3564,7 @@
         </p:blipFill>
         <p:spPr bwMode="auto">
           <a:xfrm>
-            <a:off x="3844212" y="2333613"/>
+            <a:off x="3844212" y="2161674"/>
             <a:ext cx="4310132" cy="975013"/>
           </a:xfrm>
           <a:prstGeom prst="rect">
@@ -3753,19 +3749,11 @@
           <a:p>
             <a:r>
               <a:rPr lang="en-US" sz="2400" dirty="0"/>
-              <a:t>Each sequence will last about </a:t>
-            </a:r>
-            <a:r>
-              <a:rPr lang="en-US" sz="2400" dirty="0"/>
-              <a:t>3</a:t>
+              <a:t>Each sequence will last about 3</a:t>
             </a:r>
             <a:r>
               <a:rPr lang="en-US" sz="2400" dirty="0" smtClean="0"/>
-              <a:t> </a:t>
-            </a:r>
-            <a:r>
-              <a:rPr lang="en-US" sz="2400" dirty="0" smtClean="0"/>
-              <a:t>min. </a:t>
+              <a:t> min. </a:t>
             </a:r>
             <a:r>
               <a:rPr lang="en-US" sz="2400" dirty="0"/>
@@ -5204,11 +5192,7 @@
             </a:r>
             <a:r>
               <a:rPr lang="en-US" sz="2400" b="1" dirty="0" smtClean="0"/>
-              <a:t>little orange </a:t>
-            </a:r>
-            <a:r>
-              <a:rPr lang="en-US" sz="2400" b="1" dirty="0" smtClean="0"/>
-              <a:t>button </a:t>
+              <a:t>little orange button </a:t>
             </a:r>
             <a:r>
               <a:rPr lang="en-US" sz="2400" dirty="0"/>
